--- a/枪支信息智能管理系统_软件需求&原型设计.pptx
+++ b/枪支信息智能管理系统_软件需求&原型设计.pptx
@@ -5,23 +5,23 @@
     <p:sldMasterId id="2147483648" r:id="rId1"/>
   </p:sldMasterIdLst>
   <p:notesMasterIdLst>
-    <p:notesMasterId r:id="rId17"/>
+    <p:notesMasterId r:id="rId16"/>
   </p:notesMasterIdLst>
   <p:sldIdLst>
-    <p:sldId id="270" r:id="rId3"/>
-    <p:sldId id="267" r:id="rId4"/>
-    <p:sldId id="256" r:id="rId5"/>
-    <p:sldId id="257" r:id="rId6"/>
-    <p:sldId id="259" r:id="rId7"/>
-    <p:sldId id="260" r:id="rId8"/>
-    <p:sldId id="265" r:id="rId9"/>
-    <p:sldId id="266" r:id="rId10"/>
-    <p:sldId id="258" r:id="rId11"/>
-    <p:sldId id="261" r:id="rId12"/>
-    <p:sldId id="264" r:id="rId13"/>
-    <p:sldId id="263" r:id="rId14"/>
-    <p:sldId id="269" r:id="rId15"/>
-    <p:sldId id="268" r:id="rId16"/>
+    <p:sldId id="270" r:id="rId2"/>
+    <p:sldId id="267" r:id="rId3"/>
+    <p:sldId id="256" r:id="rId4"/>
+    <p:sldId id="257" r:id="rId5"/>
+    <p:sldId id="259" r:id="rId6"/>
+    <p:sldId id="260" r:id="rId7"/>
+    <p:sldId id="265" r:id="rId8"/>
+    <p:sldId id="266" r:id="rId9"/>
+    <p:sldId id="258" r:id="rId10"/>
+    <p:sldId id="261" r:id="rId11"/>
+    <p:sldId id="264" r:id="rId12"/>
+    <p:sldId id="263" r:id="rId13"/>
+    <p:sldId id="269" r:id="rId14"/>
+    <p:sldId id="268" r:id="rId15"/>
   </p:sldIdLst>
   <p:sldSz cx="12192000" cy="6858000"/>
   <p:notesSz cx="6858000" cy="9144000"/>
@@ -120,6 +120,11 @@
       </a:defRPr>
     </a:lvl9pPr>
   </p:defaultTextStyle>
+  <p:extLst>
+    <p:ext uri="{EFAFB233-063F-42B5-8137-9DF3F51BA10A}">
+      <p15:sldGuideLst xmlns:p15="http://schemas.microsoft.com/office/powerpoint/2012/main"/>
+    </p:ext>
+  </p:extLst>
 </p:presentation>
 </file>
 
@@ -205,6 +210,7 @@
           <a:p>
             <a:fld id="{5B25E5F7-FA05-4C17-93BF-02BB2C408BE1}" type="datetimeFigureOut">
               <a:rPr lang="zh-CN" altLang="en-US" smtClean="0"/>
+              <a:t>2021/9/8</a:t>
             </a:fld>
             <a:endParaRPr lang="zh-CN" altLang="en-US"/>
           </a:p>
@@ -271,7 +277,6 @@
               <a:rPr lang="zh-CN" altLang="en-US"/>
               <a:t>单击此处编辑母版文本样式</a:t>
             </a:r>
-            <a:endParaRPr lang="zh-CN" altLang="en-US"/>
           </a:p>
           <a:p>
             <a:pPr lvl="1"/>
@@ -279,7 +284,6 @@
               <a:rPr lang="zh-CN" altLang="en-US"/>
               <a:t>二级</a:t>
             </a:r>
-            <a:endParaRPr lang="zh-CN" altLang="en-US"/>
           </a:p>
           <a:p>
             <a:pPr lvl="2"/>
@@ -287,7 +291,6 @@
               <a:rPr lang="zh-CN" altLang="en-US"/>
               <a:t>三级</a:t>
             </a:r>
-            <a:endParaRPr lang="zh-CN" altLang="en-US"/>
           </a:p>
           <a:p>
             <a:pPr lvl="3"/>
@@ -295,7 +298,6 @@
               <a:rPr lang="zh-CN" altLang="en-US"/>
               <a:t>四级</a:t>
             </a:r>
-            <a:endParaRPr lang="zh-CN" altLang="en-US"/>
           </a:p>
           <a:p>
             <a:pPr lvl="4"/>
@@ -303,7 +305,6 @@
               <a:rPr lang="zh-CN" altLang="en-US"/>
               <a:t>五级</a:t>
             </a:r>
-            <a:endParaRPr lang="zh-CN" altLang="en-US"/>
           </a:p>
         </p:txBody>
       </p:sp>
@@ -367,6 +368,7 @@
           <a:p>
             <a:fld id="{972BFD65-08DC-48DC-B76B-5220588A235D}" type="slidenum">
               <a:rPr lang="zh-CN" altLang="en-US" smtClean="0"/>
+              <a:t>‹#›</a:t>
             </a:fld>
             <a:endParaRPr lang="zh-CN" altLang="en-US"/>
           </a:p>
@@ -515,7 +517,6 @@
               <a:rPr lang="zh-CN" altLang="en-US"/>
               <a:t>单击此处编辑母版标题样式</a:t>
             </a:r>
-            <a:endParaRPr lang="zh-CN" altLang="en-US"/>
           </a:p>
         </p:txBody>
       </p:sp>
@@ -580,7 +581,6 @@
               <a:rPr lang="zh-CN" altLang="en-US"/>
               <a:t>单击此处编辑母版副标题样式</a:t>
             </a:r>
-            <a:endParaRPr lang="zh-CN" altLang="en-US"/>
           </a:p>
         </p:txBody>
       </p:sp>
@@ -601,6 +601,7 @@
           <a:p>
             <a:fld id="{5E3D50CA-20DC-41CF-BD55-0D7EAC39982B}" type="datetimeFigureOut">
               <a:rPr lang="zh-CN" altLang="en-US" smtClean="0"/>
+              <a:t>2021/9/8</a:t>
             </a:fld>
             <a:endParaRPr lang="zh-CN" altLang="en-US"/>
           </a:p>
@@ -642,6 +643,7 @@
           <a:p>
             <a:fld id="{F9708DF7-9027-4C8C-B3BD-7B6D45AAFC74}" type="slidenum">
               <a:rPr lang="zh-CN" altLang="en-US" smtClean="0"/>
+              <a:t>‹#›</a:t>
             </a:fld>
             <a:endParaRPr lang="zh-CN" altLang="en-US"/>
           </a:p>
@@ -691,7 +693,6 @@
               <a:rPr lang="zh-CN" altLang="en-US"/>
               <a:t>单击此处编辑母版标题样式</a:t>
             </a:r>
-            <a:endParaRPr lang="zh-CN" altLang="en-US"/>
           </a:p>
         </p:txBody>
       </p:sp>
@@ -715,7 +716,6 @@
               <a:rPr lang="zh-CN" altLang="en-US"/>
               <a:t>单击此处编辑母版文本样式</a:t>
             </a:r>
-            <a:endParaRPr lang="zh-CN" altLang="en-US"/>
           </a:p>
           <a:p>
             <a:pPr lvl="1"/>
@@ -723,7 +723,6 @@
               <a:rPr lang="zh-CN" altLang="en-US"/>
               <a:t>二级</a:t>
             </a:r>
-            <a:endParaRPr lang="zh-CN" altLang="en-US"/>
           </a:p>
           <a:p>
             <a:pPr lvl="2"/>
@@ -731,7 +730,6 @@
               <a:rPr lang="zh-CN" altLang="en-US"/>
               <a:t>三级</a:t>
             </a:r>
-            <a:endParaRPr lang="zh-CN" altLang="en-US"/>
           </a:p>
           <a:p>
             <a:pPr lvl="3"/>
@@ -739,7 +737,6 @@
               <a:rPr lang="zh-CN" altLang="en-US"/>
               <a:t>四级</a:t>
             </a:r>
-            <a:endParaRPr lang="zh-CN" altLang="en-US"/>
           </a:p>
           <a:p>
             <a:pPr lvl="4"/>
@@ -747,7 +744,6 @@
               <a:rPr lang="zh-CN" altLang="en-US"/>
               <a:t>五级</a:t>
             </a:r>
-            <a:endParaRPr lang="zh-CN" altLang="en-US"/>
           </a:p>
         </p:txBody>
       </p:sp>
@@ -768,6 +764,7 @@
           <a:p>
             <a:fld id="{5E3D50CA-20DC-41CF-BD55-0D7EAC39982B}" type="datetimeFigureOut">
               <a:rPr lang="zh-CN" altLang="en-US" smtClean="0"/>
+              <a:t>2021/9/8</a:t>
             </a:fld>
             <a:endParaRPr lang="zh-CN" altLang="en-US"/>
           </a:p>
@@ -809,6 +806,7 @@
           <a:p>
             <a:fld id="{F9708DF7-9027-4C8C-B3BD-7B6D45AAFC74}" type="slidenum">
               <a:rPr lang="zh-CN" altLang="en-US" smtClean="0"/>
+              <a:t>‹#›</a:t>
             </a:fld>
             <a:endParaRPr lang="zh-CN" altLang="en-US"/>
           </a:p>
@@ -863,7 +861,6 @@
               <a:rPr lang="zh-CN" altLang="en-US"/>
               <a:t>单击此处编辑母版标题样式</a:t>
             </a:r>
-            <a:endParaRPr lang="zh-CN" altLang="en-US"/>
           </a:p>
         </p:txBody>
       </p:sp>
@@ -892,7 +889,6 @@
               <a:rPr lang="zh-CN" altLang="en-US"/>
               <a:t>单击此处编辑母版文本样式</a:t>
             </a:r>
-            <a:endParaRPr lang="zh-CN" altLang="en-US"/>
           </a:p>
           <a:p>
             <a:pPr lvl="1"/>
@@ -900,7 +896,6 @@
               <a:rPr lang="zh-CN" altLang="en-US"/>
               <a:t>二级</a:t>
             </a:r>
-            <a:endParaRPr lang="zh-CN" altLang="en-US"/>
           </a:p>
           <a:p>
             <a:pPr lvl="2"/>
@@ -908,7 +903,6 @@
               <a:rPr lang="zh-CN" altLang="en-US"/>
               <a:t>三级</a:t>
             </a:r>
-            <a:endParaRPr lang="zh-CN" altLang="en-US"/>
           </a:p>
           <a:p>
             <a:pPr lvl="3"/>
@@ -916,7 +910,6 @@
               <a:rPr lang="zh-CN" altLang="en-US"/>
               <a:t>四级</a:t>
             </a:r>
-            <a:endParaRPr lang="zh-CN" altLang="en-US"/>
           </a:p>
           <a:p>
             <a:pPr lvl="4"/>
@@ -924,7 +917,6 @@
               <a:rPr lang="zh-CN" altLang="en-US"/>
               <a:t>五级</a:t>
             </a:r>
-            <a:endParaRPr lang="zh-CN" altLang="en-US"/>
           </a:p>
         </p:txBody>
       </p:sp>
@@ -945,6 +937,7 @@
           <a:p>
             <a:fld id="{5E3D50CA-20DC-41CF-BD55-0D7EAC39982B}" type="datetimeFigureOut">
               <a:rPr lang="zh-CN" altLang="en-US" smtClean="0"/>
+              <a:t>2021/9/8</a:t>
             </a:fld>
             <a:endParaRPr lang="zh-CN" altLang="en-US"/>
           </a:p>
@@ -986,6 +979,7 @@
           <a:p>
             <a:fld id="{F9708DF7-9027-4C8C-B3BD-7B6D45AAFC74}" type="slidenum">
               <a:rPr lang="zh-CN" altLang="en-US" smtClean="0"/>
+              <a:t>‹#›</a:t>
             </a:fld>
             <a:endParaRPr lang="zh-CN" altLang="en-US"/>
           </a:p>
@@ -1035,7 +1029,6 @@
               <a:rPr lang="zh-CN" altLang="en-US"/>
               <a:t>单击此处编辑母版标题样式</a:t>
             </a:r>
-            <a:endParaRPr lang="zh-CN" altLang="en-US"/>
           </a:p>
         </p:txBody>
       </p:sp>
@@ -1059,7 +1052,6 @@
               <a:rPr lang="zh-CN" altLang="en-US"/>
               <a:t>单击此处编辑母版文本样式</a:t>
             </a:r>
-            <a:endParaRPr lang="zh-CN" altLang="en-US"/>
           </a:p>
           <a:p>
             <a:pPr lvl="1"/>
@@ -1067,7 +1059,6 @@
               <a:rPr lang="zh-CN" altLang="en-US"/>
               <a:t>二级</a:t>
             </a:r>
-            <a:endParaRPr lang="zh-CN" altLang="en-US"/>
           </a:p>
           <a:p>
             <a:pPr lvl="2"/>
@@ -1075,7 +1066,6 @@
               <a:rPr lang="zh-CN" altLang="en-US"/>
               <a:t>三级</a:t>
             </a:r>
-            <a:endParaRPr lang="zh-CN" altLang="en-US"/>
           </a:p>
           <a:p>
             <a:pPr lvl="3"/>
@@ -1083,7 +1073,6 @@
               <a:rPr lang="zh-CN" altLang="en-US"/>
               <a:t>四级</a:t>
             </a:r>
-            <a:endParaRPr lang="zh-CN" altLang="en-US"/>
           </a:p>
           <a:p>
             <a:pPr lvl="4"/>
@@ -1091,7 +1080,6 @@
               <a:rPr lang="zh-CN" altLang="en-US"/>
               <a:t>五级</a:t>
             </a:r>
-            <a:endParaRPr lang="zh-CN" altLang="en-US"/>
           </a:p>
         </p:txBody>
       </p:sp>
@@ -1112,6 +1100,7 @@
           <a:p>
             <a:fld id="{5E3D50CA-20DC-41CF-BD55-0D7EAC39982B}" type="datetimeFigureOut">
               <a:rPr lang="zh-CN" altLang="en-US" smtClean="0"/>
+              <a:t>2021/9/8</a:t>
             </a:fld>
             <a:endParaRPr lang="zh-CN" altLang="en-US"/>
           </a:p>
@@ -1153,6 +1142,7 @@
           <a:p>
             <a:fld id="{F9708DF7-9027-4C8C-B3BD-7B6D45AAFC74}" type="slidenum">
               <a:rPr lang="zh-CN" altLang="en-US" smtClean="0"/>
+              <a:t>‹#›</a:t>
             </a:fld>
             <a:endParaRPr lang="zh-CN" altLang="en-US"/>
           </a:p>
@@ -1211,7 +1201,6 @@
               <a:rPr lang="zh-CN" altLang="en-US"/>
               <a:t>单击此处编辑母版标题样式</a:t>
             </a:r>
-            <a:endParaRPr lang="zh-CN" altLang="en-US"/>
           </a:p>
         </p:txBody>
       </p:sp>
@@ -1331,7 +1320,6 @@
               <a:rPr lang="zh-CN" altLang="en-US"/>
               <a:t>单击此处编辑母版文本样式</a:t>
             </a:r>
-            <a:endParaRPr lang="zh-CN" altLang="en-US"/>
           </a:p>
         </p:txBody>
       </p:sp>
@@ -1352,6 +1340,7 @@
           <a:p>
             <a:fld id="{5E3D50CA-20DC-41CF-BD55-0D7EAC39982B}" type="datetimeFigureOut">
               <a:rPr lang="zh-CN" altLang="en-US" smtClean="0"/>
+              <a:t>2021/9/8</a:t>
             </a:fld>
             <a:endParaRPr lang="zh-CN" altLang="en-US"/>
           </a:p>
@@ -1393,6 +1382,7 @@
           <a:p>
             <a:fld id="{F9708DF7-9027-4C8C-B3BD-7B6D45AAFC74}" type="slidenum">
               <a:rPr lang="zh-CN" altLang="en-US" smtClean="0"/>
+              <a:t>‹#›</a:t>
             </a:fld>
             <a:endParaRPr lang="zh-CN" altLang="en-US"/>
           </a:p>
@@ -1442,7 +1432,6 @@
               <a:rPr lang="zh-CN" altLang="en-US"/>
               <a:t>单击此处编辑母版标题样式</a:t>
             </a:r>
-            <a:endParaRPr lang="zh-CN" altLang="en-US"/>
           </a:p>
         </p:txBody>
       </p:sp>
@@ -1471,7 +1460,6 @@
               <a:rPr lang="zh-CN" altLang="en-US"/>
               <a:t>单击此处编辑母版文本样式</a:t>
             </a:r>
-            <a:endParaRPr lang="zh-CN" altLang="en-US"/>
           </a:p>
           <a:p>
             <a:pPr lvl="1"/>
@@ -1479,7 +1467,6 @@
               <a:rPr lang="zh-CN" altLang="en-US"/>
               <a:t>二级</a:t>
             </a:r>
-            <a:endParaRPr lang="zh-CN" altLang="en-US"/>
           </a:p>
           <a:p>
             <a:pPr lvl="2"/>
@@ -1487,7 +1474,6 @@
               <a:rPr lang="zh-CN" altLang="en-US"/>
               <a:t>三级</a:t>
             </a:r>
-            <a:endParaRPr lang="zh-CN" altLang="en-US"/>
           </a:p>
           <a:p>
             <a:pPr lvl="3"/>
@@ -1495,7 +1481,6 @@
               <a:rPr lang="zh-CN" altLang="en-US"/>
               <a:t>四级</a:t>
             </a:r>
-            <a:endParaRPr lang="zh-CN" altLang="en-US"/>
           </a:p>
           <a:p>
             <a:pPr lvl="4"/>
@@ -1503,7 +1488,6 @@
               <a:rPr lang="zh-CN" altLang="en-US"/>
               <a:t>五级</a:t>
             </a:r>
-            <a:endParaRPr lang="zh-CN" altLang="en-US"/>
           </a:p>
         </p:txBody>
       </p:sp>
@@ -1532,7 +1516,6 @@
               <a:rPr lang="zh-CN" altLang="en-US"/>
               <a:t>单击此处编辑母版文本样式</a:t>
             </a:r>
-            <a:endParaRPr lang="zh-CN" altLang="en-US"/>
           </a:p>
           <a:p>
             <a:pPr lvl="1"/>
@@ -1540,7 +1523,6 @@
               <a:rPr lang="zh-CN" altLang="en-US"/>
               <a:t>二级</a:t>
             </a:r>
-            <a:endParaRPr lang="zh-CN" altLang="en-US"/>
           </a:p>
           <a:p>
             <a:pPr lvl="2"/>
@@ -1548,7 +1530,6 @@
               <a:rPr lang="zh-CN" altLang="en-US"/>
               <a:t>三级</a:t>
             </a:r>
-            <a:endParaRPr lang="zh-CN" altLang="en-US"/>
           </a:p>
           <a:p>
             <a:pPr lvl="3"/>
@@ -1556,7 +1537,6 @@
               <a:rPr lang="zh-CN" altLang="en-US"/>
               <a:t>四级</a:t>
             </a:r>
-            <a:endParaRPr lang="zh-CN" altLang="en-US"/>
           </a:p>
           <a:p>
             <a:pPr lvl="4"/>
@@ -1564,7 +1544,6 @@
               <a:rPr lang="zh-CN" altLang="en-US"/>
               <a:t>五级</a:t>
             </a:r>
-            <a:endParaRPr lang="zh-CN" altLang="en-US"/>
           </a:p>
         </p:txBody>
       </p:sp>
@@ -1585,6 +1564,7 @@
           <a:p>
             <a:fld id="{5E3D50CA-20DC-41CF-BD55-0D7EAC39982B}" type="datetimeFigureOut">
               <a:rPr lang="zh-CN" altLang="en-US" smtClean="0"/>
+              <a:t>2021/9/8</a:t>
             </a:fld>
             <a:endParaRPr lang="zh-CN" altLang="en-US"/>
           </a:p>
@@ -1626,6 +1606,7 @@
           <a:p>
             <a:fld id="{F9708DF7-9027-4C8C-B3BD-7B6D45AAFC74}" type="slidenum">
               <a:rPr lang="zh-CN" altLang="en-US" smtClean="0"/>
+              <a:t>‹#›</a:t>
             </a:fld>
             <a:endParaRPr lang="zh-CN" altLang="en-US"/>
           </a:p>
@@ -1680,7 +1661,6 @@
               <a:rPr lang="zh-CN" altLang="en-US"/>
               <a:t>单击此处编辑母版标题样式</a:t>
             </a:r>
-            <a:endParaRPr lang="zh-CN" altLang="en-US"/>
           </a:p>
         </p:txBody>
       </p:sp>
@@ -1746,7 +1726,6 @@
               <a:rPr lang="zh-CN" altLang="en-US"/>
               <a:t>单击此处编辑母版文本样式</a:t>
             </a:r>
-            <a:endParaRPr lang="zh-CN" altLang="en-US"/>
           </a:p>
         </p:txBody>
       </p:sp>
@@ -1775,7 +1754,6 @@
               <a:rPr lang="zh-CN" altLang="en-US"/>
               <a:t>单击此处编辑母版文本样式</a:t>
             </a:r>
-            <a:endParaRPr lang="zh-CN" altLang="en-US"/>
           </a:p>
           <a:p>
             <a:pPr lvl="1"/>
@@ -1783,7 +1761,6 @@
               <a:rPr lang="zh-CN" altLang="en-US"/>
               <a:t>二级</a:t>
             </a:r>
-            <a:endParaRPr lang="zh-CN" altLang="en-US"/>
           </a:p>
           <a:p>
             <a:pPr lvl="2"/>
@@ -1791,7 +1768,6 @@
               <a:rPr lang="zh-CN" altLang="en-US"/>
               <a:t>三级</a:t>
             </a:r>
-            <a:endParaRPr lang="zh-CN" altLang="en-US"/>
           </a:p>
           <a:p>
             <a:pPr lvl="3"/>
@@ -1799,7 +1775,6 @@
               <a:rPr lang="zh-CN" altLang="en-US"/>
               <a:t>四级</a:t>
             </a:r>
-            <a:endParaRPr lang="zh-CN" altLang="en-US"/>
           </a:p>
           <a:p>
             <a:pPr lvl="4"/>
@@ -1807,7 +1782,6 @@
               <a:rPr lang="zh-CN" altLang="en-US"/>
               <a:t>五级</a:t>
             </a:r>
-            <a:endParaRPr lang="zh-CN" altLang="en-US"/>
           </a:p>
         </p:txBody>
       </p:sp>
@@ -1873,7 +1847,6 @@
               <a:rPr lang="zh-CN" altLang="en-US"/>
               <a:t>单击此处编辑母版文本样式</a:t>
             </a:r>
-            <a:endParaRPr lang="zh-CN" altLang="en-US"/>
           </a:p>
         </p:txBody>
       </p:sp>
@@ -1902,7 +1875,6 @@
               <a:rPr lang="zh-CN" altLang="en-US"/>
               <a:t>单击此处编辑母版文本样式</a:t>
             </a:r>
-            <a:endParaRPr lang="zh-CN" altLang="en-US"/>
           </a:p>
           <a:p>
             <a:pPr lvl="1"/>
@@ -1910,7 +1882,6 @@
               <a:rPr lang="zh-CN" altLang="en-US"/>
               <a:t>二级</a:t>
             </a:r>
-            <a:endParaRPr lang="zh-CN" altLang="en-US"/>
           </a:p>
           <a:p>
             <a:pPr lvl="2"/>
@@ -1918,7 +1889,6 @@
               <a:rPr lang="zh-CN" altLang="en-US"/>
               <a:t>三级</a:t>
             </a:r>
-            <a:endParaRPr lang="zh-CN" altLang="en-US"/>
           </a:p>
           <a:p>
             <a:pPr lvl="3"/>
@@ -1926,7 +1896,6 @@
               <a:rPr lang="zh-CN" altLang="en-US"/>
               <a:t>四级</a:t>
             </a:r>
-            <a:endParaRPr lang="zh-CN" altLang="en-US"/>
           </a:p>
           <a:p>
             <a:pPr lvl="4"/>
@@ -1934,7 +1903,6 @@
               <a:rPr lang="zh-CN" altLang="en-US"/>
               <a:t>五级</a:t>
             </a:r>
-            <a:endParaRPr lang="zh-CN" altLang="en-US"/>
           </a:p>
         </p:txBody>
       </p:sp>
@@ -1955,6 +1923,7 @@
           <a:p>
             <a:fld id="{5E3D50CA-20DC-41CF-BD55-0D7EAC39982B}" type="datetimeFigureOut">
               <a:rPr lang="zh-CN" altLang="en-US" smtClean="0"/>
+              <a:t>2021/9/8</a:t>
             </a:fld>
             <a:endParaRPr lang="zh-CN" altLang="en-US"/>
           </a:p>
@@ -1996,6 +1965,7 @@
           <a:p>
             <a:fld id="{F9708DF7-9027-4C8C-B3BD-7B6D45AAFC74}" type="slidenum">
               <a:rPr lang="zh-CN" altLang="en-US" smtClean="0"/>
+              <a:t>‹#›</a:t>
             </a:fld>
             <a:endParaRPr lang="zh-CN" altLang="en-US"/>
           </a:p>
@@ -2045,7 +2015,6 @@
               <a:rPr lang="zh-CN" altLang="en-US"/>
               <a:t>单击此处编辑母版标题样式</a:t>
             </a:r>
-            <a:endParaRPr lang="zh-CN" altLang="en-US"/>
           </a:p>
         </p:txBody>
       </p:sp>
@@ -2066,6 +2035,7 @@
           <a:p>
             <a:fld id="{5E3D50CA-20DC-41CF-BD55-0D7EAC39982B}" type="datetimeFigureOut">
               <a:rPr lang="zh-CN" altLang="en-US" smtClean="0"/>
+              <a:t>2021/9/8</a:t>
             </a:fld>
             <a:endParaRPr lang="zh-CN" altLang="en-US"/>
           </a:p>
@@ -2107,6 +2077,7 @@
           <a:p>
             <a:fld id="{F9708DF7-9027-4C8C-B3BD-7B6D45AAFC74}" type="slidenum">
               <a:rPr lang="zh-CN" altLang="en-US" smtClean="0"/>
+              <a:t>‹#›</a:t>
             </a:fld>
             <a:endParaRPr lang="zh-CN" altLang="en-US"/>
           </a:p>
@@ -2154,6 +2125,7 @@
           <a:p>
             <a:fld id="{5E3D50CA-20DC-41CF-BD55-0D7EAC39982B}" type="datetimeFigureOut">
               <a:rPr lang="zh-CN" altLang="en-US" smtClean="0"/>
+              <a:t>2021/9/8</a:t>
             </a:fld>
             <a:endParaRPr lang="zh-CN" altLang="en-US"/>
           </a:p>
@@ -2195,6 +2167,7 @@
           <a:p>
             <a:fld id="{F9708DF7-9027-4C8C-B3BD-7B6D45AAFC74}" type="slidenum">
               <a:rPr lang="zh-CN" altLang="en-US" smtClean="0"/>
+              <a:t>‹#›</a:t>
             </a:fld>
             <a:endParaRPr lang="zh-CN" altLang="en-US"/>
           </a:p>
@@ -2253,7 +2226,6 @@
               <a:rPr lang="zh-CN" altLang="en-US"/>
               <a:t>单击此处编辑母版标题样式</a:t>
             </a:r>
-            <a:endParaRPr lang="zh-CN" altLang="en-US"/>
           </a:p>
         </p:txBody>
       </p:sp>
@@ -2310,7 +2282,6 @@
               <a:rPr lang="zh-CN" altLang="en-US"/>
               <a:t>单击此处编辑母版文本样式</a:t>
             </a:r>
-            <a:endParaRPr lang="zh-CN" altLang="en-US"/>
           </a:p>
           <a:p>
             <a:pPr lvl="1"/>
@@ -2318,7 +2289,6 @@
               <a:rPr lang="zh-CN" altLang="en-US"/>
               <a:t>二级</a:t>
             </a:r>
-            <a:endParaRPr lang="zh-CN" altLang="en-US"/>
           </a:p>
           <a:p>
             <a:pPr lvl="2"/>
@@ -2326,7 +2296,6 @@
               <a:rPr lang="zh-CN" altLang="en-US"/>
               <a:t>三级</a:t>
             </a:r>
-            <a:endParaRPr lang="zh-CN" altLang="en-US"/>
           </a:p>
           <a:p>
             <a:pPr lvl="3"/>
@@ -2334,7 +2303,6 @@
               <a:rPr lang="zh-CN" altLang="en-US"/>
               <a:t>四级</a:t>
             </a:r>
-            <a:endParaRPr lang="zh-CN" altLang="en-US"/>
           </a:p>
           <a:p>
             <a:pPr lvl="4"/>
@@ -2342,7 +2310,6 @@
               <a:rPr lang="zh-CN" altLang="en-US"/>
               <a:t>五级</a:t>
             </a:r>
-            <a:endParaRPr lang="zh-CN" altLang="en-US"/>
           </a:p>
         </p:txBody>
       </p:sp>
@@ -2408,7 +2375,6 @@
               <a:rPr lang="zh-CN" altLang="en-US"/>
               <a:t>单击此处编辑母版文本样式</a:t>
             </a:r>
-            <a:endParaRPr lang="zh-CN" altLang="en-US"/>
           </a:p>
         </p:txBody>
       </p:sp>
@@ -2429,6 +2395,7 @@
           <a:p>
             <a:fld id="{5E3D50CA-20DC-41CF-BD55-0D7EAC39982B}" type="datetimeFigureOut">
               <a:rPr lang="zh-CN" altLang="en-US" smtClean="0"/>
+              <a:t>2021/9/8</a:t>
             </a:fld>
             <a:endParaRPr lang="zh-CN" altLang="en-US"/>
           </a:p>
@@ -2470,6 +2437,7 @@
           <a:p>
             <a:fld id="{F9708DF7-9027-4C8C-B3BD-7B6D45AAFC74}" type="slidenum">
               <a:rPr lang="zh-CN" altLang="en-US" smtClean="0"/>
+              <a:t>‹#›</a:t>
             </a:fld>
             <a:endParaRPr lang="zh-CN" altLang="en-US"/>
           </a:p>
@@ -2528,7 +2496,6 @@
               <a:rPr lang="zh-CN" altLang="en-US"/>
               <a:t>单击此处编辑母版标题样式</a:t>
             </a:r>
-            <a:endParaRPr lang="zh-CN" altLang="en-US"/>
           </a:p>
         </p:txBody>
       </p:sp>
@@ -2655,7 +2622,6 @@
               <a:rPr lang="zh-CN" altLang="en-US"/>
               <a:t>单击此处编辑母版文本样式</a:t>
             </a:r>
-            <a:endParaRPr lang="zh-CN" altLang="en-US"/>
           </a:p>
         </p:txBody>
       </p:sp>
@@ -2676,6 +2642,7 @@
           <a:p>
             <a:fld id="{5E3D50CA-20DC-41CF-BD55-0D7EAC39982B}" type="datetimeFigureOut">
               <a:rPr lang="zh-CN" altLang="en-US" smtClean="0"/>
+              <a:t>2021/9/8</a:t>
             </a:fld>
             <a:endParaRPr lang="zh-CN" altLang="en-US"/>
           </a:p>
@@ -2717,6 +2684,7 @@
           <a:p>
             <a:fld id="{F9708DF7-9027-4C8C-B3BD-7B6D45AAFC74}" type="slidenum">
               <a:rPr lang="zh-CN" altLang="en-US" smtClean="0"/>
+              <a:t>‹#›</a:t>
             </a:fld>
             <a:endParaRPr lang="zh-CN" altLang="en-US"/>
           </a:p>
@@ -2781,7 +2749,6 @@
               <a:rPr lang="zh-CN" altLang="en-US"/>
               <a:t>单击此处编辑母版标题样式</a:t>
             </a:r>
-            <a:endParaRPr lang="zh-CN" altLang="en-US"/>
           </a:p>
         </p:txBody>
       </p:sp>
@@ -2815,7 +2782,6 @@
               <a:rPr lang="zh-CN" altLang="en-US"/>
               <a:t>单击此处编辑母版文本样式</a:t>
             </a:r>
-            <a:endParaRPr lang="zh-CN" altLang="en-US"/>
           </a:p>
           <a:p>
             <a:pPr lvl="1"/>
@@ -2823,7 +2789,6 @@
               <a:rPr lang="zh-CN" altLang="en-US"/>
               <a:t>二级</a:t>
             </a:r>
-            <a:endParaRPr lang="zh-CN" altLang="en-US"/>
           </a:p>
           <a:p>
             <a:pPr lvl="2"/>
@@ -2831,7 +2796,6 @@
               <a:rPr lang="zh-CN" altLang="en-US"/>
               <a:t>三级</a:t>
             </a:r>
-            <a:endParaRPr lang="zh-CN" altLang="en-US"/>
           </a:p>
           <a:p>
             <a:pPr lvl="3"/>
@@ -2839,7 +2803,6 @@
               <a:rPr lang="zh-CN" altLang="en-US"/>
               <a:t>四级</a:t>
             </a:r>
-            <a:endParaRPr lang="zh-CN" altLang="en-US"/>
           </a:p>
           <a:p>
             <a:pPr lvl="4"/>
@@ -2847,7 +2810,6 @@
               <a:rPr lang="zh-CN" altLang="en-US"/>
               <a:t>五级</a:t>
             </a:r>
-            <a:endParaRPr lang="zh-CN" altLang="en-US"/>
           </a:p>
         </p:txBody>
       </p:sp>
@@ -2886,6 +2848,7 @@
           <a:p>
             <a:fld id="{5E3D50CA-20DC-41CF-BD55-0D7EAC39982B}" type="datetimeFigureOut">
               <a:rPr lang="zh-CN" altLang="en-US" smtClean="0"/>
+              <a:t>2021/9/8</a:t>
             </a:fld>
             <a:endParaRPr lang="zh-CN" altLang="en-US"/>
           </a:p>
@@ -2963,6 +2926,7 @@
           <a:p>
             <a:fld id="{F9708DF7-9027-4C8C-B3BD-7B6D45AAFC74}" type="slidenum">
               <a:rPr lang="zh-CN" altLang="en-US" smtClean="0"/>
+              <a:t>‹#›</a:t>
             </a:fld>
             <a:endParaRPr lang="zh-CN" altLang="en-US"/>
           </a:p>
@@ -3328,10 +3292,6 @@
               </a:rPr>
               <a:t>&amp;</a:t>
             </a:r>
-            <a:endParaRPr lang="en-US" altLang="zh-CN" sz="2400" b="1" dirty="0">
-              <a:latin typeface="微软雅黑" panose="020B0503020204020204" pitchFamily="34" charset="-122"/>
-              <a:ea typeface="微软雅黑" panose="020B0503020204020204" pitchFamily="34" charset="-122"/>
-            </a:endParaRPr>
           </a:p>
           <a:p>
             <a:pPr algn="ctr"/>
@@ -3342,10 +3302,6 @@
               </a:rPr>
               <a:t>原型设计</a:t>
             </a:r>
-            <a:endParaRPr lang="zh-CN" altLang="en-US" sz="2400" b="1" dirty="0">
-              <a:latin typeface="微软雅黑" panose="020B0503020204020204" pitchFamily="34" charset="-122"/>
-              <a:ea typeface="微软雅黑" panose="020B0503020204020204" pitchFamily="34" charset="-122"/>
-            </a:endParaRPr>
           </a:p>
         </p:txBody>
       </p:sp>
@@ -3358,7 +3314,7 @@
           <p:nvPr/>
         </p:nvPicPr>
         <p:blipFill>
-          <a:blip r:embed="rId1">
+          <a:blip r:embed="rId2" cstate="print">
             <a:extLst>
               <a:ext uri="{28A0092B-C50C-407E-A947-70E740481C1C}">
                 <a14:useLocalDpi xmlns:a14="http://schemas.microsoft.com/office/drawing/2010/main" val="0"/>
@@ -3576,10 +3532,6 @@
               </a:rPr>
               <a:t>查询登录页面</a:t>
             </a:r>
-            <a:endParaRPr lang="zh-CN" altLang="en-US" b="1" dirty="0">
-              <a:latin typeface="微软雅黑" panose="020B0503020204020204" pitchFamily="34" charset="-122"/>
-              <a:ea typeface="微软雅黑" panose="020B0503020204020204" pitchFamily="34" charset="-122"/>
-            </a:endParaRPr>
           </a:p>
         </p:txBody>
       </p:sp>
@@ -3719,13 +3671,6 @@
               </a:rPr>
               <a:t>操作员</a:t>
             </a:r>
-            <a:endParaRPr lang="zh-CN" altLang="en-US" dirty="0">
-              <a:solidFill>
-                <a:schemeClr val="bg1"/>
-              </a:solidFill>
-              <a:latin typeface="微软雅黑" panose="020B0503020204020204" pitchFamily="34" charset="-122"/>
-              <a:ea typeface="微软雅黑" panose="020B0503020204020204" pitchFamily="34" charset="-122"/>
-            </a:endParaRPr>
           </a:p>
         </p:txBody>
       </p:sp>
@@ -3761,13 +3706,6 @@
               </a:rPr>
               <a:t>密 码</a:t>
             </a:r>
-            <a:endParaRPr lang="zh-CN" altLang="en-US" dirty="0">
-              <a:solidFill>
-                <a:schemeClr val="bg1"/>
-              </a:solidFill>
-              <a:latin typeface="微软雅黑" panose="020B0503020204020204" pitchFamily="34" charset="-122"/>
-              <a:ea typeface="微软雅黑" panose="020B0503020204020204" pitchFamily="34" charset="-122"/>
-            </a:endParaRPr>
           </a:p>
         </p:txBody>
       </p:sp>
@@ -3780,7 +3718,7 @@
           <p:nvPr/>
         </p:nvPicPr>
         <p:blipFill>
-          <a:blip r:embed="rId1">
+          <a:blip r:embed="rId2" cstate="print">
             <a:extLst>
               <a:ext uri="{28A0092B-C50C-407E-A947-70E740481C1C}">
                 <a14:useLocalDpi xmlns:a14="http://schemas.microsoft.com/office/drawing/2010/main" val="0"/>
@@ -3874,16 +3812,6 @@
               </a:rPr>
               <a:t>登 录</a:t>
             </a:r>
-            <a:endParaRPr lang="zh-CN" altLang="en-US" dirty="0">
-              <a:solidFill>
-                <a:schemeClr val="accent4">
-                  <a:lumMod val="60000"/>
-                  <a:lumOff val="40000"/>
-                </a:schemeClr>
-              </a:solidFill>
-              <a:latin typeface="微软雅黑" panose="020B0503020204020204" pitchFamily="34" charset="-122"/>
-              <a:ea typeface="微软雅黑" panose="020B0503020204020204" pitchFamily="34" charset="-122"/>
-            </a:endParaRPr>
           </a:p>
         </p:txBody>
       </p:sp>
@@ -4080,15 +4008,6 @@
               </a:rPr>
               <a:t>账号管理</a:t>
             </a:r>
-            <a:endParaRPr lang="zh-CN" altLang="en-US" dirty="0">
-              <a:solidFill>
-                <a:schemeClr val="accent6">
-                  <a:lumMod val="75000"/>
-                </a:schemeClr>
-              </a:solidFill>
-              <a:latin typeface="微软雅黑" panose="020B0503020204020204" pitchFamily="34" charset="-122"/>
-              <a:ea typeface="微软雅黑" panose="020B0503020204020204" pitchFamily="34" charset="-122"/>
-            </a:endParaRPr>
           </a:p>
         </p:txBody>
       </p:sp>
@@ -4152,15 +4071,6 @@
               </a:rPr>
               <a:t>编码检视</a:t>
             </a:r>
-            <a:endParaRPr lang="zh-CN" altLang="en-US" dirty="0">
-              <a:solidFill>
-                <a:schemeClr val="accent6">
-                  <a:lumMod val="75000"/>
-                </a:schemeClr>
-              </a:solidFill>
-              <a:latin typeface="微软雅黑" panose="020B0503020204020204" pitchFamily="34" charset="-122"/>
-              <a:ea typeface="微软雅黑" panose="020B0503020204020204" pitchFamily="34" charset="-122"/>
-            </a:endParaRPr>
           </a:p>
         </p:txBody>
       </p:sp>
@@ -4224,13 +4134,6 @@
               </a:rPr>
               <a:t>信息管理</a:t>
             </a:r>
-            <a:endParaRPr lang="zh-CN" altLang="en-US" dirty="0">
-              <a:solidFill>
-                <a:schemeClr val="bg1"/>
-              </a:solidFill>
-              <a:latin typeface="微软雅黑" panose="020B0503020204020204" pitchFamily="34" charset="-122"/>
-              <a:ea typeface="微软雅黑" panose="020B0503020204020204" pitchFamily="34" charset="-122"/>
-            </a:endParaRPr>
           </a:p>
         </p:txBody>
       </p:sp>
@@ -4266,13 +4169,6 @@
               </a:rPr>
               <a:t>监督员</a:t>
             </a:r>
-            <a:endParaRPr lang="zh-CN" altLang="en-US" dirty="0">
-              <a:solidFill>
-                <a:schemeClr val="bg1"/>
-              </a:solidFill>
-              <a:latin typeface="微软雅黑" panose="020B0503020204020204" pitchFamily="34" charset="-122"/>
-              <a:ea typeface="微软雅黑" panose="020B0503020204020204" pitchFamily="34" charset="-122"/>
-            </a:endParaRPr>
           </a:p>
         </p:txBody>
       </p:sp>
@@ -4308,13 +4204,6 @@
               </a:rPr>
               <a:t>密 码</a:t>
             </a:r>
-            <a:endParaRPr lang="zh-CN" altLang="en-US" dirty="0">
-              <a:solidFill>
-                <a:schemeClr val="bg1"/>
-              </a:solidFill>
-              <a:latin typeface="微软雅黑" panose="020B0503020204020204" pitchFamily="34" charset="-122"/>
-              <a:ea typeface="微软雅黑" panose="020B0503020204020204" pitchFamily="34" charset="-122"/>
-            </a:endParaRPr>
           </a:p>
         </p:txBody>
       </p:sp>
@@ -4474,13 +4363,6 @@
               </a:rPr>
               <a:t>查 询</a:t>
             </a:r>
-            <a:endParaRPr lang="zh-CN" altLang="en-US" sz="1600" dirty="0">
-              <a:solidFill>
-                <a:schemeClr val="bg1"/>
-              </a:solidFill>
-              <a:latin typeface="微软雅黑" panose="020B0503020204020204" pitchFamily="34" charset="-122"/>
-              <a:ea typeface="微软雅黑" panose="020B0503020204020204" pitchFamily="34" charset="-122"/>
-            </a:endParaRPr>
           </a:p>
         </p:txBody>
       </p:sp>
@@ -4544,15 +4426,6 @@
               </a:rPr>
               <a:t>出 库</a:t>
             </a:r>
-            <a:endParaRPr lang="zh-CN" altLang="en-US" sz="1600" dirty="0">
-              <a:solidFill>
-                <a:schemeClr val="accent6">
-                  <a:lumMod val="75000"/>
-                </a:schemeClr>
-              </a:solidFill>
-              <a:latin typeface="微软雅黑" panose="020B0503020204020204" pitchFamily="34" charset="-122"/>
-              <a:ea typeface="微软雅黑" panose="020B0503020204020204" pitchFamily="34" charset="-122"/>
-            </a:endParaRPr>
           </a:p>
         </p:txBody>
       </p:sp>
@@ -4609,7 +4482,6 @@
               <a:rPr lang="zh-CN" altLang="en-US" dirty="0"/>
               <a:t>查询模块</a:t>
             </a:r>
-            <a:endParaRPr lang="zh-CN" altLang="en-US" dirty="0"/>
           </a:p>
         </p:txBody>
       </p:sp>
@@ -4647,15 +4519,6 @@
               </a:rPr>
               <a:t>枪 支 信 息 智 能 管 理 系 统</a:t>
             </a:r>
-            <a:endParaRPr lang="zh-CN" altLang="en-US" sz="2400" b="1" dirty="0">
-              <a:solidFill>
-                <a:schemeClr val="accent6">
-                  <a:lumMod val="75000"/>
-                </a:schemeClr>
-              </a:solidFill>
-              <a:latin typeface="微软雅黑" panose="020B0503020204020204" pitchFamily="34" charset="-122"/>
-              <a:ea typeface="微软雅黑" panose="020B0503020204020204" pitchFamily="34" charset="-122"/>
-            </a:endParaRPr>
           </a:p>
         </p:txBody>
       </p:sp>
@@ -4668,7 +4531,7 @@
           <p:nvPr/>
         </p:nvPicPr>
         <p:blipFill>
-          <a:blip r:embed="rId2">
+          <a:blip r:embed="rId3" cstate="print">
             <a:extLst>
               <a:ext uri="{28A0092B-C50C-407E-A947-70E740481C1C}">
                 <a14:useLocalDpi xmlns:a14="http://schemas.microsoft.com/office/drawing/2010/main" val="0"/>
@@ -4753,13 +4616,6 @@
                 </a:rPr>
                 <a:t>返回</a:t>
               </a:r>
-              <a:endParaRPr lang="zh-CN" altLang="en-US" sz="1400" b="1" dirty="0">
-                <a:solidFill>
-                  <a:srgbClr val="00B0F0"/>
-                </a:solidFill>
-                <a:latin typeface="微软雅黑" panose="020B0503020204020204" pitchFamily="34" charset="-122"/>
-                <a:ea typeface="微软雅黑" panose="020B0503020204020204" pitchFamily="34" charset="-122"/>
-              </a:endParaRPr>
             </a:p>
           </p:txBody>
         </p:sp>
@@ -4868,10 +4724,6 @@
               </a:rPr>
               <a:t>信息查询页面</a:t>
             </a:r>
-            <a:endParaRPr lang="zh-CN" altLang="en-US" b="1" dirty="0">
-              <a:latin typeface="微软雅黑" panose="020B0503020204020204" pitchFamily="34" charset="-122"/>
-              <a:ea typeface="微软雅黑" panose="020B0503020204020204" pitchFamily="34" charset="-122"/>
-            </a:endParaRPr>
           </a:p>
         </p:txBody>
       </p:sp>
@@ -5024,15 +4876,6 @@
               </a:rPr>
               <a:t>账号管理</a:t>
             </a:r>
-            <a:endParaRPr lang="zh-CN" altLang="en-US" dirty="0">
-              <a:solidFill>
-                <a:schemeClr val="accent6">
-                  <a:lumMod val="75000"/>
-                </a:schemeClr>
-              </a:solidFill>
-              <a:latin typeface="微软雅黑" panose="020B0503020204020204" pitchFamily="34" charset="-122"/>
-              <a:ea typeface="微软雅黑" panose="020B0503020204020204" pitchFamily="34" charset="-122"/>
-            </a:endParaRPr>
           </a:p>
         </p:txBody>
       </p:sp>
@@ -5096,15 +4939,6 @@
               </a:rPr>
               <a:t>编码检视</a:t>
             </a:r>
-            <a:endParaRPr lang="zh-CN" altLang="en-US" dirty="0">
-              <a:solidFill>
-                <a:schemeClr val="accent6">
-                  <a:lumMod val="75000"/>
-                </a:schemeClr>
-              </a:solidFill>
-              <a:latin typeface="微软雅黑" panose="020B0503020204020204" pitchFamily="34" charset="-122"/>
-              <a:ea typeface="微软雅黑" panose="020B0503020204020204" pitchFamily="34" charset="-122"/>
-            </a:endParaRPr>
           </a:p>
         </p:txBody>
       </p:sp>
@@ -5168,13 +5002,6 @@
               </a:rPr>
               <a:t>信息管理</a:t>
             </a:r>
-            <a:endParaRPr lang="zh-CN" altLang="en-US" dirty="0">
-              <a:solidFill>
-                <a:schemeClr val="bg1"/>
-              </a:solidFill>
-              <a:latin typeface="微软雅黑" panose="020B0503020204020204" pitchFamily="34" charset="-122"/>
-              <a:ea typeface="微软雅黑" panose="020B0503020204020204" pitchFamily="34" charset="-122"/>
-            </a:endParaRPr>
           </a:p>
         </p:txBody>
       </p:sp>
@@ -5314,15 +5141,6 @@
               </a:rPr>
               <a:t>查询条件：</a:t>
             </a:r>
-            <a:endParaRPr lang="zh-CN" altLang="en-US" sz="1400" dirty="0">
-              <a:solidFill>
-                <a:schemeClr val="accent6">
-                  <a:lumMod val="75000"/>
-                </a:schemeClr>
-              </a:solidFill>
-              <a:latin typeface="微软雅黑" panose="020B0503020204020204" pitchFamily="34" charset="-122"/>
-              <a:ea typeface="微软雅黑" panose="020B0503020204020204" pitchFamily="34" charset="-122"/>
-            </a:endParaRPr>
           </a:p>
         </p:txBody>
       </p:sp>
@@ -5527,7 +5345,7 @@
         </p:nvGraphicFramePr>
         <p:xfrm>
           <a:off x="855133" y="2838251"/>
-          <a:ext cx="10473055" cy="3197225"/>
+          <a:ext cx="10473268" cy="3196832"/>
         </p:xfrm>
         <a:graphic>
           <a:graphicData uri="http://schemas.openxmlformats.org/drawingml/2006/table">
@@ -5536,18 +5354,90 @@
                 <a:tableStyleId>{93296810-A885-4BE3-A3E7-6D5BEEA58F35}</a:tableStyleId>
               </a:tblPr>
               <a:tblGrid>
-                <a:gridCol w="459341"/>
-                <a:gridCol w="1105728"/>
-                <a:gridCol w="1116697"/>
-                <a:gridCol w="1218216"/>
-                <a:gridCol w="939041"/>
-                <a:gridCol w="913662"/>
-                <a:gridCol w="1319733"/>
-                <a:gridCol w="829063"/>
-                <a:gridCol w="778304"/>
-                <a:gridCol w="676787"/>
-                <a:gridCol w="820604"/>
-                <a:gridCol w="296092"/>
+                <a:gridCol w="459341">
+                  <a:extLst>
+                    <a:ext uri="{9D8B030D-6E8A-4147-A177-3AD203B41FA5}">
+                      <a16:colId xmlns:a16="http://schemas.microsoft.com/office/drawing/2014/main" val="20000"/>
+                    </a:ext>
+                  </a:extLst>
+                </a:gridCol>
+                <a:gridCol w="1105728">
+                  <a:extLst>
+                    <a:ext uri="{9D8B030D-6E8A-4147-A177-3AD203B41FA5}">
+                      <a16:colId xmlns:a16="http://schemas.microsoft.com/office/drawing/2014/main" val="20001"/>
+                    </a:ext>
+                  </a:extLst>
+                </a:gridCol>
+                <a:gridCol w="1116697">
+                  <a:extLst>
+                    <a:ext uri="{9D8B030D-6E8A-4147-A177-3AD203B41FA5}">
+                      <a16:colId xmlns:a16="http://schemas.microsoft.com/office/drawing/2014/main" val="20002"/>
+                    </a:ext>
+                  </a:extLst>
+                </a:gridCol>
+                <a:gridCol w="1218216">
+                  <a:extLst>
+                    <a:ext uri="{9D8B030D-6E8A-4147-A177-3AD203B41FA5}">
+                      <a16:colId xmlns:a16="http://schemas.microsoft.com/office/drawing/2014/main" val="20003"/>
+                    </a:ext>
+                  </a:extLst>
+                </a:gridCol>
+                <a:gridCol w="939041">
+                  <a:extLst>
+                    <a:ext uri="{9D8B030D-6E8A-4147-A177-3AD203B41FA5}">
+                      <a16:colId xmlns:a16="http://schemas.microsoft.com/office/drawing/2014/main" val="20004"/>
+                    </a:ext>
+                  </a:extLst>
+                </a:gridCol>
+                <a:gridCol w="913662">
+                  <a:extLst>
+                    <a:ext uri="{9D8B030D-6E8A-4147-A177-3AD203B41FA5}">
+                      <a16:colId xmlns:a16="http://schemas.microsoft.com/office/drawing/2014/main" val="20005"/>
+                    </a:ext>
+                  </a:extLst>
+                </a:gridCol>
+                <a:gridCol w="1319733">
+                  <a:extLst>
+                    <a:ext uri="{9D8B030D-6E8A-4147-A177-3AD203B41FA5}">
+                      <a16:colId xmlns:a16="http://schemas.microsoft.com/office/drawing/2014/main" val="20006"/>
+                    </a:ext>
+                  </a:extLst>
+                </a:gridCol>
+                <a:gridCol w="829063">
+                  <a:extLst>
+                    <a:ext uri="{9D8B030D-6E8A-4147-A177-3AD203B41FA5}">
+                      <a16:colId xmlns:a16="http://schemas.microsoft.com/office/drawing/2014/main" val="20007"/>
+                    </a:ext>
+                  </a:extLst>
+                </a:gridCol>
+                <a:gridCol w="778304">
+                  <a:extLst>
+                    <a:ext uri="{9D8B030D-6E8A-4147-A177-3AD203B41FA5}">
+                      <a16:colId xmlns:a16="http://schemas.microsoft.com/office/drawing/2014/main" val="20008"/>
+                    </a:ext>
+                  </a:extLst>
+                </a:gridCol>
+                <a:gridCol w="676787">
+                  <a:extLst>
+                    <a:ext uri="{9D8B030D-6E8A-4147-A177-3AD203B41FA5}">
+                      <a16:colId xmlns:a16="http://schemas.microsoft.com/office/drawing/2014/main" val="20009"/>
+                    </a:ext>
+                  </a:extLst>
+                </a:gridCol>
+                <a:gridCol w="820604">
+                  <a:extLst>
+                    <a:ext uri="{9D8B030D-6E8A-4147-A177-3AD203B41FA5}">
+                      <a16:colId xmlns:a16="http://schemas.microsoft.com/office/drawing/2014/main" val="20010"/>
+                    </a:ext>
+                  </a:extLst>
+                </a:gridCol>
+                <a:gridCol w="296092">
+                  <a:extLst>
+                    <a:ext uri="{9D8B030D-6E8A-4147-A177-3AD203B41FA5}">
+                      <a16:colId xmlns:a16="http://schemas.microsoft.com/office/drawing/2014/main" val="20011"/>
+                    </a:ext>
+                  </a:extLst>
+                </a:gridCol>
               </a:tblGrid>
               <a:tr h="457780">
                 <a:tc>
@@ -5563,10 +5453,6 @@
                         </a:rPr>
                         <a:t>序号</a:t>
                       </a:r>
-                      <a:endParaRPr lang="zh-CN" altLang="en-US" sz="900" b="1" dirty="0">
-                        <a:latin typeface="微软雅黑" panose="020B0503020204020204" pitchFamily="34" charset="-122"/>
-                        <a:ea typeface="微软雅黑" panose="020B0503020204020204" pitchFamily="34" charset="-122"/>
-                      </a:endParaRPr>
                     </a:p>
                   </a:txBody>
                   <a:tcPr anchor="ctr"/>
@@ -5584,10 +5470,6 @@
                         </a:rPr>
                         <a:t>退役报废文件号</a:t>
                       </a:r>
-                      <a:endParaRPr lang="zh-CN" altLang="en-US" sz="900" b="1" dirty="0">
-                        <a:latin typeface="微软雅黑" panose="020B0503020204020204" pitchFamily="34" charset="-122"/>
-                        <a:ea typeface="微软雅黑" panose="020B0503020204020204" pitchFamily="34" charset="-122"/>
-                      </a:endParaRPr>
                     </a:p>
                   </a:txBody>
                   <a:tcPr anchor="ctr"/>
@@ -5605,10 +5487,6 @@
                         </a:rPr>
                         <a:t>退役报废装备处理调拨凭证号</a:t>
                       </a:r>
-                      <a:endParaRPr lang="zh-CN" altLang="en-US" sz="900" b="1" dirty="0">
-                        <a:latin typeface="微软雅黑" panose="020B0503020204020204" pitchFamily="34" charset="-122"/>
-                        <a:ea typeface="微软雅黑" panose="020B0503020204020204" pitchFamily="34" charset="-122"/>
-                      </a:endParaRPr>
                     </a:p>
                   </a:txBody>
                   <a:tcPr anchor="ctr"/>
@@ -5626,10 +5504,6 @@
                         </a:rPr>
                         <a:t>装箱单号</a:t>
                       </a:r>
-                      <a:endParaRPr lang="zh-CN" altLang="en-US" sz="900" b="1" dirty="0">
-                        <a:latin typeface="微软雅黑" panose="020B0503020204020204" pitchFamily="34" charset="-122"/>
-                        <a:ea typeface="微软雅黑" panose="020B0503020204020204" pitchFamily="34" charset="-122"/>
-                      </a:endParaRPr>
                     </a:p>
                   </a:txBody>
                   <a:tcPr anchor="ctr"/>
@@ -5647,10 +5521,6 @@
                         </a:rPr>
                         <a:t>装备代码</a:t>
                       </a:r>
-                      <a:endParaRPr lang="zh-CN" altLang="en-US" sz="900" b="1" dirty="0">
-                        <a:latin typeface="微软雅黑" panose="020B0503020204020204" pitchFamily="34" charset="-122"/>
-                        <a:ea typeface="微软雅黑" panose="020B0503020204020204" pitchFamily="34" charset="-122"/>
-                      </a:endParaRPr>
                     </a:p>
                   </a:txBody>
                   <a:tcPr anchor="ctr"/>
@@ -5668,10 +5538,6 @@
                         </a:rPr>
                         <a:t>装备（部件）名称</a:t>
                       </a:r>
-                      <a:endParaRPr lang="zh-CN" altLang="en-US" sz="900" b="1" dirty="0">
-                        <a:latin typeface="微软雅黑" panose="020B0503020204020204" pitchFamily="34" charset="-122"/>
-                        <a:ea typeface="微软雅黑" panose="020B0503020204020204" pitchFamily="34" charset="-122"/>
-                      </a:endParaRPr>
                     </a:p>
                   </a:txBody>
                   <a:tcPr anchor="ctr"/>
@@ -5689,10 +5555,6 @@
                         </a:rPr>
                         <a:t>单装编号</a:t>
                       </a:r>
-                      <a:endParaRPr lang="zh-CN" altLang="en-US" sz="900" b="1" dirty="0">
-                        <a:latin typeface="微软雅黑" panose="020B0503020204020204" pitchFamily="34" charset="-122"/>
-                        <a:ea typeface="微软雅黑" panose="020B0503020204020204" pitchFamily="34" charset="-122"/>
-                      </a:endParaRPr>
                     </a:p>
                   </a:txBody>
                   <a:tcPr anchor="ctr"/>
@@ -5710,10 +5572,6 @@
                         </a:rPr>
                         <a:t>出厂时间</a:t>
                       </a:r>
-                      <a:endParaRPr lang="zh-CN" altLang="en-US" sz="900" b="1" dirty="0">
-                        <a:latin typeface="微软雅黑" panose="020B0503020204020204" pitchFamily="34" charset="-122"/>
-                        <a:ea typeface="微软雅黑" panose="020B0503020204020204" pitchFamily="34" charset="-122"/>
-                      </a:endParaRPr>
                     </a:p>
                   </a:txBody>
                   <a:tcPr anchor="ctr"/>
@@ -5731,10 +5589,6 @@
                         </a:rPr>
                         <a:t>装备时间</a:t>
                       </a:r>
-                      <a:endParaRPr lang="zh-CN" altLang="en-US" sz="900" b="1" dirty="0">
-                        <a:latin typeface="微软雅黑" panose="020B0503020204020204" pitchFamily="34" charset="-122"/>
-                        <a:ea typeface="微软雅黑" panose="020B0503020204020204" pitchFamily="34" charset="-122"/>
-                      </a:endParaRPr>
                     </a:p>
                   </a:txBody>
                   <a:tcPr anchor="ctr"/>
@@ -5752,10 +5606,6 @@
                         </a:rPr>
                         <a:t>状态</a:t>
                       </a:r>
-                      <a:endParaRPr lang="zh-CN" altLang="en-US" sz="900" b="1" dirty="0">
-                        <a:latin typeface="微软雅黑" panose="020B0503020204020204" pitchFamily="34" charset="-122"/>
-                        <a:ea typeface="微软雅黑" panose="020B0503020204020204" pitchFamily="34" charset="-122"/>
-                      </a:endParaRPr>
                     </a:p>
                   </a:txBody>
                   <a:tcPr anchor="ctr"/>
@@ -5773,10 +5623,6 @@
                         </a:rPr>
                         <a:t>记录时间</a:t>
                       </a:r>
-                      <a:endParaRPr lang="zh-CN" altLang="en-US" sz="900" b="1" dirty="0">
-                        <a:latin typeface="微软雅黑" panose="020B0503020204020204" pitchFamily="34" charset="-122"/>
-                        <a:ea typeface="微软雅黑" panose="020B0503020204020204" pitchFamily="34" charset="-122"/>
-                      </a:endParaRPr>
                     </a:p>
                   </a:txBody>
                   <a:tcPr anchor="ctr"/>
@@ -5794,14 +5640,15 @@
                         </a:rPr>
                         <a:t>选择</a:t>
                       </a:r>
-                      <a:endParaRPr lang="zh-CN" altLang="en-US" sz="900" b="1" dirty="0">
-                        <a:latin typeface="微软雅黑" panose="020B0503020204020204" pitchFamily="34" charset="-122"/>
-                        <a:ea typeface="微软雅黑" panose="020B0503020204020204" pitchFamily="34" charset="-122"/>
-                      </a:endParaRPr>
-                    </a:p>
-                  </a:txBody>
-                  <a:tcPr anchor="ctr"/>
-                </a:tc>
+                    </a:p>
+                  </a:txBody>
+                  <a:tcPr anchor="ctr"/>
+                </a:tc>
+                <a:extLst>
+                  <a:ext uri="{0D108BD9-81ED-4DB2-BD59-A6C34878D82A}">
+                    <a16:rowId xmlns:a16="http://schemas.microsoft.com/office/drawing/2014/main" val="10000"/>
+                  </a:ext>
+                </a:extLst>
               </a:tr>
               <a:tr h="335915">
                 <a:tc>
@@ -5939,6 +5786,27 @@
                         </a:rPr>
                         <a:t>式手枪</a:t>
                       </a:r>
+                    </a:p>
+                  </a:txBody>
+                  <a:tcPr anchor="ctr"/>
+                </a:tc>
+                <a:tc>
+                  <a:txBody>
+                    <a:bodyPr/>
+                    <a:lstStyle/>
+                    <a:p>
+                      <a:pPr algn="ctr"/>
+                      <a:r>
+                        <a:rPr lang="en-US" altLang="zh-CN" sz="800" kern="1200" dirty="0">
+                          <a:solidFill>
+                            <a:schemeClr val="dk1"/>
+                          </a:solidFill>
+                          <a:latin typeface="微软雅黑" panose="020B0503020204020204" pitchFamily="34" charset="-122"/>
+                          <a:ea typeface="微软雅黑" panose="020B0503020204020204" pitchFamily="34" charset="-122"/>
+                          <a:cs typeface="+mn-cs"/>
+                        </a:rPr>
+                        <a:t>25050684</a:t>
+                      </a:r>
                       <a:endParaRPr lang="zh-CN" altLang="en-US" sz="800" kern="1200" dirty="0">
                         <a:solidFill>
                           <a:schemeClr val="dk1"/>
@@ -5966,7 +5834,7 @@
                           <a:ea typeface="微软雅黑" panose="020B0503020204020204" pitchFamily="34" charset="-122"/>
                           <a:cs typeface="+mn-cs"/>
                         </a:rPr>
-                        <a:t>25050684</a:t>
+                        <a:t>1998-7-13</a:t>
                       </a:r>
                       <a:endParaRPr lang="zh-CN" altLang="en-US" sz="800" kern="1200" dirty="0">
                         <a:solidFill>
@@ -5995,7 +5863,7 @@
                           <a:ea typeface="微软雅黑" panose="020B0503020204020204" pitchFamily="34" charset="-122"/>
                           <a:cs typeface="+mn-cs"/>
                         </a:rPr>
-                        <a:t>1998-7-13</a:t>
+                        <a:t>1998-9</a:t>
                       </a:r>
                       <a:endParaRPr lang="zh-CN" altLang="en-US" sz="800" kern="1200" dirty="0">
                         <a:solidFill>
@@ -6016,6 +5884,27 @@
                     <a:p>
                       <a:pPr algn="ctr"/>
                       <a:r>
+                        <a:rPr lang="zh-CN" altLang="en-US" sz="800" kern="1200" dirty="0">
+                          <a:solidFill>
+                            <a:schemeClr val="dk1"/>
+                          </a:solidFill>
+                          <a:latin typeface="微软雅黑" panose="020B0503020204020204" pitchFamily="34" charset="-122"/>
+                          <a:ea typeface="微软雅黑" panose="020B0503020204020204" pitchFamily="34" charset="-122"/>
+                          <a:cs typeface="+mn-cs"/>
+                        </a:rPr>
+                        <a:t>已检视</a:t>
+                      </a:r>
+                    </a:p>
+                  </a:txBody>
+                  <a:tcPr anchor="ctr"/>
+                </a:tc>
+                <a:tc>
+                  <a:txBody>
+                    <a:bodyPr/>
+                    <a:lstStyle/>
+                    <a:p>
+                      <a:pPr algn="ctr"/>
+                      <a:r>
                         <a:rPr lang="en-US" altLang="zh-CN" sz="800" kern="1200" dirty="0">
                           <a:solidFill>
                             <a:schemeClr val="dk1"/>
@@ -6024,7 +5913,7 @@
                           <a:ea typeface="微软雅黑" panose="020B0503020204020204" pitchFamily="34" charset="-122"/>
                           <a:cs typeface="+mn-cs"/>
                         </a:rPr>
-                        <a:t>1998-9</a:t>
+                        <a:t>2020-11-13  15:00:00</a:t>
                       </a:r>
                       <a:endParaRPr lang="zh-CN" altLang="en-US" sz="800" kern="1200" dirty="0">
                         <a:solidFill>
@@ -6044,64 +5933,6 @@
                     <a:lstStyle/>
                     <a:p>
                       <a:pPr algn="ctr"/>
-                      <a:r>
-                        <a:rPr lang="zh-CN" altLang="en-US" sz="800" kern="1200" dirty="0">
-                          <a:solidFill>
-                            <a:schemeClr val="dk1"/>
-                          </a:solidFill>
-                          <a:latin typeface="微软雅黑" panose="020B0503020204020204" pitchFamily="34" charset="-122"/>
-                          <a:ea typeface="微软雅黑" panose="020B0503020204020204" pitchFamily="34" charset="-122"/>
-                          <a:cs typeface="+mn-cs"/>
-                        </a:rPr>
-                        <a:t>已检视</a:t>
-                      </a:r>
-                      <a:endParaRPr lang="zh-CN" altLang="en-US" sz="800" kern="1200" dirty="0">
-                        <a:solidFill>
-                          <a:schemeClr val="dk1"/>
-                        </a:solidFill>
-                        <a:latin typeface="微软雅黑" panose="020B0503020204020204" pitchFamily="34" charset="-122"/>
-                        <a:ea typeface="微软雅黑" panose="020B0503020204020204" pitchFamily="34" charset="-122"/>
-                        <a:cs typeface="+mn-cs"/>
-                      </a:endParaRPr>
-                    </a:p>
-                  </a:txBody>
-                  <a:tcPr anchor="ctr"/>
-                </a:tc>
-                <a:tc>
-                  <a:txBody>
-                    <a:bodyPr/>
-                    <a:lstStyle/>
-                    <a:p>
-                      <a:pPr algn="ctr"/>
-                      <a:r>
-                        <a:rPr lang="en-US" altLang="zh-CN" sz="800" kern="1200" dirty="0">
-                          <a:solidFill>
-                            <a:schemeClr val="dk1"/>
-                          </a:solidFill>
-                          <a:latin typeface="微软雅黑" panose="020B0503020204020204" pitchFamily="34" charset="-122"/>
-                          <a:ea typeface="微软雅黑" panose="020B0503020204020204" pitchFamily="34" charset="-122"/>
-                          <a:cs typeface="+mn-cs"/>
-                        </a:rPr>
-                        <a:t>2020-11-13  15:00:00</a:t>
-                      </a:r>
-                      <a:endParaRPr lang="zh-CN" altLang="en-US" sz="800" kern="1200" dirty="0">
-                        <a:solidFill>
-                          <a:schemeClr val="dk1"/>
-                        </a:solidFill>
-                        <a:latin typeface="微软雅黑" panose="020B0503020204020204" pitchFamily="34" charset="-122"/>
-                        <a:ea typeface="微软雅黑" panose="020B0503020204020204" pitchFamily="34" charset="-122"/>
-                        <a:cs typeface="+mn-cs"/>
-                      </a:endParaRPr>
-                    </a:p>
-                  </a:txBody>
-                  <a:tcPr anchor="ctr"/>
-                </a:tc>
-                <a:tc>
-                  <a:txBody>
-                    <a:bodyPr/>
-                    <a:lstStyle/>
-                    <a:p>
-                      <a:pPr algn="ctr"/>
                       <a:endParaRPr lang="zh-CN" altLang="en-US" sz="900" dirty="0">
                         <a:latin typeface="微软雅黑" panose="020B0503020204020204" pitchFamily="34" charset="-122"/>
                         <a:ea typeface="微软雅黑" panose="020B0503020204020204" pitchFamily="34" charset="-122"/>
@@ -6110,6 +5941,11 @@
                   </a:txBody>
                   <a:tcPr anchor="ctr"/>
                 </a:tc>
+                <a:extLst>
+                  <a:ext uri="{0D108BD9-81ED-4DB2-BD59-A6C34878D82A}">
+                    <a16:rowId xmlns:a16="http://schemas.microsoft.com/office/drawing/2014/main" val="10001"/>
+                  </a:ext>
+                </a:extLst>
               </a:tr>
               <a:tr h="347134">
                 <a:tc>
@@ -6277,14 +6113,6 @@
                         </a:rPr>
                         <a:t>式手枪</a:t>
                       </a:r>
-                      <a:endParaRPr lang="zh-CN" altLang="en-US" sz="800" kern="1200" dirty="0">
-                        <a:solidFill>
-                          <a:schemeClr val="dk1"/>
-                        </a:solidFill>
-                        <a:latin typeface="微软雅黑" panose="020B0503020204020204" pitchFamily="34" charset="-122"/>
-                        <a:ea typeface="微软雅黑" panose="020B0503020204020204" pitchFamily="34" charset="-122"/>
-                        <a:cs typeface="+mn-cs"/>
-                      </a:endParaRPr>
                     </a:p>
                   </a:txBody>
                   <a:tcPr anchor="ctr"/>
@@ -6453,14 +6281,6 @@
                         </a:rPr>
                         <a:t>已检视</a:t>
                       </a:r>
-                      <a:endParaRPr lang="zh-CN" altLang="en-US" sz="800" kern="1200" dirty="0">
-                        <a:solidFill>
-                          <a:schemeClr val="dk1"/>
-                        </a:solidFill>
-                        <a:latin typeface="微软雅黑" panose="020B0503020204020204" pitchFamily="34" charset="-122"/>
-                        <a:ea typeface="微软雅黑" panose="020B0503020204020204" pitchFamily="34" charset="-122"/>
-                        <a:cs typeface="+mn-cs"/>
-                      </a:endParaRPr>
                     </a:p>
                   </a:txBody>
                   <a:tcPr anchor="ctr"/>
@@ -6543,6 +6363,11 @@
                   </a:txBody>
                   <a:tcPr anchor="ctr"/>
                 </a:tc>
+                <a:extLst>
+                  <a:ext uri="{0D108BD9-81ED-4DB2-BD59-A6C34878D82A}">
+                    <a16:rowId xmlns:a16="http://schemas.microsoft.com/office/drawing/2014/main" val="10002"/>
+                  </a:ext>
+                </a:extLst>
               </a:tr>
               <a:tr h="364056">
                 <a:tc>
@@ -6680,6 +6505,27 @@
                         </a:rPr>
                         <a:t>式手枪</a:t>
                       </a:r>
+                    </a:p>
+                  </a:txBody>
+                  <a:tcPr anchor="ctr"/>
+                </a:tc>
+                <a:tc>
+                  <a:txBody>
+                    <a:bodyPr/>
+                    <a:lstStyle/>
+                    <a:p>
+                      <a:pPr algn="ctr"/>
+                      <a:r>
+                        <a:rPr lang="en-US" altLang="zh-CN" sz="800" kern="1200" dirty="0">
+                          <a:solidFill>
+                            <a:schemeClr val="dk1"/>
+                          </a:solidFill>
+                          <a:latin typeface="微软雅黑" panose="020B0503020204020204" pitchFamily="34" charset="-122"/>
+                          <a:ea typeface="微软雅黑" panose="020B0503020204020204" pitchFamily="34" charset="-122"/>
+                          <a:cs typeface="+mn-cs"/>
+                        </a:rPr>
+                        <a:t>25050686</a:t>
+                      </a:r>
                       <a:endParaRPr lang="zh-CN" altLang="en-US" sz="800" kern="1200" dirty="0">
                         <a:solidFill>
                           <a:schemeClr val="dk1"/>
@@ -6707,7 +6553,7 @@
                           <a:ea typeface="微软雅黑" panose="020B0503020204020204" pitchFamily="34" charset="-122"/>
                           <a:cs typeface="+mn-cs"/>
                         </a:rPr>
-                        <a:t>25050686</a:t>
+                        <a:t>1998-7-13</a:t>
                       </a:r>
                       <a:endParaRPr lang="zh-CN" altLang="en-US" sz="800" kern="1200" dirty="0">
                         <a:solidFill>
@@ -6736,7 +6582,7 @@
                           <a:ea typeface="微软雅黑" panose="020B0503020204020204" pitchFamily="34" charset="-122"/>
                           <a:cs typeface="+mn-cs"/>
                         </a:rPr>
-                        <a:t>1998-7-13</a:t>
+                        <a:t>1998-9</a:t>
                       </a:r>
                       <a:endParaRPr lang="zh-CN" altLang="en-US" sz="800" kern="1200" dirty="0">
                         <a:solidFill>
@@ -6757,35 +6603,6 @@
                     <a:p>
                       <a:pPr algn="ctr"/>
                       <a:r>
-                        <a:rPr lang="en-US" altLang="zh-CN" sz="800" kern="1200" dirty="0">
-                          <a:solidFill>
-                            <a:schemeClr val="dk1"/>
-                          </a:solidFill>
-                          <a:latin typeface="微软雅黑" panose="020B0503020204020204" pitchFamily="34" charset="-122"/>
-                          <a:ea typeface="微软雅黑" panose="020B0503020204020204" pitchFamily="34" charset="-122"/>
-                          <a:cs typeface="+mn-cs"/>
-                        </a:rPr>
-                        <a:t>1998-9</a:t>
-                      </a:r>
-                      <a:endParaRPr lang="zh-CN" altLang="en-US" sz="800" kern="1200" dirty="0">
-                        <a:solidFill>
-                          <a:schemeClr val="dk1"/>
-                        </a:solidFill>
-                        <a:latin typeface="微软雅黑" panose="020B0503020204020204" pitchFamily="34" charset="-122"/>
-                        <a:ea typeface="微软雅黑" panose="020B0503020204020204" pitchFamily="34" charset="-122"/>
-                        <a:cs typeface="+mn-cs"/>
-                      </a:endParaRPr>
-                    </a:p>
-                  </a:txBody>
-                  <a:tcPr anchor="ctr"/>
-                </a:tc>
-                <a:tc>
-                  <a:txBody>
-                    <a:bodyPr/>
-                    <a:lstStyle/>
-                    <a:p>
-                      <a:pPr algn="ctr"/>
-                      <a:r>
                         <a:rPr lang="zh-CN" altLang="en-US" sz="800" kern="1200" dirty="0">
                           <a:solidFill>
                             <a:schemeClr val="dk1"/>
@@ -6796,14 +6613,6 @@
                         </a:rPr>
                         <a:t>未检视</a:t>
                       </a:r>
-                      <a:endParaRPr lang="zh-CN" altLang="en-US" sz="800" kern="1200" dirty="0">
-                        <a:solidFill>
-                          <a:schemeClr val="dk1"/>
-                        </a:solidFill>
-                        <a:latin typeface="微软雅黑" panose="020B0503020204020204" pitchFamily="34" charset="-122"/>
-                        <a:ea typeface="微软雅黑" panose="020B0503020204020204" pitchFamily="34" charset="-122"/>
-                        <a:cs typeface="+mn-cs"/>
-                      </a:endParaRPr>
                     </a:p>
                   </a:txBody>
                   <a:tcPr anchor="ctr"/>
@@ -6866,6 +6675,11 @@
                   </a:txBody>
                   <a:tcPr anchor="ctr"/>
                 </a:tc>
+                <a:extLst>
+                  <a:ext uri="{0D108BD9-81ED-4DB2-BD59-A6C34878D82A}">
+                    <a16:rowId xmlns:a16="http://schemas.microsoft.com/office/drawing/2014/main" val="10003"/>
+                  </a:ext>
+                </a:extLst>
               </a:tr>
               <a:tr h="338667">
                 <a:tc>
@@ -7003,6 +6817,27 @@
                         </a:rPr>
                         <a:t>式手枪</a:t>
                       </a:r>
+                    </a:p>
+                  </a:txBody>
+                  <a:tcPr anchor="ctr"/>
+                </a:tc>
+                <a:tc>
+                  <a:txBody>
+                    <a:bodyPr/>
+                    <a:lstStyle/>
+                    <a:p>
+                      <a:pPr algn="ctr"/>
+                      <a:r>
+                        <a:rPr lang="en-US" altLang="zh-CN" sz="800" kern="1200" dirty="0">
+                          <a:solidFill>
+                            <a:schemeClr val="dk1"/>
+                          </a:solidFill>
+                          <a:latin typeface="微软雅黑" panose="020B0503020204020204" pitchFamily="34" charset="-122"/>
+                          <a:ea typeface="微软雅黑" panose="020B0503020204020204" pitchFamily="34" charset="-122"/>
+                          <a:cs typeface="+mn-cs"/>
+                        </a:rPr>
+                        <a:t>25050687</a:t>
+                      </a:r>
                       <a:endParaRPr lang="zh-CN" altLang="en-US" sz="800" kern="1200" dirty="0">
                         <a:solidFill>
                           <a:schemeClr val="dk1"/>
@@ -7030,7 +6865,7 @@
                           <a:ea typeface="微软雅黑" panose="020B0503020204020204" pitchFamily="34" charset="-122"/>
                           <a:cs typeface="+mn-cs"/>
                         </a:rPr>
-                        <a:t>25050687</a:t>
+                        <a:t>1998-7-13</a:t>
                       </a:r>
                       <a:endParaRPr lang="zh-CN" altLang="en-US" sz="800" kern="1200" dirty="0">
                         <a:solidFill>
@@ -7059,7 +6894,7 @@
                           <a:ea typeface="微软雅黑" panose="020B0503020204020204" pitchFamily="34" charset="-122"/>
                           <a:cs typeface="+mn-cs"/>
                         </a:rPr>
-                        <a:t>1998-7-13</a:t>
+                        <a:t>1998-9</a:t>
                       </a:r>
                       <a:endParaRPr lang="zh-CN" altLang="en-US" sz="800" kern="1200" dirty="0">
                         <a:solidFill>
@@ -7080,35 +6915,6 @@
                     <a:p>
                       <a:pPr algn="ctr"/>
                       <a:r>
-                        <a:rPr lang="en-US" altLang="zh-CN" sz="800" kern="1200" dirty="0">
-                          <a:solidFill>
-                            <a:schemeClr val="dk1"/>
-                          </a:solidFill>
-                          <a:latin typeface="微软雅黑" panose="020B0503020204020204" pitchFamily="34" charset="-122"/>
-                          <a:ea typeface="微软雅黑" panose="020B0503020204020204" pitchFamily="34" charset="-122"/>
-                          <a:cs typeface="+mn-cs"/>
-                        </a:rPr>
-                        <a:t>1998-9</a:t>
-                      </a:r>
-                      <a:endParaRPr lang="zh-CN" altLang="en-US" sz="800" kern="1200" dirty="0">
-                        <a:solidFill>
-                          <a:schemeClr val="dk1"/>
-                        </a:solidFill>
-                        <a:latin typeface="微软雅黑" panose="020B0503020204020204" pitchFamily="34" charset="-122"/>
-                        <a:ea typeface="微软雅黑" panose="020B0503020204020204" pitchFamily="34" charset="-122"/>
-                        <a:cs typeface="+mn-cs"/>
-                      </a:endParaRPr>
-                    </a:p>
-                  </a:txBody>
-                  <a:tcPr anchor="ctr"/>
-                </a:tc>
-                <a:tc>
-                  <a:txBody>
-                    <a:bodyPr/>
-                    <a:lstStyle/>
-                    <a:p>
-                      <a:pPr algn="ctr"/>
-                      <a:r>
                         <a:rPr lang="zh-CN" altLang="en-US" sz="800" kern="1200" dirty="0">
                           <a:solidFill>
                             <a:schemeClr val="dk1"/>
@@ -7119,14 +6925,6 @@
                         </a:rPr>
                         <a:t>未检视</a:t>
                       </a:r>
-                      <a:endParaRPr lang="zh-CN" altLang="en-US" sz="800" kern="1200" dirty="0">
-                        <a:solidFill>
-                          <a:schemeClr val="dk1"/>
-                        </a:solidFill>
-                        <a:latin typeface="微软雅黑" panose="020B0503020204020204" pitchFamily="34" charset="-122"/>
-                        <a:ea typeface="微软雅黑" panose="020B0503020204020204" pitchFamily="34" charset="-122"/>
-                        <a:cs typeface="+mn-cs"/>
-                      </a:endParaRPr>
                     </a:p>
                   </a:txBody>
                   <a:tcPr anchor="ctr"/>
@@ -7189,6 +6987,11 @@
                   </a:txBody>
                   <a:tcPr anchor="ctr"/>
                 </a:tc>
+                <a:extLst>
+                  <a:ext uri="{0D108BD9-81ED-4DB2-BD59-A6C34878D82A}">
+                    <a16:rowId xmlns:a16="http://schemas.microsoft.com/office/drawing/2014/main" val="10004"/>
+                  </a:ext>
+                </a:extLst>
               </a:tr>
               <a:tr h="338667">
                 <a:tc>
@@ -7326,6 +7129,27 @@
                         </a:rPr>
                         <a:t>式手枪</a:t>
                       </a:r>
+                    </a:p>
+                  </a:txBody>
+                  <a:tcPr anchor="ctr"/>
+                </a:tc>
+                <a:tc>
+                  <a:txBody>
+                    <a:bodyPr/>
+                    <a:lstStyle/>
+                    <a:p>
+                      <a:pPr algn="ctr"/>
+                      <a:r>
+                        <a:rPr lang="en-US" altLang="zh-CN" sz="800" kern="1200" dirty="0">
+                          <a:solidFill>
+                            <a:schemeClr val="dk1"/>
+                          </a:solidFill>
+                          <a:latin typeface="微软雅黑" panose="020B0503020204020204" pitchFamily="34" charset="-122"/>
+                          <a:ea typeface="微软雅黑" panose="020B0503020204020204" pitchFamily="34" charset="-122"/>
+                          <a:cs typeface="+mn-cs"/>
+                        </a:rPr>
+                        <a:t>25050688</a:t>
+                      </a:r>
                       <a:endParaRPr lang="zh-CN" altLang="en-US" sz="800" kern="1200" dirty="0">
                         <a:solidFill>
                           <a:schemeClr val="dk1"/>
@@ -7353,7 +7177,7 @@
                           <a:ea typeface="微软雅黑" panose="020B0503020204020204" pitchFamily="34" charset="-122"/>
                           <a:cs typeface="+mn-cs"/>
                         </a:rPr>
-                        <a:t>25050688</a:t>
+                        <a:t>1998-7-13</a:t>
                       </a:r>
                       <a:endParaRPr lang="zh-CN" altLang="en-US" sz="800" kern="1200" dirty="0">
                         <a:solidFill>
@@ -7382,7 +7206,7 @@
                           <a:ea typeface="微软雅黑" panose="020B0503020204020204" pitchFamily="34" charset="-122"/>
                           <a:cs typeface="+mn-cs"/>
                         </a:rPr>
-                        <a:t>1998-7-13</a:t>
+                        <a:t>1998-9</a:t>
                       </a:r>
                       <a:endParaRPr lang="zh-CN" altLang="en-US" sz="800" kern="1200" dirty="0">
                         <a:solidFill>
@@ -7403,35 +7227,6 @@
                     <a:p>
                       <a:pPr algn="ctr"/>
                       <a:r>
-                        <a:rPr lang="en-US" altLang="zh-CN" sz="800" kern="1200" dirty="0">
-                          <a:solidFill>
-                            <a:schemeClr val="dk1"/>
-                          </a:solidFill>
-                          <a:latin typeface="微软雅黑" panose="020B0503020204020204" pitchFamily="34" charset="-122"/>
-                          <a:ea typeface="微软雅黑" panose="020B0503020204020204" pitchFamily="34" charset="-122"/>
-                          <a:cs typeface="+mn-cs"/>
-                        </a:rPr>
-                        <a:t>1998-9</a:t>
-                      </a:r>
-                      <a:endParaRPr lang="zh-CN" altLang="en-US" sz="800" kern="1200" dirty="0">
-                        <a:solidFill>
-                          <a:schemeClr val="dk1"/>
-                        </a:solidFill>
-                        <a:latin typeface="微软雅黑" panose="020B0503020204020204" pitchFamily="34" charset="-122"/>
-                        <a:ea typeface="微软雅黑" panose="020B0503020204020204" pitchFamily="34" charset="-122"/>
-                        <a:cs typeface="+mn-cs"/>
-                      </a:endParaRPr>
-                    </a:p>
-                  </a:txBody>
-                  <a:tcPr anchor="ctr"/>
-                </a:tc>
-                <a:tc>
-                  <a:txBody>
-                    <a:bodyPr/>
-                    <a:lstStyle/>
-                    <a:p>
-                      <a:pPr algn="ctr"/>
-                      <a:r>
                         <a:rPr lang="zh-CN" altLang="en-US" sz="800" kern="1200" dirty="0">
                           <a:solidFill>
                             <a:schemeClr val="dk1"/>
@@ -7442,14 +7237,6 @@
                         </a:rPr>
                         <a:t>未检视</a:t>
                       </a:r>
-                      <a:endParaRPr lang="zh-CN" altLang="en-US" sz="800" kern="1200" dirty="0">
-                        <a:solidFill>
-                          <a:schemeClr val="dk1"/>
-                        </a:solidFill>
-                        <a:latin typeface="微软雅黑" panose="020B0503020204020204" pitchFamily="34" charset="-122"/>
-                        <a:ea typeface="微软雅黑" panose="020B0503020204020204" pitchFamily="34" charset="-122"/>
-                        <a:cs typeface="+mn-cs"/>
-                      </a:endParaRPr>
                     </a:p>
                   </a:txBody>
                   <a:tcPr anchor="ctr"/>
@@ -7512,6 +7299,11 @@
                   </a:txBody>
                   <a:tcPr anchor="ctr"/>
                 </a:tc>
+                <a:extLst>
+                  <a:ext uri="{0D108BD9-81ED-4DB2-BD59-A6C34878D82A}">
+                    <a16:rowId xmlns:a16="http://schemas.microsoft.com/office/drawing/2014/main" val="10005"/>
+                  </a:ext>
+                </a:extLst>
               </a:tr>
               <a:tr h="296333">
                 <a:tc>
@@ -7649,6 +7441,27 @@
                         </a:rPr>
                         <a:t>式手枪</a:t>
                       </a:r>
+                    </a:p>
+                  </a:txBody>
+                  <a:tcPr anchor="ctr"/>
+                </a:tc>
+                <a:tc>
+                  <a:txBody>
+                    <a:bodyPr/>
+                    <a:lstStyle/>
+                    <a:p>
+                      <a:pPr algn="ctr"/>
+                      <a:r>
+                        <a:rPr lang="en-US" altLang="zh-CN" sz="800" kern="1200" dirty="0">
+                          <a:solidFill>
+                            <a:schemeClr val="dk1"/>
+                          </a:solidFill>
+                          <a:latin typeface="微软雅黑" panose="020B0503020204020204" pitchFamily="34" charset="-122"/>
+                          <a:ea typeface="微软雅黑" panose="020B0503020204020204" pitchFamily="34" charset="-122"/>
+                          <a:cs typeface="+mn-cs"/>
+                        </a:rPr>
+                        <a:t>25050689</a:t>
+                      </a:r>
                       <a:endParaRPr lang="zh-CN" altLang="en-US" sz="800" kern="1200" dirty="0">
                         <a:solidFill>
                           <a:schemeClr val="dk1"/>
@@ -7676,7 +7489,7 @@
                           <a:ea typeface="微软雅黑" panose="020B0503020204020204" pitchFamily="34" charset="-122"/>
                           <a:cs typeface="+mn-cs"/>
                         </a:rPr>
-                        <a:t>25050689</a:t>
+                        <a:t>1998-7-13</a:t>
                       </a:r>
                       <a:endParaRPr lang="zh-CN" altLang="en-US" sz="800" kern="1200" dirty="0">
                         <a:solidFill>
@@ -7705,7 +7518,7 @@
                           <a:ea typeface="微软雅黑" panose="020B0503020204020204" pitchFamily="34" charset="-122"/>
                           <a:cs typeface="+mn-cs"/>
                         </a:rPr>
-                        <a:t>1998-7-13</a:t>
+                        <a:t>1998-9</a:t>
                       </a:r>
                       <a:endParaRPr lang="zh-CN" altLang="en-US" sz="800" kern="1200" dirty="0">
                         <a:solidFill>
@@ -7726,35 +7539,6 @@
                     <a:p>
                       <a:pPr algn="ctr"/>
                       <a:r>
-                        <a:rPr lang="en-US" altLang="zh-CN" sz="800" kern="1200" dirty="0">
-                          <a:solidFill>
-                            <a:schemeClr val="dk1"/>
-                          </a:solidFill>
-                          <a:latin typeface="微软雅黑" panose="020B0503020204020204" pitchFamily="34" charset="-122"/>
-                          <a:ea typeface="微软雅黑" panose="020B0503020204020204" pitchFamily="34" charset="-122"/>
-                          <a:cs typeface="+mn-cs"/>
-                        </a:rPr>
-                        <a:t>1998-9</a:t>
-                      </a:r>
-                      <a:endParaRPr lang="zh-CN" altLang="en-US" sz="800" kern="1200" dirty="0">
-                        <a:solidFill>
-                          <a:schemeClr val="dk1"/>
-                        </a:solidFill>
-                        <a:latin typeface="微软雅黑" panose="020B0503020204020204" pitchFamily="34" charset="-122"/>
-                        <a:ea typeface="微软雅黑" panose="020B0503020204020204" pitchFamily="34" charset="-122"/>
-                        <a:cs typeface="+mn-cs"/>
-                      </a:endParaRPr>
-                    </a:p>
-                  </a:txBody>
-                  <a:tcPr anchor="ctr"/>
-                </a:tc>
-                <a:tc>
-                  <a:txBody>
-                    <a:bodyPr/>
-                    <a:lstStyle/>
-                    <a:p>
-                      <a:pPr algn="ctr"/>
-                      <a:r>
                         <a:rPr lang="zh-CN" altLang="en-US" sz="800" kern="1200" dirty="0">
                           <a:solidFill>
                             <a:schemeClr val="dk1"/>
@@ -7765,14 +7549,6 @@
                         </a:rPr>
                         <a:t>未检视</a:t>
                       </a:r>
-                      <a:endParaRPr lang="zh-CN" altLang="en-US" sz="800" kern="1200" dirty="0">
-                        <a:solidFill>
-                          <a:schemeClr val="dk1"/>
-                        </a:solidFill>
-                        <a:latin typeface="微软雅黑" panose="020B0503020204020204" pitchFamily="34" charset="-122"/>
-                        <a:ea typeface="微软雅黑" panose="020B0503020204020204" pitchFamily="34" charset="-122"/>
-                        <a:cs typeface="+mn-cs"/>
-                      </a:endParaRPr>
                     </a:p>
                   </a:txBody>
                   <a:tcPr anchor="ctr"/>
@@ -7835,6 +7611,11 @@
                   </a:txBody>
                   <a:tcPr anchor="ctr"/>
                 </a:tc>
+                <a:extLst>
+                  <a:ext uri="{0D108BD9-81ED-4DB2-BD59-A6C34878D82A}">
+                    <a16:rowId xmlns:a16="http://schemas.microsoft.com/office/drawing/2014/main" val="10006"/>
+                  </a:ext>
+                </a:extLst>
               </a:tr>
               <a:tr h="344053">
                 <a:tc>
@@ -8002,14 +7783,6 @@
                         </a:rPr>
                         <a:t>机枪</a:t>
                       </a:r>
-                      <a:endParaRPr lang="zh-CN" altLang="en-US" sz="800" kern="1200" dirty="0">
-                        <a:solidFill>
-                          <a:schemeClr val="dk1"/>
-                        </a:solidFill>
-                        <a:latin typeface="微软雅黑" panose="020B0503020204020204" pitchFamily="34" charset="-122"/>
-                        <a:ea typeface="微软雅黑" panose="020B0503020204020204" pitchFamily="34" charset="-122"/>
-                        <a:cs typeface="+mn-cs"/>
-                      </a:endParaRPr>
                     </a:p>
                   </a:txBody>
                   <a:tcPr anchor="ctr"/>
@@ -8178,14 +7951,6 @@
                         </a:rPr>
                         <a:t>未检视</a:t>
                       </a:r>
-                      <a:endParaRPr lang="zh-CN" altLang="en-US" sz="800" kern="1200" dirty="0">
-                        <a:solidFill>
-                          <a:schemeClr val="dk1"/>
-                        </a:solidFill>
-                        <a:latin typeface="微软雅黑" panose="020B0503020204020204" pitchFamily="34" charset="-122"/>
-                        <a:ea typeface="微软雅黑" panose="020B0503020204020204" pitchFamily="34" charset="-122"/>
-                        <a:cs typeface="+mn-cs"/>
-                      </a:endParaRPr>
                     </a:p>
                   </a:txBody>
                   <a:tcPr anchor="ctr"/>
@@ -8268,6 +8033,11 @@
                   </a:txBody>
                   <a:tcPr anchor="ctr"/>
                 </a:tc>
+                <a:extLst>
+                  <a:ext uri="{0D108BD9-81ED-4DB2-BD59-A6C34878D82A}">
+                    <a16:rowId xmlns:a16="http://schemas.microsoft.com/office/drawing/2014/main" val="10007"/>
+                  </a:ext>
+                </a:extLst>
               </a:tr>
               <a:tr h="301720">
                 <a:tc>
@@ -8435,14 +8205,6 @@
                         </a:rPr>
                         <a:t>机枪</a:t>
                       </a:r>
-                      <a:endParaRPr lang="zh-CN" altLang="en-US" sz="800" kern="1200" dirty="0">
-                        <a:solidFill>
-                          <a:schemeClr val="dk1"/>
-                        </a:solidFill>
-                        <a:latin typeface="微软雅黑" panose="020B0503020204020204" pitchFamily="34" charset="-122"/>
-                        <a:ea typeface="微软雅黑" panose="020B0503020204020204" pitchFamily="34" charset="-122"/>
-                        <a:cs typeface="+mn-cs"/>
-                      </a:endParaRPr>
                     </a:p>
                   </a:txBody>
                   <a:tcPr anchor="ctr"/>
@@ -8611,14 +8373,6 @@
                         </a:rPr>
                         <a:t>已出库</a:t>
                       </a:r>
-                      <a:endParaRPr lang="zh-CN" altLang="en-US" sz="800" kern="1200" dirty="0">
-                        <a:solidFill>
-                          <a:schemeClr val="dk1"/>
-                        </a:solidFill>
-                        <a:latin typeface="微软雅黑" panose="020B0503020204020204" pitchFamily="34" charset="-122"/>
-                        <a:ea typeface="微软雅黑" panose="020B0503020204020204" pitchFamily="34" charset="-122"/>
-                        <a:cs typeface="+mn-cs"/>
-                      </a:endParaRPr>
                     </a:p>
                   </a:txBody>
                   <a:tcPr anchor="ctr"/>
@@ -8701,6 +8455,11 @@
                   </a:txBody>
                   <a:tcPr anchor="ctr"/>
                 </a:tc>
+                <a:extLst>
+                  <a:ext uri="{0D108BD9-81ED-4DB2-BD59-A6C34878D82A}">
+                    <a16:rowId xmlns:a16="http://schemas.microsoft.com/office/drawing/2014/main" val="10008"/>
+                  </a:ext>
+                </a:extLst>
               </a:tr>
             </a:tbl>
           </a:graphicData>
@@ -8850,16 +8609,6 @@
               </a:rPr>
               <a:t>字段选择</a:t>
             </a:r>
-            <a:endParaRPr lang="zh-CN" altLang="en-US" sz="1600" dirty="0">
-              <a:solidFill>
-                <a:schemeClr val="accent4">
-                  <a:lumMod val="60000"/>
-                  <a:lumOff val="40000"/>
-                </a:schemeClr>
-              </a:solidFill>
-              <a:latin typeface="微软雅黑" panose="020B0503020204020204" pitchFamily="34" charset="-122"/>
-              <a:ea typeface="微软雅黑" panose="020B0503020204020204" pitchFamily="34" charset="-122"/>
-            </a:endParaRPr>
           </a:p>
         </p:txBody>
       </p:sp>
@@ -9301,7 +9050,6 @@
               <a:rPr lang="zh-CN" altLang="en-US" sz="1400" dirty="0"/>
               <a:t>查  询</a:t>
             </a:r>
-            <a:endParaRPr lang="zh-CN" altLang="en-US" sz="1400" dirty="0"/>
           </a:p>
         </p:txBody>
       </p:sp>
@@ -9363,13 +9111,6 @@
               </a:rPr>
               <a:t>出  库</a:t>
             </a:r>
-            <a:endParaRPr lang="zh-CN" altLang="en-US" sz="1400" dirty="0">
-              <a:solidFill>
-                <a:schemeClr val="accent6">
-                  <a:lumMod val="75000"/>
-                </a:schemeClr>
-              </a:solidFill>
-            </a:endParaRPr>
           </a:p>
         </p:txBody>
       </p:sp>
@@ -9444,15 +9185,6 @@
               </a:rPr>
               <a:t>枪 支 信 息 智 能 管 理 系 统</a:t>
             </a:r>
-            <a:endParaRPr lang="zh-CN" altLang="en-US" sz="2400" b="1" dirty="0">
-              <a:solidFill>
-                <a:schemeClr val="accent6">
-                  <a:lumMod val="75000"/>
-                </a:schemeClr>
-              </a:solidFill>
-              <a:latin typeface="微软雅黑" panose="020B0503020204020204" pitchFamily="34" charset="-122"/>
-              <a:ea typeface="微软雅黑" panose="020B0503020204020204" pitchFamily="34" charset="-122"/>
-            </a:endParaRPr>
           </a:p>
         </p:txBody>
       </p:sp>
@@ -9465,7 +9197,7 @@
           <p:nvPr/>
         </p:nvPicPr>
         <p:blipFill>
-          <a:blip r:embed="rId2">
+          <a:blip r:embed="rId3" cstate="print">
             <a:extLst>
               <a:ext uri="{28A0092B-C50C-407E-A947-70E740481C1C}">
                 <a14:useLocalDpi xmlns:a14="http://schemas.microsoft.com/office/drawing/2010/main" val="0"/>
@@ -9550,13 +9282,6 @@
                 </a:rPr>
                 <a:t>返回</a:t>
               </a:r>
-              <a:endParaRPr lang="zh-CN" altLang="en-US" sz="1400" b="1" dirty="0">
-                <a:solidFill>
-                  <a:srgbClr val="00B0F0"/>
-                </a:solidFill>
-                <a:latin typeface="微软雅黑" panose="020B0503020204020204" pitchFamily="34" charset="-122"/>
-                <a:ea typeface="微软雅黑" panose="020B0503020204020204" pitchFamily="34" charset="-122"/>
-              </a:endParaRPr>
             </a:p>
           </p:txBody>
         </p:sp>
@@ -9665,10 +9390,6 @@
               </a:rPr>
               <a:t>出库登录页面</a:t>
             </a:r>
-            <a:endParaRPr lang="zh-CN" altLang="en-US" b="1" dirty="0">
-              <a:latin typeface="微软雅黑" panose="020B0503020204020204" pitchFamily="34" charset="-122"/>
-              <a:ea typeface="微软雅黑" panose="020B0503020204020204" pitchFamily="34" charset="-122"/>
-            </a:endParaRPr>
           </a:p>
         </p:txBody>
       </p:sp>
@@ -9784,15 +9505,6 @@
               </a:rPr>
               <a:t>查 询</a:t>
             </a:r>
-            <a:endParaRPr lang="zh-CN" altLang="en-US" sz="1600" dirty="0">
-              <a:solidFill>
-                <a:schemeClr val="accent6">
-                  <a:lumMod val="75000"/>
-                </a:schemeClr>
-              </a:solidFill>
-              <a:latin typeface="微软雅黑" panose="020B0503020204020204" pitchFamily="34" charset="-122"/>
-              <a:ea typeface="微软雅黑" panose="020B0503020204020204" pitchFamily="34" charset="-122"/>
-            </a:endParaRPr>
           </a:p>
         </p:txBody>
       </p:sp>
@@ -9856,13 +9568,6 @@
               </a:rPr>
               <a:t>出 库</a:t>
             </a:r>
-            <a:endParaRPr lang="zh-CN" altLang="en-US" sz="1600" dirty="0">
-              <a:solidFill>
-                <a:schemeClr val="bg1"/>
-              </a:solidFill>
-              <a:latin typeface="微软雅黑" panose="020B0503020204020204" pitchFamily="34" charset="-122"/>
-              <a:ea typeface="微软雅黑" panose="020B0503020204020204" pitchFamily="34" charset="-122"/>
-            </a:endParaRPr>
           </a:p>
         </p:txBody>
       </p:sp>
@@ -9950,13 +9655,6 @@
               </a:rPr>
               <a:t>操作员</a:t>
             </a:r>
-            <a:endParaRPr lang="zh-CN" altLang="en-US" dirty="0">
-              <a:solidFill>
-                <a:schemeClr val="bg1"/>
-              </a:solidFill>
-              <a:latin typeface="微软雅黑" panose="020B0503020204020204" pitchFamily="34" charset="-122"/>
-              <a:ea typeface="微软雅黑" panose="020B0503020204020204" pitchFamily="34" charset="-122"/>
-            </a:endParaRPr>
           </a:p>
         </p:txBody>
       </p:sp>
@@ -9992,13 +9690,6 @@
               </a:rPr>
               <a:t>密 码</a:t>
             </a:r>
-            <a:endParaRPr lang="zh-CN" altLang="en-US" dirty="0">
-              <a:solidFill>
-                <a:schemeClr val="bg1"/>
-              </a:solidFill>
-              <a:latin typeface="微软雅黑" panose="020B0503020204020204" pitchFamily="34" charset="-122"/>
-              <a:ea typeface="微软雅黑" panose="020B0503020204020204" pitchFamily="34" charset="-122"/>
-            </a:endParaRPr>
           </a:p>
         </p:txBody>
       </p:sp>
@@ -10011,7 +9702,7 @@
           <p:nvPr/>
         </p:nvPicPr>
         <p:blipFill>
-          <a:blip r:embed="rId1">
+          <a:blip r:embed="rId2" cstate="print">
             <a:extLst>
               <a:ext uri="{28A0092B-C50C-407E-A947-70E740481C1C}">
                 <a14:useLocalDpi xmlns:a14="http://schemas.microsoft.com/office/drawing/2010/main" val="0"/>
@@ -10105,16 +9796,6 @@
               </a:rPr>
               <a:t>登 录</a:t>
             </a:r>
-            <a:endParaRPr lang="zh-CN" altLang="en-US" dirty="0">
-              <a:solidFill>
-                <a:schemeClr val="accent4">
-                  <a:lumMod val="60000"/>
-                  <a:lumOff val="40000"/>
-                </a:schemeClr>
-              </a:solidFill>
-              <a:latin typeface="微软雅黑" panose="020B0503020204020204" pitchFamily="34" charset="-122"/>
-              <a:ea typeface="微软雅黑" panose="020B0503020204020204" pitchFamily="34" charset="-122"/>
-            </a:endParaRPr>
           </a:p>
         </p:txBody>
       </p:sp>
@@ -10311,15 +9992,6 @@
               </a:rPr>
               <a:t>账号管理</a:t>
             </a:r>
-            <a:endParaRPr lang="zh-CN" altLang="en-US" dirty="0">
-              <a:solidFill>
-                <a:schemeClr val="accent6">
-                  <a:lumMod val="75000"/>
-                </a:schemeClr>
-              </a:solidFill>
-              <a:latin typeface="微软雅黑" panose="020B0503020204020204" pitchFamily="34" charset="-122"/>
-              <a:ea typeface="微软雅黑" panose="020B0503020204020204" pitchFamily="34" charset="-122"/>
-            </a:endParaRPr>
           </a:p>
         </p:txBody>
       </p:sp>
@@ -10383,15 +10055,6 @@
               </a:rPr>
               <a:t>编码检视</a:t>
             </a:r>
-            <a:endParaRPr lang="zh-CN" altLang="en-US" dirty="0">
-              <a:solidFill>
-                <a:schemeClr val="accent6">
-                  <a:lumMod val="75000"/>
-                </a:schemeClr>
-              </a:solidFill>
-              <a:latin typeface="微软雅黑" panose="020B0503020204020204" pitchFamily="34" charset="-122"/>
-              <a:ea typeface="微软雅黑" panose="020B0503020204020204" pitchFamily="34" charset="-122"/>
-            </a:endParaRPr>
           </a:p>
         </p:txBody>
       </p:sp>
@@ -10455,13 +10118,6 @@
               </a:rPr>
               <a:t>信息管理</a:t>
             </a:r>
-            <a:endParaRPr lang="zh-CN" altLang="en-US" dirty="0">
-              <a:solidFill>
-                <a:schemeClr val="bg1"/>
-              </a:solidFill>
-              <a:latin typeface="微软雅黑" panose="020B0503020204020204" pitchFamily="34" charset="-122"/>
-              <a:ea typeface="微软雅黑" panose="020B0503020204020204" pitchFamily="34" charset="-122"/>
-            </a:endParaRPr>
           </a:p>
         </p:txBody>
       </p:sp>
@@ -10497,13 +10153,6 @@
               </a:rPr>
               <a:t>监督员</a:t>
             </a:r>
-            <a:endParaRPr lang="zh-CN" altLang="en-US" dirty="0">
-              <a:solidFill>
-                <a:schemeClr val="bg1"/>
-              </a:solidFill>
-              <a:latin typeface="微软雅黑" panose="020B0503020204020204" pitchFamily="34" charset="-122"/>
-              <a:ea typeface="微软雅黑" panose="020B0503020204020204" pitchFamily="34" charset="-122"/>
-            </a:endParaRPr>
           </a:p>
         </p:txBody>
       </p:sp>
@@ -10539,13 +10188,6 @@
               </a:rPr>
               <a:t>密 码</a:t>
             </a:r>
-            <a:endParaRPr lang="zh-CN" altLang="en-US" dirty="0">
-              <a:solidFill>
-                <a:schemeClr val="bg1"/>
-              </a:solidFill>
-              <a:latin typeface="微软雅黑" panose="020B0503020204020204" pitchFamily="34" charset="-122"/>
-              <a:ea typeface="微软雅黑" panose="020B0503020204020204" pitchFamily="34" charset="-122"/>
-            </a:endParaRPr>
           </a:p>
         </p:txBody>
       </p:sp>
@@ -10698,7 +10340,6 @@
               <a:rPr lang="zh-CN" altLang="en-US" dirty="0"/>
               <a:t>出库模块</a:t>
             </a:r>
-            <a:endParaRPr lang="zh-CN" altLang="en-US" dirty="0"/>
           </a:p>
         </p:txBody>
       </p:sp>
@@ -10736,15 +10377,6 @@
               </a:rPr>
               <a:t>枪 支 信 息 智 能 管 理 系 统</a:t>
             </a:r>
-            <a:endParaRPr lang="zh-CN" altLang="en-US" sz="2400" b="1" dirty="0">
-              <a:solidFill>
-                <a:schemeClr val="accent6">
-                  <a:lumMod val="75000"/>
-                </a:schemeClr>
-              </a:solidFill>
-              <a:latin typeface="微软雅黑" panose="020B0503020204020204" pitchFamily="34" charset="-122"/>
-              <a:ea typeface="微软雅黑" panose="020B0503020204020204" pitchFamily="34" charset="-122"/>
-            </a:endParaRPr>
           </a:p>
         </p:txBody>
       </p:sp>
@@ -10757,7 +10389,7 @@
           <p:nvPr/>
         </p:nvPicPr>
         <p:blipFill>
-          <a:blip r:embed="rId2">
+          <a:blip r:embed="rId3" cstate="print">
             <a:extLst>
               <a:ext uri="{28A0092B-C50C-407E-A947-70E740481C1C}">
                 <a14:useLocalDpi xmlns:a14="http://schemas.microsoft.com/office/drawing/2010/main" val="0"/>
@@ -10842,13 +10474,6 @@
                 </a:rPr>
                 <a:t>返回</a:t>
               </a:r>
-              <a:endParaRPr lang="zh-CN" altLang="en-US" sz="1400" b="1" dirty="0">
-                <a:solidFill>
-                  <a:srgbClr val="00B0F0"/>
-                </a:solidFill>
-                <a:latin typeface="微软雅黑" panose="020B0503020204020204" pitchFamily="34" charset="-122"/>
-                <a:ea typeface="微软雅黑" panose="020B0503020204020204" pitchFamily="34" charset="-122"/>
-              </a:endParaRPr>
             </a:p>
           </p:txBody>
         </p:sp>
@@ -10957,10 +10582,6 @@
               </a:rPr>
               <a:t>出库管理页面</a:t>
             </a:r>
-            <a:endParaRPr lang="zh-CN" altLang="en-US" b="1" dirty="0">
-              <a:latin typeface="微软雅黑" panose="020B0503020204020204" pitchFamily="34" charset="-122"/>
-              <a:ea typeface="微软雅黑" panose="020B0503020204020204" pitchFamily="34" charset="-122"/>
-            </a:endParaRPr>
           </a:p>
         </p:txBody>
       </p:sp>
@@ -11113,15 +10734,6 @@
               </a:rPr>
               <a:t>账号管理</a:t>
             </a:r>
-            <a:endParaRPr lang="zh-CN" altLang="en-US" dirty="0">
-              <a:solidFill>
-                <a:schemeClr val="accent6">
-                  <a:lumMod val="75000"/>
-                </a:schemeClr>
-              </a:solidFill>
-              <a:latin typeface="微软雅黑" panose="020B0503020204020204" pitchFamily="34" charset="-122"/>
-              <a:ea typeface="微软雅黑" panose="020B0503020204020204" pitchFamily="34" charset="-122"/>
-            </a:endParaRPr>
           </a:p>
         </p:txBody>
       </p:sp>
@@ -11185,15 +10797,6 @@
               </a:rPr>
               <a:t>编码检视</a:t>
             </a:r>
-            <a:endParaRPr lang="zh-CN" altLang="en-US" dirty="0">
-              <a:solidFill>
-                <a:schemeClr val="accent6">
-                  <a:lumMod val="75000"/>
-                </a:schemeClr>
-              </a:solidFill>
-              <a:latin typeface="微软雅黑" panose="020B0503020204020204" pitchFamily="34" charset="-122"/>
-              <a:ea typeface="微软雅黑" panose="020B0503020204020204" pitchFamily="34" charset="-122"/>
-            </a:endParaRPr>
           </a:p>
         </p:txBody>
       </p:sp>
@@ -11257,13 +10860,6 @@
               </a:rPr>
               <a:t>信息管理</a:t>
             </a:r>
-            <a:endParaRPr lang="zh-CN" altLang="en-US" dirty="0">
-              <a:solidFill>
-                <a:schemeClr val="bg1"/>
-              </a:solidFill>
-              <a:latin typeface="微软雅黑" panose="020B0503020204020204" pitchFamily="34" charset="-122"/>
-              <a:ea typeface="微软雅黑" panose="020B0503020204020204" pitchFamily="34" charset="-122"/>
-            </a:endParaRPr>
           </a:p>
         </p:txBody>
       </p:sp>
@@ -11403,15 +10999,6 @@
               </a:rPr>
               <a:t>查询条件：</a:t>
             </a:r>
-            <a:endParaRPr lang="zh-CN" altLang="en-US" sz="1400" dirty="0">
-              <a:solidFill>
-                <a:schemeClr val="accent6">
-                  <a:lumMod val="75000"/>
-                </a:schemeClr>
-              </a:solidFill>
-              <a:latin typeface="微软雅黑" panose="020B0503020204020204" pitchFamily="34" charset="-122"/>
-              <a:ea typeface="微软雅黑" panose="020B0503020204020204" pitchFamily="34" charset="-122"/>
-            </a:endParaRPr>
           </a:p>
         </p:txBody>
       </p:sp>
@@ -11666,13 +11253,6 @@
                 </a:rPr>
                 <a:t>返回</a:t>
               </a:r>
-              <a:endParaRPr lang="zh-CN" altLang="en-US" sz="1400" b="1" dirty="0">
-                <a:solidFill>
-                  <a:srgbClr val="00B0F0"/>
-                </a:solidFill>
-                <a:latin typeface="微软雅黑" panose="020B0503020204020204" pitchFamily="34" charset="-122"/>
-                <a:ea typeface="微软雅黑" panose="020B0503020204020204" pitchFamily="34" charset="-122"/>
-              </a:endParaRPr>
             </a:p>
           </p:txBody>
         </p:sp>
@@ -11736,18 +11316,90 @@
                 <a:tableStyleId>{93296810-A885-4BE3-A3E7-6D5BEEA58F35}</a:tableStyleId>
               </a:tblPr>
               <a:tblGrid>
-                <a:gridCol w="459341"/>
-                <a:gridCol w="1105728"/>
-                <a:gridCol w="1116697"/>
-                <a:gridCol w="1218216"/>
-                <a:gridCol w="939041"/>
-                <a:gridCol w="913662"/>
-                <a:gridCol w="1319733"/>
-                <a:gridCol w="829063"/>
-                <a:gridCol w="778304"/>
-                <a:gridCol w="676787"/>
-                <a:gridCol w="820604"/>
-                <a:gridCol w="296092"/>
+                <a:gridCol w="459341">
+                  <a:extLst>
+                    <a:ext uri="{9D8B030D-6E8A-4147-A177-3AD203B41FA5}">
+                      <a16:colId xmlns:a16="http://schemas.microsoft.com/office/drawing/2014/main" val="20000"/>
+                    </a:ext>
+                  </a:extLst>
+                </a:gridCol>
+                <a:gridCol w="1105728">
+                  <a:extLst>
+                    <a:ext uri="{9D8B030D-6E8A-4147-A177-3AD203B41FA5}">
+                      <a16:colId xmlns:a16="http://schemas.microsoft.com/office/drawing/2014/main" val="20001"/>
+                    </a:ext>
+                  </a:extLst>
+                </a:gridCol>
+                <a:gridCol w="1116697">
+                  <a:extLst>
+                    <a:ext uri="{9D8B030D-6E8A-4147-A177-3AD203B41FA5}">
+                      <a16:colId xmlns:a16="http://schemas.microsoft.com/office/drawing/2014/main" val="20002"/>
+                    </a:ext>
+                  </a:extLst>
+                </a:gridCol>
+                <a:gridCol w="1218216">
+                  <a:extLst>
+                    <a:ext uri="{9D8B030D-6E8A-4147-A177-3AD203B41FA5}">
+                      <a16:colId xmlns:a16="http://schemas.microsoft.com/office/drawing/2014/main" val="20003"/>
+                    </a:ext>
+                  </a:extLst>
+                </a:gridCol>
+                <a:gridCol w="939041">
+                  <a:extLst>
+                    <a:ext uri="{9D8B030D-6E8A-4147-A177-3AD203B41FA5}">
+                      <a16:colId xmlns:a16="http://schemas.microsoft.com/office/drawing/2014/main" val="20004"/>
+                    </a:ext>
+                  </a:extLst>
+                </a:gridCol>
+                <a:gridCol w="913662">
+                  <a:extLst>
+                    <a:ext uri="{9D8B030D-6E8A-4147-A177-3AD203B41FA5}">
+                      <a16:colId xmlns:a16="http://schemas.microsoft.com/office/drawing/2014/main" val="20005"/>
+                    </a:ext>
+                  </a:extLst>
+                </a:gridCol>
+                <a:gridCol w="1319733">
+                  <a:extLst>
+                    <a:ext uri="{9D8B030D-6E8A-4147-A177-3AD203B41FA5}">
+                      <a16:colId xmlns:a16="http://schemas.microsoft.com/office/drawing/2014/main" val="20006"/>
+                    </a:ext>
+                  </a:extLst>
+                </a:gridCol>
+                <a:gridCol w="829063">
+                  <a:extLst>
+                    <a:ext uri="{9D8B030D-6E8A-4147-A177-3AD203B41FA5}">
+                      <a16:colId xmlns:a16="http://schemas.microsoft.com/office/drawing/2014/main" val="20007"/>
+                    </a:ext>
+                  </a:extLst>
+                </a:gridCol>
+                <a:gridCol w="778304">
+                  <a:extLst>
+                    <a:ext uri="{9D8B030D-6E8A-4147-A177-3AD203B41FA5}">
+                      <a16:colId xmlns:a16="http://schemas.microsoft.com/office/drawing/2014/main" val="20008"/>
+                    </a:ext>
+                  </a:extLst>
+                </a:gridCol>
+                <a:gridCol w="676787">
+                  <a:extLst>
+                    <a:ext uri="{9D8B030D-6E8A-4147-A177-3AD203B41FA5}">
+                      <a16:colId xmlns:a16="http://schemas.microsoft.com/office/drawing/2014/main" val="20009"/>
+                    </a:ext>
+                  </a:extLst>
+                </a:gridCol>
+                <a:gridCol w="820604">
+                  <a:extLst>
+                    <a:ext uri="{9D8B030D-6E8A-4147-A177-3AD203B41FA5}">
+                      <a16:colId xmlns:a16="http://schemas.microsoft.com/office/drawing/2014/main" val="20010"/>
+                    </a:ext>
+                  </a:extLst>
+                </a:gridCol>
+                <a:gridCol w="296092">
+                  <a:extLst>
+                    <a:ext uri="{9D8B030D-6E8A-4147-A177-3AD203B41FA5}">
+                      <a16:colId xmlns:a16="http://schemas.microsoft.com/office/drawing/2014/main" val="20011"/>
+                    </a:ext>
+                  </a:extLst>
+                </a:gridCol>
               </a:tblGrid>
               <a:tr h="457780">
                 <a:tc>
@@ -11763,10 +11415,6 @@
                         </a:rPr>
                         <a:t>序号</a:t>
                       </a:r>
-                      <a:endParaRPr lang="zh-CN" altLang="en-US" sz="900" b="1" dirty="0">
-                        <a:latin typeface="微软雅黑" panose="020B0503020204020204" pitchFamily="34" charset="-122"/>
-                        <a:ea typeface="微软雅黑" panose="020B0503020204020204" pitchFamily="34" charset="-122"/>
-                      </a:endParaRPr>
                     </a:p>
                   </a:txBody>
                   <a:tcPr anchor="ctr"/>
@@ -11784,10 +11432,6 @@
                         </a:rPr>
                         <a:t>退役报废文件号</a:t>
                       </a:r>
-                      <a:endParaRPr lang="zh-CN" altLang="en-US" sz="900" b="1" dirty="0">
-                        <a:latin typeface="微软雅黑" panose="020B0503020204020204" pitchFamily="34" charset="-122"/>
-                        <a:ea typeface="微软雅黑" panose="020B0503020204020204" pitchFamily="34" charset="-122"/>
-                      </a:endParaRPr>
                     </a:p>
                   </a:txBody>
                   <a:tcPr anchor="ctr"/>
@@ -11805,10 +11449,6 @@
                         </a:rPr>
                         <a:t>退役报废装备处理调拨凭证号</a:t>
                       </a:r>
-                      <a:endParaRPr lang="zh-CN" altLang="en-US" sz="900" b="1" dirty="0">
-                        <a:latin typeface="微软雅黑" panose="020B0503020204020204" pitchFamily="34" charset="-122"/>
-                        <a:ea typeface="微软雅黑" panose="020B0503020204020204" pitchFamily="34" charset="-122"/>
-                      </a:endParaRPr>
                     </a:p>
                   </a:txBody>
                   <a:tcPr anchor="ctr"/>
@@ -11826,10 +11466,6 @@
                         </a:rPr>
                         <a:t>装箱单号</a:t>
                       </a:r>
-                      <a:endParaRPr lang="zh-CN" altLang="en-US" sz="900" b="1" dirty="0">
-                        <a:latin typeface="微软雅黑" panose="020B0503020204020204" pitchFamily="34" charset="-122"/>
-                        <a:ea typeface="微软雅黑" panose="020B0503020204020204" pitchFamily="34" charset="-122"/>
-                      </a:endParaRPr>
                     </a:p>
                   </a:txBody>
                   <a:tcPr anchor="ctr"/>
@@ -11847,10 +11483,6 @@
                         </a:rPr>
                         <a:t>装备代码</a:t>
                       </a:r>
-                      <a:endParaRPr lang="zh-CN" altLang="en-US" sz="900" b="1" dirty="0">
-                        <a:latin typeface="微软雅黑" panose="020B0503020204020204" pitchFamily="34" charset="-122"/>
-                        <a:ea typeface="微软雅黑" panose="020B0503020204020204" pitchFamily="34" charset="-122"/>
-                      </a:endParaRPr>
                     </a:p>
                   </a:txBody>
                   <a:tcPr anchor="ctr"/>
@@ -11868,10 +11500,6 @@
                         </a:rPr>
                         <a:t>装备（部件）名称</a:t>
                       </a:r>
-                      <a:endParaRPr lang="zh-CN" altLang="en-US" sz="900" b="1" dirty="0">
-                        <a:latin typeface="微软雅黑" panose="020B0503020204020204" pitchFamily="34" charset="-122"/>
-                        <a:ea typeface="微软雅黑" panose="020B0503020204020204" pitchFamily="34" charset="-122"/>
-                      </a:endParaRPr>
                     </a:p>
                   </a:txBody>
                   <a:tcPr anchor="ctr"/>
@@ -11889,10 +11517,6 @@
                         </a:rPr>
                         <a:t>单装编号</a:t>
                       </a:r>
-                      <a:endParaRPr lang="zh-CN" altLang="en-US" sz="900" b="1" dirty="0">
-                        <a:latin typeface="微软雅黑" panose="020B0503020204020204" pitchFamily="34" charset="-122"/>
-                        <a:ea typeface="微软雅黑" panose="020B0503020204020204" pitchFamily="34" charset="-122"/>
-                      </a:endParaRPr>
                     </a:p>
                   </a:txBody>
                   <a:tcPr anchor="ctr"/>
@@ -11910,10 +11534,6 @@
                         </a:rPr>
                         <a:t>出厂时间</a:t>
                       </a:r>
-                      <a:endParaRPr lang="zh-CN" altLang="en-US" sz="900" b="1" dirty="0">
-                        <a:latin typeface="微软雅黑" panose="020B0503020204020204" pitchFamily="34" charset="-122"/>
-                        <a:ea typeface="微软雅黑" panose="020B0503020204020204" pitchFamily="34" charset="-122"/>
-                      </a:endParaRPr>
                     </a:p>
                   </a:txBody>
                   <a:tcPr anchor="ctr"/>
@@ -11931,10 +11551,6 @@
                         </a:rPr>
                         <a:t>装备时间</a:t>
                       </a:r>
-                      <a:endParaRPr lang="zh-CN" altLang="en-US" sz="900" b="1" dirty="0">
-                        <a:latin typeface="微软雅黑" panose="020B0503020204020204" pitchFamily="34" charset="-122"/>
-                        <a:ea typeface="微软雅黑" panose="020B0503020204020204" pitchFamily="34" charset="-122"/>
-                      </a:endParaRPr>
                     </a:p>
                   </a:txBody>
                   <a:tcPr anchor="ctr"/>
@@ -11952,10 +11568,6 @@
                         </a:rPr>
                         <a:t>装箱数量</a:t>
                       </a:r>
-                      <a:endParaRPr lang="zh-CN" altLang="en-US" sz="900" b="1" dirty="0">
-                        <a:latin typeface="微软雅黑" panose="020B0503020204020204" pitchFamily="34" charset="-122"/>
-                        <a:ea typeface="微软雅黑" panose="020B0503020204020204" pitchFamily="34" charset="-122"/>
-                      </a:endParaRPr>
                     </a:p>
                   </a:txBody>
                   <a:tcPr anchor="ctr"/>
@@ -11973,10 +11585,6 @@
                         </a:rPr>
                         <a:t>记录时间</a:t>
                       </a:r>
-                      <a:endParaRPr lang="zh-CN" altLang="en-US" sz="900" b="1" dirty="0">
-                        <a:latin typeface="微软雅黑" panose="020B0503020204020204" pitchFamily="34" charset="-122"/>
-                        <a:ea typeface="微软雅黑" panose="020B0503020204020204" pitchFamily="34" charset="-122"/>
-                      </a:endParaRPr>
                     </a:p>
                   </a:txBody>
                   <a:tcPr anchor="ctr"/>
@@ -11994,14 +11602,15 @@
                         </a:rPr>
                         <a:t>选择</a:t>
                       </a:r>
-                      <a:endParaRPr lang="zh-CN" altLang="en-US" sz="900" b="1" dirty="0">
-                        <a:latin typeface="微软雅黑" panose="020B0503020204020204" pitchFamily="34" charset="-122"/>
-                        <a:ea typeface="微软雅黑" panose="020B0503020204020204" pitchFamily="34" charset="-122"/>
-                      </a:endParaRPr>
-                    </a:p>
-                  </a:txBody>
-                  <a:tcPr anchor="ctr"/>
-                </a:tc>
+                    </a:p>
+                  </a:txBody>
+                  <a:tcPr anchor="ctr"/>
+                </a:tc>
+                <a:extLst>
+                  <a:ext uri="{0D108BD9-81ED-4DB2-BD59-A6C34878D82A}">
+                    <a16:rowId xmlns:a16="http://schemas.microsoft.com/office/drawing/2014/main" val="10000"/>
+                  </a:ext>
+                </a:extLst>
               </a:tr>
               <a:tr h="336179">
                 <a:tc>
@@ -12139,6 +11748,27 @@
                         </a:rPr>
                         <a:t>式手枪</a:t>
                       </a:r>
+                    </a:p>
+                  </a:txBody>
+                  <a:tcPr anchor="ctr"/>
+                </a:tc>
+                <a:tc>
+                  <a:txBody>
+                    <a:bodyPr/>
+                    <a:lstStyle/>
+                    <a:p>
+                      <a:pPr algn="ctr"/>
+                      <a:r>
+                        <a:rPr lang="en-US" altLang="zh-CN" sz="800" kern="1200" dirty="0">
+                          <a:solidFill>
+                            <a:schemeClr val="dk1"/>
+                          </a:solidFill>
+                          <a:latin typeface="微软雅黑" panose="020B0503020204020204" pitchFamily="34" charset="-122"/>
+                          <a:ea typeface="微软雅黑" panose="020B0503020204020204" pitchFamily="34" charset="-122"/>
+                          <a:cs typeface="+mn-cs"/>
+                        </a:rPr>
+                        <a:t>25050684</a:t>
+                      </a:r>
                       <a:endParaRPr lang="zh-CN" altLang="en-US" sz="800" kern="1200" dirty="0">
                         <a:solidFill>
                           <a:schemeClr val="dk1"/>
@@ -12166,7 +11796,7 @@
                           <a:ea typeface="微软雅黑" panose="020B0503020204020204" pitchFamily="34" charset="-122"/>
                           <a:cs typeface="+mn-cs"/>
                         </a:rPr>
-                        <a:t>25050684</a:t>
+                        <a:t>1998-7-13</a:t>
                       </a:r>
                       <a:endParaRPr lang="zh-CN" altLang="en-US" sz="800" kern="1200" dirty="0">
                         <a:solidFill>
@@ -12195,7 +11825,7 @@
                           <a:ea typeface="微软雅黑" panose="020B0503020204020204" pitchFamily="34" charset="-122"/>
                           <a:cs typeface="+mn-cs"/>
                         </a:rPr>
-                        <a:t>1998-7-13</a:t>
+                        <a:t>1998-9</a:t>
                       </a:r>
                       <a:endParaRPr lang="zh-CN" altLang="en-US" sz="800" kern="1200" dirty="0">
                         <a:solidFill>
@@ -12224,7 +11854,7 @@
                           <a:ea typeface="微软雅黑" panose="020B0503020204020204" pitchFamily="34" charset="-122"/>
                           <a:cs typeface="+mn-cs"/>
                         </a:rPr>
-                        <a:t>1998-9</a:t>
+                        <a:t>20</a:t>
                       </a:r>
                       <a:endParaRPr lang="zh-CN" altLang="en-US" sz="800" kern="1200" dirty="0">
                         <a:solidFill>
@@ -12253,7 +11883,7 @@
                           <a:ea typeface="微软雅黑" panose="020B0503020204020204" pitchFamily="34" charset="-122"/>
                           <a:cs typeface="+mn-cs"/>
                         </a:rPr>
-                        <a:t>20</a:t>
+                        <a:t>2020-11-13  15:00:00</a:t>
                       </a:r>
                       <a:endParaRPr lang="zh-CN" altLang="en-US" sz="800" kern="1200" dirty="0">
                         <a:solidFill>
@@ -12273,35 +11903,6 @@
                     <a:lstStyle/>
                     <a:p>
                       <a:pPr algn="ctr"/>
-                      <a:r>
-                        <a:rPr lang="en-US" altLang="zh-CN" sz="800" kern="1200" dirty="0">
-                          <a:solidFill>
-                            <a:schemeClr val="dk1"/>
-                          </a:solidFill>
-                          <a:latin typeface="微软雅黑" panose="020B0503020204020204" pitchFamily="34" charset="-122"/>
-                          <a:ea typeface="微软雅黑" panose="020B0503020204020204" pitchFamily="34" charset="-122"/>
-                          <a:cs typeface="+mn-cs"/>
-                        </a:rPr>
-                        <a:t>2020-11-13  15:00:00</a:t>
-                      </a:r>
-                      <a:endParaRPr lang="zh-CN" altLang="en-US" sz="800" kern="1200" dirty="0">
-                        <a:solidFill>
-                          <a:schemeClr val="dk1"/>
-                        </a:solidFill>
-                        <a:latin typeface="微软雅黑" panose="020B0503020204020204" pitchFamily="34" charset="-122"/>
-                        <a:ea typeface="微软雅黑" panose="020B0503020204020204" pitchFamily="34" charset="-122"/>
-                        <a:cs typeface="+mn-cs"/>
-                      </a:endParaRPr>
-                    </a:p>
-                  </a:txBody>
-                  <a:tcPr anchor="ctr"/>
-                </a:tc>
-                <a:tc>
-                  <a:txBody>
-                    <a:bodyPr/>
-                    <a:lstStyle/>
-                    <a:p>
-                      <a:pPr algn="ctr"/>
                       <a:endParaRPr lang="zh-CN" altLang="en-US" sz="900" dirty="0">
                         <a:latin typeface="微软雅黑" panose="020B0503020204020204" pitchFamily="34" charset="-122"/>
                         <a:ea typeface="微软雅黑" panose="020B0503020204020204" pitchFamily="34" charset="-122"/>
@@ -12310,6 +11911,11 @@
                   </a:txBody>
                   <a:tcPr anchor="ctr"/>
                 </a:tc>
+                <a:extLst>
+                  <a:ext uri="{0D108BD9-81ED-4DB2-BD59-A6C34878D82A}">
+                    <a16:rowId xmlns:a16="http://schemas.microsoft.com/office/drawing/2014/main" val="10001"/>
+                  </a:ext>
+                </a:extLst>
               </a:tr>
               <a:tr h="347134">
                 <a:tc>
@@ -12477,14 +12083,6 @@
                         </a:rPr>
                         <a:t>式手枪</a:t>
                       </a:r>
-                      <a:endParaRPr lang="zh-CN" altLang="en-US" sz="800" kern="1200" dirty="0">
-                        <a:solidFill>
-                          <a:schemeClr val="dk1"/>
-                        </a:solidFill>
-                        <a:latin typeface="微软雅黑" panose="020B0503020204020204" pitchFamily="34" charset="-122"/>
-                        <a:ea typeface="微软雅黑" panose="020B0503020204020204" pitchFamily="34" charset="-122"/>
-                        <a:cs typeface="+mn-cs"/>
-                      </a:endParaRPr>
                     </a:p>
                   </a:txBody>
                   <a:tcPr anchor="ctr"/>
@@ -12743,6 +12341,11 @@
                   </a:txBody>
                   <a:tcPr anchor="ctr"/>
                 </a:tc>
+                <a:extLst>
+                  <a:ext uri="{0D108BD9-81ED-4DB2-BD59-A6C34878D82A}">
+                    <a16:rowId xmlns:a16="http://schemas.microsoft.com/office/drawing/2014/main" val="10002"/>
+                  </a:ext>
+                </a:extLst>
               </a:tr>
               <a:tr h="364056">
                 <a:tc>
@@ -12880,14 +12483,6 @@
                         </a:rPr>
                         <a:t>式手枪</a:t>
                       </a:r>
-                      <a:endParaRPr lang="zh-CN" altLang="en-US" sz="800" kern="1200" dirty="0">
-                        <a:solidFill>
-                          <a:schemeClr val="dk1"/>
-                        </a:solidFill>
-                        <a:latin typeface="微软雅黑" panose="020B0503020204020204" pitchFamily="34" charset="-122"/>
-                        <a:ea typeface="微软雅黑" panose="020B0503020204020204" pitchFamily="34" charset="-122"/>
-                        <a:cs typeface="+mn-cs"/>
-                      </a:endParaRPr>
                     </a:p>
                   </a:txBody>
                   <a:tcPr anchor="ctr"/>
@@ -13066,6 +12661,11 @@
                   </a:txBody>
                   <a:tcPr anchor="ctr"/>
                 </a:tc>
+                <a:extLst>
+                  <a:ext uri="{0D108BD9-81ED-4DB2-BD59-A6C34878D82A}">
+                    <a16:rowId xmlns:a16="http://schemas.microsoft.com/office/drawing/2014/main" val="10003"/>
+                  </a:ext>
+                </a:extLst>
               </a:tr>
               <a:tr h="338667">
                 <a:tc>
@@ -13203,14 +12803,6 @@
                         </a:rPr>
                         <a:t>式手枪</a:t>
                       </a:r>
-                      <a:endParaRPr lang="zh-CN" altLang="en-US" sz="800" kern="1200" dirty="0">
-                        <a:solidFill>
-                          <a:schemeClr val="dk1"/>
-                        </a:solidFill>
-                        <a:latin typeface="微软雅黑" panose="020B0503020204020204" pitchFamily="34" charset="-122"/>
-                        <a:ea typeface="微软雅黑" panose="020B0503020204020204" pitchFamily="34" charset="-122"/>
-                        <a:cs typeface="+mn-cs"/>
-                      </a:endParaRPr>
                     </a:p>
                   </a:txBody>
                   <a:tcPr anchor="ctr"/>
@@ -13389,6 +12981,11 @@
                   </a:txBody>
                   <a:tcPr anchor="ctr"/>
                 </a:tc>
+                <a:extLst>
+                  <a:ext uri="{0D108BD9-81ED-4DB2-BD59-A6C34878D82A}">
+                    <a16:rowId xmlns:a16="http://schemas.microsoft.com/office/drawing/2014/main" val="10004"/>
+                  </a:ext>
+                </a:extLst>
               </a:tr>
               <a:tr h="338667">
                 <a:tc>
@@ -13526,14 +13123,6 @@
                         </a:rPr>
                         <a:t>式手枪</a:t>
                       </a:r>
-                      <a:endParaRPr lang="zh-CN" altLang="en-US" sz="800" kern="1200" dirty="0">
-                        <a:solidFill>
-                          <a:schemeClr val="dk1"/>
-                        </a:solidFill>
-                        <a:latin typeface="微软雅黑" panose="020B0503020204020204" pitchFamily="34" charset="-122"/>
-                        <a:ea typeface="微软雅黑" panose="020B0503020204020204" pitchFamily="34" charset="-122"/>
-                        <a:cs typeface="+mn-cs"/>
-                      </a:endParaRPr>
                     </a:p>
                   </a:txBody>
                   <a:tcPr anchor="ctr"/>
@@ -13712,6 +13301,11 @@
                   </a:txBody>
                   <a:tcPr anchor="ctr"/>
                 </a:tc>
+                <a:extLst>
+                  <a:ext uri="{0D108BD9-81ED-4DB2-BD59-A6C34878D82A}">
+                    <a16:rowId xmlns:a16="http://schemas.microsoft.com/office/drawing/2014/main" val="10005"/>
+                  </a:ext>
+                </a:extLst>
               </a:tr>
               <a:tr h="296333">
                 <a:tc>
@@ -13849,14 +13443,6 @@
                         </a:rPr>
                         <a:t>式手枪</a:t>
                       </a:r>
-                      <a:endParaRPr lang="zh-CN" altLang="en-US" sz="800" kern="1200" dirty="0">
-                        <a:solidFill>
-                          <a:schemeClr val="dk1"/>
-                        </a:solidFill>
-                        <a:latin typeface="微软雅黑" panose="020B0503020204020204" pitchFamily="34" charset="-122"/>
-                        <a:ea typeface="微软雅黑" panose="020B0503020204020204" pitchFamily="34" charset="-122"/>
-                        <a:cs typeface="+mn-cs"/>
-                      </a:endParaRPr>
                     </a:p>
                   </a:txBody>
                   <a:tcPr anchor="ctr"/>
@@ -14035,6 +13621,11 @@
                   </a:txBody>
                   <a:tcPr anchor="ctr"/>
                 </a:tc>
+                <a:extLst>
+                  <a:ext uri="{0D108BD9-81ED-4DB2-BD59-A6C34878D82A}">
+                    <a16:rowId xmlns:a16="http://schemas.microsoft.com/office/drawing/2014/main" val="10006"/>
+                  </a:ext>
+                </a:extLst>
               </a:tr>
               <a:tr h="344053">
                 <a:tc>
@@ -14202,14 +13793,6 @@
                         </a:rPr>
                         <a:t>机枪</a:t>
                       </a:r>
-                      <a:endParaRPr lang="zh-CN" altLang="en-US" sz="800" kern="1200" dirty="0">
-                        <a:solidFill>
-                          <a:schemeClr val="dk1"/>
-                        </a:solidFill>
-                        <a:latin typeface="微软雅黑" panose="020B0503020204020204" pitchFamily="34" charset="-122"/>
-                        <a:ea typeface="微软雅黑" panose="020B0503020204020204" pitchFamily="34" charset="-122"/>
-                        <a:cs typeface="+mn-cs"/>
-                      </a:endParaRPr>
                     </a:p>
                   </a:txBody>
                   <a:tcPr anchor="ctr"/>
@@ -14468,6 +14051,11 @@
                   </a:txBody>
                   <a:tcPr anchor="ctr"/>
                 </a:tc>
+                <a:extLst>
+                  <a:ext uri="{0D108BD9-81ED-4DB2-BD59-A6C34878D82A}">
+                    <a16:rowId xmlns:a16="http://schemas.microsoft.com/office/drawing/2014/main" val="10007"/>
+                  </a:ext>
+                </a:extLst>
               </a:tr>
             </a:tbl>
           </a:graphicData>
@@ -14865,13 +14453,6 @@
               </a:rPr>
               <a:t>查  询</a:t>
             </a:r>
-            <a:endParaRPr lang="zh-CN" altLang="en-US" sz="1400" dirty="0">
-              <a:solidFill>
-                <a:schemeClr val="accent6">
-                  <a:lumMod val="75000"/>
-                </a:schemeClr>
-              </a:solidFill>
-            </a:endParaRPr>
           </a:p>
         </p:txBody>
       </p:sp>
@@ -14933,11 +14514,6 @@
               </a:rPr>
               <a:t>出  库</a:t>
             </a:r>
-            <a:endParaRPr lang="zh-CN" altLang="en-US" sz="1400" dirty="0">
-              <a:solidFill>
-                <a:schemeClr val="bg1"/>
-              </a:solidFill>
-            </a:endParaRPr>
           </a:p>
         </p:txBody>
       </p:sp>
@@ -15023,7 +14599,6 @@
               <a:rPr lang="zh-CN" altLang="en-US" dirty="0"/>
               <a:t>出库页面只显示已检视未出库装备</a:t>
             </a:r>
-            <a:endParaRPr lang="zh-CN" altLang="en-US" dirty="0"/>
           </a:p>
         </p:txBody>
       </p:sp>
@@ -15089,16 +14664,6 @@
               </a:rPr>
               <a:t>出 库</a:t>
             </a:r>
-            <a:endParaRPr lang="zh-CN" altLang="en-US" sz="1600" dirty="0">
-              <a:solidFill>
-                <a:schemeClr val="accent4">
-                  <a:lumMod val="60000"/>
-                  <a:lumOff val="40000"/>
-                </a:schemeClr>
-              </a:solidFill>
-              <a:latin typeface="微软雅黑" panose="020B0503020204020204" pitchFamily="34" charset="-122"/>
-              <a:ea typeface="微软雅黑" panose="020B0503020204020204" pitchFamily="34" charset="-122"/>
-            </a:endParaRPr>
           </a:p>
         </p:txBody>
       </p:sp>
@@ -15187,7 +14752,6 @@
               <a:rPr lang="zh-CN" altLang="en-US" dirty="0"/>
               <a:t>退役报废枪械销毁处理情况全过程登记表”</a:t>
             </a:r>
-            <a:endParaRPr lang="zh-CN" altLang="en-US" dirty="0"/>
           </a:p>
         </p:txBody>
       </p:sp>
@@ -15225,15 +14789,6 @@
               </a:rPr>
               <a:t>枪 支 信 息 智 能 管 理 系 统</a:t>
             </a:r>
-            <a:endParaRPr lang="zh-CN" altLang="en-US" sz="2400" b="1" dirty="0">
-              <a:solidFill>
-                <a:schemeClr val="accent6">
-                  <a:lumMod val="75000"/>
-                </a:schemeClr>
-              </a:solidFill>
-              <a:latin typeface="微软雅黑" panose="020B0503020204020204" pitchFamily="34" charset="-122"/>
-              <a:ea typeface="微软雅黑" panose="020B0503020204020204" pitchFamily="34" charset="-122"/>
-            </a:endParaRPr>
           </a:p>
         </p:txBody>
       </p:sp>
@@ -15246,7 +14801,7 @@
           <p:nvPr/>
         </p:nvPicPr>
         <p:blipFill>
-          <a:blip r:embed="rId2">
+          <a:blip r:embed="rId3" cstate="print">
             <a:extLst>
               <a:ext uri="{28A0092B-C50C-407E-A947-70E740481C1C}">
                 <a14:useLocalDpi xmlns:a14="http://schemas.microsoft.com/office/drawing/2010/main" val="0"/>
@@ -15321,10 +14876,6 @@
               </a:rPr>
               <a:t>五、其他说明</a:t>
             </a:r>
-            <a:endParaRPr lang="zh-CN" altLang="en-US" b="1" dirty="0">
-              <a:latin typeface="微软雅黑" panose="020B0503020204020204" pitchFamily="34" charset="-122"/>
-              <a:ea typeface="微软雅黑" panose="020B0503020204020204" pitchFamily="34" charset="-122"/>
-            </a:endParaRPr>
           </a:p>
         </p:txBody>
       </p:sp>
@@ -15681,10 +15232,6 @@
               </a:rPr>
               <a:t>主页</a:t>
             </a:r>
-            <a:endParaRPr lang="zh-CN" altLang="en-US" b="1" dirty="0">
-              <a:latin typeface="微软雅黑" panose="020B0503020204020204" pitchFamily="34" charset="-122"/>
-              <a:ea typeface="微软雅黑" panose="020B0503020204020204" pitchFamily="34" charset="-122"/>
-            </a:endParaRPr>
           </a:p>
         </p:txBody>
       </p:sp>
@@ -15774,15 +15321,6 @@
               </a:rPr>
               <a:t>枪 支 信 息 智 能 管 理 系 统</a:t>
             </a:r>
-            <a:endParaRPr lang="zh-CN" altLang="en-US" sz="2400" b="1" dirty="0">
-              <a:solidFill>
-                <a:schemeClr val="accent6">
-                  <a:lumMod val="75000"/>
-                </a:schemeClr>
-              </a:solidFill>
-              <a:latin typeface="微软雅黑" panose="020B0503020204020204" pitchFamily="34" charset="-122"/>
-              <a:ea typeface="微软雅黑" panose="020B0503020204020204" pitchFamily="34" charset="-122"/>
-            </a:endParaRPr>
           </a:p>
         </p:txBody>
       </p:sp>
@@ -15846,13 +15384,6 @@
               </a:rPr>
               <a:t>账号管理</a:t>
             </a:r>
-            <a:endParaRPr lang="zh-CN" altLang="en-US" sz="2800" dirty="0">
-              <a:solidFill>
-                <a:schemeClr val="bg1"/>
-              </a:solidFill>
-              <a:latin typeface="微软雅黑" panose="020B0503020204020204" pitchFamily="34" charset="-122"/>
-              <a:ea typeface="微软雅黑" panose="020B0503020204020204" pitchFamily="34" charset="-122"/>
-            </a:endParaRPr>
           </a:p>
         </p:txBody>
       </p:sp>
@@ -15916,15 +15447,6 @@
               </a:rPr>
               <a:t>编码检视</a:t>
             </a:r>
-            <a:endParaRPr lang="zh-CN" altLang="en-US" sz="2800" dirty="0">
-              <a:solidFill>
-                <a:schemeClr val="accent6">
-                  <a:lumMod val="75000"/>
-                </a:schemeClr>
-              </a:solidFill>
-              <a:latin typeface="微软雅黑" panose="020B0503020204020204" pitchFamily="34" charset="-122"/>
-              <a:ea typeface="微软雅黑" panose="020B0503020204020204" pitchFamily="34" charset="-122"/>
-            </a:endParaRPr>
           </a:p>
         </p:txBody>
       </p:sp>
@@ -16000,15 +15522,6 @@
               </a:rPr>
               <a:t>信息管理</a:t>
             </a:r>
-            <a:endParaRPr lang="zh-CN" altLang="en-US" sz="2800" dirty="0">
-              <a:solidFill>
-                <a:schemeClr val="accent6">
-                  <a:lumMod val="75000"/>
-                </a:schemeClr>
-              </a:solidFill>
-              <a:latin typeface="微软雅黑" panose="020B0503020204020204" pitchFamily="34" charset="-122"/>
-              <a:ea typeface="微软雅黑" panose="020B0503020204020204" pitchFamily="34" charset="-122"/>
-            </a:endParaRPr>
           </a:p>
         </p:txBody>
       </p:sp>
@@ -16021,7 +15534,7 @@
           <p:nvPr/>
         </p:nvPicPr>
         <p:blipFill>
-          <a:blip r:embed="rId1">
+          <a:blip r:embed="rId2" cstate="print">
             <a:extLst>
               <a:ext uri="{28A0092B-C50C-407E-A947-70E740481C1C}">
                 <a14:useLocalDpi xmlns:a14="http://schemas.microsoft.com/office/drawing/2010/main" val="0"/>
@@ -16091,13 +15604,6 @@
               </a:rPr>
               <a:t>任何时候切换模块都需要重新登陆</a:t>
             </a:r>
-            <a:endParaRPr lang="zh-CN" altLang="en-US" sz="1400" b="1" dirty="0">
-              <a:solidFill>
-                <a:srgbClr val="7030A0"/>
-              </a:solidFill>
-              <a:latin typeface="微软雅黑" panose="020B0503020204020204" pitchFamily="34" charset="-122"/>
-              <a:ea typeface="微软雅黑" panose="020B0503020204020204" pitchFamily="34" charset="-122"/>
-            </a:endParaRPr>
           </a:p>
         </p:txBody>
       </p:sp>
@@ -16169,10 +15675,6 @@
               </a:rPr>
               <a:t>登录页面</a:t>
             </a:r>
-            <a:endParaRPr lang="zh-CN" altLang="en-US" b="1" dirty="0">
-              <a:latin typeface="微软雅黑" panose="020B0503020204020204" pitchFamily="34" charset="-122"/>
-              <a:ea typeface="微软雅黑" panose="020B0503020204020204" pitchFamily="34" charset="-122"/>
-            </a:endParaRPr>
           </a:p>
         </p:txBody>
       </p:sp>
@@ -16262,15 +15764,6 @@
               </a:rPr>
               <a:t>枪 支 信 息 智 能 管 理 系 统</a:t>
             </a:r>
-            <a:endParaRPr lang="zh-CN" altLang="en-US" sz="2400" b="1" dirty="0">
-              <a:solidFill>
-                <a:schemeClr val="accent6">
-                  <a:lumMod val="75000"/>
-                </a:schemeClr>
-              </a:solidFill>
-              <a:latin typeface="微软雅黑" panose="020B0503020204020204" pitchFamily="34" charset="-122"/>
-              <a:ea typeface="微软雅黑" panose="020B0503020204020204" pitchFamily="34" charset="-122"/>
-            </a:endParaRPr>
           </a:p>
         </p:txBody>
       </p:sp>
@@ -16371,13 +15864,6 @@
               </a:rPr>
               <a:t>账号管理</a:t>
             </a:r>
-            <a:endParaRPr lang="zh-CN" altLang="en-US" dirty="0">
-              <a:solidFill>
-                <a:schemeClr val="bg1"/>
-              </a:solidFill>
-              <a:latin typeface="微软雅黑" panose="020B0503020204020204" pitchFamily="34" charset="-122"/>
-              <a:ea typeface="微软雅黑" panose="020B0503020204020204" pitchFamily="34" charset="-122"/>
-            </a:endParaRPr>
           </a:p>
         </p:txBody>
       </p:sp>
@@ -16441,15 +15927,6 @@
               </a:rPr>
               <a:t>编码检视</a:t>
             </a:r>
-            <a:endParaRPr lang="zh-CN" altLang="en-US" dirty="0">
-              <a:solidFill>
-                <a:schemeClr val="accent6">
-                  <a:lumMod val="75000"/>
-                </a:schemeClr>
-              </a:solidFill>
-              <a:latin typeface="微软雅黑" panose="020B0503020204020204" pitchFamily="34" charset="-122"/>
-              <a:ea typeface="微软雅黑" panose="020B0503020204020204" pitchFamily="34" charset="-122"/>
-            </a:endParaRPr>
           </a:p>
         </p:txBody>
       </p:sp>
@@ -16513,15 +15990,6 @@
               </a:rPr>
               <a:t>信息管理</a:t>
             </a:r>
-            <a:endParaRPr lang="zh-CN" altLang="en-US" dirty="0">
-              <a:solidFill>
-                <a:schemeClr val="accent6">
-                  <a:lumMod val="75000"/>
-                </a:schemeClr>
-              </a:solidFill>
-              <a:latin typeface="微软雅黑" panose="020B0503020204020204" pitchFamily="34" charset="-122"/>
-              <a:ea typeface="微软雅黑" panose="020B0503020204020204" pitchFamily="34" charset="-122"/>
-            </a:endParaRPr>
           </a:p>
         </p:txBody>
       </p:sp>
@@ -16609,13 +16077,6 @@
               </a:rPr>
               <a:t>管理员</a:t>
             </a:r>
-            <a:endParaRPr lang="zh-CN" altLang="en-US" dirty="0">
-              <a:solidFill>
-                <a:schemeClr val="bg1"/>
-              </a:solidFill>
-              <a:latin typeface="微软雅黑" panose="020B0503020204020204" pitchFamily="34" charset="-122"/>
-              <a:ea typeface="微软雅黑" panose="020B0503020204020204" pitchFamily="34" charset="-122"/>
-            </a:endParaRPr>
           </a:p>
         </p:txBody>
       </p:sp>
@@ -16651,13 +16112,6 @@
               </a:rPr>
               <a:t>密 码</a:t>
             </a:r>
-            <a:endParaRPr lang="zh-CN" altLang="en-US" dirty="0">
-              <a:solidFill>
-                <a:schemeClr val="bg1"/>
-              </a:solidFill>
-              <a:latin typeface="微软雅黑" panose="020B0503020204020204" pitchFamily="34" charset="-122"/>
-              <a:ea typeface="微软雅黑" panose="020B0503020204020204" pitchFamily="34" charset="-122"/>
-            </a:endParaRPr>
           </a:p>
         </p:txBody>
       </p:sp>
@@ -16670,7 +16124,7 @@
           <p:nvPr/>
         </p:nvPicPr>
         <p:blipFill>
-          <a:blip r:embed="rId1">
+          <a:blip r:embed="rId2" cstate="print">
             <a:extLst>
               <a:ext uri="{28A0092B-C50C-407E-A947-70E740481C1C}">
                 <a14:useLocalDpi xmlns:a14="http://schemas.microsoft.com/office/drawing/2010/main" val="0"/>
@@ -16764,16 +16218,6 @@
               </a:rPr>
               <a:t>登 录</a:t>
             </a:r>
-            <a:endParaRPr lang="zh-CN" altLang="en-US" dirty="0">
-              <a:solidFill>
-                <a:schemeClr val="accent4">
-                  <a:lumMod val="60000"/>
-                  <a:lumOff val="40000"/>
-                </a:schemeClr>
-              </a:solidFill>
-              <a:latin typeface="微软雅黑" panose="020B0503020204020204" pitchFamily="34" charset="-122"/>
-              <a:ea typeface="微软雅黑" panose="020B0503020204020204" pitchFamily="34" charset="-122"/>
-            </a:endParaRPr>
           </a:p>
         </p:txBody>
       </p:sp>
@@ -16911,13 +16355,6 @@
               </a:rPr>
               <a:t>由系统管理员登录账号管理页面</a:t>
             </a:r>
-            <a:endParaRPr lang="zh-CN" altLang="en-US" sz="1400" b="1" dirty="0">
-              <a:solidFill>
-                <a:srgbClr val="7030A0"/>
-              </a:solidFill>
-              <a:latin typeface="微软雅黑" panose="020B0503020204020204" pitchFamily="34" charset="-122"/>
-              <a:ea typeface="微软雅黑" panose="020B0503020204020204" pitchFamily="34" charset="-122"/>
-            </a:endParaRPr>
           </a:p>
         </p:txBody>
       </p:sp>
@@ -16930,7 +16367,7 @@
           <p:nvPr/>
         </p:nvPicPr>
         <p:blipFill>
-          <a:blip r:embed="rId2">
+          <a:blip r:embed="rId3" cstate="print">
             <a:extLst>
               <a:ext uri="{28A0092B-C50C-407E-A947-70E740481C1C}">
                 <a14:useLocalDpi xmlns:a14="http://schemas.microsoft.com/office/drawing/2010/main" val="0"/>
@@ -17015,13 +16452,6 @@
                 </a:rPr>
                 <a:t>返回</a:t>
               </a:r>
-              <a:endParaRPr lang="zh-CN" altLang="en-US" sz="1400" b="1" dirty="0">
-                <a:solidFill>
-                  <a:srgbClr val="00B0F0"/>
-                </a:solidFill>
-                <a:latin typeface="微软雅黑" panose="020B0503020204020204" pitchFamily="34" charset="-122"/>
-                <a:ea typeface="微软雅黑" panose="020B0503020204020204" pitchFamily="34" charset="-122"/>
-              </a:endParaRPr>
             </a:p>
           </p:txBody>
         </p:sp>
@@ -17116,10 +16546,6 @@
               </a:rPr>
               <a:t>二、账号管理页面</a:t>
             </a:r>
-            <a:endParaRPr lang="zh-CN" altLang="en-US" b="1" dirty="0">
-              <a:latin typeface="微软雅黑" panose="020B0503020204020204" pitchFamily="34" charset="-122"/>
-              <a:ea typeface="微软雅黑" panose="020B0503020204020204" pitchFamily="34" charset="-122"/>
-            </a:endParaRPr>
           </a:p>
         </p:txBody>
       </p:sp>
@@ -17272,13 +16698,6 @@
               </a:rPr>
               <a:t>账号管理</a:t>
             </a:r>
-            <a:endParaRPr lang="zh-CN" altLang="en-US" dirty="0">
-              <a:solidFill>
-                <a:schemeClr val="bg1"/>
-              </a:solidFill>
-              <a:latin typeface="微软雅黑" panose="020B0503020204020204" pitchFamily="34" charset="-122"/>
-              <a:ea typeface="微软雅黑" panose="020B0503020204020204" pitchFamily="34" charset="-122"/>
-            </a:endParaRPr>
           </a:p>
         </p:txBody>
       </p:sp>
@@ -17342,15 +16761,6 @@
               </a:rPr>
               <a:t>编码检视</a:t>
             </a:r>
-            <a:endParaRPr lang="zh-CN" altLang="en-US" dirty="0">
-              <a:solidFill>
-                <a:schemeClr val="accent6">
-                  <a:lumMod val="75000"/>
-                </a:schemeClr>
-              </a:solidFill>
-              <a:latin typeface="微软雅黑" panose="020B0503020204020204" pitchFamily="34" charset="-122"/>
-              <a:ea typeface="微软雅黑" panose="020B0503020204020204" pitchFamily="34" charset="-122"/>
-            </a:endParaRPr>
           </a:p>
         </p:txBody>
       </p:sp>
@@ -17414,15 +16824,6 @@
               </a:rPr>
               <a:t>信息管理</a:t>
             </a:r>
-            <a:endParaRPr lang="zh-CN" altLang="en-US" dirty="0">
-              <a:solidFill>
-                <a:schemeClr val="accent6">
-                  <a:lumMod val="75000"/>
-                </a:schemeClr>
-              </a:solidFill>
-              <a:latin typeface="微软雅黑" panose="020B0503020204020204" pitchFamily="34" charset="-122"/>
-              <a:ea typeface="微软雅黑" panose="020B0503020204020204" pitchFamily="34" charset="-122"/>
-            </a:endParaRPr>
           </a:p>
         </p:txBody>
       </p:sp>
@@ -17449,15 +16850,69 @@
                 <a:tableStyleId>{93296810-A885-4BE3-A3E7-6D5BEEA58F35}</a:tableStyleId>
               </a:tblPr>
               <a:tblGrid>
-                <a:gridCol w="1004519"/>
-                <a:gridCol w="1290890"/>
-                <a:gridCol w="1089144"/>
-                <a:gridCol w="1143000"/>
-                <a:gridCol w="1126067"/>
-                <a:gridCol w="1083733"/>
-                <a:gridCol w="1100667"/>
-                <a:gridCol w="1093150"/>
-                <a:gridCol w="1398171"/>
+                <a:gridCol w="1004519">
+                  <a:extLst>
+                    <a:ext uri="{9D8B030D-6E8A-4147-A177-3AD203B41FA5}">
+                      <a16:colId xmlns:a16="http://schemas.microsoft.com/office/drawing/2014/main" val="20000"/>
+                    </a:ext>
+                  </a:extLst>
+                </a:gridCol>
+                <a:gridCol w="1290890">
+                  <a:extLst>
+                    <a:ext uri="{9D8B030D-6E8A-4147-A177-3AD203B41FA5}">
+                      <a16:colId xmlns:a16="http://schemas.microsoft.com/office/drawing/2014/main" val="20001"/>
+                    </a:ext>
+                  </a:extLst>
+                </a:gridCol>
+                <a:gridCol w="1089144">
+                  <a:extLst>
+                    <a:ext uri="{9D8B030D-6E8A-4147-A177-3AD203B41FA5}">
+                      <a16:colId xmlns:a16="http://schemas.microsoft.com/office/drawing/2014/main" val="20002"/>
+                    </a:ext>
+                  </a:extLst>
+                </a:gridCol>
+                <a:gridCol w="1143000">
+                  <a:extLst>
+                    <a:ext uri="{9D8B030D-6E8A-4147-A177-3AD203B41FA5}">
+                      <a16:colId xmlns:a16="http://schemas.microsoft.com/office/drawing/2014/main" val="20003"/>
+                    </a:ext>
+                  </a:extLst>
+                </a:gridCol>
+                <a:gridCol w="1126067">
+                  <a:extLst>
+                    <a:ext uri="{9D8B030D-6E8A-4147-A177-3AD203B41FA5}">
+                      <a16:colId xmlns:a16="http://schemas.microsoft.com/office/drawing/2014/main" val="20004"/>
+                    </a:ext>
+                  </a:extLst>
+                </a:gridCol>
+                <a:gridCol w="1083733">
+                  <a:extLst>
+                    <a:ext uri="{9D8B030D-6E8A-4147-A177-3AD203B41FA5}">
+                      <a16:colId xmlns:a16="http://schemas.microsoft.com/office/drawing/2014/main" val="20005"/>
+                    </a:ext>
+                  </a:extLst>
+                </a:gridCol>
+                <a:gridCol w="1100667">
+                  <a:extLst>
+                    <a:ext uri="{9D8B030D-6E8A-4147-A177-3AD203B41FA5}">
+                      <a16:colId xmlns:a16="http://schemas.microsoft.com/office/drawing/2014/main" val="20006"/>
+                    </a:ext>
+                  </a:extLst>
+                </a:gridCol>
+                <a:gridCol w="1093150">
+                  <a:extLst>
+                    <a:ext uri="{9D8B030D-6E8A-4147-A177-3AD203B41FA5}">
+                      <a16:colId xmlns:a16="http://schemas.microsoft.com/office/drawing/2014/main" val="20007"/>
+                    </a:ext>
+                  </a:extLst>
+                </a:gridCol>
+                <a:gridCol w="1398171">
+                  <a:extLst>
+                    <a:ext uri="{9D8B030D-6E8A-4147-A177-3AD203B41FA5}">
+                      <a16:colId xmlns:a16="http://schemas.microsoft.com/office/drawing/2014/main" val="20008"/>
+                    </a:ext>
+                  </a:extLst>
+                </a:gridCol>
               </a:tblGrid>
               <a:tr h="457780">
                 <a:tc>
@@ -17473,10 +16928,6 @@
                         </a:rPr>
                         <a:t>姓名</a:t>
                       </a:r>
-                      <a:endParaRPr lang="zh-CN" altLang="en-US" sz="1400" b="1" dirty="0">
-                        <a:latin typeface="微软雅黑" panose="020B0503020204020204" pitchFamily="34" charset="-122"/>
-                        <a:ea typeface="微软雅黑" panose="020B0503020204020204" pitchFamily="34" charset="-122"/>
-                      </a:endParaRPr>
                     </a:p>
                   </a:txBody>
                   <a:tcPr anchor="ctr"/>
@@ -17494,10 +16945,6 @@
                         </a:rPr>
                         <a:t>军官证号</a:t>
                       </a:r>
-                      <a:endParaRPr lang="zh-CN" altLang="en-US" sz="1400" b="1" dirty="0">
-                        <a:latin typeface="微软雅黑" panose="020B0503020204020204" pitchFamily="34" charset="-122"/>
-                        <a:ea typeface="微软雅黑" panose="020B0503020204020204" pitchFamily="34" charset="-122"/>
-                      </a:endParaRPr>
                     </a:p>
                   </a:txBody>
                   <a:tcPr anchor="ctr"/>
@@ -17515,10 +16962,6 @@
                         </a:rPr>
                         <a:t>识别操作</a:t>
                       </a:r>
-                      <a:endParaRPr lang="zh-CN" altLang="en-US" sz="1400" b="1" dirty="0">
-                        <a:latin typeface="微软雅黑" panose="020B0503020204020204" pitchFamily="34" charset="-122"/>
-                        <a:ea typeface="微软雅黑" panose="020B0503020204020204" pitchFamily="34" charset="-122"/>
-                      </a:endParaRPr>
                     </a:p>
                   </a:txBody>
                   <a:tcPr anchor="ctr"/>
@@ -17536,10 +16979,6 @@
                         </a:rPr>
                         <a:t>识别监督</a:t>
                       </a:r>
-                      <a:endParaRPr lang="zh-CN" altLang="en-US" sz="1400" b="1" dirty="0">
-                        <a:latin typeface="微软雅黑" panose="020B0503020204020204" pitchFamily="34" charset="-122"/>
-                        <a:ea typeface="微软雅黑" panose="020B0503020204020204" pitchFamily="34" charset="-122"/>
-                      </a:endParaRPr>
                     </a:p>
                   </a:txBody>
                   <a:tcPr anchor="ctr"/>
@@ -17557,10 +16996,6 @@
                         </a:rPr>
                         <a:t>入库操作</a:t>
                       </a:r>
-                      <a:endParaRPr lang="zh-CN" altLang="en-US" sz="1400" b="1" dirty="0">
-                        <a:latin typeface="微软雅黑" panose="020B0503020204020204" pitchFamily="34" charset="-122"/>
-                        <a:ea typeface="微软雅黑" panose="020B0503020204020204" pitchFamily="34" charset="-122"/>
-                      </a:endParaRPr>
                     </a:p>
                   </a:txBody>
                   <a:tcPr anchor="ctr"/>
@@ -17578,10 +17013,6 @@
                         </a:rPr>
                         <a:t>入库监督</a:t>
                       </a:r>
-                      <a:endParaRPr lang="zh-CN" altLang="en-US" sz="1400" b="1" dirty="0">
-                        <a:latin typeface="微软雅黑" panose="020B0503020204020204" pitchFamily="34" charset="-122"/>
-                        <a:ea typeface="微软雅黑" panose="020B0503020204020204" pitchFamily="34" charset="-122"/>
-                      </a:endParaRPr>
                     </a:p>
                   </a:txBody>
                   <a:tcPr anchor="ctr"/>
@@ -17599,10 +17030,6 @@
                         </a:rPr>
                         <a:t>出库操作</a:t>
                       </a:r>
-                      <a:endParaRPr lang="zh-CN" altLang="en-US" sz="1400" b="1" dirty="0">
-                        <a:latin typeface="微软雅黑" panose="020B0503020204020204" pitchFamily="34" charset="-122"/>
-                        <a:ea typeface="微软雅黑" panose="020B0503020204020204" pitchFamily="34" charset="-122"/>
-                      </a:endParaRPr>
                     </a:p>
                   </a:txBody>
                   <a:tcPr anchor="ctr"/>
@@ -17620,10 +17047,6 @@
                         </a:rPr>
                         <a:t>出库监督</a:t>
                       </a:r>
-                      <a:endParaRPr lang="zh-CN" altLang="en-US" sz="1400" b="1" dirty="0">
-                        <a:latin typeface="微软雅黑" panose="020B0503020204020204" pitchFamily="34" charset="-122"/>
-                        <a:ea typeface="微软雅黑" panose="020B0503020204020204" pitchFamily="34" charset="-122"/>
-                      </a:endParaRPr>
                     </a:p>
                   </a:txBody>
                   <a:tcPr anchor="ctr"/>
@@ -17641,14 +17064,15 @@
                         </a:rPr>
                         <a:t>操作</a:t>
                       </a:r>
-                      <a:endParaRPr lang="zh-CN" altLang="en-US" sz="1400" b="1" dirty="0">
-                        <a:latin typeface="微软雅黑" panose="020B0503020204020204" pitchFamily="34" charset="-122"/>
-                        <a:ea typeface="微软雅黑" panose="020B0503020204020204" pitchFamily="34" charset="-122"/>
-                      </a:endParaRPr>
-                    </a:p>
-                  </a:txBody>
-                  <a:tcPr anchor="ctr"/>
-                </a:tc>
+                    </a:p>
+                  </a:txBody>
+                  <a:tcPr anchor="ctr"/>
+                </a:tc>
+                <a:extLst>
+                  <a:ext uri="{0D108BD9-81ED-4DB2-BD59-A6C34878D82A}">
+                    <a16:rowId xmlns:a16="http://schemas.microsoft.com/office/drawing/2014/main" val="10000"/>
+                  </a:ext>
+                </a:extLst>
               </a:tr>
               <a:tr h="457780">
                 <a:tc>
@@ -17664,10 +17088,6 @@
                         </a:rPr>
                         <a:t>陈一</a:t>
                       </a:r>
-                      <a:endParaRPr lang="zh-CN" altLang="en-US" sz="1200" dirty="0">
-                        <a:latin typeface="微软雅黑" panose="020B0503020204020204" pitchFamily="34" charset="-122"/>
-                        <a:ea typeface="微软雅黑" panose="020B0503020204020204" pitchFamily="34" charset="-122"/>
-                      </a:endParaRPr>
                     </a:p>
                   </a:txBody>
                   <a:tcPr anchor="ctr"/>
@@ -17843,6 +17263,11 @@
                   </a:txBody>
                   <a:tcPr anchor="ctr"/>
                 </a:tc>
+                <a:extLst>
+                  <a:ext uri="{0D108BD9-81ED-4DB2-BD59-A6C34878D82A}">
+                    <a16:rowId xmlns:a16="http://schemas.microsoft.com/office/drawing/2014/main" val="10001"/>
+                  </a:ext>
+                </a:extLst>
               </a:tr>
               <a:tr h="457780">
                 <a:tc>
@@ -17858,10 +17283,6 @@
                         </a:rPr>
                         <a:t>吴二</a:t>
                       </a:r>
-                      <a:endParaRPr lang="zh-CN" altLang="en-US" sz="1200" dirty="0">
-                        <a:latin typeface="微软雅黑" panose="020B0503020204020204" pitchFamily="34" charset="-122"/>
-                        <a:ea typeface="微软雅黑" panose="020B0503020204020204" pitchFamily="34" charset="-122"/>
-                      </a:endParaRPr>
                     </a:p>
                   </a:txBody>
                   <a:tcPr anchor="ctr"/>
@@ -18062,6 +17483,11 @@
                   </a:txBody>
                   <a:tcPr anchor="ctr"/>
                 </a:tc>
+                <a:extLst>
+                  <a:ext uri="{0D108BD9-81ED-4DB2-BD59-A6C34878D82A}">
+                    <a16:rowId xmlns:a16="http://schemas.microsoft.com/office/drawing/2014/main" val="10002"/>
+                  </a:ext>
+                </a:extLst>
               </a:tr>
               <a:tr h="457780">
                 <a:tc>
@@ -18077,10 +17503,6 @@
                         </a:rPr>
                         <a:t>张三</a:t>
                       </a:r>
-                      <a:endParaRPr lang="zh-CN" altLang="en-US" sz="1200" dirty="0">
-                        <a:latin typeface="微软雅黑" panose="020B0503020204020204" pitchFamily="34" charset="-122"/>
-                        <a:ea typeface="微软雅黑" panose="020B0503020204020204" pitchFamily="34" charset="-122"/>
-                      </a:endParaRPr>
                     </a:p>
                   </a:txBody>
                   <a:tcPr anchor="ctr"/>
@@ -18281,6 +17703,11 @@
                   </a:txBody>
                   <a:tcPr anchor="ctr"/>
                 </a:tc>
+                <a:extLst>
+                  <a:ext uri="{0D108BD9-81ED-4DB2-BD59-A6C34878D82A}">
+                    <a16:rowId xmlns:a16="http://schemas.microsoft.com/office/drawing/2014/main" val="10003"/>
+                  </a:ext>
+                </a:extLst>
               </a:tr>
               <a:tr h="457780">
                 <a:tc>
@@ -18296,10 +17723,6 @@
                         </a:rPr>
                         <a:t>李三</a:t>
                       </a:r>
-                      <a:endParaRPr lang="zh-CN" altLang="en-US" sz="1200" dirty="0">
-                        <a:latin typeface="微软雅黑" panose="020B0503020204020204" pitchFamily="34" charset="-122"/>
-                        <a:ea typeface="微软雅黑" panose="020B0503020204020204" pitchFamily="34" charset="-122"/>
-                      </a:endParaRPr>
                     </a:p>
                   </a:txBody>
                   <a:tcPr anchor="ctr"/>
@@ -18500,6 +17923,11 @@
                   </a:txBody>
                   <a:tcPr anchor="ctr"/>
                 </a:tc>
+                <a:extLst>
+                  <a:ext uri="{0D108BD9-81ED-4DB2-BD59-A6C34878D82A}">
+                    <a16:rowId xmlns:a16="http://schemas.microsoft.com/office/drawing/2014/main" val="10004"/>
+                  </a:ext>
+                </a:extLst>
               </a:tr>
               <a:tr h="457780">
                 <a:tc>
@@ -18515,10 +17943,6 @@
                         </a:rPr>
                         <a:t>王五</a:t>
                       </a:r>
-                      <a:endParaRPr lang="zh-CN" altLang="en-US" sz="1200" dirty="0">
-                        <a:latin typeface="微软雅黑" panose="020B0503020204020204" pitchFamily="34" charset="-122"/>
-                        <a:ea typeface="微软雅黑" panose="020B0503020204020204" pitchFamily="34" charset="-122"/>
-                      </a:endParaRPr>
                     </a:p>
                   </a:txBody>
                   <a:tcPr anchor="ctr"/>
@@ -18719,6 +18143,11 @@
                   </a:txBody>
                   <a:tcPr anchor="ctr"/>
                 </a:tc>
+                <a:extLst>
+                  <a:ext uri="{0D108BD9-81ED-4DB2-BD59-A6C34878D82A}">
+                    <a16:rowId xmlns:a16="http://schemas.microsoft.com/office/drawing/2014/main" val="10005"/>
+                  </a:ext>
+                </a:extLst>
               </a:tr>
               <a:tr h="457780">
                 <a:tc>
@@ -18734,10 +18163,6 @@
                         </a:rPr>
                         <a:t>赵六</a:t>
                       </a:r>
-                      <a:endParaRPr lang="zh-CN" altLang="en-US" sz="1200" dirty="0">
-                        <a:latin typeface="微软雅黑" panose="020B0503020204020204" pitchFamily="34" charset="-122"/>
-                        <a:ea typeface="微软雅黑" panose="020B0503020204020204" pitchFamily="34" charset="-122"/>
-                      </a:endParaRPr>
                     </a:p>
                   </a:txBody>
                   <a:tcPr anchor="ctr"/>
@@ -18958,6 +18383,11 @@
                   </a:txBody>
                   <a:tcPr anchor="ctr"/>
                 </a:tc>
+                <a:extLst>
+                  <a:ext uri="{0D108BD9-81ED-4DB2-BD59-A6C34878D82A}">
+                    <a16:rowId xmlns:a16="http://schemas.microsoft.com/office/drawing/2014/main" val="10006"/>
+                  </a:ext>
+                </a:extLst>
               </a:tr>
               <a:tr h="457780">
                 <a:tc>
@@ -18973,10 +18403,6 @@
                         </a:rPr>
                         <a:t>周七</a:t>
                       </a:r>
-                      <a:endParaRPr lang="zh-CN" altLang="en-US" sz="1200" dirty="0">
-                        <a:latin typeface="微软雅黑" panose="020B0503020204020204" pitchFamily="34" charset="-122"/>
-                        <a:ea typeface="微软雅黑" panose="020B0503020204020204" pitchFamily="34" charset="-122"/>
-                      </a:endParaRPr>
                     </a:p>
                   </a:txBody>
                   <a:tcPr anchor="ctr"/>
@@ -19177,6 +18603,11 @@
                   </a:txBody>
                   <a:tcPr anchor="ctr"/>
                 </a:tc>
+                <a:extLst>
+                  <a:ext uri="{0D108BD9-81ED-4DB2-BD59-A6C34878D82A}">
+                    <a16:rowId xmlns:a16="http://schemas.microsoft.com/office/drawing/2014/main" val="10007"/>
+                  </a:ext>
+                </a:extLst>
               </a:tr>
             </a:tbl>
           </a:graphicData>
@@ -19240,15 +18671,6 @@
               </a:rPr>
               <a:t>编辑</a:t>
             </a:r>
-            <a:endParaRPr lang="zh-CN" altLang="en-US" sz="1050" dirty="0">
-              <a:solidFill>
-                <a:schemeClr val="accent6">
-                  <a:lumMod val="75000"/>
-                </a:schemeClr>
-              </a:solidFill>
-              <a:latin typeface="微软雅黑" panose="020B0503020204020204" pitchFamily="34" charset="-122"/>
-              <a:ea typeface="微软雅黑" panose="020B0503020204020204" pitchFamily="34" charset="-122"/>
-            </a:endParaRPr>
           </a:p>
         </p:txBody>
       </p:sp>
@@ -19306,13 +18728,6 @@
               </a:rPr>
               <a:t>删除</a:t>
             </a:r>
-            <a:endParaRPr lang="zh-CN" altLang="en-US" sz="1050" dirty="0">
-              <a:solidFill>
-                <a:srgbClr val="FF0000"/>
-              </a:solidFill>
-              <a:latin typeface="微软雅黑" panose="020B0503020204020204" pitchFamily="34" charset="-122"/>
-              <a:ea typeface="微软雅黑" panose="020B0503020204020204" pitchFamily="34" charset="-122"/>
-            </a:endParaRPr>
           </a:p>
         </p:txBody>
       </p:sp>
@@ -19374,15 +18789,6 @@
               </a:rPr>
               <a:t>编辑</a:t>
             </a:r>
-            <a:endParaRPr lang="zh-CN" altLang="en-US" sz="1050" dirty="0">
-              <a:solidFill>
-                <a:schemeClr val="accent6">
-                  <a:lumMod val="75000"/>
-                </a:schemeClr>
-              </a:solidFill>
-              <a:latin typeface="微软雅黑" panose="020B0503020204020204" pitchFamily="34" charset="-122"/>
-              <a:ea typeface="微软雅黑" panose="020B0503020204020204" pitchFamily="34" charset="-122"/>
-            </a:endParaRPr>
           </a:p>
         </p:txBody>
       </p:sp>
@@ -19440,13 +18846,6 @@
               </a:rPr>
               <a:t>删除</a:t>
             </a:r>
-            <a:endParaRPr lang="zh-CN" altLang="en-US" sz="1050" dirty="0">
-              <a:solidFill>
-                <a:srgbClr val="FF0000"/>
-              </a:solidFill>
-              <a:latin typeface="微软雅黑" panose="020B0503020204020204" pitchFamily="34" charset="-122"/>
-              <a:ea typeface="微软雅黑" panose="020B0503020204020204" pitchFamily="34" charset="-122"/>
-            </a:endParaRPr>
           </a:p>
         </p:txBody>
       </p:sp>
@@ -19508,15 +18907,6 @@
               </a:rPr>
               <a:t>编辑</a:t>
             </a:r>
-            <a:endParaRPr lang="zh-CN" altLang="en-US" sz="1050" dirty="0">
-              <a:solidFill>
-                <a:schemeClr val="accent6">
-                  <a:lumMod val="75000"/>
-                </a:schemeClr>
-              </a:solidFill>
-              <a:latin typeface="微软雅黑" panose="020B0503020204020204" pitchFamily="34" charset="-122"/>
-              <a:ea typeface="微软雅黑" panose="020B0503020204020204" pitchFamily="34" charset="-122"/>
-            </a:endParaRPr>
           </a:p>
         </p:txBody>
       </p:sp>
@@ -19574,13 +18964,6 @@
               </a:rPr>
               <a:t>删除</a:t>
             </a:r>
-            <a:endParaRPr lang="zh-CN" altLang="en-US" sz="1050" dirty="0">
-              <a:solidFill>
-                <a:srgbClr val="FF0000"/>
-              </a:solidFill>
-              <a:latin typeface="微软雅黑" panose="020B0503020204020204" pitchFamily="34" charset="-122"/>
-              <a:ea typeface="微软雅黑" panose="020B0503020204020204" pitchFamily="34" charset="-122"/>
-            </a:endParaRPr>
           </a:p>
         </p:txBody>
       </p:sp>
@@ -19642,15 +19025,6 @@
               </a:rPr>
               <a:t>编辑</a:t>
             </a:r>
-            <a:endParaRPr lang="zh-CN" altLang="en-US" sz="1050" dirty="0">
-              <a:solidFill>
-                <a:schemeClr val="accent6">
-                  <a:lumMod val="75000"/>
-                </a:schemeClr>
-              </a:solidFill>
-              <a:latin typeface="微软雅黑" panose="020B0503020204020204" pitchFamily="34" charset="-122"/>
-              <a:ea typeface="微软雅黑" panose="020B0503020204020204" pitchFamily="34" charset="-122"/>
-            </a:endParaRPr>
           </a:p>
         </p:txBody>
       </p:sp>
@@ -19708,13 +19082,6 @@
               </a:rPr>
               <a:t>删除</a:t>
             </a:r>
-            <a:endParaRPr lang="zh-CN" altLang="en-US" sz="1050" dirty="0">
-              <a:solidFill>
-                <a:srgbClr val="FF0000"/>
-              </a:solidFill>
-              <a:latin typeface="微软雅黑" panose="020B0503020204020204" pitchFamily="34" charset="-122"/>
-              <a:ea typeface="微软雅黑" panose="020B0503020204020204" pitchFamily="34" charset="-122"/>
-            </a:endParaRPr>
           </a:p>
         </p:txBody>
       </p:sp>
@@ -19776,15 +19143,6 @@
               </a:rPr>
               <a:t>编辑</a:t>
             </a:r>
-            <a:endParaRPr lang="zh-CN" altLang="en-US" sz="1050" dirty="0">
-              <a:solidFill>
-                <a:schemeClr val="accent6">
-                  <a:lumMod val="75000"/>
-                </a:schemeClr>
-              </a:solidFill>
-              <a:latin typeface="微软雅黑" panose="020B0503020204020204" pitchFamily="34" charset="-122"/>
-              <a:ea typeface="微软雅黑" panose="020B0503020204020204" pitchFamily="34" charset="-122"/>
-            </a:endParaRPr>
           </a:p>
         </p:txBody>
       </p:sp>
@@ -19842,13 +19200,6 @@
               </a:rPr>
               <a:t>删除</a:t>
             </a:r>
-            <a:endParaRPr lang="zh-CN" altLang="en-US" sz="1050" dirty="0">
-              <a:solidFill>
-                <a:srgbClr val="FF0000"/>
-              </a:solidFill>
-              <a:latin typeface="微软雅黑" panose="020B0503020204020204" pitchFamily="34" charset="-122"/>
-              <a:ea typeface="微软雅黑" panose="020B0503020204020204" pitchFamily="34" charset="-122"/>
-            </a:endParaRPr>
           </a:p>
         </p:txBody>
       </p:sp>
@@ -19910,15 +19261,6 @@
               </a:rPr>
               <a:t>编辑</a:t>
             </a:r>
-            <a:endParaRPr lang="zh-CN" altLang="en-US" sz="1050" dirty="0">
-              <a:solidFill>
-                <a:schemeClr val="accent6">
-                  <a:lumMod val="75000"/>
-                </a:schemeClr>
-              </a:solidFill>
-              <a:latin typeface="微软雅黑" panose="020B0503020204020204" pitchFamily="34" charset="-122"/>
-              <a:ea typeface="微软雅黑" panose="020B0503020204020204" pitchFamily="34" charset="-122"/>
-            </a:endParaRPr>
           </a:p>
         </p:txBody>
       </p:sp>
@@ -19976,13 +19318,6 @@
               </a:rPr>
               <a:t>删除</a:t>
             </a:r>
-            <a:endParaRPr lang="zh-CN" altLang="en-US" sz="1050" dirty="0">
-              <a:solidFill>
-                <a:srgbClr val="FF0000"/>
-              </a:solidFill>
-              <a:latin typeface="微软雅黑" panose="020B0503020204020204" pitchFamily="34" charset="-122"/>
-              <a:ea typeface="微软雅黑" panose="020B0503020204020204" pitchFamily="34" charset="-122"/>
-            </a:endParaRPr>
           </a:p>
         </p:txBody>
       </p:sp>
@@ -20044,15 +19379,6 @@
               </a:rPr>
               <a:t>编辑</a:t>
             </a:r>
-            <a:endParaRPr lang="zh-CN" altLang="en-US" sz="1050" dirty="0">
-              <a:solidFill>
-                <a:schemeClr val="accent6">
-                  <a:lumMod val="75000"/>
-                </a:schemeClr>
-              </a:solidFill>
-              <a:latin typeface="微软雅黑" panose="020B0503020204020204" pitchFamily="34" charset="-122"/>
-              <a:ea typeface="微软雅黑" panose="020B0503020204020204" pitchFamily="34" charset="-122"/>
-            </a:endParaRPr>
           </a:p>
         </p:txBody>
       </p:sp>
@@ -20110,13 +19436,6 @@
               </a:rPr>
               <a:t>删除</a:t>
             </a:r>
-            <a:endParaRPr lang="zh-CN" altLang="en-US" sz="1050" dirty="0">
-              <a:solidFill>
-                <a:srgbClr val="FF0000"/>
-              </a:solidFill>
-              <a:latin typeface="微软雅黑" panose="020B0503020204020204" pitchFamily="34" charset="-122"/>
-              <a:ea typeface="微软雅黑" panose="020B0503020204020204" pitchFamily="34" charset="-122"/>
-            </a:endParaRPr>
           </a:p>
         </p:txBody>
       </p:sp>
@@ -20182,16 +19501,6 @@
               </a:rPr>
               <a:t>新 建</a:t>
             </a:r>
-            <a:endParaRPr lang="zh-CN" altLang="en-US" sz="1600" dirty="0">
-              <a:solidFill>
-                <a:schemeClr val="accent4">
-                  <a:lumMod val="60000"/>
-                  <a:lumOff val="40000"/>
-                </a:schemeClr>
-              </a:solidFill>
-              <a:latin typeface="微软雅黑" panose="020B0503020204020204" pitchFamily="34" charset="-122"/>
-              <a:ea typeface="微软雅黑" panose="020B0503020204020204" pitchFamily="34" charset="-122"/>
-            </a:endParaRPr>
           </a:p>
         </p:txBody>
       </p:sp>
@@ -20240,7 +19549,6 @@
               <a:rPr lang="zh-CN" altLang="en-US" dirty="0"/>
               <a:t>管理员可以对账号进行增删查改</a:t>
             </a:r>
-            <a:endParaRPr lang="zh-CN" altLang="en-US" dirty="0"/>
           </a:p>
         </p:txBody>
       </p:sp>
@@ -20465,15 +19773,6 @@
               </a:rPr>
               <a:t>枪 支 信 息 智 能 管 理 系 统</a:t>
             </a:r>
-            <a:endParaRPr lang="zh-CN" altLang="en-US" sz="2400" b="1" dirty="0">
-              <a:solidFill>
-                <a:schemeClr val="accent6">
-                  <a:lumMod val="75000"/>
-                </a:schemeClr>
-              </a:solidFill>
-              <a:latin typeface="微软雅黑" panose="020B0503020204020204" pitchFamily="34" charset="-122"/>
-              <a:ea typeface="微软雅黑" panose="020B0503020204020204" pitchFamily="34" charset="-122"/>
-            </a:endParaRPr>
           </a:p>
         </p:txBody>
       </p:sp>
@@ -20486,7 +19785,7 @@
           <p:nvPr/>
         </p:nvPicPr>
         <p:blipFill>
-          <a:blip r:embed="rId2">
+          <a:blip r:embed="rId3" cstate="print">
             <a:extLst>
               <a:ext uri="{28A0092B-C50C-407E-A947-70E740481C1C}">
                 <a14:useLocalDpi xmlns:a14="http://schemas.microsoft.com/office/drawing/2010/main" val="0"/>
@@ -20571,13 +19870,6 @@
                 </a:rPr>
                 <a:t>返回</a:t>
               </a:r>
-              <a:endParaRPr lang="zh-CN" altLang="en-US" sz="1400" b="1" dirty="0">
-                <a:solidFill>
-                  <a:srgbClr val="00B0F0"/>
-                </a:solidFill>
-                <a:latin typeface="微软雅黑" panose="020B0503020204020204" pitchFamily="34" charset="-122"/>
-                <a:ea typeface="微软雅黑" panose="020B0503020204020204" pitchFamily="34" charset="-122"/>
-              </a:endParaRPr>
             </a:p>
           </p:txBody>
         </p:sp>
@@ -20686,10 +19978,6 @@
               </a:rPr>
               <a:t>登录页面</a:t>
             </a:r>
-            <a:endParaRPr lang="zh-CN" altLang="en-US" b="1" dirty="0">
-              <a:latin typeface="微软雅黑" panose="020B0503020204020204" pitchFamily="34" charset="-122"/>
-              <a:ea typeface="微软雅黑" panose="020B0503020204020204" pitchFamily="34" charset="-122"/>
-            </a:endParaRPr>
           </a:p>
         </p:txBody>
       </p:sp>
@@ -20829,13 +20117,6 @@
               </a:rPr>
               <a:t>操作员</a:t>
             </a:r>
-            <a:endParaRPr lang="zh-CN" altLang="en-US" dirty="0">
-              <a:solidFill>
-                <a:schemeClr val="bg1"/>
-              </a:solidFill>
-              <a:latin typeface="微软雅黑" panose="020B0503020204020204" pitchFamily="34" charset="-122"/>
-              <a:ea typeface="微软雅黑" panose="020B0503020204020204" pitchFamily="34" charset="-122"/>
-            </a:endParaRPr>
           </a:p>
         </p:txBody>
       </p:sp>
@@ -20871,13 +20152,6 @@
               </a:rPr>
               <a:t>密 码</a:t>
             </a:r>
-            <a:endParaRPr lang="zh-CN" altLang="en-US" dirty="0">
-              <a:solidFill>
-                <a:schemeClr val="bg1"/>
-              </a:solidFill>
-              <a:latin typeface="微软雅黑" panose="020B0503020204020204" pitchFamily="34" charset="-122"/>
-              <a:ea typeface="微软雅黑" panose="020B0503020204020204" pitchFamily="34" charset="-122"/>
-            </a:endParaRPr>
           </a:p>
         </p:txBody>
       </p:sp>
@@ -20890,7 +20164,7 @@
           <p:nvPr/>
         </p:nvPicPr>
         <p:blipFill>
-          <a:blip r:embed="rId1">
+          <a:blip r:embed="rId2" cstate="print">
             <a:extLst>
               <a:ext uri="{28A0092B-C50C-407E-A947-70E740481C1C}">
                 <a14:useLocalDpi xmlns:a14="http://schemas.microsoft.com/office/drawing/2010/main" val="0"/>
@@ -20984,16 +20258,6 @@
               </a:rPr>
               <a:t>登 录</a:t>
             </a:r>
-            <a:endParaRPr lang="zh-CN" altLang="en-US" dirty="0">
-              <a:solidFill>
-                <a:schemeClr val="accent4">
-                  <a:lumMod val="60000"/>
-                  <a:lumOff val="40000"/>
-                </a:schemeClr>
-              </a:solidFill>
-              <a:latin typeface="微软雅黑" panose="020B0503020204020204" pitchFamily="34" charset="-122"/>
-              <a:ea typeface="微软雅黑" panose="020B0503020204020204" pitchFamily="34" charset="-122"/>
-            </a:endParaRPr>
           </a:p>
         </p:txBody>
       </p:sp>
@@ -21190,15 +20454,6 @@
               </a:rPr>
               <a:t>账号管理</a:t>
             </a:r>
-            <a:endParaRPr lang="zh-CN" altLang="en-US" dirty="0">
-              <a:solidFill>
-                <a:schemeClr val="accent6">
-                  <a:lumMod val="75000"/>
-                </a:schemeClr>
-              </a:solidFill>
-              <a:latin typeface="微软雅黑" panose="020B0503020204020204" pitchFamily="34" charset="-122"/>
-              <a:ea typeface="微软雅黑" panose="020B0503020204020204" pitchFamily="34" charset="-122"/>
-            </a:endParaRPr>
           </a:p>
         </p:txBody>
       </p:sp>
@@ -21262,13 +20517,6 @@
               </a:rPr>
               <a:t>编码检视</a:t>
             </a:r>
-            <a:endParaRPr lang="zh-CN" altLang="en-US" dirty="0">
-              <a:solidFill>
-                <a:schemeClr val="bg1"/>
-              </a:solidFill>
-              <a:latin typeface="微软雅黑" panose="020B0503020204020204" pitchFamily="34" charset="-122"/>
-              <a:ea typeface="微软雅黑" panose="020B0503020204020204" pitchFamily="34" charset="-122"/>
-            </a:endParaRPr>
           </a:p>
         </p:txBody>
       </p:sp>
@@ -21332,15 +20580,6 @@
               </a:rPr>
               <a:t>信息管理</a:t>
             </a:r>
-            <a:endParaRPr lang="zh-CN" altLang="en-US" dirty="0">
-              <a:solidFill>
-                <a:schemeClr val="accent6">
-                  <a:lumMod val="75000"/>
-                </a:schemeClr>
-              </a:solidFill>
-              <a:latin typeface="微软雅黑" panose="020B0503020204020204" pitchFamily="34" charset="-122"/>
-              <a:ea typeface="微软雅黑" panose="020B0503020204020204" pitchFamily="34" charset="-122"/>
-            </a:endParaRPr>
           </a:p>
         </p:txBody>
       </p:sp>
@@ -21376,13 +20615,6 @@
               </a:rPr>
               <a:t>监督员</a:t>
             </a:r>
-            <a:endParaRPr lang="zh-CN" altLang="en-US" dirty="0">
-              <a:solidFill>
-                <a:schemeClr val="bg1"/>
-              </a:solidFill>
-              <a:latin typeface="微软雅黑" panose="020B0503020204020204" pitchFamily="34" charset="-122"/>
-              <a:ea typeface="微软雅黑" panose="020B0503020204020204" pitchFamily="34" charset="-122"/>
-            </a:endParaRPr>
           </a:p>
         </p:txBody>
       </p:sp>
@@ -21418,13 +20650,6 @@
               </a:rPr>
               <a:t>密 码</a:t>
             </a:r>
-            <a:endParaRPr lang="zh-CN" altLang="en-US" dirty="0">
-              <a:solidFill>
-                <a:schemeClr val="bg1"/>
-              </a:solidFill>
-              <a:latin typeface="微软雅黑" panose="020B0503020204020204" pitchFamily="34" charset="-122"/>
-              <a:ea typeface="微软雅黑" panose="020B0503020204020204" pitchFamily="34" charset="-122"/>
-            </a:endParaRPr>
           </a:p>
         </p:txBody>
       </p:sp>
@@ -21568,7 +20793,6 @@
               <a:rPr lang="zh-CN" altLang="en-US" dirty="0"/>
               <a:t>需要操作员和监督员同时登录才能进入编码识别模块</a:t>
             </a:r>
-            <a:endParaRPr lang="zh-CN" altLang="en-US" dirty="0"/>
           </a:p>
         </p:txBody>
       </p:sp>
@@ -21606,15 +20830,6 @@
               </a:rPr>
               <a:t>枪 支 信 息 智 能 管 理 系 统</a:t>
             </a:r>
-            <a:endParaRPr lang="zh-CN" altLang="en-US" sz="2400" b="1" dirty="0">
-              <a:solidFill>
-                <a:schemeClr val="accent6">
-                  <a:lumMod val="75000"/>
-                </a:schemeClr>
-              </a:solidFill>
-              <a:latin typeface="微软雅黑" panose="020B0503020204020204" pitchFamily="34" charset="-122"/>
-              <a:ea typeface="微软雅黑" panose="020B0503020204020204" pitchFamily="34" charset="-122"/>
-            </a:endParaRPr>
           </a:p>
         </p:txBody>
       </p:sp>
@@ -21627,7 +20842,7 @@
           <p:nvPr/>
         </p:nvPicPr>
         <p:blipFill>
-          <a:blip r:embed="rId2">
+          <a:blip r:embed="rId3" cstate="print">
             <a:extLst>
               <a:ext uri="{28A0092B-C50C-407E-A947-70E740481C1C}">
                 <a14:useLocalDpi xmlns:a14="http://schemas.microsoft.com/office/drawing/2010/main" val="0"/>
@@ -21712,13 +20927,6 @@
                 </a:rPr>
                 <a:t>返回</a:t>
               </a:r>
-              <a:endParaRPr lang="zh-CN" altLang="en-US" sz="1400" b="1" dirty="0">
-                <a:solidFill>
-                  <a:srgbClr val="00B0F0"/>
-                </a:solidFill>
-                <a:latin typeface="微软雅黑" panose="020B0503020204020204" pitchFamily="34" charset="-122"/>
-                <a:ea typeface="微软雅黑" panose="020B0503020204020204" pitchFamily="34" charset="-122"/>
-              </a:endParaRPr>
             </a:p>
           </p:txBody>
         </p:sp>
@@ -21827,10 +21035,6 @@
               </a:rPr>
               <a:t>箱装入库管理页面</a:t>
             </a:r>
-            <a:endParaRPr lang="zh-CN" altLang="en-US" b="1" dirty="0">
-              <a:latin typeface="微软雅黑" panose="020B0503020204020204" pitchFamily="34" charset="-122"/>
-              <a:ea typeface="微软雅黑" panose="020B0503020204020204" pitchFamily="34" charset="-122"/>
-            </a:endParaRPr>
           </a:p>
         </p:txBody>
       </p:sp>
@@ -21983,15 +21187,6 @@
               </a:rPr>
               <a:t>账号管理</a:t>
             </a:r>
-            <a:endParaRPr lang="zh-CN" altLang="en-US" dirty="0">
-              <a:solidFill>
-                <a:schemeClr val="accent6">
-                  <a:lumMod val="75000"/>
-                </a:schemeClr>
-              </a:solidFill>
-              <a:latin typeface="微软雅黑" panose="020B0503020204020204" pitchFamily="34" charset="-122"/>
-              <a:ea typeface="微软雅黑" panose="020B0503020204020204" pitchFamily="34" charset="-122"/>
-            </a:endParaRPr>
           </a:p>
         </p:txBody>
       </p:sp>
@@ -22055,13 +21250,6 @@
               </a:rPr>
               <a:t>编码检视</a:t>
             </a:r>
-            <a:endParaRPr lang="zh-CN" altLang="en-US" dirty="0">
-              <a:solidFill>
-                <a:schemeClr val="bg1"/>
-              </a:solidFill>
-              <a:latin typeface="微软雅黑" panose="020B0503020204020204" pitchFamily="34" charset="-122"/>
-              <a:ea typeface="微软雅黑" panose="020B0503020204020204" pitchFamily="34" charset="-122"/>
-            </a:endParaRPr>
           </a:p>
         </p:txBody>
       </p:sp>
@@ -22125,15 +21313,6 @@
               </a:rPr>
               <a:t>信息管理</a:t>
             </a:r>
-            <a:endParaRPr lang="zh-CN" altLang="en-US" dirty="0">
-              <a:solidFill>
-                <a:schemeClr val="accent6">
-                  <a:lumMod val="75000"/>
-                </a:schemeClr>
-              </a:solidFill>
-              <a:latin typeface="微软雅黑" panose="020B0503020204020204" pitchFamily="34" charset="-122"/>
-              <a:ea typeface="微软雅黑" panose="020B0503020204020204" pitchFamily="34" charset="-122"/>
-            </a:endParaRPr>
           </a:p>
         </p:txBody>
       </p:sp>
@@ -22160,19 +21339,97 @@
                 <a:tableStyleId>{93296810-A885-4BE3-A3E7-6D5BEEA58F35}</a:tableStyleId>
               </a:tblPr>
               <a:tblGrid>
-                <a:gridCol w="369610"/>
-                <a:gridCol w="1192162"/>
-                <a:gridCol w="1101617"/>
-                <a:gridCol w="1304402"/>
-                <a:gridCol w="742950"/>
-                <a:gridCol w="820963"/>
-                <a:gridCol w="661655"/>
-                <a:gridCol w="670248"/>
-                <a:gridCol w="695033"/>
-                <a:gridCol w="712122"/>
-                <a:gridCol w="663740"/>
-                <a:gridCol w="565098"/>
-                <a:gridCol w="1015998"/>
+                <a:gridCol w="369610">
+                  <a:extLst>
+                    <a:ext uri="{9D8B030D-6E8A-4147-A177-3AD203B41FA5}">
+                      <a16:colId xmlns:a16="http://schemas.microsoft.com/office/drawing/2014/main" val="20000"/>
+                    </a:ext>
+                  </a:extLst>
+                </a:gridCol>
+                <a:gridCol w="1192162">
+                  <a:extLst>
+                    <a:ext uri="{9D8B030D-6E8A-4147-A177-3AD203B41FA5}">
+                      <a16:colId xmlns:a16="http://schemas.microsoft.com/office/drawing/2014/main" val="20001"/>
+                    </a:ext>
+                  </a:extLst>
+                </a:gridCol>
+                <a:gridCol w="1101617">
+                  <a:extLst>
+                    <a:ext uri="{9D8B030D-6E8A-4147-A177-3AD203B41FA5}">
+                      <a16:colId xmlns:a16="http://schemas.microsoft.com/office/drawing/2014/main" val="20002"/>
+                    </a:ext>
+                  </a:extLst>
+                </a:gridCol>
+                <a:gridCol w="1304402">
+                  <a:extLst>
+                    <a:ext uri="{9D8B030D-6E8A-4147-A177-3AD203B41FA5}">
+                      <a16:colId xmlns:a16="http://schemas.microsoft.com/office/drawing/2014/main" val="20003"/>
+                    </a:ext>
+                  </a:extLst>
+                </a:gridCol>
+                <a:gridCol w="742950">
+                  <a:extLst>
+                    <a:ext uri="{9D8B030D-6E8A-4147-A177-3AD203B41FA5}">
+                      <a16:colId xmlns:a16="http://schemas.microsoft.com/office/drawing/2014/main" val="20004"/>
+                    </a:ext>
+                  </a:extLst>
+                </a:gridCol>
+                <a:gridCol w="820963">
+                  <a:extLst>
+                    <a:ext uri="{9D8B030D-6E8A-4147-A177-3AD203B41FA5}">
+                      <a16:colId xmlns:a16="http://schemas.microsoft.com/office/drawing/2014/main" val="20005"/>
+                    </a:ext>
+                  </a:extLst>
+                </a:gridCol>
+                <a:gridCol w="661655">
+                  <a:extLst>
+                    <a:ext uri="{9D8B030D-6E8A-4147-A177-3AD203B41FA5}">
+                      <a16:colId xmlns:a16="http://schemas.microsoft.com/office/drawing/2014/main" val="20006"/>
+                    </a:ext>
+                  </a:extLst>
+                </a:gridCol>
+                <a:gridCol w="670248">
+                  <a:extLst>
+                    <a:ext uri="{9D8B030D-6E8A-4147-A177-3AD203B41FA5}">
+                      <a16:colId xmlns:a16="http://schemas.microsoft.com/office/drawing/2014/main" val="20007"/>
+                    </a:ext>
+                  </a:extLst>
+                </a:gridCol>
+                <a:gridCol w="695033">
+                  <a:extLst>
+                    <a:ext uri="{9D8B030D-6E8A-4147-A177-3AD203B41FA5}">
+                      <a16:colId xmlns:a16="http://schemas.microsoft.com/office/drawing/2014/main" val="20008"/>
+                    </a:ext>
+                  </a:extLst>
+                </a:gridCol>
+                <a:gridCol w="712122">
+                  <a:extLst>
+                    <a:ext uri="{9D8B030D-6E8A-4147-A177-3AD203B41FA5}">
+                      <a16:colId xmlns:a16="http://schemas.microsoft.com/office/drawing/2014/main" val="20009"/>
+                    </a:ext>
+                  </a:extLst>
+                </a:gridCol>
+                <a:gridCol w="663740">
+                  <a:extLst>
+                    <a:ext uri="{9D8B030D-6E8A-4147-A177-3AD203B41FA5}">
+                      <a16:colId xmlns:a16="http://schemas.microsoft.com/office/drawing/2014/main" val="20010"/>
+                    </a:ext>
+                  </a:extLst>
+                </a:gridCol>
+                <a:gridCol w="565098">
+                  <a:extLst>
+                    <a:ext uri="{9D8B030D-6E8A-4147-A177-3AD203B41FA5}">
+                      <a16:colId xmlns:a16="http://schemas.microsoft.com/office/drawing/2014/main" val="20011"/>
+                    </a:ext>
+                  </a:extLst>
+                </a:gridCol>
+                <a:gridCol w="1015998">
+                  <a:extLst>
+                    <a:ext uri="{9D8B030D-6E8A-4147-A177-3AD203B41FA5}">
+                      <a16:colId xmlns:a16="http://schemas.microsoft.com/office/drawing/2014/main" val="20012"/>
+                    </a:ext>
+                  </a:extLst>
+                </a:gridCol>
               </a:tblGrid>
               <a:tr h="457780">
                 <a:tc>
@@ -22188,10 +21445,6 @@
                         </a:rPr>
                         <a:t>序号</a:t>
                       </a:r>
-                      <a:endParaRPr lang="zh-CN" altLang="en-US" sz="900" b="1" dirty="0">
-                        <a:latin typeface="微软雅黑" panose="020B0503020204020204" pitchFamily="34" charset="-122"/>
-                        <a:ea typeface="微软雅黑" panose="020B0503020204020204" pitchFamily="34" charset="-122"/>
-                      </a:endParaRPr>
                     </a:p>
                   </a:txBody>
                   <a:tcPr anchor="ctr"/>
@@ -22209,10 +21462,6 @@
                         </a:rPr>
                         <a:t>退役报废文件号</a:t>
                       </a:r>
-                      <a:endParaRPr lang="zh-CN" altLang="en-US" sz="900" b="1" dirty="0">
-                        <a:latin typeface="微软雅黑" panose="020B0503020204020204" pitchFamily="34" charset="-122"/>
-                        <a:ea typeface="微软雅黑" panose="020B0503020204020204" pitchFamily="34" charset="-122"/>
-                      </a:endParaRPr>
                     </a:p>
                   </a:txBody>
                   <a:tcPr anchor="ctr"/>
@@ -22230,10 +21479,6 @@
                         </a:rPr>
                         <a:t>退役报废装备处理调拨凭证号</a:t>
                       </a:r>
-                      <a:endParaRPr lang="zh-CN" altLang="en-US" sz="900" b="1" dirty="0">
-                        <a:latin typeface="微软雅黑" panose="020B0503020204020204" pitchFamily="34" charset="-122"/>
-                        <a:ea typeface="微软雅黑" panose="020B0503020204020204" pitchFamily="34" charset="-122"/>
-                      </a:endParaRPr>
                     </a:p>
                   </a:txBody>
                   <a:tcPr anchor="ctr"/>
@@ -22251,10 +21496,6 @@
                         </a:rPr>
                         <a:t>装箱单号</a:t>
                       </a:r>
-                      <a:endParaRPr lang="zh-CN" altLang="en-US" sz="900" b="1" dirty="0">
-                        <a:latin typeface="微软雅黑" panose="020B0503020204020204" pitchFamily="34" charset="-122"/>
-                        <a:ea typeface="微软雅黑" panose="020B0503020204020204" pitchFamily="34" charset="-122"/>
-                      </a:endParaRPr>
                     </a:p>
                   </a:txBody>
                   <a:tcPr anchor="ctr"/>
@@ -22272,10 +21513,6 @@
                         </a:rPr>
                         <a:t>装备代码</a:t>
                       </a:r>
-                      <a:endParaRPr lang="zh-CN" altLang="en-US" sz="900" b="1" dirty="0">
-                        <a:latin typeface="微软雅黑" panose="020B0503020204020204" pitchFamily="34" charset="-122"/>
-                        <a:ea typeface="微软雅黑" panose="020B0503020204020204" pitchFamily="34" charset="-122"/>
-                      </a:endParaRPr>
                     </a:p>
                   </a:txBody>
                   <a:tcPr anchor="ctr"/>
@@ -22293,10 +21530,6 @@
                         </a:rPr>
                         <a:t>装备（部件）名称</a:t>
                       </a:r>
-                      <a:endParaRPr lang="zh-CN" altLang="en-US" sz="900" b="1" dirty="0">
-                        <a:latin typeface="微软雅黑" panose="020B0503020204020204" pitchFamily="34" charset="-122"/>
-                        <a:ea typeface="微软雅黑" panose="020B0503020204020204" pitchFamily="34" charset="-122"/>
-                      </a:endParaRPr>
                     </a:p>
                   </a:txBody>
                   <a:tcPr anchor="ctr"/>
@@ -22314,10 +21547,6 @@
                         </a:rPr>
                         <a:t>隶属单位</a:t>
                       </a:r>
-                      <a:endParaRPr lang="zh-CN" altLang="en-US" sz="900" b="1" dirty="0">
-                        <a:latin typeface="微软雅黑" panose="020B0503020204020204" pitchFamily="34" charset="-122"/>
-                        <a:ea typeface="微软雅黑" panose="020B0503020204020204" pitchFamily="34" charset="-122"/>
-                      </a:endParaRPr>
                     </a:p>
                   </a:txBody>
                   <a:tcPr anchor="ctr"/>
@@ -22335,10 +21564,6 @@
                         </a:rPr>
                         <a:t>管理单位</a:t>
                       </a:r>
-                      <a:endParaRPr lang="zh-CN" altLang="en-US" sz="900" b="1" dirty="0">
-                        <a:latin typeface="微软雅黑" panose="020B0503020204020204" pitchFamily="34" charset="-122"/>
-                        <a:ea typeface="微软雅黑" panose="020B0503020204020204" pitchFamily="34" charset="-122"/>
-                      </a:endParaRPr>
                     </a:p>
                   </a:txBody>
                   <a:tcPr anchor="ctr"/>
@@ -22356,10 +21581,6 @@
                         </a:rPr>
                         <a:t>出厂时间</a:t>
                       </a:r>
-                      <a:endParaRPr lang="zh-CN" altLang="en-US" sz="900" b="1" dirty="0">
-                        <a:latin typeface="微软雅黑" panose="020B0503020204020204" pitchFamily="34" charset="-122"/>
-                        <a:ea typeface="微软雅黑" panose="020B0503020204020204" pitchFamily="34" charset="-122"/>
-                      </a:endParaRPr>
                     </a:p>
                   </a:txBody>
                   <a:tcPr anchor="ctr"/>
@@ -22377,10 +21598,6 @@
                         </a:rPr>
                         <a:t>装备时间</a:t>
                       </a:r>
-                      <a:endParaRPr lang="zh-CN" altLang="en-US" sz="900" b="1" dirty="0">
-                        <a:latin typeface="微软雅黑" panose="020B0503020204020204" pitchFamily="34" charset="-122"/>
-                        <a:ea typeface="微软雅黑" panose="020B0503020204020204" pitchFamily="34" charset="-122"/>
-                      </a:endParaRPr>
                     </a:p>
                   </a:txBody>
                   <a:tcPr anchor="ctr"/>
@@ -22398,10 +21615,6 @@
                         </a:rPr>
                         <a:t>装箱数量</a:t>
                       </a:r>
-                      <a:endParaRPr lang="zh-CN" altLang="en-US" sz="900" b="1" dirty="0">
-                        <a:latin typeface="微软雅黑" panose="020B0503020204020204" pitchFamily="34" charset="-122"/>
-                        <a:ea typeface="微软雅黑" panose="020B0503020204020204" pitchFamily="34" charset="-122"/>
-                      </a:endParaRPr>
                     </a:p>
                   </a:txBody>
                   <a:tcPr anchor="ctr"/>
@@ -22419,10 +21632,6 @@
                         </a:rPr>
                         <a:t>已检视</a:t>
                       </a:r>
-                      <a:endParaRPr lang="zh-CN" altLang="en-US" sz="900" b="1" dirty="0">
-                        <a:latin typeface="微软雅黑" panose="020B0503020204020204" pitchFamily="34" charset="-122"/>
-                        <a:ea typeface="微软雅黑" panose="020B0503020204020204" pitchFamily="34" charset="-122"/>
-                      </a:endParaRPr>
                     </a:p>
                   </a:txBody>
                   <a:tcPr anchor="ctr"/>
@@ -22440,14 +21649,15 @@
                         </a:rPr>
                         <a:t>操作</a:t>
                       </a:r>
-                      <a:endParaRPr lang="zh-CN" altLang="en-US" sz="900" b="1" dirty="0">
-                        <a:latin typeface="微软雅黑" panose="020B0503020204020204" pitchFamily="34" charset="-122"/>
-                        <a:ea typeface="微软雅黑" panose="020B0503020204020204" pitchFamily="34" charset="-122"/>
-                      </a:endParaRPr>
-                    </a:p>
-                  </a:txBody>
-                  <a:tcPr anchor="ctr"/>
-                </a:tc>
+                    </a:p>
+                  </a:txBody>
+                  <a:tcPr anchor="ctr"/>
+                </a:tc>
+                <a:extLst>
+                  <a:ext uri="{0D108BD9-81ED-4DB2-BD59-A6C34878D82A}">
+                    <a16:rowId xmlns:a16="http://schemas.microsoft.com/office/drawing/2014/main" val="10000"/>
+                  </a:ext>
+                </a:extLst>
               </a:tr>
               <a:tr h="336179">
                 <a:tc>
@@ -22509,14 +21719,6 @@
                         </a:rPr>
                         <a:t>E3R3FDFDFDF</a:t>
                       </a:r>
-                      <a:endParaRPr lang="en-US" altLang="zh-CN" sz="800" u="sng" kern="1200" dirty="0">
-                        <a:solidFill>
-                          <a:srgbClr val="00B0F0"/>
-                        </a:solidFill>
-                        <a:latin typeface="微软雅黑" panose="020B0503020204020204" pitchFamily="34" charset="-122"/>
-                        <a:ea typeface="微软雅黑" panose="020B0503020204020204" pitchFamily="34" charset="-122"/>
-                        <a:cs typeface="+mn-cs"/>
-                      </a:endParaRPr>
                     </a:p>
                   </a:txBody>
                   <a:tcPr anchor="ctr"/>
@@ -22567,14 +21769,6 @@
                         </a:rPr>
                         <a:t> </a:t>
                       </a:r>
-                      <a:endParaRPr lang="en-US" altLang="zh-CN" sz="800" kern="1200" dirty="0">
-                        <a:solidFill>
-                          <a:schemeClr val="dk1"/>
-                        </a:solidFill>
-                        <a:latin typeface="微软雅黑" panose="020B0503020204020204" pitchFamily="34" charset="-122"/>
-                        <a:ea typeface="微软雅黑" panose="020B0503020204020204" pitchFamily="34" charset="-122"/>
-                        <a:cs typeface="+mn-cs"/>
-                      </a:endParaRPr>
                     </a:p>
                   </a:txBody>
                   <a:tcPr anchor="ctr"/>
@@ -22607,6 +21801,16 @@
                         </a:rPr>
                         <a:t>式手枪</a:t>
                       </a:r>
+                    </a:p>
+                  </a:txBody>
+                  <a:tcPr anchor="ctr"/>
+                </a:tc>
+                <a:tc>
+                  <a:txBody>
+                    <a:bodyPr/>
+                    <a:lstStyle/>
+                    <a:p>
+                      <a:pPr algn="ctr"/>
                       <a:endParaRPr lang="zh-CN" altLang="en-US" sz="800" kern="1200" dirty="0">
                         <a:solidFill>
                           <a:schemeClr val="dk1"/>
@@ -22679,6 +21883,17 @@
                     <a:lstStyle/>
                     <a:p>
                       <a:pPr algn="ctr"/>
+                      <a:r>
+                        <a:rPr lang="en-US" altLang="zh-CN" sz="800" kern="1200" dirty="0">
+                          <a:solidFill>
+                            <a:schemeClr val="dk1"/>
+                          </a:solidFill>
+                          <a:latin typeface="微软雅黑" panose="020B0503020204020204" pitchFamily="34" charset="-122"/>
+                          <a:ea typeface="微软雅黑" panose="020B0503020204020204" pitchFamily="34" charset="-122"/>
+                          <a:cs typeface="+mn-cs"/>
+                        </a:rPr>
+                        <a:t>20</a:t>
+                      </a:r>
                       <a:endParaRPr lang="zh-CN" altLang="en-US" sz="800" kern="1200" dirty="0">
                         <a:solidFill>
                           <a:schemeClr val="dk1"/>
@@ -22706,7 +21921,7 @@
                           <a:ea typeface="微软雅黑" panose="020B0503020204020204" pitchFamily="34" charset="-122"/>
                           <a:cs typeface="+mn-cs"/>
                         </a:rPr>
-                        <a:t>20</a:t>
+                        <a:t>0</a:t>
                       </a:r>
                       <a:endParaRPr lang="zh-CN" altLang="en-US" sz="800" kern="1200" dirty="0">
                         <a:solidFill>
@@ -22726,35 +21941,6 @@
                     <a:lstStyle/>
                     <a:p>
                       <a:pPr algn="ctr"/>
-                      <a:r>
-                        <a:rPr lang="en-US" altLang="zh-CN" sz="800" kern="1200" dirty="0">
-                          <a:solidFill>
-                            <a:schemeClr val="dk1"/>
-                          </a:solidFill>
-                          <a:latin typeface="微软雅黑" panose="020B0503020204020204" pitchFamily="34" charset="-122"/>
-                          <a:ea typeface="微软雅黑" panose="020B0503020204020204" pitchFamily="34" charset="-122"/>
-                          <a:cs typeface="+mn-cs"/>
-                        </a:rPr>
-                        <a:t>0</a:t>
-                      </a:r>
-                      <a:endParaRPr lang="zh-CN" altLang="en-US" sz="800" kern="1200" dirty="0">
-                        <a:solidFill>
-                          <a:schemeClr val="dk1"/>
-                        </a:solidFill>
-                        <a:latin typeface="微软雅黑" panose="020B0503020204020204" pitchFamily="34" charset="-122"/>
-                        <a:ea typeface="微软雅黑" panose="020B0503020204020204" pitchFamily="34" charset="-122"/>
-                        <a:cs typeface="+mn-cs"/>
-                      </a:endParaRPr>
-                    </a:p>
-                  </a:txBody>
-                  <a:tcPr anchor="ctr"/>
-                </a:tc>
-                <a:tc>
-                  <a:txBody>
-                    <a:bodyPr/>
-                    <a:lstStyle/>
-                    <a:p>
-                      <a:pPr algn="ctr"/>
                       <a:endParaRPr lang="zh-CN" altLang="en-US" sz="900" dirty="0">
                         <a:latin typeface="微软雅黑" panose="020B0503020204020204" pitchFamily="34" charset="-122"/>
                         <a:ea typeface="微软雅黑" panose="020B0503020204020204" pitchFamily="34" charset="-122"/>
@@ -22763,6 +21949,11 @@
                   </a:txBody>
                   <a:tcPr anchor="ctr"/>
                 </a:tc>
+                <a:extLst>
+                  <a:ext uri="{0D108BD9-81ED-4DB2-BD59-A6C34878D82A}">
+                    <a16:rowId xmlns:a16="http://schemas.microsoft.com/office/drawing/2014/main" val="10001"/>
+                  </a:ext>
+                </a:extLst>
               </a:tr>
               <a:tr h="347134">
                 <a:tc>
@@ -22930,14 +22121,6 @@
                         </a:rPr>
                         <a:t>式手枪</a:t>
                       </a:r>
-                      <a:endParaRPr lang="zh-CN" altLang="en-US" sz="800" kern="1200" dirty="0">
-                        <a:solidFill>
-                          <a:schemeClr val="dk1"/>
-                        </a:solidFill>
-                        <a:latin typeface="微软雅黑" panose="020B0503020204020204" pitchFamily="34" charset="-122"/>
-                        <a:ea typeface="微软雅黑" panose="020B0503020204020204" pitchFamily="34" charset="-122"/>
-                        <a:cs typeface="+mn-cs"/>
-                      </a:endParaRPr>
                     </a:p>
                   </a:txBody>
                   <a:tcPr anchor="ctr"/>
@@ -23196,6 +22379,11 @@
                   </a:txBody>
                   <a:tcPr anchor="ctr"/>
                 </a:tc>
+                <a:extLst>
+                  <a:ext uri="{0D108BD9-81ED-4DB2-BD59-A6C34878D82A}">
+                    <a16:rowId xmlns:a16="http://schemas.microsoft.com/office/drawing/2014/main" val="10002"/>
+                  </a:ext>
+                </a:extLst>
               </a:tr>
               <a:tr h="389466">
                 <a:tc>
@@ -23333,6 +22521,16 @@
                         </a:rPr>
                         <a:t>式手枪</a:t>
                       </a:r>
+                    </a:p>
+                  </a:txBody>
+                  <a:tcPr anchor="ctr"/>
+                </a:tc>
+                <a:tc>
+                  <a:txBody>
+                    <a:bodyPr/>
+                    <a:lstStyle/>
+                    <a:p>
+                      <a:pPr algn="ctr"/>
                       <a:endParaRPr lang="zh-CN" altLang="en-US" sz="800" kern="1200" dirty="0">
                         <a:solidFill>
                           <a:schemeClr val="dk1"/>
@@ -23405,6 +22603,17 @@
                     <a:lstStyle/>
                     <a:p>
                       <a:pPr algn="ctr"/>
+                      <a:r>
+                        <a:rPr lang="en-US" altLang="zh-CN" sz="800" kern="1200" dirty="0">
+                          <a:solidFill>
+                            <a:schemeClr val="dk1"/>
+                          </a:solidFill>
+                          <a:latin typeface="微软雅黑" panose="020B0503020204020204" pitchFamily="34" charset="-122"/>
+                          <a:ea typeface="微软雅黑" panose="020B0503020204020204" pitchFamily="34" charset="-122"/>
+                          <a:cs typeface="+mn-cs"/>
+                        </a:rPr>
+                        <a:t>20</a:t>
+                      </a:r>
                       <a:endParaRPr lang="zh-CN" altLang="en-US" sz="800" kern="1200" dirty="0">
                         <a:solidFill>
                           <a:schemeClr val="dk1"/>
@@ -23432,7 +22641,7 @@
                           <a:ea typeface="微软雅黑" panose="020B0503020204020204" pitchFamily="34" charset="-122"/>
                           <a:cs typeface="+mn-cs"/>
                         </a:rPr>
-                        <a:t>20</a:t>
+                        <a:t>10</a:t>
                       </a:r>
                       <a:endParaRPr lang="zh-CN" altLang="en-US" sz="800" kern="1200" dirty="0">
                         <a:solidFill>
@@ -23452,6 +22661,134 @@
                     <a:lstStyle/>
                     <a:p>
                       <a:pPr algn="ctr"/>
+                      <a:endParaRPr lang="zh-CN" altLang="en-US" sz="900" dirty="0">
+                        <a:latin typeface="微软雅黑" panose="020B0503020204020204" pitchFamily="34" charset="-122"/>
+                        <a:ea typeface="微软雅黑" panose="020B0503020204020204" pitchFamily="34" charset="-122"/>
+                      </a:endParaRPr>
+                    </a:p>
+                  </a:txBody>
+                  <a:tcPr anchor="ctr"/>
+                </a:tc>
+                <a:extLst>
+                  <a:ext uri="{0D108BD9-81ED-4DB2-BD59-A6C34878D82A}">
+                    <a16:rowId xmlns:a16="http://schemas.microsoft.com/office/drawing/2014/main" val="10003"/>
+                  </a:ext>
+                </a:extLst>
+              </a:tr>
+              <a:tr h="372534">
+                <a:tc>
+                  <a:txBody>
+                    <a:bodyPr/>
+                    <a:lstStyle/>
+                    <a:p>
+                      <a:pPr algn="ctr"/>
+                      <a:r>
+                        <a:rPr lang="en-US" altLang="zh-CN" sz="800" dirty="0">
+                          <a:latin typeface="微软雅黑" panose="020B0503020204020204" pitchFamily="34" charset="-122"/>
+                          <a:ea typeface="微软雅黑" panose="020B0503020204020204" pitchFamily="34" charset="-122"/>
+                        </a:rPr>
+                        <a:t>4</a:t>
+                      </a:r>
+                      <a:endParaRPr lang="zh-CN" altLang="en-US" sz="800" dirty="0">
+                        <a:latin typeface="微软雅黑" panose="020B0503020204020204" pitchFamily="34" charset="-122"/>
+                        <a:ea typeface="微软雅黑" panose="020B0503020204020204" pitchFamily="34" charset="-122"/>
+                      </a:endParaRPr>
+                    </a:p>
+                  </a:txBody>
+                  <a:tcPr anchor="ctr"/>
+                </a:tc>
+                <a:tc>
+                  <a:txBody>
+                    <a:bodyPr/>
+                    <a:lstStyle/>
+                    <a:p>
+                      <a:pPr algn="ctr"/>
+                      <a:r>
+                        <a:rPr lang="en-US" altLang="zh-CN" sz="800" dirty="0">
+                          <a:latin typeface="微软雅黑" panose="020B0503020204020204" pitchFamily="34" charset="-122"/>
+                          <a:ea typeface="微软雅黑" panose="020B0503020204020204" pitchFamily="34" charset="-122"/>
+                        </a:rPr>
+                        <a:t>GW-20200815021</a:t>
+                      </a:r>
+                      <a:endParaRPr lang="zh-CN" altLang="en-US" sz="800" dirty="0">
+                        <a:latin typeface="微软雅黑" panose="020B0503020204020204" pitchFamily="34" charset="-122"/>
+                        <a:ea typeface="微软雅黑" panose="020B0503020204020204" pitchFamily="34" charset="-122"/>
+                      </a:endParaRPr>
+                    </a:p>
+                  </a:txBody>
+                  <a:tcPr anchor="ctr"/>
+                </a:tc>
+                <a:tc>
+                  <a:txBody>
+                    <a:bodyPr/>
+                    <a:lstStyle/>
+                    <a:p>
+                      <a:pPr algn="ctr"/>
+                      <a:endParaRPr lang="zh-CN" altLang="en-US" sz="800" u="sng" kern="1200" dirty="0">
+                        <a:solidFill>
+                          <a:srgbClr val="00B0F0"/>
+                        </a:solidFill>
+                        <a:latin typeface="微软雅黑" panose="020B0503020204020204" pitchFamily="34" charset="-122"/>
+                        <a:ea typeface="微软雅黑" panose="020B0503020204020204" pitchFamily="34" charset="-122"/>
+                        <a:cs typeface="+mn-cs"/>
+                      </a:endParaRPr>
+                    </a:p>
+                  </a:txBody>
+                  <a:tcPr anchor="ctr"/>
+                </a:tc>
+                <a:tc>
+                  <a:txBody>
+                    <a:bodyPr/>
+                    <a:lstStyle/>
+                    <a:p>
+                      <a:pPr algn="ctr"/>
+                      <a:r>
+                        <a:rPr lang="en-US" altLang="zh-CN" sz="800" u="sng" kern="1200" dirty="0">
+                          <a:solidFill>
+                            <a:srgbClr val="00B0F0"/>
+                          </a:solidFill>
+                          <a:latin typeface="微软雅黑" panose="020B0503020204020204" pitchFamily="34" charset="-122"/>
+                          <a:ea typeface="微软雅黑" panose="020B0503020204020204" pitchFamily="34" charset="-122"/>
+                          <a:cs typeface="+mn-cs"/>
+                        </a:rPr>
+                        <a:t>AH-20201113-004</a:t>
+                      </a:r>
+                      <a:endParaRPr lang="zh-CN" altLang="en-US" sz="800" u="sng" kern="1200" dirty="0">
+                        <a:solidFill>
+                          <a:srgbClr val="00B0F0"/>
+                        </a:solidFill>
+                        <a:latin typeface="微软雅黑" panose="020B0503020204020204" pitchFamily="34" charset="-122"/>
+                        <a:ea typeface="微软雅黑" panose="020B0503020204020204" pitchFamily="34" charset="-122"/>
+                        <a:cs typeface="+mn-cs"/>
+                      </a:endParaRPr>
+                    </a:p>
+                  </a:txBody>
+                  <a:tcPr anchor="ctr"/>
+                </a:tc>
+                <a:tc>
+                  <a:txBody>
+                    <a:bodyPr/>
+                    <a:lstStyle/>
+                    <a:p>
+                      <a:pPr algn="ctr"/>
+                      <a:endParaRPr lang="zh-CN" altLang="en-US" sz="800" kern="1200" dirty="0">
+                        <a:solidFill>
+                          <a:schemeClr val="dk1"/>
+                        </a:solidFill>
+                        <a:latin typeface="微软雅黑" panose="020B0503020204020204" pitchFamily="34" charset="-122"/>
+                        <a:ea typeface="微软雅黑" panose="020B0503020204020204" pitchFamily="34" charset="-122"/>
+                        <a:cs typeface="+mn-cs"/>
+                      </a:endParaRPr>
+                    </a:p>
+                  </a:txBody>
+                  <a:tcPr anchor="ctr"/>
+                </a:tc>
+                <a:tc>
+                  <a:txBody>
+                    <a:bodyPr/>
+                    <a:lstStyle/>
+                    <a:p>
+                      <a:pPr algn="ctr"/>
                       <a:r>
                         <a:rPr lang="en-US" altLang="zh-CN" sz="800" kern="1200" dirty="0">
                           <a:solidFill>
@@ -23461,8 +22798,29 @@
                           <a:ea typeface="微软雅黑" panose="020B0503020204020204" pitchFamily="34" charset="-122"/>
                           <a:cs typeface="+mn-cs"/>
                         </a:rPr>
-                        <a:t>10</a:t>
-                      </a:r>
+                        <a:t>77</a:t>
+                      </a:r>
+                      <a:r>
+                        <a:rPr lang="zh-CN" altLang="en-US" sz="800" kern="1200" dirty="0">
+                          <a:solidFill>
+                            <a:schemeClr val="dk1"/>
+                          </a:solidFill>
+                          <a:latin typeface="微软雅黑" panose="020B0503020204020204" pitchFamily="34" charset="-122"/>
+                          <a:ea typeface="微软雅黑" panose="020B0503020204020204" pitchFamily="34" charset="-122"/>
+                          <a:cs typeface="+mn-cs"/>
+                        </a:rPr>
+                        <a:t>式手枪</a:t>
+                      </a:r>
+                    </a:p>
+                  </a:txBody>
+                  <a:tcPr anchor="ctr"/>
+                </a:tc>
+                <a:tc>
+                  <a:txBody>
+                    <a:bodyPr/>
+                    <a:lstStyle/>
+                    <a:p>
+                      <a:pPr algn="ctr"/>
                       <a:endParaRPr lang="zh-CN" altLang="en-US" sz="800" kern="1200" dirty="0">
                         <a:solidFill>
                           <a:schemeClr val="dk1"/>
@@ -23481,6 +22839,118 @@
                     <a:lstStyle/>
                     <a:p>
                       <a:pPr algn="ctr"/>
+                      <a:endParaRPr lang="zh-CN" altLang="en-US" sz="800" kern="1200" dirty="0">
+                        <a:solidFill>
+                          <a:schemeClr val="dk1"/>
+                        </a:solidFill>
+                        <a:latin typeface="微软雅黑" panose="020B0503020204020204" pitchFamily="34" charset="-122"/>
+                        <a:ea typeface="微软雅黑" panose="020B0503020204020204" pitchFamily="34" charset="-122"/>
+                        <a:cs typeface="+mn-cs"/>
+                      </a:endParaRPr>
+                    </a:p>
+                  </a:txBody>
+                  <a:tcPr anchor="ctr"/>
+                </a:tc>
+                <a:tc>
+                  <a:txBody>
+                    <a:bodyPr/>
+                    <a:lstStyle/>
+                    <a:p>
+                      <a:pPr algn="ctr"/>
+                      <a:endParaRPr lang="zh-CN" altLang="en-US" sz="800" kern="1200" dirty="0">
+                        <a:solidFill>
+                          <a:schemeClr val="dk1"/>
+                        </a:solidFill>
+                        <a:latin typeface="微软雅黑" panose="020B0503020204020204" pitchFamily="34" charset="-122"/>
+                        <a:ea typeface="微软雅黑" panose="020B0503020204020204" pitchFamily="34" charset="-122"/>
+                        <a:cs typeface="+mn-cs"/>
+                      </a:endParaRPr>
+                    </a:p>
+                  </a:txBody>
+                  <a:tcPr anchor="ctr"/>
+                </a:tc>
+                <a:tc>
+                  <a:txBody>
+                    <a:bodyPr/>
+                    <a:lstStyle/>
+                    <a:p>
+                      <a:pPr algn="ctr"/>
+                      <a:endParaRPr lang="zh-CN" altLang="en-US" sz="800" kern="1200" dirty="0">
+                        <a:solidFill>
+                          <a:schemeClr val="dk1"/>
+                        </a:solidFill>
+                        <a:latin typeface="微软雅黑" panose="020B0503020204020204" pitchFamily="34" charset="-122"/>
+                        <a:ea typeface="微软雅黑" panose="020B0503020204020204" pitchFamily="34" charset="-122"/>
+                        <a:cs typeface="+mn-cs"/>
+                      </a:endParaRPr>
+                    </a:p>
+                  </a:txBody>
+                  <a:tcPr anchor="ctr"/>
+                </a:tc>
+                <a:tc>
+                  <a:txBody>
+                    <a:bodyPr/>
+                    <a:lstStyle/>
+                    <a:p>
+                      <a:pPr algn="ctr"/>
+                      <a:r>
+                        <a:rPr lang="en-US" altLang="zh-CN" sz="800" kern="1200" dirty="0">
+                          <a:solidFill>
+                            <a:schemeClr val="dk1"/>
+                          </a:solidFill>
+                          <a:latin typeface="微软雅黑" panose="020B0503020204020204" pitchFamily="34" charset="-122"/>
+                          <a:ea typeface="微软雅黑" panose="020B0503020204020204" pitchFamily="34" charset="-122"/>
+                          <a:cs typeface="+mn-cs"/>
+                        </a:rPr>
+                        <a:t>20</a:t>
+                      </a:r>
+                      <a:endParaRPr lang="zh-CN" altLang="en-US" sz="800" kern="1200" dirty="0">
+                        <a:solidFill>
+                          <a:schemeClr val="dk1"/>
+                        </a:solidFill>
+                        <a:latin typeface="微软雅黑" panose="020B0503020204020204" pitchFamily="34" charset="-122"/>
+                        <a:ea typeface="微软雅黑" panose="020B0503020204020204" pitchFamily="34" charset="-122"/>
+                        <a:cs typeface="+mn-cs"/>
+                      </a:endParaRPr>
+                    </a:p>
+                  </a:txBody>
+                  <a:tcPr anchor="ctr"/>
+                </a:tc>
+                <a:tc>
+                  <a:txBody>
+                    <a:bodyPr/>
+                    <a:lstStyle/>
+                    <a:p>
+                      <a:pPr algn="ctr"/>
+                      <a:r>
+                        <a:rPr lang="en-US" altLang="zh-CN" sz="800" kern="1200" dirty="0">
+                          <a:solidFill>
+                            <a:schemeClr val="dk1"/>
+                          </a:solidFill>
+                          <a:latin typeface="微软雅黑" panose="020B0503020204020204" pitchFamily="34" charset="-122"/>
+                          <a:ea typeface="微软雅黑" panose="020B0503020204020204" pitchFamily="34" charset="-122"/>
+                          <a:cs typeface="+mn-cs"/>
+                        </a:rPr>
+                        <a:t>10</a:t>
+                      </a:r>
+                      <a:endParaRPr lang="zh-CN" altLang="en-US" sz="800" kern="1200" dirty="0">
+                        <a:solidFill>
+                          <a:schemeClr val="dk1"/>
+                        </a:solidFill>
+                        <a:latin typeface="微软雅黑" panose="020B0503020204020204" pitchFamily="34" charset="-122"/>
+                        <a:ea typeface="微软雅黑" panose="020B0503020204020204" pitchFamily="34" charset="-122"/>
+                        <a:cs typeface="+mn-cs"/>
+                      </a:endParaRPr>
+                    </a:p>
+                  </a:txBody>
+                  <a:tcPr anchor="ctr"/>
+                </a:tc>
+                <a:tc>
+                  <a:txBody>
+                    <a:bodyPr/>
+                    <a:lstStyle/>
+                    <a:p>
+                      <a:pPr algn="ctr"/>
                       <a:endParaRPr lang="zh-CN" altLang="en-US" sz="900" dirty="0">
                         <a:latin typeface="微软雅黑" panose="020B0503020204020204" pitchFamily="34" charset="-122"/>
                         <a:ea typeface="微软雅黑" panose="020B0503020204020204" pitchFamily="34" charset="-122"/>
@@ -23489,8 +22959,13 @@
                   </a:txBody>
                   <a:tcPr anchor="ctr"/>
                 </a:tc>
+                <a:extLst>
+                  <a:ext uri="{0D108BD9-81ED-4DB2-BD59-A6C34878D82A}">
+                    <a16:rowId xmlns:a16="http://schemas.microsoft.com/office/drawing/2014/main" val="10004"/>
+                  </a:ext>
+                </a:extLst>
               </a:tr>
-              <a:tr h="372534">
+              <a:tr h="389466">
                 <a:tc>
                   <a:txBody>
                     <a:bodyPr/>
@@ -23502,7 +22977,7 @@
                           <a:latin typeface="微软雅黑" panose="020B0503020204020204" pitchFamily="34" charset="-122"/>
                           <a:ea typeface="微软雅黑" panose="020B0503020204020204" pitchFamily="34" charset="-122"/>
                         </a:rPr>
-                        <a:t>4</a:t>
+                        <a:t>5</a:t>
                       </a:r>
                       <a:endParaRPr lang="zh-CN" altLang="en-US" sz="800" dirty="0">
                         <a:latin typeface="微软雅黑" panose="020B0503020204020204" pitchFamily="34" charset="-122"/>
@@ -23566,7 +23041,7 @@
                           <a:ea typeface="微软雅黑" panose="020B0503020204020204" pitchFamily="34" charset="-122"/>
                           <a:cs typeface="+mn-cs"/>
                         </a:rPr>
-                        <a:t>AH-20201113-004</a:t>
+                        <a:t>AH-20201113-005</a:t>
                       </a:r>
                       <a:endParaRPr lang="zh-CN" altLang="en-US" sz="800" u="sng" kern="1200" dirty="0">
                         <a:solidFill>
@@ -23626,6 +23101,16 @@
                         </a:rPr>
                         <a:t>式手枪</a:t>
                       </a:r>
+                    </a:p>
+                  </a:txBody>
+                  <a:tcPr anchor="ctr"/>
+                </a:tc>
+                <a:tc>
+                  <a:txBody>
+                    <a:bodyPr/>
+                    <a:lstStyle/>
+                    <a:p>
+                      <a:pPr algn="ctr"/>
                       <a:endParaRPr lang="zh-CN" altLang="en-US" sz="800" kern="1200" dirty="0">
                         <a:solidFill>
                           <a:schemeClr val="dk1"/>
@@ -23698,6 +23183,17 @@
                     <a:lstStyle/>
                     <a:p>
                       <a:pPr algn="ctr"/>
+                      <a:r>
+                        <a:rPr lang="en-US" altLang="zh-CN" sz="800" kern="1200" dirty="0">
+                          <a:solidFill>
+                            <a:schemeClr val="dk1"/>
+                          </a:solidFill>
+                          <a:latin typeface="微软雅黑" panose="020B0503020204020204" pitchFamily="34" charset="-122"/>
+                          <a:ea typeface="微软雅黑" panose="020B0503020204020204" pitchFamily="34" charset="-122"/>
+                          <a:cs typeface="+mn-cs"/>
+                        </a:rPr>
+                        <a:t>20</a:t>
+                      </a:r>
                       <a:endParaRPr lang="zh-CN" altLang="en-US" sz="800" kern="1200" dirty="0">
                         <a:solidFill>
                           <a:schemeClr val="dk1"/>
@@ -23745,6 +23241,134 @@
                     <a:lstStyle/>
                     <a:p>
                       <a:pPr algn="ctr"/>
+                      <a:endParaRPr lang="zh-CN" altLang="en-US" sz="900" dirty="0">
+                        <a:latin typeface="微软雅黑" panose="020B0503020204020204" pitchFamily="34" charset="-122"/>
+                        <a:ea typeface="微软雅黑" panose="020B0503020204020204" pitchFamily="34" charset="-122"/>
+                      </a:endParaRPr>
+                    </a:p>
+                  </a:txBody>
+                  <a:tcPr anchor="ctr"/>
+                </a:tc>
+                <a:extLst>
+                  <a:ext uri="{0D108BD9-81ED-4DB2-BD59-A6C34878D82A}">
+                    <a16:rowId xmlns:a16="http://schemas.microsoft.com/office/drawing/2014/main" val="10005"/>
+                  </a:ext>
+                </a:extLst>
+              </a:tr>
+              <a:tr h="350213">
+                <a:tc>
+                  <a:txBody>
+                    <a:bodyPr/>
+                    <a:lstStyle/>
+                    <a:p>
+                      <a:pPr algn="ctr"/>
+                      <a:r>
+                        <a:rPr lang="en-US" altLang="zh-CN" sz="800" dirty="0">
+                          <a:latin typeface="微软雅黑" panose="020B0503020204020204" pitchFamily="34" charset="-122"/>
+                          <a:ea typeface="微软雅黑" panose="020B0503020204020204" pitchFamily="34" charset="-122"/>
+                        </a:rPr>
+                        <a:t>6</a:t>
+                      </a:r>
+                      <a:endParaRPr lang="zh-CN" altLang="en-US" sz="800" dirty="0">
+                        <a:latin typeface="微软雅黑" panose="020B0503020204020204" pitchFamily="34" charset="-122"/>
+                        <a:ea typeface="微软雅黑" panose="020B0503020204020204" pitchFamily="34" charset="-122"/>
+                      </a:endParaRPr>
+                    </a:p>
+                  </a:txBody>
+                  <a:tcPr anchor="ctr"/>
+                </a:tc>
+                <a:tc>
+                  <a:txBody>
+                    <a:bodyPr/>
+                    <a:lstStyle/>
+                    <a:p>
+                      <a:pPr algn="ctr"/>
+                      <a:r>
+                        <a:rPr lang="en-US" altLang="zh-CN" sz="800" dirty="0">
+                          <a:latin typeface="微软雅黑" panose="020B0503020204020204" pitchFamily="34" charset="-122"/>
+                          <a:ea typeface="微软雅黑" panose="020B0503020204020204" pitchFamily="34" charset="-122"/>
+                        </a:rPr>
+                        <a:t>GW-20200815021</a:t>
+                      </a:r>
+                      <a:endParaRPr lang="zh-CN" altLang="en-US" sz="800" dirty="0">
+                        <a:latin typeface="微软雅黑" panose="020B0503020204020204" pitchFamily="34" charset="-122"/>
+                        <a:ea typeface="微软雅黑" panose="020B0503020204020204" pitchFamily="34" charset="-122"/>
+                      </a:endParaRPr>
+                    </a:p>
+                  </a:txBody>
+                  <a:tcPr anchor="ctr"/>
+                </a:tc>
+                <a:tc>
+                  <a:txBody>
+                    <a:bodyPr/>
+                    <a:lstStyle/>
+                    <a:p>
+                      <a:pPr algn="ctr"/>
+                      <a:endParaRPr lang="zh-CN" altLang="en-US" sz="800" u="sng" kern="1200" dirty="0">
+                        <a:solidFill>
+                          <a:srgbClr val="00B0F0"/>
+                        </a:solidFill>
+                        <a:latin typeface="微软雅黑" panose="020B0503020204020204" pitchFamily="34" charset="-122"/>
+                        <a:ea typeface="微软雅黑" panose="020B0503020204020204" pitchFamily="34" charset="-122"/>
+                        <a:cs typeface="+mn-cs"/>
+                      </a:endParaRPr>
+                    </a:p>
+                  </a:txBody>
+                  <a:tcPr anchor="ctr"/>
+                </a:tc>
+                <a:tc>
+                  <a:txBody>
+                    <a:bodyPr/>
+                    <a:lstStyle/>
+                    <a:p>
+                      <a:pPr algn="ctr"/>
+                      <a:r>
+                        <a:rPr lang="en-US" altLang="zh-CN" sz="800" u="sng" kern="1200" dirty="0">
+                          <a:solidFill>
+                            <a:srgbClr val="00B0F0"/>
+                          </a:solidFill>
+                          <a:latin typeface="微软雅黑" panose="020B0503020204020204" pitchFamily="34" charset="-122"/>
+                          <a:ea typeface="微软雅黑" panose="020B0503020204020204" pitchFamily="34" charset="-122"/>
+                          <a:cs typeface="+mn-cs"/>
+                        </a:rPr>
+                        <a:t>AH-20201113-006</a:t>
+                      </a:r>
+                      <a:endParaRPr lang="zh-CN" altLang="en-US" sz="800" u="sng" kern="1200" dirty="0">
+                        <a:solidFill>
+                          <a:srgbClr val="00B0F0"/>
+                        </a:solidFill>
+                        <a:latin typeface="微软雅黑" panose="020B0503020204020204" pitchFamily="34" charset="-122"/>
+                        <a:ea typeface="微软雅黑" panose="020B0503020204020204" pitchFamily="34" charset="-122"/>
+                        <a:cs typeface="+mn-cs"/>
+                      </a:endParaRPr>
+                    </a:p>
+                  </a:txBody>
+                  <a:tcPr anchor="ctr"/>
+                </a:tc>
+                <a:tc>
+                  <a:txBody>
+                    <a:bodyPr/>
+                    <a:lstStyle/>
+                    <a:p>
+                      <a:pPr algn="ctr"/>
+                      <a:endParaRPr lang="zh-CN" altLang="en-US" sz="800" kern="1200" dirty="0">
+                        <a:solidFill>
+                          <a:schemeClr val="dk1"/>
+                        </a:solidFill>
+                        <a:latin typeface="微软雅黑" panose="020B0503020204020204" pitchFamily="34" charset="-122"/>
+                        <a:ea typeface="微软雅黑" panose="020B0503020204020204" pitchFamily="34" charset="-122"/>
+                        <a:cs typeface="+mn-cs"/>
+                      </a:endParaRPr>
+                    </a:p>
+                  </a:txBody>
+                  <a:tcPr anchor="ctr"/>
+                </a:tc>
+                <a:tc>
+                  <a:txBody>
+                    <a:bodyPr/>
+                    <a:lstStyle/>
+                    <a:p>
+                      <a:pPr algn="ctr"/>
                       <a:r>
                         <a:rPr lang="en-US" altLang="zh-CN" sz="800" kern="1200" dirty="0">
                           <a:solidFill>
@@ -23754,8 +23378,29 @@
                           <a:ea typeface="微软雅黑" panose="020B0503020204020204" pitchFamily="34" charset="-122"/>
                           <a:cs typeface="+mn-cs"/>
                         </a:rPr>
-                        <a:t>10</a:t>
-                      </a:r>
+                        <a:t>77</a:t>
+                      </a:r>
+                      <a:r>
+                        <a:rPr lang="zh-CN" altLang="en-US" sz="800" kern="1200" dirty="0">
+                          <a:solidFill>
+                            <a:schemeClr val="dk1"/>
+                          </a:solidFill>
+                          <a:latin typeface="微软雅黑" panose="020B0503020204020204" pitchFamily="34" charset="-122"/>
+                          <a:ea typeface="微软雅黑" panose="020B0503020204020204" pitchFamily="34" charset="-122"/>
+                          <a:cs typeface="+mn-cs"/>
+                        </a:rPr>
+                        <a:t>式手枪</a:t>
+                      </a:r>
+                    </a:p>
+                  </a:txBody>
+                  <a:tcPr anchor="ctr"/>
+                </a:tc>
+                <a:tc>
+                  <a:txBody>
+                    <a:bodyPr/>
+                    <a:lstStyle/>
+                    <a:p>
+                      <a:pPr algn="ctr"/>
                       <a:endParaRPr lang="zh-CN" altLang="en-US" sz="800" kern="1200" dirty="0">
                         <a:solidFill>
                           <a:schemeClr val="dk1"/>
@@ -23774,111 +23419,6 @@
                     <a:lstStyle/>
                     <a:p>
                       <a:pPr algn="ctr"/>
-                      <a:endParaRPr lang="zh-CN" altLang="en-US" sz="900" dirty="0">
-                        <a:latin typeface="微软雅黑" panose="020B0503020204020204" pitchFamily="34" charset="-122"/>
-                        <a:ea typeface="微软雅黑" panose="020B0503020204020204" pitchFamily="34" charset="-122"/>
-                      </a:endParaRPr>
-                    </a:p>
-                  </a:txBody>
-                  <a:tcPr anchor="ctr"/>
-                </a:tc>
-              </a:tr>
-              <a:tr h="389466">
-                <a:tc>
-                  <a:txBody>
-                    <a:bodyPr/>
-                    <a:lstStyle/>
-                    <a:p>
-                      <a:pPr algn="ctr"/>
-                      <a:r>
-                        <a:rPr lang="en-US" altLang="zh-CN" sz="800" dirty="0">
-                          <a:latin typeface="微软雅黑" panose="020B0503020204020204" pitchFamily="34" charset="-122"/>
-                          <a:ea typeface="微软雅黑" panose="020B0503020204020204" pitchFamily="34" charset="-122"/>
-                        </a:rPr>
-                        <a:t>5</a:t>
-                      </a:r>
-                      <a:endParaRPr lang="zh-CN" altLang="en-US" sz="800" dirty="0">
-                        <a:latin typeface="微软雅黑" panose="020B0503020204020204" pitchFamily="34" charset="-122"/>
-                        <a:ea typeface="微软雅黑" panose="020B0503020204020204" pitchFamily="34" charset="-122"/>
-                      </a:endParaRPr>
-                    </a:p>
-                  </a:txBody>
-                  <a:tcPr anchor="ctr"/>
-                </a:tc>
-                <a:tc>
-                  <a:txBody>
-                    <a:bodyPr/>
-                    <a:lstStyle/>
-                    <a:p>
-                      <a:pPr algn="ctr"/>
-                      <a:r>
-                        <a:rPr lang="en-US" altLang="zh-CN" sz="800" dirty="0">
-                          <a:latin typeface="微软雅黑" panose="020B0503020204020204" pitchFamily="34" charset="-122"/>
-                          <a:ea typeface="微软雅黑" panose="020B0503020204020204" pitchFamily="34" charset="-122"/>
-                        </a:rPr>
-                        <a:t>GW-20200815021</a:t>
-                      </a:r>
-                      <a:endParaRPr lang="zh-CN" altLang="en-US" sz="800" dirty="0">
-                        <a:latin typeface="微软雅黑" panose="020B0503020204020204" pitchFamily="34" charset="-122"/>
-                        <a:ea typeface="微软雅黑" panose="020B0503020204020204" pitchFamily="34" charset="-122"/>
-                      </a:endParaRPr>
-                    </a:p>
-                  </a:txBody>
-                  <a:tcPr anchor="ctr"/>
-                </a:tc>
-                <a:tc>
-                  <a:txBody>
-                    <a:bodyPr/>
-                    <a:lstStyle/>
-                    <a:p>
-                      <a:pPr algn="ctr"/>
-                      <a:endParaRPr lang="zh-CN" altLang="en-US" sz="800" u="sng" kern="1200" dirty="0">
-                        <a:solidFill>
-                          <a:srgbClr val="00B0F0"/>
-                        </a:solidFill>
-                        <a:latin typeface="微软雅黑" panose="020B0503020204020204" pitchFamily="34" charset="-122"/>
-                        <a:ea typeface="微软雅黑" panose="020B0503020204020204" pitchFamily="34" charset="-122"/>
-                        <a:cs typeface="+mn-cs"/>
-                      </a:endParaRPr>
-                    </a:p>
-                  </a:txBody>
-                  <a:tcPr anchor="ctr"/>
-                </a:tc>
-                <a:tc>
-                  <a:txBody>
-                    <a:bodyPr/>
-                    <a:lstStyle/>
-                    <a:p>
-                      <a:pPr algn="ctr"/>
-                      <a:r>
-                        <a:rPr lang="en-US" altLang="zh-CN" sz="800" u="sng" kern="1200" dirty="0">
-                          <a:solidFill>
-                            <a:srgbClr val="00B0F0"/>
-                          </a:solidFill>
-                          <a:latin typeface="微软雅黑" panose="020B0503020204020204" pitchFamily="34" charset="-122"/>
-                          <a:ea typeface="微软雅黑" panose="020B0503020204020204" pitchFamily="34" charset="-122"/>
-                          <a:cs typeface="+mn-cs"/>
-                        </a:rPr>
-                        <a:t>AH-20201113-005</a:t>
-                      </a:r>
-                      <a:endParaRPr lang="zh-CN" altLang="en-US" sz="800" u="sng" kern="1200" dirty="0">
-                        <a:solidFill>
-                          <a:srgbClr val="00B0F0"/>
-                        </a:solidFill>
-                        <a:latin typeface="微软雅黑" panose="020B0503020204020204" pitchFamily="34" charset="-122"/>
-                        <a:ea typeface="微软雅黑" panose="020B0503020204020204" pitchFamily="34" charset="-122"/>
-                        <a:cs typeface="+mn-cs"/>
-                      </a:endParaRPr>
-                    </a:p>
-                  </a:txBody>
-                  <a:tcPr anchor="ctr"/>
-                </a:tc>
-                <a:tc>
-                  <a:txBody>
-                    <a:bodyPr/>
-                    <a:lstStyle/>
-                    <a:p>
-                      <a:pPr algn="ctr"/>
                       <a:endParaRPr lang="zh-CN" altLang="en-US" sz="800" kern="1200" dirty="0">
                         <a:solidFill>
                           <a:schemeClr val="dk1"/>
@@ -23897,6 +23437,42 @@
                     <a:lstStyle/>
                     <a:p>
                       <a:pPr algn="ctr"/>
+                      <a:endParaRPr lang="zh-CN" altLang="en-US" sz="800" kern="1200" dirty="0">
+                        <a:solidFill>
+                          <a:schemeClr val="dk1"/>
+                        </a:solidFill>
+                        <a:latin typeface="微软雅黑" panose="020B0503020204020204" pitchFamily="34" charset="-122"/>
+                        <a:ea typeface="微软雅黑" panose="020B0503020204020204" pitchFamily="34" charset="-122"/>
+                        <a:cs typeface="+mn-cs"/>
+                      </a:endParaRPr>
+                    </a:p>
+                  </a:txBody>
+                  <a:tcPr anchor="ctr"/>
+                </a:tc>
+                <a:tc>
+                  <a:txBody>
+                    <a:bodyPr/>
+                    <a:lstStyle/>
+                    <a:p>
+                      <a:pPr algn="ctr"/>
+                      <a:endParaRPr lang="zh-CN" altLang="en-US" sz="800" kern="1200" dirty="0">
+                        <a:solidFill>
+                          <a:schemeClr val="dk1"/>
+                        </a:solidFill>
+                        <a:latin typeface="微软雅黑" panose="020B0503020204020204" pitchFamily="34" charset="-122"/>
+                        <a:ea typeface="微软雅黑" panose="020B0503020204020204" pitchFamily="34" charset="-122"/>
+                        <a:cs typeface="+mn-cs"/>
+                      </a:endParaRPr>
+                    </a:p>
+                  </a:txBody>
+                  <a:tcPr anchor="ctr"/>
+                </a:tc>
+                <a:tc>
+                  <a:txBody>
+                    <a:bodyPr/>
+                    <a:lstStyle/>
+                    <a:p>
+                      <a:pPr algn="ctr"/>
                       <a:r>
                         <a:rPr lang="en-US" altLang="zh-CN" sz="800" kern="1200" dirty="0">
                           <a:solidFill>
@@ -23906,18 +23482,7 @@
                           <a:ea typeface="微软雅黑" panose="020B0503020204020204" pitchFamily="34" charset="-122"/>
                           <a:cs typeface="+mn-cs"/>
                         </a:rPr>
-                        <a:t>77</a:t>
-                      </a:r>
-                      <a:r>
-                        <a:rPr lang="zh-CN" altLang="en-US" sz="800" kern="1200" dirty="0">
-                          <a:solidFill>
-                            <a:schemeClr val="dk1"/>
-                          </a:solidFill>
-                          <a:latin typeface="微软雅黑" panose="020B0503020204020204" pitchFamily="34" charset="-122"/>
-                          <a:ea typeface="微软雅黑" panose="020B0503020204020204" pitchFamily="34" charset="-122"/>
-                          <a:cs typeface="+mn-cs"/>
-                        </a:rPr>
-                        <a:t>式手枪</a:t>
+                        <a:t>20</a:t>
                       </a:r>
                       <a:endParaRPr lang="zh-CN" altLang="en-US" sz="800" kern="1200" dirty="0">
                         <a:solidFill>
@@ -23937,6 +23502,17 @@
                     <a:lstStyle/>
                     <a:p>
                       <a:pPr algn="ctr"/>
+                      <a:r>
+                        <a:rPr lang="en-US" altLang="zh-CN" sz="800" kern="1200" dirty="0">
+                          <a:solidFill>
+                            <a:schemeClr val="dk1"/>
+                          </a:solidFill>
+                          <a:latin typeface="微软雅黑" panose="020B0503020204020204" pitchFamily="34" charset="-122"/>
+                          <a:ea typeface="微软雅黑" panose="020B0503020204020204" pitchFamily="34" charset="-122"/>
+                          <a:cs typeface="+mn-cs"/>
+                        </a:rPr>
+                        <a:t>20</a:t>
+                      </a:r>
                       <a:endParaRPr lang="zh-CN" altLang="en-US" sz="800" kern="1200" dirty="0">
                         <a:solidFill>
                           <a:schemeClr val="dk1"/>
@@ -23955,118 +23531,6 @@
                     <a:lstStyle/>
                     <a:p>
                       <a:pPr algn="ctr"/>
-                      <a:endParaRPr lang="zh-CN" altLang="en-US" sz="800" kern="1200" dirty="0">
-                        <a:solidFill>
-                          <a:schemeClr val="dk1"/>
-                        </a:solidFill>
-                        <a:latin typeface="微软雅黑" panose="020B0503020204020204" pitchFamily="34" charset="-122"/>
-                        <a:ea typeface="微软雅黑" panose="020B0503020204020204" pitchFamily="34" charset="-122"/>
-                        <a:cs typeface="+mn-cs"/>
-                      </a:endParaRPr>
-                    </a:p>
-                  </a:txBody>
-                  <a:tcPr anchor="ctr"/>
-                </a:tc>
-                <a:tc>
-                  <a:txBody>
-                    <a:bodyPr/>
-                    <a:lstStyle/>
-                    <a:p>
-                      <a:pPr algn="ctr"/>
-                      <a:endParaRPr lang="zh-CN" altLang="en-US" sz="800" kern="1200" dirty="0">
-                        <a:solidFill>
-                          <a:schemeClr val="dk1"/>
-                        </a:solidFill>
-                        <a:latin typeface="微软雅黑" panose="020B0503020204020204" pitchFamily="34" charset="-122"/>
-                        <a:ea typeface="微软雅黑" panose="020B0503020204020204" pitchFamily="34" charset="-122"/>
-                        <a:cs typeface="+mn-cs"/>
-                      </a:endParaRPr>
-                    </a:p>
-                  </a:txBody>
-                  <a:tcPr anchor="ctr"/>
-                </a:tc>
-                <a:tc>
-                  <a:txBody>
-                    <a:bodyPr/>
-                    <a:lstStyle/>
-                    <a:p>
-                      <a:pPr algn="ctr"/>
-                      <a:endParaRPr lang="zh-CN" altLang="en-US" sz="800" kern="1200" dirty="0">
-                        <a:solidFill>
-                          <a:schemeClr val="dk1"/>
-                        </a:solidFill>
-                        <a:latin typeface="微软雅黑" panose="020B0503020204020204" pitchFamily="34" charset="-122"/>
-                        <a:ea typeface="微软雅黑" panose="020B0503020204020204" pitchFamily="34" charset="-122"/>
-                        <a:cs typeface="+mn-cs"/>
-                      </a:endParaRPr>
-                    </a:p>
-                  </a:txBody>
-                  <a:tcPr anchor="ctr"/>
-                </a:tc>
-                <a:tc>
-                  <a:txBody>
-                    <a:bodyPr/>
-                    <a:lstStyle/>
-                    <a:p>
-                      <a:pPr algn="ctr"/>
-                      <a:r>
-                        <a:rPr lang="en-US" altLang="zh-CN" sz="800" kern="1200" dirty="0">
-                          <a:solidFill>
-                            <a:schemeClr val="dk1"/>
-                          </a:solidFill>
-                          <a:latin typeface="微软雅黑" panose="020B0503020204020204" pitchFamily="34" charset="-122"/>
-                          <a:ea typeface="微软雅黑" panose="020B0503020204020204" pitchFamily="34" charset="-122"/>
-                          <a:cs typeface="+mn-cs"/>
-                        </a:rPr>
-                        <a:t>20</a:t>
-                      </a:r>
-                      <a:endParaRPr lang="zh-CN" altLang="en-US" sz="800" kern="1200" dirty="0">
-                        <a:solidFill>
-                          <a:schemeClr val="dk1"/>
-                        </a:solidFill>
-                        <a:latin typeface="微软雅黑" panose="020B0503020204020204" pitchFamily="34" charset="-122"/>
-                        <a:ea typeface="微软雅黑" panose="020B0503020204020204" pitchFamily="34" charset="-122"/>
-                        <a:cs typeface="+mn-cs"/>
-                      </a:endParaRPr>
-                    </a:p>
-                  </a:txBody>
-                  <a:tcPr anchor="ctr"/>
-                </a:tc>
-                <a:tc>
-                  <a:txBody>
-                    <a:bodyPr/>
-                    <a:lstStyle/>
-                    <a:p>
-                      <a:pPr algn="ctr"/>
-                      <a:r>
-                        <a:rPr lang="en-US" altLang="zh-CN" sz="800" kern="1200" dirty="0">
-                          <a:solidFill>
-                            <a:schemeClr val="dk1"/>
-                          </a:solidFill>
-                          <a:latin typeface="微软雅黑" panose="020B0503020204020204" pitchFamily="34" charset="-122"/>
-                          <a:ea typeface="微软雅黑" panose="020B0503020204020204" pitchFamily="34" charset="-122"/>
-                          <a:cs typeface="+mn-cs"/>
-                        </a:rPr>
-                        <a:t>20</a:t>
-                      </a:r>
-                      <a:endParaRPr lang="zh-CN" altLang="en-US" sz="800" kern="1200" dirty="0">
-                        <a:solidFill>
-                          <a:schemeClr val="dk1"/>
-                        </a:solidFill>
-                        <a:latin typeface="微软雅黑" panose="020B0503020204020204" pitchFamily="34" charset="-122"/>
-                        <a:ea typeface="微软雅黑" panose="020B0503020204020204" pitchFamily="34" charset="-122"/>
-                        <a:cs typeface="+mn-cs"/>
-                      </a:endParaRPr>
-                    </a:p>
-                  </a:txBody>
-                  <a:tcPr anchor="ctr"/>
-                </a:tc>
-                <a:tc>
-                  <a:txBody>
-                    <a:bodyPr/>
-                    <a:lstStyle/>
-                    <a:p>
-                      <a:pPr algn="ctr"/>
                       <a:endParaRPr lang="zh-CN" altLang="en-US" sz="900" dirty="0">
                         <a:latin typeface="微软雅黑" panose="020B0503020204020204" pitchFamily="34" charset="-122"/>
                         <a:ea typeface="微软雅黑" panose="020B0503020204020204" pitchFamily="34" charset="-122"/>
@@ -24075,299 +23539,11 @@
                   </a:txBody>
                   <a:tcPr anchor="ctr"/>
                 </a:tc>
-              </a:tr>
-              <a:tr h="350213">
-                <a:tc>
-                  <a:txBody>
-                    <a:bodyPr/>
-                    <a:lstStyle/>
-                    <a:p>
-                      <a:pPr algn="ctr"/>
-                      <a:r>
-                        <a:rPr lang="en-US" altLang="zh-CN" sz="800" dirty="0">
-                          <a:latin typeface="微软雅黑" panose="020B0503020204020204" pitchFamily="34" charset="-122"/>
-                          <a:ea typeface="微软雅黑" panose="020B0503020204020204" pitchFamily="34" charset="-122"/>
-                        </a:rPr>
-                        <a:t>6</a:t>
-                      </a:r>
-                      <a:endParaRPr lang="zh-CN" altLang="en-US" sz="800" dirty="0">
-                        <a:latin typeface="微软雅黑" panose="020B0503020204020204" pitchFamily="34" charset="-122"/>
-                        <a:ea typeface="微软雅黑" panose="020B0503020204020204" pitchFamily="34" charset="-122"/>
-                      </a:endParaRPr>
-                    </a:p>
-                  </a:txBody>
-                  <a:tcPr anchor="ctr"/>
-                </a:tc>
-                <a:tc>
-                  <a:txBody>
-                    <a:bodyPr/>
-                    <a:lstStyle/>
-                    <a:p>
-                      <a:pPr algn="ctr"/>
-                      <a:r>
-                        <a:rPr lang="en-US" altLang="zh-CN" sz="800" dirty="0">
-                          <a:latin typeface="微软雅黑" panose="020B0503020204020204" pitchFamily="34" charset="-122"/>
-                          <a:ea typeface="微软雅黑" panose="020B0503020204020204" pitchFamily="34" charset="-122"/>
-                        </a:rPr>
-                        <a:t>GW-20200815021</a:t>
-                      </a:r>
-                      <a:endParaRPr lang="zh-CN" altLang="en-US" sz="800" dirty="0">
-                        <a:latin typeface="微软雅黑" panose="020B0503020204020204" pitchFamily="34" charset="-122"/>
-                        <a:ea typeface="微软雅黑" panose="020B0503020204020204" pitchFamily="34" charset="-122"/>
-                      </a:endParaRPr>
-                    </a:p>
-                  </a:txBody>
-                  <a:tcPr anchor="ctr"/>
-                </a:tc>
-                <a:tc>
-                  <a:txBody>
-                    <a:bodyPr/>
-                    <a:lstStyle/>
-                    <a:p>
-                      <a:pPr algn="ctr"/>
-                      <a:endParaRPr lang="zh-CN" altLang="en-US" sz="800" u="sng" kern="1200" dirty="0">
-                        <a:solidFill>
-                          <a:srgbClr val="00B0F0"/>
-                        </a:solidFill>
-                        <a:latin typeface="微软雅黑" panose="020B0503020204020204" pitchFamily="34" charset="-122"/>
-                        <a:ea typeface="微软雅黑" panose="020B0503020204020204" pitchFamily="34" charset="-122"/>
-                        <a:cs typeface="+mn-cs"/>
-                      </a:endParaRPr>
-                    </a:p>
-                  </a:txBody>
-                  <a:tcPr anchor="ctr"/>
-                </a:tc>
-                <a:tc>
-                  <a:txBody>
-                    <a:bodyPr/>
-                    <a:lstStyle/>
-                    <a:p>
-                      <a:pPr algn="ctr"/>
-                      <a:r>
-                        <a:rPr lang="en-US" altLang="zh-CN" sz="800" u="sng" kern="1200" dirty="0">
-                          <a:solidFill>
-                            <a:srgbClr val="00B0F0"/>
-                          </a:solidFill>
-                          <a:latin typeface="微软雅黑" panose="020B0503020204020204" pitchFamily="34" charset="-122"/>
-                          <a:ea typeface="微软雅黑" panose="020B0503020204020204" pitchFamily="34" charset="-122"/>
-                          <a:cs typeface="+mn-cs"/>
-                        </a:rPr>
-                        <a:t>AH-20201113-006</a:t>
-                      </a:r>
-                      <a:endParaRPr lang="zh-CN" altLang="en-US" sz="800" u="sng" kern="1200" dirty="0">
-                        <a:solidFill>
-                          <a:srgbClr val="00B0F0"/>
-                        </a:solidFill>
-                        <a:latin typeface="微软雅黑" panose="020B0503020204020204" pitchFamily="34" charset="-122"/>
-                        <a:ea typeface="微软雅黑" panose="020B0503020204020204" pitchFamily="34" charset="-122"/>
-                        <a:cs typeface="+mn-cs"/>
-                      </a:endParaRPr>
-                    </a:p>
-                  </a:txBody>
-                  <a:tcPr anchor="ctr"/>
-                </a:tc>
-                <a:tc>
-                  <a:txBody>
-                    <a:bodyPr/>
-                    <a:lstStyle/>
-                    <a:p>
-                      <a:pPr algn="ctr"/>
-                      <a:endParaRPr lang="zh-CN" altLang="en-US" sz="800" kern="1200" dirty="0">
-                        <a:solidFill>
-                          <a:schemeClr val="dk1"/>
-                        </a:solidFill>
-                        <a:latin typeface="微软雅黑" panose="020B0503020204020204" pitchFamily="34" charset="-122"/>
-                        <a:ea typeface="微软雅黑" panose="020B0503020204020204" pitchFamily="34" charset="-122"/>
-                        <a:cs typeface="+mn-cs"/>
-                      </a:endParaRPr>
-                    </a:p>
-                  </a:txBody>
-                  <a:tcPr anchor="ctr"/>
-                </a:tc>
-                <a:tc>
-                  <a:txBody>
-                    <a:bodyPr/>
-                    <a:lstStyle/>
-                    <a:p>
-                      <a:pPr algn="ctr"/>
-                      <a:r>
-                        <a:rPr lang="en-US" altLang="zh-CN" sz="800" kern="1200" dirty="0">
-                          <a:solidFill>
-                            <a:schemeClr val="dk1"/>
-                          </a:solidFill>
-                          <a:latin typeface="微软雅黑" panose="020B0503020204020204" pitchFamily="34" charset="-122"/>
-                          <a:ea typeface="微软雅黑" panose="020B0503020204020204" pitchFamily="34" charset="-122"/>
-                          <a:cs typeface="+mn-cs"/>
-                        </a:rPr>
-                        <a:t>77</a:t>
-                      </a:r>
-                      <a:r>
-                        <a:rPr lang="zh-CN" altLang="en-US" sz="800" kern="1200" dirty="0">
-                          <a:solidFill>
-                            <a:schemeClr val="dk1"/>
-                          </a:solidFill>
-                          <a:latin typeface="微软雅黑" panose="020B0503020204020204" pitchFamily="34" charset="-122"/>
-                          <a:ea typeface="微软雅黑" panose="020B0503020204020204" pitchFamily="34" charset="-122"/>
-                          <a:cs typeface="+mn-cs"/>
-                        </a:rPr>
-                        <a:t>式手枪</a:t>
-                      </a:r>
-                      <a:endParaRPr lang="zh-CN" altLang="en-US" sz="800" kern="1200" dirty="0">
-                        <a:solidFill>
-                          <a:schemeClr val="dk1"/>
-                        </a:solidFill>
-                        <a:latin typeface="微软雅黑" panose="020B0503020204020204" pitchFamily="34" charset="-122"/>
-                        <a:ea typeface="微软雅黑" panose="020B0503020204020204" pitchFamily="34" charset="-122"/>
-                        <a:cs typeface="+mn-cs"/>
-                      </a:endParaRPr>
-                    </a:p>
-                  </a:txBody>
-                  <a:tcPr anchor="ctr"/>
-                </a:tc>
-                <a:tc>
-                  <a:txBody>
-                    <a:bodyPr/>
-                    <a:lstStyle/>
-                    <a:p>
-                      <a:pPr algn="ctr"/>
-                      <a:endParaRPr lang="zh-CN" altLang="en-US" sz="800" kern="1200" dirty="0">
-                        <a:solidFill>
-                          <a:schemeClr val="dk1"/>
-                        </a:solidFill>
-                        <a:latin typeface="微软雅黑" panose="020B0503020204020204" pitchFamily="34" charset="-122"/>
-                        <a:ea typeface="微软雅黑" panose="020B0503020204020204" pitchFamily="34" charset="-122"/>
-                        <a:cs typeface="+mn-cs"/>
-                      </a:endParaRPr>
-                    </a:p>
-                  </a:txBody>
-                  <a:tcPr anchor="ctr"/>
-                </a:tc>
-                <a:tc>
-                  <a:txBody>
-                    <a:bodyPr/>
-                    <a:lstStyle/>
-                    <a:p>
-                      <a:pPr algn="ctr"/>
-                      <a:endParaRPr lang="zh-CN" altLang="en-US" sz="800" kern="1200" dirty="0">
-                        <a:solidFill>
-                          <a:schemeClr val="dk1"/>
-                        </a:solidFill>
-                        <a:latin typeface="微软雅黑" panose="020B0503020204020204" pitchFamily="34" charset="-122"/>
-                        <a:ea typeface="微软雅黑" panose="020B0503020204020204" pitchFamily="34" charset="-122"/>
-                        <a:cs typeface="+mn-cs"/>
-                      </a:endParaRPr>
-                    </a:p>
-                  </a:txBody>
-                  <a:tcPr anchor="ctr"/>
-                </a:tc>
-                <a:tc>
-                  <a:txBody>
-                    <a:bodyPr/>
-                    <a:lstStyle/>
-                    <a:p>
-                      <a:pPr algn="ctr"/>
-                      <a:endParaRPr lang="zh-CN" altLang="en-US" sz="800" kern="1200" dirty="0">
-                        <a:solidFill>
-                          <a:schemeClr val="dk1"/>
-                        </a:solidFill>
-                        <a:latin typeface="微软雅黑" panose="020B0503020204020204" pitchFamily="34" charset="-122"/>
-                        <a:ea typeface="微软雅黑" panose="020B0503020204020204" pitchFamily="34" charset="-122"/>
-                        <a:cs typeface="+mn-cs"/>
-                      </a:endParaRPr>
-                    </a:p>
-                  </a:txBody>
-                  <a:tcPr anchor="ctr"/>
-                </a:tc>
-                <a:tc>
-                  <a:txBody>
-                    <a:bodyPr/>
-                    <a:lstStyle/>
-                    <a:p>
-                      <a:pPr algn="ctr"/>
-                      <a:endParaRPr lang="zh-CN" altLang="en-US" sz="800" kern="1200" dirty="0">
-                        <a:solidFill>
-                          <a:schemeClr val="dk1"/>
-                        </a:solidFill>
-                        <a:latin typeface="微软雅黑" panose="020B0503020204020204" pitchFamily="34" charset="-122"/>
-                        <a:ea typeface="微软雅黑" panose="020B0503020204020204" pitchFamily="34" charset="-122"/>
-                        <a:cs typeface="+mn-cs"/>
-                      </a:endParaRPr>
-                    </a:p>
-                  </a:txBody>
-                  <a:tcPr anchor="ctr"/>
-                </a:tc>
-                <a:tc>
-                  <a:txBody>
-                    <a:bodyPr/>
-                    <a:lstStyle/>
-                    <a:p>
-                      <a:pPr algn="ctr"/>
-                      <a:r>
-                        <a:rPr lang="en-US" altLang="zh-CN" sz="800" kern="1200" dirty="0">
-                          <a:solidFill>
-                            <a:schemeClr val="dk1"/>
-                          </a:solidFill>
-                          <a:latin typeface="微软雅黑" panose="020B0503020204020204" pitchFamily="34" charset="-122"/>
-                          <a:ea typeface="微软雅黑" panose="020B0503020204020204" pitchFamily="34" charset="-122"/>
-                          <a:cs typeface="+mn-cs"/>
-                        </a:rPr>
-                        <a:t>20</a:t>
-                      </a:r>
-                      <a:endParaRPr lang="zh-CN" altLang="en-US" sz="800" kern="1200" dirty="0">
-                        <a:solidFill>
-                          <a:schemeClr val="dk1"/>
-                        </a:solidFill>
-                        <a:latin typeface="微软雅黑" panose="020B0503020204020204" pitchFamily="34" charset="-122"/>
-                        <a:ea typeface="微软雅黑" panose="020B0503020204020204" pitchFamily="34" charset="-122"/>
-                        <a:cs typeface="+mn-cs"/>
-                      </a:endParaRPr>
-                    </a:p>
-                  </a:txBody>
-                  <a:tcPr anchor="ctr"/>
-                </a:tc>
-                <a:tc>
-                  <a:txBody>
-                    <a:bodyPr/>
-                    <a:lstStyle/>
-                    <a:p>
-                      <a:pPr algn="ctr"/>
-                      <a:r>
-                        <a:rPr lang="en-US" altLang="zh-CN" sz="800" kern="1200" dirty="0">
-                          <a:solidFill>
-                            <a:schemeClr val="dk1"/>
-                          </a:solidFill>
-                          <a:latin typeface="微软雅黑" panose="020B0503020204020204" pitchFamily="34" charset="-122"/>
-                          <a:ea typeface="微软雅黑" panose="020B0503020204020204" pitchFamily="34" charset="-122"/>
-                          <a:cs typeface="+mn-cs"/>
-                        </a:rPr>
-                        <a:t>20</a:t>
-                      </a:r>
-                      <a:endParaRPr lang="zh-CN" altLang="en-US" sz="800" kern="1200" dirty="0">
-                        <a:solidFill>
-                          <a:schemeClr val="dk1"/>
-                        </a:solidFill>
-                        <a:latin typeface="微软雅黑" panose="020B0503020204020204" pitchFamily="34" charset="-122"/>
-                        <a:ea typeface="微软雅黑" panose="020B0503020204020204" pitchFamily="34" charset="-122"/>
-                        <a:cs typeface="+mn-cs"/>
-                      </a:endParaRPr>
-                    </a:p>
-                  </a:txBody>
-                  <a:tcPr anchor="ctr"/>
-                </a:tc>
-                <a:tc>
-                  <a:txBody>
-                    <a:bodyPr/>
-                    <a:lstStyle/>
-                    <a:p>
-                      <a:pPr algn="ctr"/>
-                      <a:endParaRPr lang="zh-CN" altLang="en-US" sz="900" dirty="0">
-                        <a:latin typeface="微软雅黑" panose="020B0503020204020204" pitchFamily="34" charset="-122"/>
-                        <a:ea typeface="微软雅黑" panose="020B0503020204020204" pitchFamily="34" charset="-122"/>
-                      </a:endParaRPr>
-                    </a:p>
-                  </a:txBody>
-                  <a:tcPr anchor="ctr"/>
-                </a:tc>
+                <a:extLst>
+                  <a:ext uri="{0D108BD9-81ED-4DB2-BD59-A6C34878D82A}">
+                    <a16:rowId xmlns:a16="http://schemas.microsoft.com/office/drawing/2014/main" val="10006"/>
+                  </a:ext>
+                </a:extLst>
               </a:tr>
               <a:tr h="381000">
                 <a:tc>
@@ -24535,14 +23711,6 @@
                         </a:rPr>
                         <a:t>式手枪</a:t>
                       </a:r>
-                      <a:endParaRPr lang="zh-CN" altLang="en-US" sz="800" kern="1200" dirty="0">
-                        <a:solidFill>
-                          <a:schemeClr val="dk1"/>
-                        </a:solidFill>
-                        <a:latin typeface="微软雅黑" panose="020B0503020204020204" pitchFamily="34" charset="-122"/>
-                        <a:ea typeface="微软雅黑" panose="020B0503020204020204" pitchFamily="34" charset="-122"/>
-                        <a:cs typeface="+mn-cs"/>
-                      </a:endParaRPr>
                     </a:p>
                   </a:txBody>
                   <a:tcPr anchor="ctr"/>
@@ -24801,6 +23969,11 @@
                   </a:txBody>
                   <a:tcPr anchor="ctr"/>
                 </a:tc>
+                <a:extLst>
+                  <a:ext uri="{0D108BD9-81ED-4DB2-BD59-A6C34878D82A}">
+                    <a16:rowId xmlns:a16="http://schemas.microsoft.com/office/drawing/2014/main" val="10007"/>
+                  </a:ext>
+                </a:extLst>
               </a:tr>
             </a:tbl>
           </a:graphicData>
@@ -24864,15 +24037,6 @@
               </a:rPr>
               <a:t>编辑</a:t>
             </a:r>
-            <a:endParaRPr lang="zh-CN" altLang="en-US" sz="900" dirty="0">
-              <a:solidFill>
-                <a:schemeClr val="accent6">
-                  <a:lumMod val="75000"/>
-                </a:schemeClr>
-              </a:solidFill>
-              <a:latin typeface="微软雅黑" panose="020B0503020204020204" pitchFamily="34" charset="-122"/>
-              <a:ea typeface="微软雅黑" panose="020B0503020204020204" pitchFamily="34" charset="-122"/>
-            </a:endParaRPr>
           </a:p>
         </p:txBody>
       </p:sp>
@@ -24930,13 +24094,6 @@
               </a:rPr>
               <a:t>删除</a:t>
             </a:r>
-            <a:endParaRPr lang="zh-CN" altLang="en-US" sz="900" dirty="0">
-              <a:solidFill>
-                <a:srgbClr val="FF0000"/>
-              </a:solidFill>
-              <a:latin typeface="微软雅黑" panose="020B0503020204020204" pitchFamily="34" charset="-122"/>
-              <a:ea typeface="微软雅黑" panose="020B0503020204020204" pitchFamily="34" charset="-122"/>
-            </a:endParaRPr>
           </a:p>
         </p:txBody>
       </p:sp>
@@ -24998,15 +24155,6 @@
               </a:rPr>
               <a:t>编辑</a:t>
             </a:r>
-            <a:endParaRPr lang="zh-CN" altLang="en-US" sz="900" dirty="0">
-              <a:solidFill>
-                <a:schemeClr val="accent6">
-                  <a:lumMod val="75000"/>
-                </a:schemeClr>
-              </a:solidFill>
-              <a:latin typeface="微软雅黑" panose="020B0503020204020204" pitchFamily="34" charset="-122"/>
-              <a:ea typeface="微软雅黑" panose="020B0503020204020204" pitchFamily="34" charset="-122"/>
-            </a:endParaRPr>
           </a:p>
         </p:txBody>
       </p:sp>
@@ -25064,13 +24212,6 @@
               </a:rPr>
               <a:t>删除</a:t>
             </a:r>
-            <a:endParaRPr lang="zh-CN" altLang="en-US" sz="900" dirty="0">
-              <a:solidFill>
-                <a:srgbClr val="FF0000"/>
-              </a:solidFill>
-              <a:latin typeface="微软雅黑" panose="020B0503020204020204" pitchFamily="34" charset="-122"/>
-              <a:ea typeface="微软雅黑" panose="020B0503020204020204" pitchFamily="34" charset="-122"/>
-            </a:endParaRPr>
           </a:p>
         </p:txBody>
       </p:sp>
@@ -25132,15 +24273,6 @@
               </a:rPr>
               <a:t>编辑</a:t>
             </a:r>
-            <a:endParaRPr lang="zh-CN" altLang="en-US" sz="900" dirty="0">
-              <a:solidFill>
-                <a:schemeClr val="accent6">
-                  <a:lumMod val="75000"/>
-                </a:schemeClr>
-              </a:solidFill>
-              <a:latin typeface="微软雅黑" panose="020B0503020204020204" pitchFamily="34" charset="-122"/>
-              <a:ea typeface="微软雅黑" panose="020B0503020204020204" pitchFamily="34" charset="-122"/>
-            </a:endParaRPr>
           </a:p>
         </p:txBody>
       </p:sp>
@@ -25198,13 +24330,6 @@
               </a:rPr>
               <a:t>删除</a:t>
             </a:r>
-            <a:endParaRPr lang="zh-CN" altLang="en-US" sz="900" dirty="0">
-              <a:solidFill>
-                <a:srgbClr val="FF0000"/>
-              </a:solidFill>
-              <a:latin typeface="微软雅黑" panose="020B0503020204020204" pitchFamily="34" charset="-122"/>
-              <a:ea typeface="微软雅黑" panose="020B0503020204020204" pitchFamily="34" charset="-122"/>
-            </a:endParaRPr>
           </a:p>
         </p:txBody>
       </p:sp>
@@ -25266,15 +24391,6 @@
               </a:rPr>
               <a:t>编辑</a:t>
             </a:r>
-            <a:endParaRPr lang="zh-CN" altLang="en-US" sz="900" dirty="0">
-              <a:solidFill>
-                <a:schemeClr val="accent6">
-                  <a:lumMod val="75000"/>
-                </a:schemeClr>
-              </a:solidFill>
-              <a:latin typeface="微软雅黑" panose="020B0503020204020204" pitchFamily="34" charset="-122"/>
-              <a:ea typeface="微软雅黑" panose="020B0503020204020204" pitchFamily="34" charset="-122"/>
-            </a:endParaRPr>
           </a:p>
         </p:txBody>
       </p:sp>
@@ -25332,13 +24448,6 @@
               </a:rPr>
               <a:t>删除</a:t>
             </a:r>
-            <a:endParaRPr lang="zh-CN" altLang="en-US" sz="900" dirty="0">
-              <a:solidFill>
-                <a:srgbClr val="FF0000"/>
-              </a:solidFill>
-              <a:latin typeface="微软雅黑" panose="020B0503020204020204" pitchFamily="34" charset="-122"/>
-              <a:ea typeface="微软雅黑" panose="020B0503020204020204" pitchFamily="34" charset="-122"/>
-            </a:endParaRPr>
           </a:p>
         </p:txBody>
       </p:sp>
@@ -25400,15 +24509,6 @@
               </a:rPr>
               <a:t>编辑</a:t>
             </a:r>
-            <a:endParaRPr lang="zh-CN" altLang="en-US" sz="900" dirty="0">
-              <a:solidFill>
-                <a:schemeClr val="accent6">
-                  <a:lumMod val="75000"/>
-                </a:schemeClr>
-              </a:solidFill>
-              <a:latin typeface="微软雅黑" panose="020B0503020204020204" pitchFamily="34" charset="-122"/>
-              <a:ea typeface="微软雅黑" panose="020B0503020204020204" pitchFamily="34" charset="-122"/>
-            </a:endParaRPr>
           </a:p>
         </p:txBody>
       </p:sp>
@@ -25466,13 +24566,6 @@
               </a:rPr>
               <a:t>删除</a:t>
             </a:r>
-            <a:endParaRPr lang="zh-CN" altLang="en-US" sz="900" dirty="0">
-              <a:solidFill>
-                <a:srgbClr val="FF0000"/>
-              </a:solidFill>
-              <a:latin typeface="微软雅黑" panose="020B0503020204020204" pitchFamily="34" charset="-122"/>
-              <a:ea typeface="微软雅黑" panose="020B0503020204020204" pitchFamily="34" charset="-122"/>
-            </a:endParaRPr>
           </a:p>
         </p:txBody>
       </p:sp>
@@ -25534,15 +24627,6 @@
               </a:rPr>
               <a:t>编辑</a:t>
             </a:r>
-            <a:endParaRPr lang="zh-CN" altLang="en-US" sz="900" dirty="0">
-              <a:solidFill>
-                <a:schemeClr val="accent6">
-                  <a:lumMod val="75000"/>
-                </a:schemeClr>
-              </a:solidFill>
-              <a:latin typeface="微软雅黑" panose="020B0503020204020204" pitchFamily="34" charset="-122"/>
-              <a:ea typeface="微软雅黑" panose="020B0503020204020204" pitchFamily="34" charset="-122"/>
-            </a:endParaRPr>
           </a:p>
         </p:txBody>
       </p:sp>
@@ -25600,13 +24684,6 @@
               </a:rPr>
               <a:t>删除</a:t>
             </a:r>
-            <a:endParaRPr lang="zh-CN" altLang="en-US" sz="900" dirty="0">
-              <a:solidFill>
-                <a:srgbClr val="FF0000"/>
-              </a:solidFill>
-              <a:latin typeface="微软雅黑" panose="020B0503020204020204" pitchFamily="34" charset="-122"/>
-              <a:ea typeface="微软雅黑" panose="020B0503020204020204" pitchFamily="34" charset="-122"/>
-            </a:endParaRPr>
           </a:p>
         </p:txBody>
       </p:sp>
@@ -25668,15 +24745,6 @@
               </a:rPr>
               <a:t>编辑</a:t>
             </a:r>
-            <a:endParaRPr lang="zh-CN" altLang="en-US" sz="900" dirty="0">
-              <a:solidFill>
-                <a:schemeClr val="accent6">
-                  <a:lumMod val="75000"/>
-                </a:schemeClr>
-              </a:solidFill>
-              <a:latin typeface="微软雅黑" panose="020B0503020204020204" pitchFamily="34" charset="-122"/>
-              <a:ea typeface="微软雅黑" panose="020B0503020204020204" pitchFamily="34" charset="-122"/>
-            </a:endParaRPr>
           </a:p>
         </p:txBody>
       </p:sp>
@@ -25734,13 +24802,6 @@
               </a:rPr>
               <a:t>删除</a:t>
             </a:r>
-            <a:endParaRPr lang="zh-CN" altLang="en-US" sz="900" dirty="0">
-              <a:solidFill>
-                <a:srgbClr val="FF0000"/>
-              </a:solidFill>
-              <a:latin typeface="微软雅黑" panose="020B0503020204020204" pitchFamily="34" charset="-122"/>
-              <a:ea typeface="微软雅黑" panose="020B0503020204020204" pitchFamily="34" charset="-122"/>
-            </a:endParaRPr>
           </a:p>
         </p:txBody>
       </p:sp>
@@ -25806,16 +24867,6 @@
               </a:rPr>
               <a:t>新 建</a:t>
             </a:r>
-            <a:endParaRPr lang="zh-CN" altLang="en-US" sz="1600" dirty="0">
-              <a:solidFill>
-                <a:schemeClr val="accent4">
-                  <a:lumMod val="60000"/>
-                  <a:lumOff val="40000"/>
-                </a:schemeClr>
-              </a:solidFill>
-              <a:latin typeface="微软雅黑" panose="020B0503020204020204" pitchFamily="34" charset="-122"/>
-              <a:ea typeface="微软雅黑" panose="020B0503020204020204" pitchFamily="34" charset="-122"/>
-            </a:endParaRPr>
           </a:p>
         </p:txBody>
       </p:sp>
@@ -25873,7 +24924,6 @@
               <a:rPr lang="zh-CN" altLang="en-US" sz="1400" dirty="0"/>
               <a:t>箱装入库</a:t>
             </a:r>
-            <a:endParaRPr lang="zh-CN" altLang="en-US" sz="1400" dirty="0"/>
           </a:p>
         </p:txBody>
       </p:sp>
@@ -25935,13 +24985,6 @@
               </a:rPr>
               <a:t>单装入库</a:t>
             </a:r>
-            <a:endParaRPr lang="zh-CN" altLang="en-US" sz="1400" dirty="0">
-              <a:solidFill>
-                <a:schemeClr val="accent6">
-                  <a:lumMod val="75000"/>
-                </a:schemeClr>
-              </a:solidFill>
-            </a:endParaRPr>
           </a:p>
         </p:txBody>
       </p:sp>
@@ -26040,15 +25083,6 @@
               </a:rPr>
               <a:t>保 存</a:t>
             </a:r>
-            <a:endParaRPr lang="zh-CN" altLang="en-US" sz="1400" b="1" dirty="0">
-              <a:solidFill>
-                <a:schemeClr val="accent6">
-                  <a:lumMod val="75000"/>
-                </a:schemeClr>
-              </a:solidFill>
-              <a:latin typeface="微软雅黑" panose="020B0503020204020204" pitchFamily="34" charset="-122"/>
-              <a:ea typeface="微软雅黑" panose="020B0503020204020204" pitchFamily="34" charset="-122"/>
-            </a:endParaRPr>
           </a:p>
         </p:txBody>
       </p:sp>
@@ -26106,13 +25140,6 @@
               </a:rPr>
               <a:t>取消</a:t>
             </a:r>
-            <a:endParaRPr lang="zh-CN" altLang="en-US" sz="1400" b="1" dirty="0">
-              <a:solidFill>
-                <a:srgbClr val="FF0000"/>
-              </a:solidFill>
-              <a:latin typeface="微软雅黑" panose="020B0503020204020204" pitchFamily="34" charset="-122"/>
-              <a:ea typeface="微软雅黑" panose="020B0503020204020204" pitchFamily="34" charset="-122"/>
-            </a:endParaRPr>
           </a:p>
         </p:txBody>
       </p:sp>
@@ -26207,7 +25234,6 @@
               <a:rPr lang="zh-CN" altLang="en-US" dirty="0"/>
               <a:t>点击装箱单号进入对应的装箱单</a:t>
             </a:r>
-            <a:endParaRPr lang="zh-CN" altLang="en-US" dirty="0"/>
           </a:p>
         </p:txBody>
       </p:sp>
@@ -26489,7 +25515,6 @@
               <a:rPr lang="zh-CN" altLang="en-US" dirty="0"/>
               <a:t>操作员可以对装箱信息进行增删查改</a:t>
             </a:r>
-            <a:endParaRPr lang="zh-CN" altLang="en-US" dirty="0"/>
           </a:p>
         </p:txBody>
       </p:sp>
@@ -26527,15 +25552,6 @@
               </a:rPr>
               <a:t>枪 支 信 息 智 能 管 理 系 统</a:t>
             </a:r>
-            <a:endParaRPr lang="zh-CN" altLang="en-US" sz="2400" b="1" dirty="0">
-              <a:solidFill>
-                <a:schemeClr val="accent6">
-                  <a:lumMod val="75000"/>
-                </a:schemeClr>
-              </a:solidFill>
-              <a:latin typeface="微软雅黑" panose="020B0503020204020204" pitchFamily="34" charset="-122"/>
-              <a:ea typeface="微软雅黑" panose="020B0503020204020204" pitchFamily="34" charset="-122"/>
-            </a:endParaRPr>
           </a:p>
         </p:txBody>
       </p:sp>
@@ -26548,7 +25564,7 @@
           <p:nvPr/>
         </p:nvPicPr>
         <p:blipFill>
-          <a:blip r:embed="rId2">
+          <a:blip r:embed="rId3" cstate="print">
             <a:extLst>
               <a:ext uri="{28A0092B-C50C-407E-A947-70E740481C1C}">
                 <a14:useLocalDpi xmlns:a14="http://schemas.microsoft.com/office/drawing/2010/main" val="0"/>
@@ -26633,13 +25649,6 @@
                 </a:rPr>
                 <a:t>返回</a:t>
               </a:r>
-              <a:endParaRPr lang="zh-CN" altLang="en-US" sz="1400" b="1" dirty="0">
-                <a:solidFill>
-                  <a:srgbClr val="00B0F0"/>
-                </a:solidFill>
-                <a:latin typeface="微软雅黑" panose="020B0503020204020204" pitchFamily="34" charset="-122"/>
-                <a:ea typeface="微软雅黑" panose="020B0503020204020204" pitchFamily="34" charset="-122"/>
-              </a:endParaRPr>
             </a:p>
           </p:txBody>
         </p:sp>
@@ -26748,10 +25757,6 @@
               </a:rPr>
               <a:t>箱装入库装箱信息管理页面</a:t>
             </a:r>
-            <a:endParaRPr lang="zh-CN" altLang="en-US" b="1" dirty="0">
-              <a:latin typeface="微软雅黑" panose="020B0503020204020204" pitchFamily="34" charset="-122"/>
-              <a:ea typeface="微软雅黑" panose="020B0503020204020204" pitchFamily="34" charset="-122"/>
-            </a:endParaRPr>
           </a:p>
         </p:txBody>
       </p:sp>
@@ -26904,15 +25909,6 @@
               </a:rPr>
               <a:t>账号管理</a:t>
             </a:r>
-            <a:endParaRPr lang="zh-CN" altLang="en-US" dirty="0">
-              <a:solidFill>
-                <a:schemeClr val="accent6">
-                  <a:lumMod val="75000"/>
-                </a:schemeClr>
-              </a:solidFill>
-              <a:latin typeface="微软雅黑" panose="020B0503020204020204" pitchFamily="34" charset="-122"/>
-              <a:ea typeface="微软雅黑" panose="020B0503020204020204" pitchFamily="34" charset="-122"/>
-            </a:endParaRPr>
           </a:p>
         </p:txBody>
       </p:sp>
@@ -26976,13 +25972,6 @@
               </a:rPr>
               <a:t>编码检视</a:t>
             </a:r>
-            <a:endParaRPr lang="zh-CN" altLang="en-US" dirty="0">
-              <a:solidFill>
-                <a:schemeClr val="bg1"/>
-              </a:solidFill>
-              <a:latin typeface="微软雅黑" panose="020B0503020204020204" pitchFamily="34" charset="-122"/>
-              <a:ea typeface="微软雅黑" panose="020B0503020204020204" pitchFamily="34" charset="-122"/>
-            </a:endParaRPr>
           </a:p>
         </p:txBody>
       </p:sp>
@@ -27046,15 +26035,6 @@
               </a:rPr>
               <a:t>信息管理</a:t>
             </a:r>
-            <a:endParaRPr lang="zh-CN" altLang="en-US" dirty="0">
-              <a:solidFill>
-                <a:schemeClr val="accent6">
-                  <a:lumMod val="75000"/>
-                </a:schemeClr>
-              </a:solidFill>
-              <a:latin typeface="微软雅黑" panose="020B0503020204020204" pitchFamily="34" charset="-122"/>
-              <a:ea typeface="微软雅黑" panose="020B0503020204020204" pitchFamily="34" charset="-122"/>
-            </a:endParaRPr>
           </a:p>
         </p:txBody>
       </p:sp>
@@ -27072,7 +26052,7 @@
         </p:nvGraphicFramePr>
         <p:xfrm>
           <a:off x="927094" y="2836756"/>
-          <a:ext cx="10352405" cy="2321560"/>
+          <a:ext cx="10352627" cy="2321717"/>
         </p:xfrm>
         <a:graphic>
           <a:graphicData uri="http://schemas.openxmlformats.org/drawingml/2006/table">
@@ -27081,15 +26061,69 @@
                 <a:tableStyleId>{93296810-A885-4BE3-A3E7-6D5BEEA58F35}</a:tableStyleId>
               </a:tblPr>
               <a:tblGrid>
-                <a:gridCol w="489917"/>
-                <a:gridCol w="1895572"/>
-                <a:gridCol w="1540934"/>
-                <a:gridCol w="1430866"/>
-                <a:gridCol w="1320800"/>
-                <a:gridCol w="762000"/>
-                <a:gridCol w="592667"/>
-                <a:gridCol w="1232180"/>
-                <a:gridCol w="1087691"/>
+                <a:gridCol w="489917">
+                  <a:extLst>
+                    <a:ext uri="{9D8B030D-6E8A-4147-A177-3AD203B41FA5}">
+                      <a16:colId xmlns:a16="http://schemas.microsoft.com/office/drawing/2014/main" val="20000"/>
+                    </a:ext>
+                  </a:extLst>
+                </a:gridCol>
+                <a:gridCol w="1895572">
+                  <a:extLst>
+                    <a:ext uri="{9D8B030D-6E8A-4147-A177-3AD203B41FA5}">
+                      <a16:colId xmlns:a16="http://schemas.microsoft.com/office/drawing/2014/main" val="20001"/>
+                    </a:ext>
+                  </a:extLst>
+                </a:gridCol>
+                <a:gridCol w="1540934">
+                  <a:extLst>
+                    <a:ext uri="{9D8B030D-6E8A-4147-A177-3AD203B41FA5}">
+                      <a16:colId xmlns:a16="http://schemas.microsoft.com/office/drawing/2014/main" val="20002"/>
+                    </a:ext>
+                  </a:extLst>
+                </a:gridCol>
+                <a:gridCol w="1430866">
+                  <a:extLst>
+                    <a:ext uri="{9D8B030D-6E8A-4147-A177-3AD203B41FA5}">
+                      <a16:colId xmlns:a16="http://schemas.microsoft.com/office/drawing/2014/main" val="20003"/>
+                    </a:ext>
+                  </a:extLst>
+                </a:gridCol>
+                <a:gridCol w="1320800">
+                  <a:extLst>
+                    <a:ext uri="{9D8B030D-6E8A-4147-A177-3AD203B41FA5}">
+                      <a16:colId xmlns:a16="http://schemas.microsoft.com/office/drawing/2014/main" val="20004"/>
+                    </a:ext>
+                  </a:extLst>
+                </a:gridCol>
+                <a:gridCol w="762000">
+                  <a:extLst>
+                    <a:ext uri="{9D8B030D-6E8A-4147-A177-3AD203B41FA5}">
+                      <a16:colId xmlns:a16="http://schemas.microsoft.com/office/drawing/2014/main" val="20005"/>
+                    </a:ext>
+                  </a:extLst>
+                </a:gridCol>
+                <a:gridCol w="592667">
+                  <a:extLst>
+                    <a:ext uri="{9D8B030D-6E8A-4147-A177-3AD203B41FA5}">
+                      <a16:colId xmlns:a16="http://schemas.microsoft.com/office/drawing/2014/main" val="20006"/>
+                    </a:ext>
+                  </a:extLst>
+                </a:gridCol>
+                <a:gridCol w="1232180">
+                  <a:extLst>
+                    <a:ext uri="{9D8B030D-6E8A-4147-A177-3AD203B41FA5}">
+                      <a16:colId xmlns:a16="http://schemas.microsoft.com/office/drawing/2014/main" val="20007"/>
+                    </a:ext>
+                  </a:extLst>
+                </a:gridCol>
+                <a:gridCol w="1087691">
+                  <a:extLst>
+                    <a:ext uri="{9D8B030D-6E8A-4147-A177-3AD203B41FA5}">
+                      <a16:colId xmlns:a16="http://schemas.microsoft.com/office/drawing/2014/main" val="20008"/>
+                    </a:ext>
+                  </a:extLst>
+                </a:gridCol>
               </a:tblGrid>
               <a:tr h="457780">
                 <a:tc>
@@ -27105,10 +26139,6 @@
                         </a:rPr>
                         <a:t>序号</a:t>
                       </a:r>
-                      <a:endParaRPr lang="zh-CN" altLang="en-US" sz="900" b="1" dirty="0">
-                        <a:latin typeface="微软雅黑" panose="020B0503020204020204" pitchFamily="34" charset="-122"/>
-                        <a:ea typeface="微软雅黑" panose="020B0503020204020204" pitchFamily="34" charset="-122"/>
-                      </a:endParaRPr>
                     </a:p>
                   </a:txBody>
                   <a:tcPr anchor="ctr"/>
@@ -27126,10 +26156,6 @@
                         </a:rPr>
                         <a:t>装箱单号</a:t>
                       </a:r>
-                      <a:endParaRPr lang="zh-CN" altLang="en-US" sz="900" b="1" dirty="0">
-                        <a:latin typeface="微软雅黑" panose="020B0503020204020204" pitchFamily="34" charset="-122"/>
-                        <a:ea typeface="微软雅黑" panose="020B0503020204020204" pitchFamily="34" charset="-122"/>
-                      </a:endParaRPr>
                     </a:p>
                   </a:txBody>
                   <a:tcPr anchor="ctr"/>
@@ -27147,10 +26173,6 @@
                         </a:rPr>
                         <a:t>装备代码</a:t>
                       </a:r>
-                      <a:endParaRPr lang="zh-CN" altLang="en-US" sz="900" b="1" dirty="0">
-                        <a:latin typeface="微软雅黑" panose="020B0503020204020204" pitchFamily="34" charset="-122"/>
-                        <a:ea typeface="微软雅黑" panose="020B0503020204020204" pitchFamily="34" charset="-122"/>
-                      </a:endParaRPr>
                     </a:p>
                   </a:txBody>
                   <a:tcPr anchor="ctr"/>
@@ -27168,10 +26190,6 @@
                         </a:rPr>
                         <a:t>装备（部件）名称</a:t>
                       </a:r>
-                      <a:endParaRPr lang="zh-CN" altLang="en-US" sz="900" b="1" dirty="0">
-                        <a:latin typeface="微软雅黑" panose="020B0503020204020204" pitchFamily="34" charset="-122"/>
-                        <a:ea typeface="微软雅黑" panose="020B0503020204020204" pitchFamily="34" charset="-122"/>
-                      </a:endParaRPr>
                     </a:p>
                   </a:txBody>
                   <a:tcPr anchor="ctr"/>
@@ -27189,10 +26207,6 @@
                         </a:rPr>
                         <a:t>单装编号</a:t>
                       </a:r>
-                      <a:endParaRPr lang="zh-CN" altLang="en-US" sz="900" b="1" dirty="0">
-                        <a:latin typeface="微软雅黑" panose="020B0503020204020204" pitchFamily="34" charset="-122"/>
-                        <a:ea typeface="微软雅黑" panose="020B0503020204020204" pitchFamily="34" charset="-122"/>
-                      </a:endParaRPr>
                     </a:p>
                   </a:txBody>
                   <a:tcPr anchor="ctr"/>
@@ -27210,10 +26224,6 @@
                         </a:rPr>
                         <a:t>计量单位</a:t>
                       </a:r>
-                      <a:endParaRPr lang="zh-CN" altLang="en-US" sz="900" b="1" dirty="0">
-                        <a:latin typeface="微软雅黑" panose="020B0503020204020204" pitchFamily="34" charset="-122"/>
-                        <a:ea typeface="微软雅黑" panose="020B0503020204020204" pitchFamily="34" charset="-122"/>
-                      </a:endParaRPr>
                     </a:p>
                   </a:txBody>
                   <a:tcPr anchor="ctr"/>
@@ -27231,10 +26241,6 @@
                         </a:rPr>
                         <a:t>数量</a:t>
                       </a:r>
-                      <a:endParaRPr lang="zh-CN" altLang="en-US" sz="900" b="1" dirty="0">
-                        <a:latin typeface="微软雅黑" panose="020B0503020204020204" pitchFamily="34" charset="-122"/>
-                        <a:ea typeface="微软雅黑" panose="020B0503020204020204" pitchFamily="34" charset="-122"/>
-                      </a:endParaRPr>
                     </a:p>
                   </a:txBody>
                   <a:tcPr anchor="ctr"/>
@@ -27252,10 +26258,6 @@
                         </a:rPr>
                         <a:t>重要部件缺失情况</a:t>
                       </a:r>
-                      <a:endParaRPr lang="zh-CN" altLang="en-US" sz="900" b="1" dirty="0">
-                        <a:latin typeface="微软雅黑" panose="020B0503020204020204" pitchFamily="34" charset="-122"/>
-                        <a:ea typeface="微软雅黑" panose="020B0503020204020204" pitchFamily="34" charset="-122"/>
-                      </a:endParaRPr>
                     </a:p>
                   </a:txBody>
                   <a:tcPr anchor="ctr"/>
@@ -27273,14 +26275,15 @@
                         </a:rPr>
                         <a:t>操作</a:t>
                       </a:r>
-                      <a:endParaRPr lang="zh-CN" altLang="en-US" sz="900" b="1" dirty="0">
-                        <a:latin typeface="微软雅黑" panose="020B0503020204020204" pitchFamily="34" charset="-122"/>
-                        <a:ea typeface="微软雅黑" panose="020B0503020204020204" pitchFamily="34" charset="-122"/>
-                      </a:endParaRPr>
-                    </a:p>
-                  </a:txBody>
-                  <a:tcPr anchor="ctr"/>
-                </a:tc>
+                    </a:p>
+                  </a:txBody>
+                  <a:tcPr anchor="ctr"/>
+                </a:tc>
+                <a:extLst>
+                  <a:ext uri="{0D108BD9-81ED-4DB2-BD59-A6C34878D82A}">
+                    <a16:rowId xmlns:a16="http://schemas.microsoft.com/office/drawing/2014/main" val="10000"/>
+                  </a:ext>
+                </a:extLst>
               </a:tr>
               <a:tr h="386715">
                 <a:tc>
@@ -27317,10 +26320,6 @@
                         </a:rPr>
                         <a:t>AH-20201113-001</a:t>
                       </a:r>
-                      <a:endParaRPr lang="en-US" altLang="zh-CN" sz="800" dirty="0">
-                        <a:latin typeface="微软雅黑" panose="020B0503020204020204" pitchFamily="34" charset="-122"/>
-                        <a:ea typeface="微软雅黑" panose="020B0503020204020204" pitchFamily="34" charset="-122"/>
-                      </a:endParaRPr>
                     </a:p>
                   </a:txBody>
                   <a:tcPr anchor="ctr"/>
@@ -27374,14 +26373,6 @@
                         </a:rPr>
                         <a:t>式手枪</a:t>
                       </a:r>
-                      <a:endParaRPr lang="zh-CN" altLang="en-US" sz="800" kern="1200" dirty="0">
-                        <a:solidFill>
-                          <a:schemeClr val="dk1"/>
-                        </a:solidFill>
-                        <a:latin typeface="微软雅黑" panose="020B0503020204020204" pitchFamily="34" charset="-122"/>
-                        <a:ea typeface="微软雅黑" panose="020B0503020204020204" pitchFamily="34" charset="-122"/>
-                        <a:cs typeface="+mn-cs"/>
-                      </a:endParaRPr>
                     </a:p>
                   </a:txBody>
                   <a:tcPr anchor="ctr"/>
@@ -27447,6 +26438,27 @@
                         </a:rPr>
                         <a:t>支</a:t>
                       </a:r>
+                    </a:p>
+                  </a:txBody>
+                  <a:tcPr anchor="ctr"/>
+                </a:tc>
+                <a:tc>
+                  <a:txBody>
+                    <a:bodyPr/>
+                    <a:lstStyle/>
+                    <a:p>
+                      <a:pPr algn="ctr"/>
+                      <a:r>
+                        <a:rPr lang="en-US" altLang="zh-CN" sz="800" kern="1200" dirty="0">
+                          <a:solidFill>
+                            <a:schemeClr val="dk1"/>
+                          </a:solidFill>
+                          <a:latin typeface="微软雅黑" panose="020B0503020204020204" pitchFamily="34" charset="-122"/>
+                          <a:ea typeface="微软雅黑" panose="020B0503020204020204" pitchFamily="34" charset="-122"/>
+                          <a:cs typeface="+mn-cs"/>
+                        </a:rPr>
+                        <a:t>1</a:t>
+                      </a:r>
                       <a:endParaRPr lang="zh-CN" altLang="en-US" sz="800" kern="1200" dirty="0">
                         <a:solidFill>
                           <a:schemeClr val="dk1"/>
@@ -27465,17 +26477,6 @@
                     <a:lstStyle/>
                     <a:p>
                       <a:pPr algn="ctr"/>
-                      <a:r>
-                        <a:rPr lang="en-US" altLang="zh-CN" sz="800" kern="1200" dirty="0">
-                          <a:solidFill>
-                            <a:schemeClr val="dk1"/>
-                          </a:solidFill>
-                          <a:latin typeface="微软雅黑" panose="020B0503020204020204" pitchFamily="34" charset="-122"/>
-                          <a:ea typeface="微软雅黑" panose="020B0503020204020204" pitchFamily="34" charset="-122"/>
-                          <a:cs typeface="+mn-cs"/>
-                        </a:rPr>
-                        <a:t>1</a:t>
-                      </a:r>
                       <a:endParaRPr lang="zh-CN" altLang="en-US" sz="800" kern="1200" dirty="0">
                         <a:solidFill>
                           <a:schemeClr val="dk1"/>
@@ -27494,24 +26495,6 @@
                     <a:lstStyle/>
                     <a:p>
                       <a:pPr algn="ctr"/>
-                      <a:endParaRPr lang="zh-CN" altLang="en-US" sz="800" kern="1200" dirty="0">
-                        <a:solidFill>
-                          <a:schemeClr val="dk1"/>
-                        </a:solidFill>
-                        <a:latin typeface="微软雅黑" panose="020B0503020204020204" pitchFamily="34" charset="-122"/>
-                        <a:ea typeface="微软雅黑" panose="020B0503020204020204" pitchFamily="34" charset="-122"/>
-                        <a:cs typeface="+mn-cs"/>
-                      </a:endParaRPr>
-                    </a:p>
-                  </a:txBody>
-                  <a:tcPr anchor="ctr"/>
-                </a:tc>
-                <a:tc>
-                  <a:txBody>
-                    <a:bodyPr/>
-                    <a:lstStyle/>
-                    <a:p>
-                      <a:pPr algn="ctr"/>
                       <a:endParaRPr lang="zh-CN" altLang="en-US" sz="1400" dirty="0">
                         <a:latin typeface="微软雅黑" panose="020B0503020204020204" pitchFamily="34" charset="-122"/>
                         <a:ea typeface="微软雅黑" panose="020B0503020204020204" pitchFamily="34" charset="-122"/>
@@ -27520,6 +26503,11 @@
                   </a:txBody>
                   <a:tcPr anchor="ctr"/>
                 </a:tc>
+                <a:extLst>
+                  <a:ext uri="{0D108BD9-81ED-4DB2-BD59-A6C34878D82A}">
+                    <a16:rowId xmlns:a16="http://schemas.microsoft.com/office/drawing/2014/main" val="10001"/>
+                  </a:ext>
+                </a:extLst>
               </a:tr>
               <a:tr h="376555">
                 <a:tc>
@@ -27628,14 +26616,6 @@
                         </a:rPr>
                         <a:t>式手枪</a:t>
                       </a:r>
-                      <a:endParaRPr lang="zh-CN" altLang="en-US" sz="800" kern="1200" dirty="0">
-                        <a:solidFill>
-                          <a:schemeClr val="dk1"/>
-                        </a:solidFill>
-                        <a:latin typeface="微软雅黑" panose="020B0503020204020204" pitchFamily="34" charset="-122"/>
-                        <a:ea typeface="微软雅黑" panose="020B0503020204020204" pitchFamily="34" charset="-122"/>
-                        <a:cs typeface="+mn-cs"/>
-                      </a:endParaRPr>
                     </a:p>
                   </a:txBody>
                   <a:tcPr anchor="ctr"/>
@@ -27716,14 +26696,6 @@
                         </a:rPr>
                         <a:t>支</a:t>
                       </a:r>
-                      <a:endParaRPr lang="zh-CN" altLang="en-US" sz="800" kern="1200" dirty="0">
-                        <a:solidFill>
-                          <a:schemeClr val="dk1"/>
-                        </a:solidFill>
-                        <a:latin typeface="微软雅黑" panose="020B0503020204020204" pitchFamily="34" charset="-122"/>
-                        <a:ea typeface="微软雅黑" panose="020B0503020204020204" pitchFamily="34" charset="-122"/>
-                        <a:cs typeface="+mn-cs"/>
-                      </a:endParaRPr>
                     </a:p>
                   </a:txBody>
                   <a:tcPr anchor="ctr"/>
@@ -27839,6 +26811,11 @@
                   </a:txBody>
                   <a:tcPr anchor="ctr"/>
                 </a:tc>
+                <a:extLst>
+                  <a:ext uri="{0D108BD9-81ED-4DB2-BD59-A6C34878D82A}">
+                    <a16:rowId xmlns:a16="http://schemas.microsoft.com/office/drawing/2014/main" val="10002"/>
+                  </a:ext>
+                </a:extLst>
               </a:tr>
               <a:tr h="381000">
                 <a:tc>
@@ -27932,14 +26909,6 @@
                         </a:rPr>
                         <a:t>式手枪</a:t>
                       </a:r>
-                      <a:endParaRPr lang="zh-CN" altLang="en-US" sz="800" kern="1200" dirty="0">
-                        <a:solidFill>
-                          <a:schemeClr val="dk1"/>
-                        </a:solidFill>
-                        <a:latin typeface="微软雅黑" panose="020B0503020204020204" pitchFamily="34" charset="-122"/>
-                        <a:ea typeface="微软雅黑" panose="020B0503020204020204" pitchFamily="34" charset="-122"/>
-                        <a:cs typeface="+mn-cs"/>
-                      </a:endParaRPr>
                     </a:p>
                   </a:txBody>
                   <a:tcPr anchor="ctr"/>
@@ -27994,6 +26963,27 @@
                         </a:rPr>
                         <a:t>支</a:t>
                       </a:r>
+                    </a:p>
+                  </a:txBody>
+                  <a:tcPr anchor="ctr"/>
+                </a:tc>
+                <a:tc>
+                  <a:txBody>
+                    <a:bodyPr/>
+                    <a:lstStyle/>
+                    <a:p>
+                      <a:pPr algn="ctr"/>
+                      <a:r>
+                        <a:rPr lang="en-US" altLang="zh-CN" sz="800" kern="1200" dirty="0">
+                          <a:solidFill>
+                            <a:schemeClr val="dk1"/>
+                          </a:solidFill>
+                          <a:latin typeface="微软雅黑" panose="020B0503020204020204" pitchFamily="34" charset="-122"/>
+                          <a:ea typeface="微软雅黑" panose="020B0503020204020204" pitchFamily="34" charset="-122"/>
+                          <a:cs typeface="+mn-cs"/>
+                        </a:rPr>
+                        <a:t>1</a:t>
+                      </a:r>
                       <a:endParaRPr lang="zh-CN" altLang="en-US" sz="800" kern="1200" dirty="0">
                         <a:solidFill>
                           <a:schemeClr val="dk1"/>
@@ -28012,6 +27002,108 @@
                     <a:lstStyle/>
                     <a:p>
                       <a:pPr algn="ctr"/>
+                      <a:endParaRPr lang="zh-CN" altLang="en-US" sz="800" kern="1200" dirty="0">
+                        <a:solidFill>
+                          <a:schemeClr val="dk1"/>
+                        </a:solidFill>
+                        <a:latin typeface="微软雅黑" panose="020B0503020204020204" pitchFamily="34" charset="-122"/>
+                        <a:ea typeface="微软雅黑" panose="020B0503020204020204" pitchFamily="34" charset="-122"/>
+                        <a:cs typeface="+mn-cs"/>
+                      </a:endParaRPr>
+                    </a:p>
+                  </a:txBody>
+                  <a:tcPr anchor="ctr"/>
+                </a:tc>
+                <a:tc>
+                  <a:txBody>
+                    <a:bodyPr/>
+                    <a:lstStyle/>
+                    <a:p>
+                      <a:pPr algn="ctr"/>
+                      <a:endParaRPr lang="zh-CN" altLang="en-US" sz="1400" dirty="0">
+                        <a:latin typeface="微软雅黑" panose="020B0503020204020204" pitchFamily="34" charset="-122"/>
+                        <a:ea typeface="微软雅黑" panose="020B0503020204020204" pitchFamily="34" charset="-122"/>
+                      </a:endParaRPr>
+                    </a:p>
+                  </a:txBody>
+                  <a:tcPr anchor="ctr"/>
+                </a:tc>
+                <a:extLst>
+                  <a:ext uri="{0D108BD9-81ED-4DB2-BD59-A6C34878D82A}">
+                    <a16:rowId xmlns:a16="http://schemas.microsoft.com/office/drawing/2014/main" val="10003"/>
+                  </a:ext>
+                </a:extLst>
+              </a:tr>
+              <a:tr h="347133">
+                <a:tc>
+                  <a:txBody>
+                    <a:bodyPr/>
+                    <a:lstStyle/>
+                    <a:p>
+                      <a:pPr algn="ctr"/>
+                      <a:r>
+                        <a:rPr lang="en-US" altLang="zh-CN" sz="800" dirty="0">
+                          <a:latin typeface="微软雅黑" panose="020B0503020204020204" pitchFamily="34" charset="-122"/>
+                          <a:ea typeface="微软雅黑" panose="020B0503020204020204" pitchFamily="34" charset="-122"/>
+                        </a:rPr>
+                        <a:t>4</a:t>
+                      </a:r>
+                      <a:endParaRPr lang="zh-CN" altLang="en-US" sz="800" dirty="0">
+                        <a:latin typeface="微软雅黑" panose="020B0503020204020204" pitchFamily="34" charset="-122"/>
+                        <a:ea typeface="微软雅黑" panose="020B0503020204020204" pitchFamily="34" charset="-122"/>
+                      </a:endParaRPr>
+                    </a:p>
+                  </a:txBody>
+                  <a:tcPr anchor="ctr"/>
+                </a:tc>
+                <a:tc>
+                  <a:txBody>
+                    <a:bodyPr/>
+                    <a:lstStyle/>
+                    <a:p>
+                      <a:pPr algn="ctr"/>
+                      <a:r>
+                        <a:rPr lang="en-US" altLang="zh-CN" sz="800" dirty="0">
+                          <a:latin typeface="微软雅黑" panose="020B0503020204020204" pitchFamily="34" charset="-122"/>
+                          <a:ea typeface="微软雅黑" panose="020B0503020204020204" pitchFamily="34" charset="-122"/>
+                        </a:rPr>
+                        <a:t>AH-20201113-001</a:t>
+                      </a:r>
+                      <a:endParaRPr lang="zh-CN" altLang="en-US" sz="800" dirty="0">
+                        <a:latin typeface="微软雅黑" panose="020B0503020204020204" pitchFamily="34" charset="-122"/>
+                        <a:ea typeface="微软雅黑" panose="020B0503020204020204" pitchFamily="34" charset="-122"/>
+                      </a:endParaRPr>
+                    </a:p>
+                  </a:txBody>
+                  <a:tcPr anchor="ctr"/>
+                </a:tc>
+                <a:tc>
+                  <a:txBody>
+                    <a:bodyPr/>
+                    <a:lstStyle/>
+                    <a:p>
+                      <a:pPr algn="ctr"/>
+                      <a:r>
+                        <a:rPr lang="en-US" altLang="zh-CN" sz="800" dirty="0">
+                          <a:latin typeface="微软雅黑" panose="020B0503020204020204" pitchFamily="34" charset="-122"/>
+                          <a:ea typeface="微软雅黑" panose="020B0503020204020204" pitchFamily="34" charset="-122"/>
+                        </a:rPr>
+                        <a:t>GW-20200815021</a:t>
+                      </a:r>
+                      <a:endParaRPr lang="zh-CN" altLang="en-US" sz="800" dirty="0">
+                        <a:latin typeface="微软雅黑" panose="020B0503020204020204" pitchFamily="34" charset="-122"/>
+                        <a:ea typeface="微软雅黑" panose="020B0503020204020204" pitchFamily="34" charset="-122"/>
+                      </a:endParaRPr>
+                    </a:p>
+                  </a:txBody>
+                  <a:tcPr anchor="ctr"/>
+                </a:tc>
+                <a:tc>
+                  <a:txBody>
+                    <a:bodyPr/>
+                    <a:lstStyle/>
+                    <a:p>
+                      <a:pPr algn="ctr"/>
                       <a:r>
                         <a:rPr lang="en-US" altLang="zh-CN" sz="800" kern="1200" dirty="0">
                           <a:solidFill>
@@ -28021,132 +27113,6 @@
                           <a:ea typeface="微软雅黑" panose="020B0503020204020204" pitchFamily="34" charset="-122"/>
                           <a:cs typeface="+mn-cs"/>
                         </a:rPr>
-                        <a:t>1</a:t>
-                      </a:r>
-                      <a:endParaRPr lang="zh-CN" altLang="en-US" sz="800" kern="1200" dirty="0">
-                        <a:solidFill>
-                          <a:schemeClr val="dk1"/>
-                        </a:solidFill>
-                        <a:latin typeface="微软雅黑" panose="020B0503020204020204" pitchFamily="34" charset="-122"/>
-                        <a:ea typeface="微软雅黑" panose="020B0503020204020204" pitchFamily="34" charset="-122"/>
-                        <a:cs typeface="+mn-cs"/>
-                      </a:endParaRPr>
-                    </a:p>
-                  </a:txBody>
-                  <a:tcPr anchor="ctr"/>
-                </a:tc>
-                <a:tc>
-                  <a:txBody>
-                    <a:bodyPr/>
-                    <a:lstStyle/>
-                    <a:p>
-                      <a:pPr algn="ctr"/>
-                      <a:endParaRPr lang="zh-CN" altLang="en-US" sz="800" kern="1200" dirty="0">
-                        <a:solidFill>
-                          <a:schemeClr val="dk1"/>
-                        </a:solidFill>
-                        <a:latin typeface="微软雅黑" panose="020B0503020204020204" pitchFamily="34" charset="-122"/>
-                        <a:ea typeface="微软雅黑" panose="020B0503020204020204" pitchFamily="34" charset="-122"/>
-                        <a:cs typeface="+mn-cs"/>
-                      </a:endParaRPr>
-                    </a:p>
-                  </a:txBody>
-                  <a:tcPr anchor="ctr"/>
-                </a:tc>
-                <a:tc>
-                  <a:txBody>
-                    <a:bodyPr/>
-                    <a:lstStyle/>
-                    <a:p>
-                      <a:pPr algn="ctr"/>
-                      <a:endParaRPr lang="zh-CN" altLang="en-US" sz="1400" dirty="0">
-                        <a:latin typeface="微软雅黑" panose="020B0503020204020204" pitchFamily="34" charset="-122"/>
-                        <a:ea typeface="微软雅黑" panose="020B0503020204020204" pitchFamily="34" charset="-122"/>
-                      </a:endParaRPr>
-                    </a:p>
-                  </a:txBody>
-                  <a:tcPr anchor="ctr"/>
-                </a:tc>
-              </a:tr>
-              <a:tr h="347133">
-                <a:tc>
-                  <a:txBody>
-                    <a:bodyPr/>
-                    <a:lstStyle/>
-                    <a:p>
-                      <a:pPr algn="ctr"/>
-                      <a:r>
-                        <a:rPr lang="en-US" altLang="zh-CN" sz="800" dirty="0">
-                          <a:latin typeface="微软雅黑" panose="020B0503020204020204" pitchFamily="34" charset="-122"/>
-                          <a:ea typeface="微软雅黑" panose="020B0503020204020204" pitchFamily="34" charset="-122"/>
-                        </a:rPr>
-                        <a:t>4</a:t>
-                      </a:r>
-                      <a:endParaRPr lang="zh-CN" altLang="en-US" sz="800" dirty="0">
-                        <a:latin typeface="微软雅黑" panose="020B0503020204020204" pitchFamily="34" charset="-122"/>
-                        <a:ea typeface="微软雅黑" panose="020B0503020204020204" pitchFamily="34" charset="-122"/>
-                      </a:endParaRPr>
-                    </a:p>
-                  </a:txBody>
-                  <a:tcPr anchor="ctr"/>
-                </a:tc>
-                <a:tc>
-                  <a:txBody>
-                    <a:bodyPr/>
-                    <a:lstStyle/>
-                    <a:p>
-                      <a:pPr algn="ctr"/>
-                      <a:r>
-                        <a:rPr lang="en-US" altLang="zh-CN" sz="800" dirty="0">
-                          <a:latin typeface="微软雅黑" panose="020B0503020204020204" pitchFamily="34" charset="-122"/>
-                          <a:ea typeface="微软雅黑" panose="020B0503020204020204" pitchFamily="34" charset="-122"/>
-                        </a:rPr>
-                        <a:t>AH-20201113-001</a:t>
-                      </a:r>
-                      <a:endParaRPr lang="zh-CN" altLang="en-US" sz="800" dirty="0">
-                        <a:latin typeface="微软雅黑" panose="020B0503020204020204" pitchFamily="34" charset="-122"/>
-                        <a:ea typeface="微软雅黑" panose="020B0503020204020204" pitchFamily="34" charset="-122"/>
-                      </a:endParaRPr>
-                    </a:p>
-                  </a:txBody>
-                  <a:tcPr anchor="ctr"/>
-                </a:tc>
-                <a:tc>
-                  <a:txBody>
-                    <a:bodyPr/>
-                    <a:lstStyle/>
-                    <a:p>
-                      <a:pPr algn="ctr"/>
-                      <a:r>
-                        <a:rPr lang="en-US" altLang="zh-CN" sz="800" dirty="0">
-                          <a:latin typeface="微软雅黑" panose="020B0503020204020204" pitchFamily="34" charset="-122"/>
-                          <a:ea typeface="微软雅黑" panose="020B0503020204020204" pitchFamily="34" charset="-122"/>
-                        </a:rPr>
-                        <a:t>GW-20200815021</a:t>
-                      </a:r>
-                      <a:endParaRPr lang="zh-CN" altLang="en-US" sz="800" dirty="0">
-                        <a:latin typeface="微软雅黑" panose="020B0503020204020204" pitchFamily="34" charset="-122"/>
-                        <a:ea typeface="微软雅黑" panose="020B0503020204020204" pitchFamily="34" charset="-122"/>
-                      </a:endParaRPr>
-                    </a:p>
-                  </a:txBody>
-                  <a:tcPr anchor="ctr"/>
-                </a:tc>
-                <a:tc>
-                  <a:txBody>
-                    <a:bodyPr/>
-                    <a:lstStyle/>
-                    <a:p>
-                      <a:pPr algn="ctr"/>
-                      <a:r>
-                        <a:rPr lang="en-US" altLang="zh-CN" sz="800" kern="1200" dirty="0">
-                          <a:solidFill>
-                            <a:schemeClr val="dk1"/>
-                          </a:solidFill>
-                          <a:latin typeface="微软雅黑" panose="020B0503020204020204" pitchFamily="34" charset="-122"/>
-                          <a:ea typeface="微软雅黑" panose="020B0503020204020204" pitchFamily="34" charset="-122"/>
-                          <a:cs typeface="+mn-cs"/>
-                        </a:rPr>
                         <a:t>77</a:t>
                       </a:r>
                       <a:r>
@@ -28160,14 +27126,6 @@
                         </a:rPr>
                         <a:t>式手枪</a:t>
                       </a:r>
-                      <a:endParaRPr lang="zh-CN" altLang="en-US" sz="800" kern="1200" dirty="0">
-                        <a:solidFill>
-                          <a:schemeClr val="dk1"/>
-                        </a:solidFill>
-                        <a:latin typeface="微软雅黑" panose="020B0503020204020204" pitchFamily="34" charset="-122"/>
-                        <a:ea typeface="微软雅黑" panose="020B0503020204020204" pitchFamily="34" charset="-122"/>
-                        <a:cs typeface="+mn-cs"/>
-                      </a:endParaRPr>
                     </a:p>
                   </a:txBody>
                   <a:tcPr anchor="ctr"/>
@@ -28222,6 +27180,27 @@
                         </a:rPr>
                         <a:t>支</a:t>
                       </a:r>
+                    </a:p>
+                  </a:txBody>
+                  <a:tcPr anchor="ctr"/>
+                </a:tc>
+                <a:tc>
+                  <a:txBody>
+                    <a:bodyPr/>
+                    <a:lstStyle/>
+                    <a:p>
+                      <a:pPr algn="ctr"/>
+                      <a:r>
+                        <a:rPr lang="en-US" altLang="zh-CN" sz="800" kern="1200" dirty="0">
+                          <a:solidFill>
+                            <a:schemeClr val="dk1"/>
+                          </a:solidFill>
+                          <a:latin typeface="微软雅黑" panose="020B0503020204020204" pitchFamily="34" charset="-122"/>
+                          <a:ea typeface="微软雅黑" panose="020B0503020204020204" pitchFamily="34" charset="-122"/>
+                          <a:cs typeface="+mn-cs"/>
+                        </a:rPr>
+                        <a:t>1</a:t>
+                      </a:r>
                       <a:endParaRPr lang="zh-CN" altLang="en-US" sz="800" kern="1200" dirty="0">
                         <a:solidFill>
                           <a:schemeClr val="dk1"/>
@@ -28240,6 +27219,108 @@
                     <a:lstStyle/>
                     <a:p>
                       <a:pPr algn="ctr"/>
+                      <a:endParaRPr lang="zh-CN" altLang="en-US" sz="800" kern="1200" dirty="0">
+                        <a:solidFill>
+                          <a:schemeClr val="dk1"/>
+                        </a:solidFill>
+                        <a:latin typeface="微软雅黑" panose="020B0503020204020204" pitchFamily="34" charset="-122"/>
+                        <a:ea typeface="微软雅黑" panose="020B0503020204020204" pitchFamily="34" charset="-122"/>
+                        <a:cs typeface="+mn-cs"/>
+                      </a:endParaRPr>
+                    </a:p>
+                  </a:txBody>
+                  <a:tcPr anchor="ctr"/>
+                </a:tc>
+                <a:tc>
+                  <a:txBody>
+                    <a:bodyPr/>
+                    <a:lstStyle/>
+                    <a:p>
+                      <a:pPr algn="ctr"/>
+                      <a:endParaRPr lang="zh-CN" altLang="en-US" sz="1400" dirty="0">
+                        <a:latin typeface="微软雅黑" panose="020B0503020204020204" pitchFamily="34" charset="-122"/>
+                        <a:ea typeface="微软雅黑" panose="020B0503020204020204" pitchFamily="34" charset="-122"/>
+                      </a:endParaRPr>
+                    </a:p>
+                  </a:txBody>
+                  <a:tcPr anchor="ctr"/>
+                </a:tc>
+                <a:extLst>
+                  <a:ext uri="{0D108BD9-81ED-4DB2-BD59-A6C34878D82A}">
+                    <a16:rowId xmlns:a16="http://schemas.microsoft.com/office/drawing/2014/main" val="10004"/>
+                  </a:ext>
+                </a:extLst>
+              </a:tr>
+              <a:tr h="372534">
+                <a:tc>
+                  <a:txBody>
+                    <a:bodyPr/>
+                    <a:lstStyle/>
+                    <a:p>
+                      <a:pPr algn="ctr"/>
+                      <a:r>
+                        <a:rPr lang="en-US" altLang="zh-CN" sz="800" dirty="0">
+                          <a:latin typeface="微软雅黑" panose="020B0503020204020204" pitchFamily="34" charset="-122"/>
+                          <a:ea typeface="微软雅黑" panose="020B0503020204020204" pitchFamily="34" charset="-122"/>
+                        </a:rPr>
+                        <a:t>5</a:t>
+                      </a:r>
+                      <a:endParaRPr lang="zh-CN" altLang="en-US" sz="800" dirty="0">
+                        <a:latin typeface="微软雅黑" panose="020B0503020204020204" pitchFamily="34" charset="-122"/>
+                        <a:ea typeface="微软雅黑" panose="020B0503020204020204" pitchFamily="34" charset="-122"/>
+                      </a:endParaRPr>
+                    </a:p>
+                  </a:txBody>
+                  <a:tcPr anchor="ctr"/>
+                </a:tc>
+                <a:tc>
+                  <a:txBody>
+                    <a:bodyPr/>
+                    <a:lstStyle/>
+                    <a:p>
+                      <a:pPr algn="ctr"/>
+                      <a:r>
+                        <a:rPr lang="en-US" altLang="zh-CN" sz="800" dirty="0">
+                          <a:latin typeface="微软雅黑" panose="020B0503020204020204" pitchFamily="34" charset="-122"/>
+                          <a:ea typeface="微软雅黑" panose="020B0503020204020204" pitchFamily="34" charset="-122"/>
+                        </a:rPr>
+                        <a:t>AH-20201113-001</a:t>
+                      </a:r>
+                      <a:endParaRPr lang="zh-CN" altLang="en-US" sz="800" dirty="0">
+                        <a:latin typeface="微软雅黑" panose="020B0503020204020204" pitchFamily="34" charset="-122"/>
+                        <a:ea typeface="微软雅黑" panose="020B0503020204020204" pitchFamily="34" charset="-122"/>
+                      </a:endParaRPr>
+                    </a:p>
+                  </a:txBody>
+                  <a:tcPr anchor="ctr"/>
+                </a:tc>
+                <a:tc>
+                  <a:txBody>
+                    <a:bodyPr/>
+                    <a:lstStyle/>
+                    <a:p>
+                      <a:pPr algn="ctr"/>
+                      <a:r>
+                        <a:rPr lang="en-US" altLang="zh-CN" sz="800" dirty="0">
+                          <a:latin typeface="微软雅黑" panose="020B0503020204020204" pitchFamily="34" charset="-122"/>
+                          <a:ea typeface="微软雅黑" panose="020B0503020204020204" pitchFamily="34" charset="-122"/>
+                        </a:rPr>
+                        <a:t>GW-20200815021</a:t>
+                      </a:r>
+                      <a:endParaRPr lang="zh-CN" altLang="en-US" sz="800" dirty="0">
+                        <a:latin typeface="微软雅黑" panose="020B0503020204020204" pitchFamily="34" charset="-122"/>
+                        <a:ea typeface="微软雅黑" panose="020B0503020204020204" pitchFamily="34" charset="-122"/>
+                      </a:endParaRPr>
+                    </a:p>
+                  </a:txBody>
+                  <a:tcPr anchor="ctr"/>
+                </a:tc>
+                <a:tc>
+                  <a:txBody>
+                    <a:bodyPr/>
+                    <a:lstStyle/>
+                    <a:p>
+                      <a:pPr algn="ctr"/>
                       <a:r>
                         <a:rPr lang="en-US" altLang="zh-CN" sz="800" kern="1200" dirty="0">
                           <a:solidFill>
@@ -28249,132 +27330,6 @@
                           <a:ea typeface="微软雅黑" panose="020B0503020204020204" pitchFamily="34" charset="-122"/>
                           <a:cs typeface="+mn-cs"/>
                         </a:rPr>
-                        <a:t>1</a:t>
-                      </a:r>
-                      <a:endParaRPr lang="zh-CN" altLang="en-US" sz="800" kern="1200" dirty="0">
-                        <a:solidFill>
-                          <a:schemeClr val="dk1"/>
-                        </a:solidFill>
-                        <a:latin typeface="微软雅黑" panose="020B0503020204020204" pitchFamily="34" charset="-122"/>
-                        <a:ea typeface="微软雅黑" panose="020B0503020204020204" pitchFamily="34" charset="-122"/>
-                        <a:cs typeface="+mn-cs"/>
-                      </a:endParaRPr>
-                    </a:p>
-                  </a:txBody>
-                  <a:tcPr anchor="ctr"/>
-                </a:tc>
-                <a:tc>
-                  <a:txBody>
-                    <a:bodyPr/>
-                    <a:lstStyle/>
-                    <a:p>
-                      <a:pPr algn="ctr"/>
-                      <a:endParaRPr lang="zh-CN" altLang="en-US" sz="800" kern="1200" dirty="0">
-                        <a:solidFill>
-                          <a:schemeClr val="dk1"/>
-                        </a:solidFill>
-                        <a:latin typeface="微软雅黑" panose="020B0503020204020204" pitchFamily="34" charset="-122"/>
-                        <a:ea typeface="微软雅黑" panose="020B0503020204020204" pitchFamily="34" charset="-122"/>
-                        <a:cs typeface="+mn-cs"/>
-                      </a:endParaRPr>
-                    </a:p>
-                  </a:txBody>
-                  <a:tcPr anchor="ctr"/>
-                </a:tc>
-                <a:tc>
-                  <a:txBody>
-                    <a:bodyPr/>
-                    <a:lstStyle/>
-                    <a:p>
-                      <a:pPr algn="ctr"/>
-                      <a:endParaRPr lang="zh-CN" altLang="en-US" sz="1400" dirty="0">
-                        <a:latin typeface="微软雅黑" panose="020B0503020204020204" pitchFamily="34" charset="-122"/>
-                        <a:ea typeface="微软雅黑" panose="020B0503020204020204" pitchFamily="34" charset="-122"/>
-                      </a:endParaRPr>
-                    </a:p>
-                  </a:txBody>
-                  <a:tcPr anchor="ctr"/>
-                </a:tc>
-              </a:tr>
-              <a:tr h="372534">
-                <a:tc>
-                  <a:txBody>
-                    <a:bodyPr/>
-                    <a:lstStyle/>
-                    <a:p>
-                      <a:pPr algn="ctr"/>
-                      <a:r>
-                        <a:rPr lang="en-US" altLang="zh-CN" sz="800" dirty="0">
-                          <a:latin typeface="微软雅黑" panose="020B0503020204020204" pitchFamily="34" charset="-122"/>
-                          <a:ea typeface="微软雅黑" panose="020B0503020204020204" pitchFamily="34" charset="-122"/>
-                        </a:rPr>
-                        <a:t>5</a:t>
-                      </a:r>
-                      <a:endParaRPr lang="zh-CN" altLang="en-US" sz="800" dirty="0">
-                        <a:latin typeface="微软雅黑" panose="020B0503020204020204" pitchFamily="34" charset="-122"/>
-                        <a:ea typeface="微软雅黑" panose="020B0503020204020204" pitchFamily="34" charset="-122"/>
-                      </a:endParaRPr>
-                    </a:p>
-                  </a:txBody>
-                  <a:tcPr anchor="ctr"/>
-                </a:tc>
-                <a:tc>
-                  <a:txBody>
-                    <a:bodyPr/>
-                    <a:lstStyle/>
-                    <a:p>
-                      <a:pPr algn="ctr"/>
-                      <a:r>
-                        <a:rPr lang="en-US" altLang="zh-CN" sz="800" dirty="0">
-                          <a:latin typeface="微软雅黑" panose="020B0503020204020204" pitchFamily="34" charset="-122"/>
-                          <a:ea typeface="微软雅黑" panose="020B0503020204020204" pitchFamily="34" charset="-122"/>
-                        </a:rPr>
-                        <a:t>AH-20201113-001</a:t>
-                      </a:r>
-                      <a:endParaRPr lang="zh-CN" altLang="en-US" sz="800" dirty="0">
-                        <a:latin typeface="微软雅黑" panose="020B0503020204020204" pitchFamily="34" charset="-122"/>
-                        <a:ea typeface="微软雅黑" panose="020B0503020204020204" pitchFamily="34" charset="-122"/>
-                      </a:endParaRPr>
-                    </a:p>
-                  </a:txBody>
-                  <a:tcPr anchor="ctr"/>
-                </a:tc>
-                <a:tc>
-                  <a:txBody>
-                    <a:bodyPr/>
-                    <a:lstStyle/>
-                    <a:p>
-                      <a:pPr algn="ctr"/>
-                      <a:r>
-                        <a:rPr lang="en-US" altLang="zh-CN" sz="800" dirty="0">
-                          <a:latin typeface="微软雅黑" panose="020B0503020204020204" pitchFamily="34" charset="-122"/>
-                          <a:ea typeface="微软雅黑" panose="020B0503020204020204" pitchFamily="34" charset="-122"/>
-                        </a:rPr>
-                        <a:t>GW-20200815021</a:t>
-                      </a:r>
-                      <a:endParaRPr lang="zh-CN" altLang="en-US" sz="800" dirty="0">
-                        <a:latin typeface="微软雅黑" panose="020B0503020204020204" pitchFamily="34" charset="-122"/>
-                        <a:ea typeface="微软雅黑" panose="020B0503020204020204" pitchFamily="34" charset="-122"/>
-                      </a:endParaRPr>
-                    </a:p>
-                  </a:txBody>
-                  <a:tcPr anchor="ctr"/>
-                </a:tc>
-                <a:tc>
-                  <a:txBody>
-                    <a:bodyPr/>
-                    <a:lstStyle/>
-                    <a:p>
-                      <a:pPr algn="ctr"/>
-                      <a:r>
-                        <a:rPr lang="en-US" altLang="zh-CN" sz="800" kern="1200" dirty="0">
-                          <a:solidFill>
-                            <a:schemeClr val="dk1"/>
-                          </a:solidFill>
-                          <a:latin typeface="微软雅黑" panose="020B0503020204020204" pitchFamily="34" charset="-122"/>
-                          <a:ea typeface="微软雅黑" panose="020B0503020204020204" pitchFamily="34" charset="-122"/>
-                          <a:cs typeface="+mn-cs"/>
-                        </a:rPr>
                         <a:t>77</a:t>
                       </a:r>
                       <a:r>
@@ -28388,14 +27343,6 @@
                         </a:rPr>
                         <a:t>式手枪</a:t>
                       </a:r>
-                      <a:endParaRPr lang="zh-CN" altLang="en-US" sz="800" kern="1200" dirty="0">
-                        <a:solidFill>
-                          <a:schemeClr val="dk1"/>
-                        </a:solidFill>
-                        <a:latin typeface="微软雅黑" panose="020B0503020204020204" pitchFamily="34" charset="-122"/>
-                        <a:ea typeface="微软雅黑" panose="020B0503020204020204" pitchFamily="34" charset="-122"/>
-                        <a:cs typeface="+mn-cs"/>
-                      </a:endParaRPr>
                     </a:p>
                   </a:txBody>
                   <a:tcPr anchor="ctr"/>
@@ -28450,6 +27397,27 @@
                         </a:rPr>
                         <a:t>支</a:t>
                       </a:r>
+                    </a:p>
+                  </a:txBody>
+                  <a:tcPr anchor="ctr"/>
+                </a:tc>
+                <a:tc>
+                  <a:txBody>
+                    <a:bodyPr/>
+                    <a:lstStyle/>
+                    <a:p>
+                      <a:pPr algn="ctr"/>
+                      <a:r>
+                        <a:rPr lang="en-US" altLang="zh-CN" sz="800" kern="1200" dirty="0">
+                          <a:solidFill>
+                            <a:schemeClr val="dk1"/>
+                          </a:solidFill>
+                          <a:latin typeface="微软雅黑" panose="020B0503020204020204" pitchFamily="34" charset="-122"/>
+                          <a:ea typeface="微软雅黑" panose="020B0503020204020204" pitchFamily="34" charset="-122"/>
+                          <a:cs typeface="+mn-cs"/>
+                        </a:rPr>
+                        <a:t>1</a:t>
+                      </a:r>
                       <a:endParaRPr lang="zh-CN" altLang="en-US" sz="800" kern="1200" dirty="0">
                         <a:solidFill>
                           <a:schemeClr val="dk1"/>
@@ -28468,17 +27436,6 @@
                     <a:lstStyle/>
                     <a:p>
                       <a:pPr algn="ctr"/>
-                      <a:r>
-                        <a:rPr lang="en-US" altLang="zh-CN" sz="800" kern="1200" dirty="0">
-                          <a:solidFill>
-                            <a:schemeClr val="dk1"/>
-                          </a:solidFill>
-                          <a:latin typeface="微软雅黑" panose="020B0503020204020204" pitchFamily="34" charset="-122"/>
-                          <a:ea typeface="微软雅黑" panose="020B0503020204020204" pitchFamily="34" charset="-122"/>
-                          <a:cs typeface="+mn-cs"/>
-                        </a:rPr>
-                        <a:t>1</a:t>
-                      </a:r>
                       <a:endParaRPr lang="zh-CN" altLang="en-US" sz="800" kern="1200" dirty="0">
                         <a:solidFill>
                           <a:schemeClr val="dk1"/>
@@ -28497,24 +27454,6 @@
                     <a:lstStyle/>
                     <a:p>
                       <a:pPr algn="ctr"/>
-                      <a:endParaRPr lang="zh-CN" altLang="en-US" sz="800" kern="1200" dirty="0">
-                        <a:solidFill>
-                          <a:schemeClr val="dk1"/>
-                        </a:solidFill>
-                        <a:latin typeface="微软雅黑" panose="020B0503020204020204" pitchFamily="34" charset="-122"/>
-                        <a:ea typeface="微软雅黑" panose="020B0503020204020204" pitchFamily="34" charset="-122"/>
-                        <a:cs typeface="+mn-cs"/>
-                      </a:endParaRPr>
-                    </a:p>
-                  </a:txBody>
-                  <a:tcPr anchor="ctr"/>
-                </a:tc>
-                <a:tc>
-                  <a:txBody>
-                    <a:bodyPr/>
-                    <a:lstStyle/>
-                    <a:p>
-                      <a:pPr algn="ctr"/>
                       <a:endParaRPr lang="zh-CN" altLang="en-US" sz="1400" dirty="0">
                         <a:latin typeface="微软雅黑" panose="020B0503020204020204" pitchFamily="34" charset="-122"/>
                         <a:ea typeface="微软雅黑" panose="020B0503020204020204" pitchFamily="34" charset="-122"/>
@@ -28523,6 +27462,11 @@
                   </a:txBody>
                   <a:tcPr anchor="ctr"/>
                 </a:tc>
+                <a:extLst>
+                  <a:ext uri="{0D108BD9-81ED-4DB2-BD59-A6C34878D82A}">
+                    <a16:rowId xmlns:a16="http://schemas.microsoft.com/office/drawing/2014/main" val="10005"/>
+                  </a:ext>
+                </a:extLst>
               </a:tr>
             </a:tbl>
           </a:graphicData>
@@ -28590,16 +27534,6 @@
               </a:rPr>
               <a:t>添 加</a:t>
             </a:r>
-            <a:endParaRPr lang="zh-CN" altLang="en-US" sz="1600" dirty="0">
-              <a:solidFill>
-                <a:schemeClr val="accent4">
-                  <a:lumMod val="60000"/>
-                  <a:lumOff val="40000"/>
-                </a:schemeClr>
-              </a:solidFill>
-              <a:latin typeface="微软雅黑" panose="020B0503020204020204" pitchFamily="34" charset="-122"/>
-              <a:ea typeface="微软雅黑" panose="020B0503020204020204" pitchFamily="34" charset="-122"/>
-            </a:endParaRPr>
           </a:p>
         </p:txBody>
       </p:sp>
@@ -28657,7 +27591,6 @@
               <a:rPr lang="zh-CN" altLang="en-US" sz="1400" dirty="0"/>
               <a:t>箱装入库</a:t>
             </a:r>
-            <a:endParaRPr lang="zh-CN" altLang="en-US" sz="1400" dirty="0"/>
           </a:p>
         </p:txBody>
       </p:sp>
@@ -28719,13 +27652,6 @@
               </a:rPr>
               <a:t>单装入库</a:t>
             </a:r>
-            <a:endParaRPr lang="zh-CN" altLang="en-US" sz="1400" dirty="0">
-              <a:solidFill>
-                <a:schemeClr val="accent6">
-                  <a:lumMod val="75000"/>
-                </a:schemeClr>
-              </a:solidFill>
-            </a:endParaRPr>
           </a:p>
         </p:txBody>
       </p:sp>
@@ -28824,15 +27750,6 @@
               </a:rPr>
               <a:t>保 存</a:t>
             </a:r>
-            <a:endParaRPr lang="zh-CN" altLang="en-US" sz="1400" b="1" dirty="0">
-              <a:solidFill>
-                <a:schemeClr val="accent6">
-                  <a:lumMod val="75000"/>
-                </a:schemeClr>
-              </a:solidFill>
-              <a:latin typeface="微软雅黑" panose="020B0503020204020204" pitchFamily="34" charset="-122"/>
-              <a:ea typeface="微软雅黑" panose="020B0503020204020204" pitchFamily="34" charset="-122"/>
-            </a:endParaRPr>
           </a:p>
         </p:txBody>
       </p:sp>
@@ -28890,13 +27807,6 @@
               </a:rPr>
               <a:t>取消</a:t>
             </a:r>
-            <a:endParaRPr lang="zh-CN" altLang="en-US" sz="1400" b="1" dirty="0">
-              <a:solidFill>
-                <a:srgbClr val="FF0000"/>
-              </a:solidFill>
-              <a:latin typeface="微软雅黑" panose="020B0503020204020204" pitchFamily="34" charset="-122"/>
-              <a:ea typeface="微软雅黑" panose="020B0503020204020204" pitchFamily="34" charset="-122"/>
-            </a:endParaRPr>
           </a:p>
         </p:txBody>
       </p:sp>
@@ -29008,7 +27918,6 @@
               <a:rPr lang="zh-CN" altLang="en-US" dirty="0"/>
               <a:t>操作员可以对装箱信息进行增删查改</a:t>
             </a:r>
-            <a:endParaRPr lang="zh-CN" altLang="en-US" dirty="0"/>
           </a:p>
         </p:txBody>
       </p:sp>
@@ -29103,7 +28012,6 @@
               <a:rPr lang="zh-CN" altLang="en-US" dirty="0"/>
               <a:t>点击“编辑”则进入拍照识别页面</a:t>
             </a:r>
-            <a:endParaRPr lang="zh-CN" altLang="en-US" dirty="0"/>
           </a:p>
         </p:txBody>
       </p:sp>
@@ -29165,15 +28073,6 @@
               </a:rPr>
               <a:t>编辑</a:t>
             </a:r>
-            <a:endParaRPr lang="zh-CN" altLang="en-US" sz="900" dirty="0">
-              <a:solidFill>
-                <a:schemeClr val="accent6">
-                  <a:lumMod val="75000"/>
-                </a:schemeClr>
-              </a:solidFill>
-              <a:latin typeface="微软雅黑" panose="020B0503020204020204" pitchFamily="34" charset="-122"/>
-              <a:ea typeface="微软雅黑" panose="020B0503020204020204" pitchFamily="34" charset="-122"/>
-            </a:endParaRPr>
           </a:p>
         </p:txBody>
       </p:sp>
@@ -29231,13 +28130,6 @@
               </a:rPr>
               <a:t>删除</a:t>
             </a:r>
-            <a:endParaRPr lang="zh-CN" altLang="en-US" sz="900" dirty="0">
-              <a:solidFill>
-                <a:srgbClr val="FF0000"/>
-              </a:solidFill>
-              <a:latin typeface="微软雅黑" panose="020B0503020204020204" pitchFamily="34" charset="-122"/>
-              <a:ea typeface="微软雅黑" panose="020B0503020204020204" pitchFamily="34" charset="-122"/>
-            </a:endParaRPr>
           </a:p>
         </p:txBody>
       </p:sp>
@@ -29299,15 +28191,6 @@
               </a:rPr>
               <a:t>编辑</a:t>
             </a:r>
-            <a:endParaRPr lang="zh-CN" altLang="en-US" sz="900" dirty="0">
-              <a:solidFill>
-                <a:schemeClr val="accent6">
-                  <a:lumMod val="75000"/>
-                </a:schemeClr>
-              </a:solidFill>
-              <a:latin typeface="微软雅黑" panose="020B0503020204020204" pitchFamily="34" charset="-122"/>
-              <a:ea typeface="微软雅黑" panose="020B0503020204020204" pitchFamily="34" charset="-122"/>
-            </a:endParaRPr>
           </a:p>
         </p:txBody>
       </p:sp>
@@ -29365,13 +28248,6 @@
               </a:rPr>
               <a:t>删除</a:t>
             </a:r>
-            <a:endParaRPr lang="zh-CN" altLang="en-US" sz="900" dirty="0">
-              <a:solidFill>
-                <a:srgbClr val="FF0000"/>
-              </a:solidFill>
-              <a:latin typeface="微软雅黑" panose="020B0503020204020204" pitchFamily="34" charset="-122"/>
-              <a:ea typeface="微软雅黑" panose="020B0503020204020204" pitchFamily="34" charset="-122"/>
-            </a:endParaRPr>
           </a:p>
         </p:txBody>
       </p:sp>
@@ -29433,15 +28309,6 @@
               </a:rPr>
               <a:t>编辑</a:t>
             </a:r>
-            <a:endParaRPr lang="zh-CN" altLang="en-US" sz="900" dirty="0">
-              <a:solidFill>
-                <a:schemeClr val="accent6">
-                  <a:lumMod val="75000"/>
-                </a:schemeClr>
-              </a:solidFill>
-              <a:latin typeface="微软雅黑" panose="020B0503020204020204" pitchFamily="34" charset="-122"/>
-              <a:ea typeface="微软雅黑" panose="020B0503020204020204" pitchFamily="34" charset="-122"/>
-            </a:endParaRPr>
           </a:p>
         </p:txBody>
       </p:sp>
@@ -29499,13 +28366,6 @@
               </a:rPr>
               <a:t>删除</a:t>
             </a:r>
-            <a:endParaRPr lang="zh-CN" altLang="en-US" sz="900" dirty="0">
-              <a:solidFill>
-                <a:srgbClr val="FF0000"/>
-              </a:solidFill>
-              <a:latin typeface="微软雅黑" panose="020B0503020204020204" pitchFamily="34" charset="-122"/>
-              <a:ea typeface="微软雅黑" panose="020B0503020204020204" pitchFamily="34" charset="-122"/>
-            </a:endParaRPr>
           </a:p>
         </p:txBody>
       </p:sp>
@@ -29567,15 +28427,6 @@
               </a:rPr>
               <a:t>编辑</a:t>
             </a:r>
-            <a:endParaRPr lang="zh-CN" altLang="en-US" sz="900" dirty="0">
-              <a:solidFill>
-                <a:schemeClr val="accent6">
-                  <a:lumMod val="75000"/>
-                </a:schemeClr>
-              </a:solidFill>
-              <a:latin typeface="微软雅黑" panose="020B0503020204020204" pitchFamily="34" charset="-122"/>
-              <a:ea typeface="微软雅黑" panose="020B0503020204020204" pitchFamily="34" charset="-122"/>
-            </a:endParaRPr>
           </a:p>
         </p:txBody>
       </p:sp>
@@ -29633,13 +28484,6 @@
               </a:rPr>
               <a:t>删除</a:t>
             </a:r>
-            <a:endParaRPr lang="zh-CN" altLang="en-US" sz="900" dirty="0">
-              <a:solidFill>
-                <a:srgbClr val="FF0000"/>
-              </a:solidFill>
-              <a:latin typeface="微软雅黑" panose="020B0503020204020204" pitchFamily="34" charset="-122"/>
-              <a:ea typeface="微软雅黑" panose="020B0503020204020204" pitchFamily="34" charset="-122"/>
-            </a:endParaRPr>
           </a:p>
         </p:txBody>
       </p:sp>
@@ -29701,15 +28545,6 @@
               </a:rPr>
               <a:t>编辑</a:t>
             </a:r>
-            <a:endParaRPr lang="zh-CN" altLang="en-US" sz="900" dirty="0">
-              <a:solidFill>
-                <a:schemeClr val="accent6">
-                  <a:lumMod val="75000"/>
-                </a:schemeClr>
-              </a:solidFill>
-              <a:latin typeface="微软雅黑" panose="020B0503020204020204" pitchFamily="34" charset="-122"/>
-              <a:ea typeface="微软雅黑" panose="020B0503020204020204" pitchFamily="34" charset="-122"/>
-            </a:endParaRPr>
           </a:p>
         </p:txBody>
       </p:sp>
@@ -29767,13 +28602,6 @@
               </a:rPr>
               <a:t>删除</a:t>
             </a:r>
-            <a:endParaRPr lang="zh-CN" altLang="en-US" sz="900" dirty="0">
-              <a:solidFill>
-                <a:srgbClr val="FF0000"/>
-              </a:solidFill>
-              <a:latin typeface="微软雅黑" panose="020B0503020204020204" pitchFamily="34" charset="-122"/>
-              <a:ea typeface="微软雅黑" panose="020B0503020204020204" pitchFamily="34" charset="-122"/>
-            </a:endParaRPr>
           </a:p>
         </p:txBody>
       </p:sp>
@@ -29835,15 +28663,6 @@
               </a:rPr>
               <a:t>打印装箱清单</a:t>
             </a:r>
-            <a:endParaRPr lang="zh-CN" altLang="en-US" sz="1400" b="1" dirty="0">
-              <a:solidFill>
-                <a:schemeClr val="accent6">
-                  <a:lumMod val="75000"/>
-                </a:schemeClr>
-              </a:solidFill>
-              <a:latin typeface="微软雅黑" panose="020B0503020204020204" pitchFamily="34" charset="-122"/>
-              <a:ea typeface="微软雅黑" panose="020B0503020204020204" pitchFamily="34" charset="-122"/>
-            </a:endParaRPr>
           </a:p>
         </p:txBody>
       </p:sp>
@@ -29908,7 +28727,6 @@
               <a:rPr lang="zh-CN" altLang="en-US" dirty="0"/>
               <a:t>退役报废军械装备装箱清单”</a:t>
             </a:r>
-            <a:endParaRPr lang="zh-CN" altLang="en-US" dirty="0"/>
           </a:p>
         </p:txBody>
       </p:sp>
@@ -29946,15 +28764,6 @@
               </a:rPr>
               <a:t>枪 支 信 息 智 能 管 理 系 统</a:t>
             </a:r>
-            <a:endParaRPr lang="zh-CN" altLang="en-US" sz="2400" b="1" dirty="0">
-              <a:solidFill>
-                <a:schemeClr val="accent6">
-                  <a:lumMod val="75000"/>
-                </a:schemeClr>
-              </a:solidFill>
-              <a:latin typeface="微软雅黑" panose="020B0503020204020204" pitchFamily="34" charset="-122"/>
-              <a:ea typeface="微软雅黑" panose="020B0503020204020204" pitchFamily="34" charset="-122"/>
-            </a:endParaRPr>
           </a:p>
         </p:txBody>
       </p:sp>
@@ -29967,7 +28776,7 @@
           <p:nvPr/>
         </p:nvPicPr>
         <p:blipFill>
-          <a:blip r:embed="rId2">
+          <a:blip r:embed="rId3" cstate="print">
             <a:extLst>
               <a:ext uri="{28A0092B-C50C-407E-A947-70E740481C1C}">
                 <a14:useLocalDpi xmlns:a14="http://schemas.microsoft.com/office/drawing/2010/main" val="0"/>
@@ -30052,13 +28861,6 @@
                 </a:rPr>
                 <a:t>返回</a:t>
               </a:r>
-              <a:endParaRPr lang="zh-CN" altLang="en-US" sz="1400" b="1" dirty="0">
-                <a:solidFill>
-                  <a:srgbClr val="00B0F0"/>
-                </a:solidFill>
-                <a:latin typeface="微软雅黑" panose="020B0503020204020204" pitchFamily="34" charset="-122"/>
-                <a:ea typeface="微软雅黑" panose="020B0503020204020204" pitchFamily="34" charset="-122"/>
-              </a:endParaRPr>
             </a:p>
           </p:txBody>
         </p:sp>
@@ -30167,10 +28969,6 @@
               </a:rPr>
               <a:t>单装入库管理页面</a:t>
             </a:r>
-            <a:endParaRPr lang="zh-CN" altLang="en-US" b="1" dirty="0">
-              <a:latin typeface="微软雅黑" panose="020B0503020204020204" pitchFamily="34" charset="-122"/>
-              <a:ea typeface="微软雅黑" panose="020B0503020204020204" pitchFamily="34" charset="-122"/>
-            </a:endParaRPr>
           </a:p>
         </p:txBody>
       </p:sp>
@@ -30323,15 +29121,6 @@
               </a:rPr>
               <a:t>账号管理</a:t>
             </a:r>
-            <a:endParaRPr lang="zh-CN" altLang="en-US" dirty="0">
-              <a:solidFill>
-                <a:schemeClr val="accent6">
-                  <a:lumMod val="75000"/>
-                </a:schemeClr>
-              </a:solidFill>
-              <a:latin typeface="微软雅黑" panose="020B0503020204020204" pitchFamily="34" charset="-122"/>
-              <a:ea typeface="微软雅黑" panose="020B0503020204020204" pitchFamily="34" charset="-122"/>
-            </a:endParaRPr>
           </a:p>
         </p:txBody>
       </p:sp>
@@ -30395,13 +29184,6 @@
               </a:rPr>
               <a:t>编码检视</a:t>
             </a:r>
-            <a:endParaRPr lang="zh-CN" altLang="en-US" dirty="0">
-              <a:solidFill>
-                <a:schemeClr val="bg1"/>
-              </a:solidFill>
-              <a:latin typeface="微软雅黑" panose="020B0503020204020204" pitchFamily="34" charset="-122"/>
-              <a:ea typeface="微软雅黑" panose="020B0503020204020204" pitchFamily="34" charset="-122"/>
-            </a:endParaRPr>
           </a:p>
         </p:txBody>
       </p:sp>
@@ -30465,15 +29247,6 @@
               </a:rPr>
               <a:t>信息管理</a:t>
             </a:r>
-            <a:endParaRPr lang="zh-CN" altLang="en-US" dirty="0">
-              <a:solidFill>
-                <a:schemeClr val="accent6">
-                  <a:lumMod val="75000"/>
-                </a:schemeClr>
-              </a:solidFill>
-              <a:latin typeface="微软雅黑" panose="020B0503020204020204" pitchFamily="34" charset="-122"/>
-              <a:ea typeface="微软雅黑" panose="020B0503020204020204" pitchFamily="34" charset="-122"/>
-            </a:endParaRPr>
           </a:p>
         </p:txBody>
       </p:sp>
@@ -30539,16 +29312,6 @@
               </a:rPr>
               <a:t>新 建</a:t>
             </a:r>
-            <a:endParaRPr lang="zh-CN" altLang="en-US" sz="1600" dirty="0">
-              <a:solidFill>
-                <a:schemeClr val="accent4">
-                  <a:lumMod val="60000"/>
-                  <a:lumOff val="40000"/>
-                </a:schemeClr>
-              </a:solidFill>
-              <a:latin typeface="微软雅黑" panose="020B0503020204020204" pitchFamily="34" charset="-122"/>
-              <a:ea typeface="微软雅黑" panose="020B0503020204020204" pitchFamily="34" charset="-122"/>
-            </a:endParaRPr>
           </a:p>
         </p:txBody>
       </p:sp>
@@ -30610,13 +29373,6 @@
               </a:rPr>
               <a:t>箱装入库</a:t>
             </a:r>
-            <a:endParaRPr lang="zh-CN" altLang="en-US" sz="1400" dirty="0">
-              <a:solidFill>
-                <a:schemeClr val="accent6">
-                  <a:lumMod val="75000"/>
-                </a:schemeClr>
-              </a:solidFill>
-            </a:endParaRPr>
           </a:p>
         </p:txBody>
       </p:sp>
@@ -30678,11 +29434,6 @@
               </a:rPr>
               <a:t>单装入库</a:t>
             </a:r>
-            <a:endParaRPr lang="zh-CN" altLang="en-US" sz="1400" dirty="0">
-              <a:solidFill>
-                <a:schemeClr val="bg1"/>
-              </a:solidFill>
-            </a:endParaRPr>
           </a:p>
         </p:txBody>
       </p:sp>
@@ -30737,7 +29488,7 @@
         </p:nvGraphicFramePr>
         <p:xfrm>
           <a:off x="855132" y="2804386"/>
-          <a:ext cx="10490198" cy="3023772"/>
+          <a:ext cx="10490198" cy="3023561"/>
         </p:xfrm>
         <a:graphic>
           <a:graphicData uri="http://schemas.openxmlformats.org/drawingml/2006/table">
@@ -30746,17 +29497,83 @@
                 <a:tableStyleId>{93296810-A885-4BE3-A3E7-6D5BEEA58F35}</a:tableStyleId>
               </a:tblPr>
               <a:tblGrid>
-                <a:gridCol w="448552"/>
-                <a:gridCol w="1126249"/>
-                <a:gridCol w="1193800"/>
-                <a:gridCol w="914400"/>
-                <a:gridCol w="948267"/>
-                <a:gridCol w="1303867"/>
-                <a:gridCol w="846666"/>
-                <a:gridCol w="846667"/>
-                <a:gridCol w="897467"/>
-                <a:gridCol w="914400"/>
-                <a:gridCol w="1049863"/>
+                <a:gridCol w="448552">
+                  <a:extLst>
+                    <a:ext uri="{9D8B030D-6E8A-4147-A177-3AD203B41FA5}">
+                      <a16:colId xmlns:a16="http://schemas.microsoft.com/office/drawing/2014/main" val="20000"/>
+                    </a:ext>
+                  </a:extLst>
+                </a:gridCol>
+                <a:gridCol w="1126249">
+                  <a:extLst>
+                    <a:ext uri="{9D8B030D-6E8A-4147-A177-3AD203B41FA5}">
+                      <a16:colId xmlns:a16="http://schemas.microsoft.com/office/drawing/2014/main" val="20001"/>
+                    </a:ext>
+                  </a:extLst>
+                </a:gridCol>
+                <a:gridCol w="1193800">
+                  <a:extLst>
+                    <a:ext uri="{9D8B030D-6E8A-4147-A177-3AD203B41FA5}">
+                      <a16:colId xmlns:a16="http://schemas.microsoft.com/office/drawing/2014/main" val="20002"/>
+                    </a:ext>
+                  </a:extLst>
+                </a:gridCol>
+                <a:gridCol w="914400">
+                  <a:extLst>
+                    <a:ext uri="{9D8B030D-6E8A-4147-A177-3AD203B41FA5}">
+                      <a16:colId xmlns:a16="http://schemas.microsoft.com/office/drawing/2014/main" val="20003"/>
+                    </a:ext>
+                  </a:extLst>
+                </a:gridCol>
+                <a:gridCol w="948267">
+                  <a:extLst>
+                    <a:ext uri="{9D8B030D-6E8A-4147-A177-3AD203B41FA5}">
+                      <a16:colId xmlns:a16="http://schemas.microsoft.com/office/drawing/2014/main" val="20004"/>
+                    </a:ext>
+                  </a:extLst>
+                </a:gridCol>
+                <a:gridCol w="1303867">
+                  <a:extLst>
+                    <a:ext uri="{9D8B030D-6E8A-4147-A177-3AD203B41FA5}">
+                      <a16:colId xmlns:a16="http://schemas.microsoft.com/office/drawing/2014/main" val="20005"/>
+                    </a:ext>
+                  </a:extLst>
+                </a:gridCol>
+                <a:gridCol w="846666">
+                  <a:extLst>
+                    <a:ext uri="{9D8B030D-6E8A-4147-A177-3AD203B41FA5}">
+                      <a16:colId xmlns:a16="http://schemas.microsoft.com/office/drawing/2014/main" val="20006"/>
+                    </a:ext>
+                  </a:extLst>
+                </a:gridCol>
+                <a:gridCol w="846667">
+                  <a:extLst>
+                    <a:ext uri="{9D8B030D-6E8A-4147-A177-3AD203B41FA5}">
+                      <a16:colId xmlns:a16="http://schemas.microsoft.com/office/drawing/2014/main" val="20007"/>
+                    </a:ext>
+                  </a:extLst>
+                </a:gridCol>
+                <a:gridCol w="897467">
+                  <a:extLst>
+                    <a:ext uri="{9D8B030D-6E8A-4147-A177-3AD203B41FA5}">
+                      <a16:colId xmlns:a16="http://schemas.microsoft.com/office/drawing/2014/main" val="20008"/>
+                    </a:ext>
+                  </a:extLst>
+                </a:gridCol>
+                <a:gridCol w="914400">
+                  <a:extLst>
+                    <a:ext uri="{9D8B030D-6E8A-4147-A177-3AD203B41FA5}">
+                      <a16:colId xmlns:a16="http://schemas.microsoft.com/office/drawing/2014/main" val="20009"/>
+                    </a:ext>
+                  </a:extLst>
+                </a:gridCol>
+                <a:gridCol w="1049863">
+                  <a:extLst>
+                    <a:ext uri="{9D8B030D-6E8A-4147-A177-3AD203B41FA5}">
+                      <a16:colId xmlns:a16="http://schemas.microsoft.com/office/drawing/2014/main" val="20010"/>
+                    </a:ext>
+                  </a:extLst>
+                </a:gridCol>
               </a:tblGrid>
               <a:tr h="457780">
                 <a:tc>
@@ -30772,10 +29589,6 @@
                         </a:rPr>
                         <a:t>序号</a:t>
                       </a:r>
-                      <a:endParaRPr lang="zh-CN" altLang="en-US" sz="900" b="1" dirty="0">
-                        <a:latin typeface="微软雅黑" panose="020B0503020204020204" pitchFamily="34" charset="-122"/>
-                        <a:ea typeface="微软雅黑" panose="020B0503020204020204" pitchFamily="34" charset="-122"/>
-                      </a:endParaRPr>
                     </a:p>
                   </a:txBody>
                   <a:tcPr anchor="ctr"/>
@@ -30793,10 +29606,6 @@
                         </a:rPr>
                         <a:t>退役报废文件号</a:t>
                       </a:r>
-                      <a:endParaRPr lang="zh-CN" altLang="en-US" sz="900" b="1" dirty="0">
-                        <a:latin typeface="微软雅黑" panose="020B0503020204020204" pitchFamily="34" charset="-122"/>
-                        <a:ea typeface="微软雅黑" panose="020B0503020204020204" pitchFamily="34" charset="-122"/>
-                      </a:endParaRPr>
                     </a:p>
                   </a:txBody>
                   <a:tcPr anchor="ctr"/>
@@ -30814,10 +29623,6 @@
                         </a:rPr>
                         <a:t>退役报废装备处理调拨凭证号</a:t>
                       </a:r>
-                      <a:endParaRPr lang="zh-CN" altLang="en-US" sz="900" b="1" dirty="0">
-                        <a:latin typeface="微软雅黑" panose="020B0503020204020204" pitchFamily="34" charset="-122"/>
-                        <a:ea typeface="微软雅黑" panose="020B0503020204020204" pitchFamily="34" charset="-122"/>
-                      </a:endParaRPr>
                     </a:p>
                   </a:txBody>
                   <a:tcPr anchor="ctr"/>
@@ -30835,10 +29640,6 @@
                         </a:rPr>
                         <a:t>装备代码</a:t>
                       </a:r>
-                      <a:endParaRPr lang="zh-CN" altLang="en-US" sz="900" b="1" dirty="0">
-                        <a:latin typeface="微软雅黑" panose="020B0503020204020204" pitchFamily="34" charset="-122"/>
-                        <a:ea typeface="微软雅黑" panose="020B0503020204020204" pitchFamily="34" charset="-122"/>
-                      </a:endParaRPr>
                     </a:p>
                   </a:txBody>
                   <a:tcPr anchor="ctr"/>
@@ -30856,10 +29657,6 @@
                         </a:rPr>
                         <a:t>装备（部件）名称</a:t>
                       </a:r>
-                      <a:endParaRPr lang="zh-CN" altLang="en-US" sz="900" b="1" dirty="0">
-                        <a:latin typeface="微软雅黑" panose="020B0503020204020204" pitchFamily="34" charset="-122"/>
-                        <a:ea typeface="微软雅黑" panose="020B0503020204020204" pitchFamily="34" charset="-122"/>
-                      </a:endParaRPr>
                     </a:p>
                   </a:txBody>
                   <a:tcPr anchor="ctr"/>
@@ -30877,10 +29674,6 @@
                         </a:rPr>
                         <a:t>单装编号</a:t>
                       </a:r>
-                      <a:endParaRPr lang="zh-CN" altLang="en-US" sz="900" b="1" dirty="0">
-                        <a:latin typeface="微软雅黑" panose="020B0503020204020204" pitchFamily="34" charset="-122"/>
-                        <a:ea typeface="微软雅黑" panose="020B0503020204020204" pitchFamily="34" charset="-122"/>
-                      </a:endParaRPr>
                     </a:p>
                   </a:txBody>
                   <a:tcPr anchor="ctr"/>
@@ -30898,10 +29691,6 @@
                         </a:rPr>
                         <a:t>隶属单位</a:t>
                       </a:r>
-                      <a:endParaRPr lang="zh-CN" altLang="en-US" sz="900" b="1" dirty="0">
-                        <a:latin typeface="微软雅黑" panose="020B0503020204020204" pitchFamily="34" charset="-122"/>
-                        <a:ea typeface="微软雅黑" panose="020B0503020204020204" pitchFamily="34" charset="-122"/>
-                      </a:endParaRPr>
                     </a:p>
                   </a:txBody>
                   <a:tcPr anchor="ctr"/>
@@ -30919,10 +29708,6 @@
                         </a:rPr>
                         <a:t>管理单位</a:t>
                       </a:r>
-                      <a:endParaRPr lang="zh-CN" altLang="en-US" sz="900" b="1" dirty="0">
-                        <a:latin typeface="微软雅黑" panose="020B0503020204020204" pitchFamily="34" charset="-122"/>
-                        <a:ea typeface="微软雅黑" panose="020B0503020204020204" pitchFamily="34" charset="-122"/>
-                      </a:endParaRPr>
                     </a:p>
                   </a:txBody>
                   <a:tcPr anchor="ctr"/>
@@ -30940,10 +29725,6 @@
                         </a:rPr>
                         <a:t>出厂时间</a:t>
                       </a:r>
-                      <a:endParaRPr lang="zh-CN" altLang="en-US" sz="900" b="1" dirty="0">
-                        <a:latin typeface="微软雅黑" panose="020B0503020204020204" pitchFamily="34" charset="-122"/>
-                        <a:ea typeface="微软雅黑" panose="020B0503020204020204" pitchFamily="34" charset="-122"/>
-                      </a:endParaRPr>
                     </a:p>
                   </a:txBody>
                   <a:tcPr anchor="ctr"/>
@@ -30961,10 +29742,6 @@
                         </a:rPr>
                         <a:t>装备时间</a:t>
                       </a:r>
-                      <a:endParaRPr lang="zh-CN" altLang="en-US" sz="900" b="1" dirty="0">
-                        <a:latin typeface="微软雅黑" panose="020B0503020204020204" pitchFamily="34" charset="-122"/>
-                        <a:ea typeface="微软雅黑" panose="020B0503020204020204" pitchFamily="34" charset="-122"/>
-                      </a:endParaRPr>
                     </a:p>
                   </a:txBody>
                   <a:tcPr anchor="ctr"/>
@@ -30982,14 +29759,15 @@
                         </a:rPr>
                         <a:t>操作</a:t>
                       </a:r>
-                      <a:endParaRPr lang="zh-CN" altLang="en-US" sz="900" b="1" dirty="0">
-                        <a:latin typeface="微软雅黑" panose="020B0503020204020204" pitchFamily="34" charset="-122"/>
-                        <a:ea typeface="微软雅黑" panose="020B0503020204020204" pitchFamily="34" charset="-122"/>
-                      </a:endParaRPr>
-                    </a:p>
-                  </a:txBody>
-                  <a:tcPr anchor="ctr"/>
-                </a:tc>
+                    </a:p>
+                  </a:txBody>
+                  <a:tcPr anchor="ctr"/>
+                </a:tc>
+                <a:extLst>
+                  <a:ext uri="{0D108BD9-81ED-4DB2-BD59-A6C34878D82A}">
+                    <a16:rowId xmlns:a16="http://schemas.microsoft.com/office/drawing/2014/main" val="10000"/>
+                  </a:ext>
+                </a:extLst>
               </a:tr>
               <a:tr h="336179">
                 <a:tc>
@@ -31098,6 +29876,16 @@
                         </a:rPr>
                         <a:t>机枪</a:t>
                       </a:r>
+                    </a:p>
+                  </a:txBody>
+                  <a:tcPr anchor="ctr"/>
+                </a:tc>
+                <a:tc>
+                  <a:txBody>
+                    <a:bodyPr/>
+                    <a:lstStyle/>
+                    <a:p>
+                      <a:pPr algn="ctr"/>
                       <a:endParaRPr lang="zh-CN" altLang="en-US" sz="800" kern="1200" dirty="0">
                         <a:solidFill>
                           <a:schemeClr val="dk1"/>
@@ -31188,24 +29976,6 @@
                     <a:lstStyle/>
                     <a:p>
                       <a:pPr algn="ctr"/>
-                      <a:endParaRPr lang="zh-CN" altLang="en-US" sz="800" kern="1200" dirty="0">
-                        <a:solidFill>
-                          <a:schemeClr val="dk1"/>
-                        </a:solidFill>
-                        <a:latin typeface="微软雅黑" panose="020B0503020204020204" pitchFamily="34" charset="-122"/>
-                        <a:ea typeface="微软雅黑" panose="020B0503020204020204" pitchFamily="34" charset="-122"/>
-                        <a:cs typeface="+mn-cs"/>
-                      </a:endParaRPr>
-                    </a:p>
-                  </a:txBody>
-                  <a:tcPr anchor="ctr"/>
-                </a:tc>
-                <a:tc>
-                  <a:txBody>
-                    <a:bodyPr/>
-                    <a:lstStyle/>
-                    <a:p>
-                      <a:pPr algn="ctr"/>
                       <a:endParaRPr lang="zh-CN" altLang="en-US" sz="900" dirty="0">
                         <a:latin typeface="微软雅黑" panose="020B0503020204020204" pitchFamily="34" charset="-122"/>
                         <a:ea typeface="微软雅黑" panose="020B0503020204020204" pitchFamily="34" charset="-122"/>
@@ -31214,6 +29984,11 @@
                   </a:txBody>
                   <a:tcPr anchor="ctr"/>
                 </a:tc>
+                <a:extLst>
+                  <a:ext uri="{0D108BD9-81ED-4DB2-BD59-A6C34878D82A}">
+                    <a16:rowId xmlns:a16="http://schemas.microsoft.com/office/drawing/2014/main" val="10001"/>
+                  </a:ext>
+                </a:extLst>
               </a:tr>
               <a:tr h="347134">
                 <a:tc>
@@ -31352,14 +30127,6 @@
                         </a:rPr>
                         <a:t>机枪</a:t>
                       </a:r>
-                      <a:endParaRPr lang="zh-CN" altLang="en-US" sz="800" kern="1200" dirty="0">
-                        <a:solidFill>
-                          <a:schemeClr val="dk1"/>
-                        </a:solidFill>
-                        <a:latin typeface="微软雅黑" panose="020B0503020204020204" pitchFamily="34" charset="-122"/>
-                        <a:ea typeface="微软雅黑" panose="020B0503020204020204" pitchFamily="34" charset="-122"/>
-                        <a:cs typeface="+mn-cs"/>
-                      </a:endParaRPr>
                     </a:p>
                   </a:txBody>
                   <a:tcPr anchor="ctr"/>
@@ -31563,6 +30330,11 @@
                   </a:txBody>
                   <a:tcPr anchor="ctr"/>
                 </a:tc>
+                <a:extLst>
+                  <a:ext uri="{0D108BD9-81ED-4DB2-BD59-A6C34878D82A}">
+                    <a16:rowId xmlns:a16="http://schemas.microsoft.com/office/drawing/2014/main" val="10002"/>
+                  </a:ext>
+                </a:extLst>
               </a:tr>
               <a:tr h="389255">
                 <a:tc>
@@ -31671,6 +30443,16 @@
                         </a:rPr>
                         <a:t>机枪</a:t>
                       </a:r>
+                    </a:p>
+                  </a:txBody>
+                  <a:tcPr anchor="ctr"/>
+                </a:tc>
+                <a:tc>
+                  <a:txBody>
+                    <a:bodyPr/>
+                    <a:lstStyle/>
+                    <a:p>
+                      <a:pPr algn="ctr"/>
                       <a:endParaRPr lang="zh-CN" altLang="en-US" sz="800" kern="1200" dirty="0">
                         <a:solidFill>
                           <a:schemeClr val="dk1"/>
@@ -31761,6 +30543,87 @@
                     <a:lstStyle/>
                     <a:p>
                       <a:pPr algn="ctr"/>
+                      <a:endParaRPr lang="zh-CN" altLang="en-US" sz="900" dirty="0">
+                        <a:latin typeface="微软雅黑" panose="020B0503020204020204" pitchFamily="34" charset="-122"/>
+                        <a:ea typeface="微软雅黑" panose="020B0503020204020204" pitchFamily="34" charset="-122"/>
+                      </a:endParaRPr>
+                    </a:p>
+                  </a:txBody>
+                  <a:tcPr anchor="ctr"/>
+                </a:tc>
+                <a:extLst>
+                  <a:ext uri="{0D108BD9-81ED-4DB2-BD59-A6C34878D82A}">
+                    <a16:rowId xmlns:a16="http://schemas.microsoft.com/office/drawing/2014/main" val="10003"/>
+                  </a:ext>
+                </a:extLst>
+              </a:tr>
+              <a:tr h="372534">
+                <a:tc>
+                  <a:txBody>
+                    <a:bodyPr/>
+                    <a:lstStyle/>
+                    <a:p>
+                      <a:pPr algn="ctr"/>
+                      <a:r>
+                        <a:rPr lang="en-US" altLang="zh-CN" sz="800" dirty="0">
+                          <a:latin typeface="微软雅黑" panose="020B0503020204020204" pitchFamily="34" charset="-122"/>
+                          <a:ea typeface="微软雅黑" panose="020B0503020204020204" pitchFamily="34" charset="-122"/>
+                        </a:rPr>
+                        <a:t>4</a:t>
+                      </a:r>
+                      <a:endParaRPr lang="zh-CN" altLang="en-US" sz="800" dirty="0">
+                        <a:latin typeface="微软雅黑" panose="020B0503020204020204" pitchFamily="34" charset="-122"/>
+                        <a:ea typeface="微软雅黑" panose="020B0503020204020204" pitchFamily="34" charset="-122"/>
+                      </a:endParaRPr>
+                    </a:p>
+                  </a:txBody>
+                  <a:tcPr anchor="ctr"/>
+                </a:tc>
+                <a:tc>
+                  <a:txBody>
+                    <a:bodyPr/>
+                    <a:lstStyle/>
+                    <a:p>
+                      <a:pPr algn="ctr"/>
+                      <a:r>
+                        <a:rPr lang="en-US" altLang="zh-CN" sz="800" dirty="0">
+                          <a:latin typeface="微软雅黑" panose="020B0503020204020204" pitchFamily="34" charset="-122"/>
+                          <a:ea typeface="微软雅黑" panose="020B0503020204020204" pitchFamily="34" charset="-122"/>
+                        </a:rPr>
+                        <a:t>GW-20200815021</a:t>
+                      </a:r>
+                      <a:endParaRPr lang="zh-CN" altLang="en-US" sz="800" dirty="0">
+                        <a:latin typeface="微软雅黑" panose="020B0503020204020204" pitchFamily="34" charset="-122"/>
+                        <a:ea typeface="微软雅黑" panose="020B0503020204020204" pitchFamily="34" charset="-122"/>
+                      </a:endParaRPr>
+                    </a:p>
+                  </a:txBody>
+                  <a:tcPr anchor="ctr"/>
+                </a:tc>
+                <a:tc>
+                  <a:txBody>
+                    <a:bodyPr/>
+                    <a:lstStyle/>
+                    <a:p>
+                      <a:pPr algn="ctr"/>
+                      <a:endParaRPr lang="zh-CN" altLang="en-US" sz="800" u="sng" kern="1200" dirty="0">
+                        <a:solidFill>
+                          <a:srgbClr val="00B0F0"/>
+                        </a:solidFill>
+                        <a:latin typeface="微软雅黑" panose="020B0503020204020204" pitchFamily="34" charset="-122"/>
+                        <a:ea typeface="微软雅黑" panose="020B0503020204020204" pitchFamily="34" charset="-122"/>
+                        <a:cs typeface="+mn-cs"/>
+                      </a:endParaRPr>
+                    </a:p>
+                  </a:txBody>
+                  <a:tcPr anchor="ctr"/>
+                </a:tc>
+                <a:tc>
+                  <a:txBody>
+                    <a:bodyPr/>
+                    <a:lstStyle/>
+                    <a:p>
+                      <a:pPr algn="ctr"/>
                       <a:endParaRPr lang="zh-CN" altLang="en-US" sz="800" kern="1200" dirty="0">
                         <a:solidFill>
                           <a:schemeClr val="dk1"/>
@@ -31779,6 +30642,128 @@
                     <a:lstStyle/>
                     <a:p>
                       <a:pPr algn="ctr"/>
+                      <a:r>
+                        <a:rPr lang="en-US" altLang="zh-CN" sz="800" kern="1200" dirty="0">
+                          <a:solidFill>
+                            <a:schemeClr val="dk1"/>
+                          </a:solidFill>
+                          <a:latin typeface="微软雅黑" panose="020B0503020204020204" pitchFamily="34" charset="-122"/>
+                          <a:ea typeface="微软雅黑" panose="020B0503020204020204" pitchFamily="34" charset="-122"/>
+                          <a:cs typeface="+mn-cs"/>
+                        </a:rPr>
+                        <a:t>XX</a:t>
+                      </a:r>
+                      <a:r>
+                        <a:rPr lang="zh-CN" altLang="en-US" sz="800" kern="1200" dirty="0">
+                          <a:solidFill>
+                            <a:schemeClr val="dk1"/>
+                          </a:solidFill>
+                          <a:latin typeface="微软雅黑" panose="020B0503020204020204" pitchFamily="34" charset="-122"/>
+                          <a:ea typeface="微软雅黑" panose="020B0503020204020204" pitchFamily="34" charset="-122"/>
+                          <a:cs typeface="+mn-cs"/>
+                        </a:rPr>
+                        <a:t>机枪</a:t>
+                      </a:r>
+                    </a:p>
+                  </a:txBody>
+                  <a:tcPr anchor="ctr"/>
+                </a:tc>
+                <a:tc>
+                  <a:txBody>
+                    <a:bodyPr/>
+                    <a:lstStyle/>
+                    <a:p>
+                      <a:pPr algn="ctr"/>
+                      <a:endParaRPr lang="zh-CN" altLang="en-US" sz="800" kern="1200" dirty="0">
+                        <a:solidFill>
+                          <a:schemeClr val="dk1"/>
+                        </a:solidFill>
+                        <a:latin typeface="微软雅黑" panose="020B0503020204020204" pitchFamily="34" charset="-122"/>
+                        <a:ea typeface="微软雅黑" panose="020B0503020204020204" pitchFamily="34" charset="-122"/>
+                        <a:cs typeface="+mn-cs"/>
+                      </a:endParaRPr>
+                    </a:p>
+                  </a:txBody>
+                  <a:tcPr anchor="ctr"/>
+                </a:tc>
+                <a:tc>
+                  <a:txBody>
+                    <a:bodyPr/>
+                    <a:lstStyle/>
+                    <a:p>
+                      <a:pPr algn="ctr"/>
+                      <a:endParaRPr lang="zh-CN" altLang="en-US" sz="800" kern="1200" dirty="0">
+                        <a:solidFill>
+                          <a:schemeClr val="dk1"/>
+                        </a:solidFill>
+                        <a:latin typeface="微软雅黑" panose="020B0503020204020204" pitchFamily="34" charset="-122"/>
+                        <a:ea typeface="微软雅黑" panose="020B0503020204020204" pitchFamily="34" charset="-122"/>
+                        <a:cs typeface="+mn-cs"/>
+                      </a:endParaRPr>
+                    </a:p>
+                  </a:txBody>
+                  <a:tcPr anchor="ctr"/>
+                </a:tc>
+                <a:tc>
+                  <a:txBody>
+                    <a:bodyPr/>
+                    <a:lstStyle/>
+                    <a:p>
+                      <a:pPr algn="ctr"/>
+                      <a:endParaRPr lang="zh-CN" altLang="en-US" sz="800" kern="1200" dirty="0">
+                        <a:solidFill>
+                          <a:schemeClr val="dk1"/>
+                        </a:solidFill>
+                        <a:latin typeface="微软雅黑" panose="020B0503020204020204" pitchFamily="34" charset="-122"/>
+                        <a:ea typeface="微软雅黑" panose="020B0503020204020204" pitchFamily="34" charset="-122"/>
+                        <a:cs typeface="+mn-cs"/>
+                      </a:endParaRPr>
+                    </a:p>
+                  </a:txBody>
+                  <a:tcPr anchor="ctr"/>
+                </a:tc>
+                <a:tc>
+                  <a:txBody>
+                    <a:bodyPr/>
+                    <a:lstStyle/>
+                    <a:p>
+                      <a:pPr algn="ctr"/>
+                      <a:endParaRPr lang="zh-CN" altLang="en-US" sz="800" kern="1200" dirty="0">
+                        <a:solidFill>
+                          <a:schemeClr val="dk1"/>
+                        </a:solidFill>
+                        <a:latin typeface="微软雅黑" panose="020B0503020204020204" pitchFamily="34" charset="-122"/>
+                        <a:ea typeface="微软雅黑" panose="020B0503020204020204" pitchFamily="34" charset="-122"/>
+                        <a:cs typeface="+mn-cs"/>
+                      </a:endParaRPr>
+                    </a:p>
+                  </a:txBody>
+                  <a:tcPr anchor="ctr"/>
+                </a:tc>
+                <a:tc>
+                  <a:txBody>
+                    <a:bodyPr/>
+                    <a:lstStyle/>
+                    <a:p>
+                      <a:pPr algn="ctr"/>
+                      <a:endParaRPr lang="zh-CN" altLang="en-US" sz="800" kern="1200" dirty="0">
+                        <a:solidFill>
+                          <a:schemeClr val="dk1"/>
+                        </a:solidFill>
+                        <a:latin typeface="微软雅黑" panose="020B0503020204020204" pitchFamily="34" charset="-122"/>
+                        <a:ea typeface="微软雅黑" panose="020B0503020204020204" pitchFamily="34" charset="-122"/>
+                        <a:cs typeface="+mn-cs"/>
+                      </a:endParaRPr>
+                    </a:p>
+                  </a:txBody>
+                  <a:tcPr anchor="ctr"/>
+                </a:tc>
+                <a:tc>
+                  <a:txBody>
+                    <a:bodyPr/>
+                    <a:lstStyle/>
+                    <a:p>
+                      <a:pPr algn="ctr"/>
                       <a:endParaRPr lang="zh-CN" altLang="en-US" sz="900" dirty="0">
                         <a:latin typeface="微软雅黑" panose="020B0503020204020204" pitchFamily="34" charset="-122"/>
                         <a:ea typeface="微软雅黑" panose="020B0503020204020204" pitchFamily="34" charset="-122"/>
@@ -31787,8 +30772,13 @@
                   </a:txBody>
                   <a:tcPr anchor="ctr"/>
                 </a:tc>
+                <a:extLst>
+                  <a:ext uri="{0D108BD9-81ED-4DB2-BD59-A6C34878D82A}">
+                    <a16:rowId xmlns:a16="http://schemas.microsoft.com/office/drawing/2014/main" val="10004"/>
+                  </a:ext>
+                </a:extLst>
               </a:tr>
-              <a:tr h="372534">
+              <a:tr h="389466">
                 <a:tc>
                   <a:txBody>
                     <a:bodyPr/>
@@ -31800,7 +30790,7 @@
                           <a:latin typeface="微软雅黑" panose="020B0503020204020204" pitchFamily="34" charset="-122"/>
                           <a:ea typeface="微软雅黑" panose="020B0503020204020204" pitchFamily="34" charset="-122"/>
                         </a:rPr>
-                        <a:t>4</a:t>
+                        <a:t>5</a:t>
                       </a:r>
                       <a:endParaRPr lang="zh-CN" altLang="en-US" sz="800" dirty="0">
                         <a:latin typeface="微软雅黑" panose="020B0503020204020204" pitchFamily="34" charset="-122"/>
@@ -31895,6 +30885,16 @@
                         </a:rPr>
                         <a:t>机枪</a:t>
                       </a:r>
+                    </a:p>
+                  </a:txBody>
+                  <a:tcPr anchor="ctr"/>
+                </a:tc>
+                <a:tc>
+                  <a:txBody>
+                    <a:bodyPr/>
+                    <a:lstStyle/>
+                    <a:p>
+                      <a:pPr algn="ctr"/>
                       <a:endParaRPr lang="zh-CN" altLang="en-US" sz="800" kern="1200" dirty="0">
                         <a:solidFill>
                           <a:schemeClr val="dk1"/>
@@ -31985,6 +30985,87 @@
                     <a:lstStyle/>
                     <a:p>
                       <a:pPr algn="ctr"/>
+                      <a:endParaRPr lang="zh-CN" altLang="en-US" sz="900" dirty="0">
+                        <a:latin typeface="微软雅黑" panose="020B0503020204020204" pitchFamily="34" charset="-122"/>
+                        <a:ea typeface="微软雅黑" panose="020B0503020204020204" pitchFamily="34" charset="-122"/>
+                      </a:endParaRPr>
+                    </a:p>
+                  </a:txBody>
+                  <a:tcPr anchor="ctr"/>
+                </a:tc>
+                <a:extLst>
+                  <a:ext uri="{0D108BD9-81ED-4DB2-BD59-A6C34878D82A}">
+                    <a16:rowId xmlns:a16="http://schemas.microsoft.com/office/drawing/2014/main" val="10005"/>
+                  </a:ext>
+                </a:extLst>
+              </a:tr>
+              <a:tr h="350213">
+                <a:tc>
+                  <a:txBody>
+                    <a:bodyPr/>
+                    <a:lstStyle/>
+                    <a:p>
+                      <a:pPr algn="ctr"/>
+                      <a:r>
+                        <a:rPr lang="en-US" altLang="zh-CN" sz="800" dirty="0">
+                          <a:latin typeface="微软雅黑" panose="020B0503020204020204" pitchFamily="34" charset="-122"/>
+                          <a:ea typeface="微软雅黑" panose="020B0503020204020204" pitchFamily="34" charset="-122"/>
+                        </a:rPr>
+                        <a:t>6</a:t>
+                      </a:r>
+                      <a:endParaRPr lang="zh-CN" altLang="en-US" sz="800" dirty="0">
+                        <a:latin typeface="微软雅黑" panose="020B0503020204020204" pitchFamily="34" charset="-122"/>
+                        <a:ea typeface="微软雅黑" panose="020B0503020204020204" pitchFamily="34" charset="-122"/>
+                      </a:endParaRPr>
+                    </a:p>
+                  </a:txBody>
+                  <a:tcPr anchor="ctr"/>
+                </a:tc>
+                <a:tc>
+                  <a:txBody>
+                    <a:bodyPr/>
+                    <a:lstStyle/>
+                    <a:p>
+                      <a:pPr algn="ctr"/>
+                      <a:r>
+                        <a:rPr lang="en-US" altLang="zh-CN" sz="800" dirty="0">
+                          <a:latin typeface="微软雅黑" panose="020B0503020204020204" pitchFamily="34" charset="-122"/>
+                          <a:ea typeface="微软雅黑" panose="020B0503020204020204" pitchFamily="34" charset="-122"/>
+                        </a:rPr>
+                        <a:t>GW-20200815021</a:t>
+                      </a:r>
+                      <a:endParaRPr lang="zh-CN" altLang="en-US" sz="800" dirty="0">
+                        <a:latin typeface="微软雅黑" panose="020B0503020204020204" pitchFamily="34" charset="-122"/>
+                        <a:ea typeface="微软雅黑" panose="020B0503020204020204" pitchFamily="34" charset="-122"/>
+                      </a:endParaRPr>
+                    </a:p>
+                  </a:txBody>
+                  <a:tcPr anchor="ctr"/>
+                </a:tc>
+                <a:tc>
+                  <a:txBody>
+                    <a:bodyPr/>
+                    <a:lstStyle/>
+                    <a:p>
+                      <a:pPr algn="ctr"/>
+                      <a:endParaRPr lang="zh-CN" altLang="en-US" sz="800" u="sng" kern="1200" dirty="0">
+                        <a:solidFill>
+                          <a:srgbClr val="00B0F0"/>
+                        </a:solidFill>
+                        <a:latin typeface="微软雅黑" panose="020B0503020204020204" pitchFamily="34" charset="-122"/>
+                        <a:ea typeface="微软雅黑" panose="020B0503020204020204" pitchFamily="34" charset="-122"/>
+                        <a:cs typeface="+mn-cs"/>
+                      </a:endParaRPr>
+                    </a:p>
+                  </a:txBody>
+                  <a:tcPr anchor="ctr"/>
+                </a:tc>
+                <a:tc>
+                  <a:txBody>
+                    <a:bodyPr/>
+                    <a:lstStyle/>
+                    <a:p>
+                      <a:pPr algn="ctr"/>
                       <a:endParaRPr lang="zh-CN" altLang="en-US" sz="800" kern="1200" dirty="0">
                         <a:solidFill>
                           <a:schemeClr val="dk1"/>
@@ -32003,72 +31084,28 @@
                     <a:lstStyle/>
                     <a:p>
                       <a:pPr algn="ctr"/>
-                      <a:endParaRPr lang="zh-CN" altLang="en-US" sz="900" dirty="0">
-                        <a:latin typeface="微软雅黑" panose="020B0503020204020204" pitchFamily="34" charset="-122"/>
-                        <a:ea typeface="微软雅黑" panose="020B0503020204020204" pitchFamily="34" charset="-122"/>
-                      </a:endParaRPr>
-                    </a:p>
-                  </a:txBody>
-                  <a:tcPr anchor="ctr"/>
-                </a:tc>
-              </a:tr>
-              <a:tr h="389466">
-                <a:tc>
-                  <a:txBody>
-                    <a:bodyPr/>
-                    <a:lstStyle/>
-                    <a:p>
-                      <a:pPr algn="ctr"/>
-                      <a:r>
-                        <a:rPr lang="en-US" altLang="zh-CN" sz="800" dirty="0">
-                          <a:latin typeface="微软雅黑" panose="020B0503020204020204" pitchFamily="34" charset="-122"/>
-                          <a:ea typeface="微软雅黑" panose="020B0503020204020204" pitchFamily="34" charset="-122"/>
-                        </a:rPr>
-                        <a:t>5</a:t>
-                      </a:r>
-                      <a:endParaRPr lang="zh-CN" altLang="en-US" sz="800" dirty="0">
-                        <a:latin typeface="微软雅黑" panose="020B0503020204020204" pitchFamily="34" charset="-122"/>
-                        <a:ea typeface="微软雅黑" panose="020B0503020204020204" pitchFamily="34" charset="-122"/>
-                      </a:endParaRPr>
-                    </a:p>
-                  </a:txBody>
-                  <a:tcPr anchor="ctr"/>
-                </a:tc>
-                <a:tc>
-                  <a:txBody>
-                    <a:bodyPr/>
-                    <a:lstStyle/>
-                    <a:p>
-                      <a:pPr algn="ctr"/>
-                      <a:r>
-                        <a:rPr lang="en-US" altLang="zh-CN" sz="800" dirty="0">
-                          <a:latin typeface="微软雅黑" panose="020B0503020204020204" pitchFamily="34" charset="-122"/>
-                          <a:ea typeface="微软雅黑" panose="020B0503020204020204" pitchFamily="34" charset="-122"/>
-                        </a:rPr>
-                        <a:t>GW-20200815021</a:t>
-                      </a:r>
-                      <a:endParaRPr lang="zh-CN" altLang="en-US" sz="800" dirty="0">
-                        <a:latin typeface="微软雅黑" panose="020B0503020204020204" pitchFamily="34" charset="-122"/>
-                        <a:ea typeface="微软雅黑" panose="020B0503020204020204" pitchFamily="34" charset="-122"/>
-                      </a:endParaRPr>
-                    </a:p>
-                  </a:txBody>
-                  <a:tcPr anchor="ctr"/>
-                </a:tc>
-                <a:tc>
-                  <a:txBody>
-                    <a:bodyPr/>
-                    <a:lstStyle/>
-                    <a:p>
-                      <a:pPr algn="ctr"/>
-                      <a:endParaRPr lang="zh-CN" altLang="en-US" sz="800" u="sng" kern="1200" dirty="0">
-                        <a:solidFill>
-                          <a:srgbClr val="00B0F0"/>
-                        </a:solidFill>
-                        <a:latin typeface="微软雅黑" panose="020B0503020204020204" pitchFamily="34" charset="-122"/>
-                        <a:ea typeface="微软雅黑" panose="020B0503020204020204" pitchFamily="34" charset="-122"/>
-                        <a:cs typeface="+mn-cs"/>
-                      </a:endParaRPr>
+                      <a:r>
+                        <a:rPr lang="en-US" altLang="zh-CN" sz="800" kern="1200" dirty="0">
+                          <a:solidFill>
+                            <a:schemeClr val="dk1"/>
+                          </a:solidFill>
+                          <a:latin typeface="微软雅黑" panose="020B0503020204020204" pitchFamily="34" charset="-122"/>
+                          <a:ea typeface="微软雅黑" panose="020B0503020204020204" pitchFamily="34" charset="-122"/>
+                          <a:cs typeface="+mn-cs"/>
+                        </a:rPr>
+                        <a:t>XX</a:t>
+                      </a:r>
+                      <a:r>
+                        <a:rPr lang="zh-CN" altLang="en-US" sz="800" kern="1200" dirty="0">
+                          <a:solidFill>
+                            <a:schemeClr val="dk1"/>
+                          </a:solidFill>
+                          <a:latin typeface="微软雅黑" panose="020B0503020204020204" pitchFamily="34" charset="-122"/>
+                          <a:ea typeface="微软雅黑" panose="020B0503020204020204" pitchFamily="34" charset="-122"/>
+                          <a:cs typeface="+mn-cs"/>
+                        </a:rPr>
+                        <a:t>机枪</a:t>
+                      </a:r>
                     </a:p>
                   </a:txBody>
                   <a:tcPr anchor="ctr"/>
@@ -32097,28 +31134,6 @@
                     <a:lstStyle/>
                     <a:p>
                       <a:pPr algn="ctr"/>
-                      <a:r>
-                        <a:rPr lang="en-US" altLang="zh-CN" sz="800" kern="1200" dirty="0">
-                          <a:solidFill>
-                            <a:schemeClr val="dk1"/>
-                          </a:solidFill>
-                          <a:latin typeface="微软雅黑" panose="020B0503020204020204" pitchFamily="34" charset="-122"/>
-                          <a:ea typeface="微软雅黑" panose="020B0503020204020204" pitchFamily="34" charset="-122"/>
-                          <a:cs typeface="+mn-cs"/>
-                        </a:rPr>
-                        <a:t>XX</a:t>
-                      </a:r>
-                      <a:r>
-                        <a:rPr lang="zh-CN" altLang="en-US" sz="800" kern="1200" dirty="0">
-                          <a:solidFill>
-                            <a:schemeClr val="dk1"/>
-                          </a:solidFill>
-                          <a:latin typeface="微软雅黑" panose="020B0503020204020204" pitchFamily="34" charset="-122"/>
-                          <a:ea typeface="微软雅黑" panose="020B0503020204020204" pitchFamily="34" charset="-122"/>
-                          <a:cs typeface="+mn-cs"/>
-                        </a:rPr>
-                        <a:t>机枪</a:t>
-                      </a:r>
                       <a:endParaRPr lang="zh-CN" altLang="en-US" sz="800" kern="1200" dirty="0">
                         <a:solidFill>
                           <a:schemeClr val="dk1"/>
@@ -32191,42 +31206,6 @@
                     <a:lstStyle/>
                     <a:p>
                       <a:pPr algn="ctr"/>
-                      <a:endParaRPr lang="zh-CN" altLang="en-US" sz="800" kern="1200" dirty="0">
-                        <a:solidFill>
-                          <a:schemeClr val="dk1"/>
-                        </a:solidFill>
-                        <a:latin typeface="微软雅黑" panose="020B0503020204020204" pitchFamily="34" charset="-122"/>
-                        <a:ea typeface="微软雅黑" panose="020B0503020204020204" pitchFamily="34" charset="-122"/>
-                        <a:cs typeface="+mn-cs"/>
-                      </a:endParaRPr>
-                    </a:p>
-                  </a:txBody>
-                  <a:tcPr anchor="ctr"/>
-                </a:tc>
-                <a:tc>
-                  <a:txBody>
-                    <a:bodyPr/>
-                    <a:lstStyle/>
-                    <a:p>
-                      <a:pPr algn="ctr"/>
-                      <a:endParaRPr lang="zh-CN" altLang="en-US" sz="800" kern="1200" dirty="0">
-                        <a:solidFill>
-                          <a:schemeClr val="dk1"/>
-                        </a:solidFill>
-                        <a:latin typeface="微软雅黑" panose="020B0503020204020204" pitchFamily="34" charset="-122"/>
-                        <a:ea typeface="微软雅黑" panose="020B0503020204020204" pitchFamily="34" charset="-122"/>
-                        <a:cs typeface="+mn-cs"/>
-                      </a:endParaRPr>
-                    </a:p>
-                  </a:txBody>
-                  <a:tcPr anchor="ctr"/>
-                </a:tc>
-                <a:tc>
-                  <a:txBody>
-                    <a:bodyPr/>
-                    <a:lstStyle/>
-                    <a:p>
-                      <a:pPr algn="ctr"/>
                       <a:endParaRPr lang="zh-CN" altLang="en-US" sz="900" dirty="0">
                         <a:latin typeface="微软雅黑" panose="020B0503020204020204" pitchFamily="34" charset="-122"/>
                         <a:ea typeface="微软雅黑" panose="020B0503020204020204" pitchFamily="34" charset="-122"/>
@@ -32235,230 +31214,11 @@
                   </a:txBody>
                   <a:tcPr anchor="ctr"/>
                 </a:tc>
-              </a:tr>
-              <a:tr h="350213">
-                <a:tc>
-                  <a:txBody>
-                    <a:bodyPr/>
-                    <a:lstStyle/>
-                    <a:p>
-                      <a:pPr algn="ctr"/>
-                      <a:r>
-                        <a:rPr lang="en-US" altLang="zh-CN" sz="800" dirty="0">
-                          <a:latin typeface="微软雅黑" panose="020B0503020204020204" pitchFamily="34" charset="-122"/>
-                          <a:ea typeface="微软雅黑" panose="020B0503020204020204" pitchFamily="34" charset="-122"/>
-                        </a:rPr>
-                        <a:t>6</a:t>
-                      </a:r>
-                      <a:endParaRPr lang="zh-CN" altLang="en-US" sz="800" dirty="0">
-                        <a:latin typeface="微软雅黑" panose="020B0503020204020204" pitchFamily="34" charset="-122"/>
-                        <a:ea typeface="微软雅黑" panose="020B0503020204020204" pitchFamily="34" charset="-122"/>
-                      </a:endParaRPr>
-                    </a:p>
-                  </a:txBody>
-                  <a:tcPr anchor="ctr"/>
-                </a:tc>
-                <a:tc>
-                  <a:txBody>
-                    <a:bodyPr/>
-                    <a:lstStyle/>
-                    <a:p>
-                      <a:pPr algn="ctr"/>
-                      <a:r>
-                        <a:rPr lang="en-US" altLang="zh-CN" sz="800" dirty="0">
-                          <a:latin typeface="微软雅黑" panose="020B0503020204020204" pitchFamily="34" charset="-122"/>
-                          <a:ea typeface="微软雅黑" panose="020B0503020204020204" pitchFamily="34" charset="-122"/>
-                        </a:rPr>
-                        <a:t>GW-20200815021</a:t>
-                      </a:r>
-                      <a:endParaRPr lang="zh-CN" altLang="en-US" sz="800" dirty="0">
-                        <a:latin typeface="微软雅黑" panose="020B0503020204020204" pitchFamily="34" charset="-122"/>
-                        <a:ea typeface="微软雅黑" panose="020B0503020204020204" pitchFamily="34" charset="-122"/>
-                      </a:endParaRPr>
-                    </a:p>
-                  </a:txBody>
-                  <a:tcPr anchor="ctr"/>
-                </a:tc>
-                <a:tc>
-                  <a:txBody>
-                    <a:bodyPr/>
-                    <a:lstStyle/>
-                    <a:p>
-                      <a:pPr algn="ctr"/>
-                      <a:endParaRPr lang="zh-CN" altLang="en-US" sz="800" u="sng" kern="1200" dirty="0">
-                        <a:solidFill>
-                          <a:srgbClr val="00B0F0"/>
-                        </a:solidFill>
-                        <a:latin typeface="微软雅黑" panose="020B0503020204020204" pitchFamily="34" charset="-122"/>
-                        <a:ea typeface="微软雅黑" panose="020B0503020204020204" pitchFamily="34" charset="-122"/>
-                        <a:cs typeface="+mn-cs"/>
-                      </a:endParaRPr>
-                    </a:p>
-                  </a:txBody>
-                  <a:tcPr anchor="ctr"/>
-                </a:tc>
-                <a:tc>
-                  <a:txBody>
-                    <a:bodyPr/>
-                    <a:lstStyle/>
-                    <a:p>
-                      <a:pPr algn="ctr"/>
-                      <a:endParaRPr lang="zh-CN" altLang="en-US" sz="800" kern="1200" dirty="0">
-                        <a:solidFill>
-                          <a:schemeClr val="dk1"/>
-                        </a:solidFill>
-                        <a:latin typeface="微软雅黑" panose="020B0503020204020204" pitchFamily="34" charset="-122"/>
-                        <a:ea typeface="微软雅黑" panose="020B0503020204020204" pitchFamily="34" charset="-122"/>
-                        <a:cs typeface="+mn-cs"/>
-                      </a:endParaRPr>
-                    </a:p>
-                  </a:txBody>
-                  <a:tcPr anchor="ctr"/>
-                </a:tc>
-                <a:tc>
-                  <a:txBody>
-                    <a:bodyPr/>
-                    <a:lstStyle/>
-                    <a:p>
-                      <a:pPr algn="ctr"/>
-                      <a:r>
-                        <a:rPr lang="en-US" altLang="zh-CN" sz="800" kern="1200" dirty="0">
-                          <a:solidFill>
-                            <a:schemeClr val="dk1"/>
-                          </a:solidFill>
-                          <a:latin typeface="微软雅黑" panose="020B0503020204020204" pitchFamily="34" charset="-122"/>
-                          <a:ea typeface="微软雅黑" panose="020B0503020204020204" pitchFamily="34" charset="-122"/>
-                          <a:cs typeface="+mn-cs"/>
-                        </a:rPr>
-                        <a:t>XX</a:t>
-                      </a:r>
-                      <a:r>
-                        <a:rPr lang="zh-CN" altLang="en-US" sz="800" kern="1200" dirty="0">
-                          <a:solidFill>
-                            <a:schemeClr val="dk1"/>
-                          </a:solidFill>
-                          <a:latin typeface="微软雅黑" panose="020B0503020204020204" pitchFamily="34" charset="-122"/>
-                          <a:ea typeface="微软雅黑" panose="020B0503020204020204" pitchFamily="34" charset="-122"/>
-                          <a:cs typeface="+mn-cs"/>
-                        </a:rPr>
-                        <a:t>机枪</a:t>
-                      </a:r>
-                      <a:endParaRPr lang="zh-CN" altLang="en-US" sz="800" kern="1200" dirty="0">
-                        <a:solidFill>
-                          <a:schemeClr val="dk1"/>
-                        </a:solidFill>
-                        <a:latin typeface="微软雅黑" panose="020B0503020204020204" pitchFamily="34" charset="-122"/>
-                        <a:ea typeface="微软雅黑" panose="020B0503020204020204" pitchFamily="34" charset="-122"/>
-                        <a:cs typeface="+mn-cs"/>
-                      </a:endParaRPr>
-                    </a:p>
-                  </a:txBody>
-                  <a:tcPr anchor="ctr"/>
-                </a:tc>
-                <a:tc>
-                  <a:txBody>
-                    <a:bodyPr/>
-                    <a:lstStyle/>
-                    <a:p>
-                      <a:pPr algn="ctr"/>
-                      <a:endParaRPr lang="zh-CN" altLang="en-US" sz="800" kern="1200" dirty="0">
-                        <a:solidFill>
-                          <a:schemeClr val="dk1"/>
-                        </a:solidFill>
-                        <a:latin typeface="微软雅黑" panose="020B0503020204020204" pitchFamily="34" charset="-122"/>
-                        <a:ea typeface="微软雅黑" panose="020B0503020204020204" pitchFamily="34" charset="-122"/>
-                        <a:cs typeface="+mn-cs"/>
-                      </a:endParaRPr>
-                    </a:p>
-                  </a:txBody>
-                  <a:tcPr anchor="ctr"/>
-                </a:tc>
-                <a:tc>
-                  <a:txBody>
-                    <a:bodyPr/>
-                    <a:lstStyle/>
-                    <a:p>
-                      <a:pPr algn="ctr"/>
-                      <a:endParaRPr lang="zh-CN" altLang="en-US" sz="800" kern="1200" dirty="0">
-                        <a:solidFill>
-                          <a:schemeClr val="dk1"/>
-                        </a:solidFill>
-                        <a:latin typeface="微软雅黑" panose="020B0503020204020204" pitchFamily="34" charset="-122"/>
-                        <a:ea typeface="微软雅黑" panose="020B0503020204020204" pitchFamily="34" charset="-122"/>
-                        <a:cs typeface="+mn-cs"/>
-                      </a:endParaRPr>
-                    </a:p>
-                  </a:txBody>
-                  <a:tcPr anchor="ctr"/>
-                </a:tc>
-                <a:tc>
-                  <a:txBody>
-                    <a:bodyPr/>
-                    <a:lstStyle/>
-                    <a:p>
-                      <a:pPr algn="ctr"/>
-                      <a:endParaRPr lang="zh-CN" altLang="en-US" sz="800" kern="1200" dirty="0">
-                        <a:solidFill>
-                          <a:schemeClr val="dk1"/>
-                        </a:solidFill>
-                        <a:latin typeface="微软雅黑" panose="020B0503020204020204" pitchFamily="34" charset="-122"/>
-                        <a:ea typeface="微软雅黑" panose="020B0503020204020204" pitchFamily="34" charset="-122"/>
-                        <a:cs typeface="+mn-cs"/>
-                      </a:endParaRPr>
-                    </a:p>
-                  </a:txBody>
-                  <a:tcPr anchor="ctr"/>
-                </a:tc>
-                <a:tc>
-                  <a:txBody>
-                    <a:bodyPr/>
-                    <a:lstStyle/>
-                    <a:p>
-                      <a:pPr algn="ctr"/>
-                      <a:endParaRPr lang="zh-CN" altLang="en-US" sz="800" kern="1200" dirty="0">
-                        <a:solidFill>
-                          <a:schemeClr val="dk1"/>
-                        </a:solidFill>
-                        <a:latin typeface="微软雅黑" panose="020B0503020204020204" pitchFamily="34" charset="-122"/>
-                        <a:ea typeface="微软雅黑" panose="020B0503020204020204" pitchFamily="34" charset="-122"/>
-                        <a:cs typeface="+mn-cs"/>
-                      </a:endParaRPr>
-                    </a:p>
-                  </a:txBody>
-                  <a:tcPr anchor="ctr"/>
-                </a:tc>
-                <a:tc>
-                  <a:txBody>
-                    <a:bodyPr/>
-                    <a:lstStyle/>
-                    <a:p>
-                      <a:pPr algn="ctr"/>
-                      <a:endParaRPr lang="zh-CN" altLang="en-US" sz="800" kern="1200" dirty="0">
-                        <a:solidFill>
-                          <a:schemeClr val="dk1"/>
-                        </a:solidFill>
-                        <a:latin typeface="微软雅黑" panose="020B0503020204020204" pitchFamily="34" charset="-122"/>
-                        <a:ea typeface="微软雅黑" panose="020B0503020204020204" pitchFamily="34" charset="-122"/>
-                        <a:cs typeface="+mn-cs"/>
-                      </a:endParaRPr>
-                    </a:p>
-                  </a:txBody>
-                  <a:tcPr anchor="ctr"/>
-                </a:tc>
-                <a:tc>
-                  <a:txBody>
-                    <a:bodyPr/>
-                    <a:lstStyle/>
-                    <a:p>
-                      <a:pPr algn="ctr"/>
-                      <a:endParaRPr lang="zh-CN" altLang="en-US" sz="900" dirty="0">
-                        <a:latin typeface="微软雅黑" panose="020B0503020204020204" pitchFamily="34" charset="-122"/>
-                        <a:ea typeface="微软雅黑" panose="020B0503020204020204" pitchFamily="34" charset="-122"/>
-                      </a:endParaRPr>
-                    </a:p>
-                  </a:txBody>
-                  <a:tcPr anchor="ctr"/>
-                </a:tc>
+                <a:extLst>
+                  <a:ext uri="{0D108BD9-81ED-4DB2-BD59-A6C34878D82A}">
+                    <a16:rowId xmlns:a16="http://schemas.microsoft.com/office/drawing/2014/main" val="10006"/>
+                  </a:ext>
+                </a:extLst>
               </a:tr>
               <a:tr h="381000">
                 <a:tc>
@@ -32597,14 +31357,6 @@
                         </a:rPr>
                         <a:t>机枪</a:t>
                       </a:r>
-                      <a:endParaRPr lang="zh-CN" altLang="en-US" sz="800" kern="1200" dirty="0">
-                        <a:solidFill>
-                          <a:schemeClr val="dk1"/>
-                        </a:solidFill>
-                        <a:latin typeface="微软雅黑" panose="020B0503020204020204" pitchFamily="34" charset="-122"/>
-                        <a:ea typeface="微软雅黑" panose="020B0503020204020204" pitchFamily="34" charset="-122"/>
-                        <a:cs typeface="+mn-cs"/>
-                      </a:endParaRPr>
                     </a:p>
                   </a:txBody>
                   <a:tcPr anchor="ctr"/>
@@ -32808,6 +31560,11 @@
                   </a:txBody>
                   <a:tcPr anchor="ctr"/>
                 </a:tc>
+                <a:extLst>
+                  <a:ext uri="{0D108BD9-81ED-4DB2-BD59-A6C34878D82A}">
+                    <a16:rowId xmlns:a16="http://schemas.microsoft.com/office/drawing/2014/main" val="10007"/>
+                  </a:ext>
+                </a:extLst>
               </a:tr>
             </a:tbl>
           </a:graphicData>
@@ -32871,15 +31628,6 @@
               </a:rPr>
               <a:t>编辑</a:t>
             </a:r>
-            <a:endParaRPr lang="zh-CN" altLang="en-US" sz="900" dirty="0">
-              <a:solidFill>
-                <a:schemeClr val="accent6">
-                  <a:lumMod val="75000"/>
-                </a:schemeClr>
-              </a:solidFill>
-              <a:latin typeface="微软雅黑" panose="020B0503020204020204" pitchFamily="34" charset="-122"/>
-              <a:ea typeface="微软雅黑" panose="020B0503020204020204" pitchFamily="34" charset="-122"/>
-            </a:endParaRPr>
           </a:p>
         </p:txBody>
       </p:sp>
@@ -32937,13 +31685,6 @@
               </a:rPr>
               <a:t>删除</a:t>
             </a:r>
-            <a:endParaRPr lang="zh-CN" altLang="en-US" sz="900" dirty="0">
-              <a:solidFill>
-                <a:srgbClr val="FF0000"/>
-              </a:solidFill>
-              <a:latin typeface="微软雅黑" panose="020B0503020204020204" pitchFamily="34" charset="-122"/>
-              <a:ea typeface="微软雅黑" panose="020B0503020204020204" pitchFamily="34" charset="-122"/>
-            </a:endParaRPr>
           </a:p>
         </p:txBody>
       </p:sp>
@@ -33005,15 +31746,6 @@
               </a:rPr>
               <a:t>编辑</a:t>
             </a:r>
-            <a:endParaRPr lang="zh-CN" altLang="en-US" sz="900" dirty="0">
-              <a:solidFill>
-                <a:schemeClr val="accent6">
-                  <a:lumMod val="75000"/>
-                </a:schemeClr>
-              </a:solidFill>
-              <a:latin typeface="微软雅黑" panose="020B0503020204020204" pitchFamily="34" charset="-122"/>
-              <a:ea typeface="微软雅黑" panose="020B0503020204020204" pitchFamily="34" charset="-122"/>
-            </a:endParaRPr>
           </a:p>
         </p:txBody>
       </p:sp>
@@ -33071,13 +31803,6 @@
               </a:rPr>
               <a:t>删除</a:t>
             </a:r>
-            <a:endParaRPr lang="zh-CN" altLang="en-US" sz="900" dirty="0">
-              <a:solidFill>
-                <a:srgbClr val="FF0000"/>
-              </a:solidFill>
-              <a:latin typeface="微软雅黑" panose="020B0503020204020204" pitchFamily="34" charset="-122"/>
-              <a:ea typeface="微软雅黑" panose="020B0503020204020204" pitchFamily="34" charset="-122"/>
-            </a:endParaRPr>
           </a:p>
         </p:txBody>
       </p:sp>
@@ -33139,15 +31864,6 @@
               </a:rPr>
               <a:t>编辑</a:t>
             </a:r>
-            <a:endParaRPr lang="zh-CN" altLang="en-US" sz="900" dirty="0">
-              <a:solidFill>
-                <a:schemeClr val="accent6">
-                  <a:lumMod val="75000"/>
-                </a:schemeClr>
-              </a:solidFill>
-              <a:latin typeface="微软雅黑" panose="020B0503020204020204" pitchFamily="34" charset="-122"/>
-              <a:ea typeface="微软雅黑" panose="020B0503020204020204" pitchFamily="34" charset="-122"/>
-            </a:endParaRPr>
           </a:p>
         </p:txBody>
       </p:sp>
@@ -33205,13 +31921,6 @@
               </a:rPr>
               <a:t>删除</a:t>
             </a:r>
-            <a:endParaRPr lang="zh-CN" altLang="en-US" sz="900" dirty="0">
-              <a:solidFill>
-                <a:srgbClr val="FF0000"/>
-              </a:solidFill>
-              <a:latin typeface="微软雅黑" panose="020B0503020204020204" pitchFamily="34" charset="-122"/>
-              <a:ea typeface="微软雅黑" panose="020B0503020204020204" pitchFamily="34" charset="-122"/>
-            </a:endParaRPr>
           </a:p>
         </p:txBody>
       </p:sp>
@@ -33273,15 +31982,6 @@
               </a:rPr>
               <a:t>编辑</a:t>
             </a:r>
-            <a:endParaRPr lang="zh-CN" altLang="en-US" sz="900" dirty="0">
-              <a:solidFill>
-                <a:schemeClr val="accent6">
-                  <a:lumMod val="75000"/>
-                </a:schemeClr>
-              </a:solidFill>
-              <a:latin typeface="微软雅黑" panose="020B0503020204020204" pitchFamily="34" charset="-122"/>
-              <a:ea typeface="微软雅黑" panose="020B0503020204020204" pitchFamily="34" charset="-122"/>
-            </a:endParaRPr>
           </a:p>
         </p:txBody>
       </p:sp>
@@ -33339,13 +32039,6 @@
               </a:rPr>
               <a:t>删除</a:t>
             </a:r>
-            <a:endParaRPr lang="zh-CN" altLang="en-US" sz="900" dirty="0">
-              <a:solidFill>
-                <a:srgbClr val="FF0000"/>
-              </a:solidFill>
-              <a:latin typeface="微软雅黑" panose="020B0503020204020204" pitchFamily="34" charset="-122"/>
-              <a:ea typeface="微软雅黑" panose="020B0503020204020204" pitchFamily="34" charset="-122"/>
-            </a:endParaRPr>
           </a:p>
         </p:txBody>
       </p:sp>
@@ -33407,15 +32100,6 @@
               </a:rPr>
               <a:t>编辑</a:t>
             </a:r>
-            <a:endParaRPr lang="zh-CN" altLang="en-US" sz="900" dirty="0">
-              <a:solidFill>
-                <a:schemeClr val="accent6">
-                  <a:lumMod val="75000"/>
-                </a:schemeClr>
-              </a:solidFill>
-              <a:latin typeface="微软雅黑" panose="020B0503020204020204" pitchFamily="34" charset="-122"/>
-              <a:ea typeface="微软雅黑" panose="020B0503020204020204" pitchFamily="34" charset="-122"/>
-            </a:endParaRPr>
           </a:p>
         </p:txBody>
       </p:sp>
@@ -33473,13 +32157,6 @@
               </a:rPr>
               <a:t>删除</a:t>
             </a:r>
-            <a:endParaRPr lang="zh-CN" altLang="en-US" sz="900" dirty="0">
-              <a:solidFill>
-                <a:srgbClr val="FF0000"/>
-              </a:solidFill>
-              <a:latin typeface="微软雅黑" panose="020B0503020204020204" pitchFamily="34" charset="-122"/>
-              <a:ea typeface="微软雅黑" panose="020B0503020204020204" pitchFamily="34" charset="-122"/>
-            </a:endParaRPr>
           </a:p>
         </p:txBody>
       </p:sp>
@@ -33541,15 +32218,6 @@
               </a:rPr>
               <a:t>编辑</a:t>
             </a:r>
-            <a:endParaRPr lang="zh-CN" altLang="en-US" sz="900" dirty="0">
-              <a:solidFill>
-                <a:schemeClr val="accent6">
-                  <a:lumMod val="75000"/>
-                </a:schemeClr>
-              </a:solidFill>
-              <a:latin typeface="微软雅黑" panose="020B0503020204020204" pitchFamily="34" charset="-122"/>
-              <a:ea typeface="微软雅黑" panose="020B0503020204020204" pitchFamily="34" charset="-122"/>
-            </a:endParaRPr>
           </a:p>
         </p:txBody>
       </p:sp>
@@ -33607,13 +32275,6 @@
               </a:rPr>
               <a:t>删除</a:t>
             </a:r>
-            <a:endParaRPr lang="zh-CN" altLang="en-US" sz="900" dirty="0">
-              <a:solidFill>
-                <a:srgbClr val="FF0000"/>
-              </a:solidFill>
-              <a:latin typeface="微软雅黑" panose="020B0503020204020204" pitchFamily="34" charset="-122"/>
-              <a:ea typeface="微软雅黑" panose="020B0503020204020204" pitchFamily="34" charset="-122"/>
-            </a:endParaRPr>
           </a:p>
         </p:txBody>
       </p:sp>
@@ -33675,15 +32336,6 @@
               </a:rPr>
               <a:t>编辑</a:t>
             </a:r>
-            <a:endParaRPr lang="zh-CN" altLang="en-US" sz="900" dirty="0">
-              <a:solidFill>
-                <a:schemeClr val="accent6">
-                  <a:lumMod val="75000"/>
-                </a:schemeClr>
-              </a:solidFill>
-              <a:latin typeface="微软雅黑" panose="020B0503020204020204" pitchFamily="34" charset="-122"/>
-              <a:ea typeface="微软雅黑" panose="020B0503020204020204" pitchFamily="34" charset="-122"/>
-            </a:endParaRPr>
           </a:p>
         </p:txBody>
       </p:sp>
@@ -33741,13 +32393,6 @@
               </a:rPr>
               <a:t>删除</a:t>
             </a:r>
-            <a:endParaRPr lang="zh-CN" altLang="en-US" sz="900" dirty="0">
-              <a:solidFill>
-                <a:srgbClr val="FF0000"/>
-              </a:solidFill>
-              <a:latin typeface="微软雅黑" panose="020B0503020204020204" pitchFamily="34" charset="-122"/>
-              <a:ea typeface="微软雅黑" panose="020B0503020204020204" pitchFamily="34" charset="-122"/>
-            </a:endParaRPr>
           </a:p>
         </p:txBody>
       </p:sp>
@@ -33809,15 +32454,6 @@
               </a:rPr>
               <a:t>保 存</a:t>
             </a:r>
-            <a:endParaRPr lang="zh-CN" altLang="en-US" sz="1400" b="1" dirty="0">
-              <a:solidFill>
-                <a:schemeClr val="accent6">
-                  <a:lumMod val="75000"/>
-                </a:schemeClr>
-              </a:solidFill>
-              <a:latin typeface="微软雅黑" panose="020B0503020204020204" pitchFamily="34" charset="-122"/>
-              <a:ea typeface="微软雅黑" panose="020B0503020204020204" pitchFamily="34" charset="-122"/>
-            </a:endParaRPr>
           </a:p>
         </p:txBody>
       </p:sp>
@@ -33875,13 +32511,6 @@
               </a:rPr>
               <a:t>取消</a:t>
             </a:r>
-            <a:endParaRPr lang="zh-CN" altLang="en-US" sz="1400" b="1" dirty="0">
-              <a:solidFill>
-                <a:srgbClr val="FF0000"/>
-              </a:solidFill>
-              <a:latin typeface="微软雅黑" panose="020B0503020204020204" pitchFamily="34" charset="-122"/>
-              <a:ea typeface="微软雅黑" panose="020B0503020204020204" pitchFamily="34" charset="-122"/>
-            </a:endParaRPr>
           </a:p>
         </p:txBody>
       </p:sp>
@@ -34117,7 +32746,6 @@
               <a:rPr lang="zh-CN" altLang="en-US" dirty="0"/>
               <a:t>点击“编辑”则进入拍照识别页面</a:t>
             </a:r>
-            <a:endParaRPr lang="zh-CN" altLang="en-US" dirty="0"/>
           </a:p>
         </p:txBody>
       </p:sp>
@@ -34179,15 +32807,6 @@
               </a:rPr>
               <a:t>打印单装卡片</a:t>
             </a:r>
-            <a:endParaRPr lang="zh-CN" altLang="en-US" sz="1400" b="1" dirty="0">
-              <a:solidFill>
-                <a:schemeClr val="accent6">
-                  <a:lumMod val="75000"/>
-                </a:schemeClr>
-              </a:solidFill>
-              <a:latin typeface="微软雅黑" panose="020B0503020204020204" pitchFamily="34" charset="-122"/>
-              <a:ea typeface="微软雅黑" panose="020B0503020204020204" pitchFamily="34" charset="-122"/>
-            </a:endParaRPr>
           </a:p>
         </p:txBody>
       </p:sp>
@@ -34244,7 +32863,6 @@
               <a:rPr lang="zh-CN" altLang="en-US" dirty="0"/>
               <a:t>退役报废军械装备单装卡片”</a:t>
             </a:r>
-            <a:endParaRPr lang="zh-CN" altLang="en-US" dirty="0"/>
           </a:p>
         </p:txBody>
       </p:sp>
@@ -34293,7 +32911,6 @@
               <a:rPr lang="zh-CN" altLang="en-US" dirty="0"/>
               <a:t>操作员可以对单装信息进行增删查改</a:t>
             </a:r>
-            <a:endParaRPr lang="zh-CN" altLang="en-US" dirty="0"/>
           </a:p>
         </p:txBody>
       </p:sp>
@@ -34331,15 +32948,6 @@
               </a:rPr>
               <a:t>枪 支 信 息 智 能 管 理 系 统</a:t>
             </a:r>
-            <a:endParaRPr lang="zh-CN" altLang="en-US" sz="2400" b="1" dirty="0">
-              <a:solidFill>
-                <a:schemeClr val="accent6">
-                  <a:lumMod val="75000"/>
-                </a:schemeClr>
-              </a:solidFill>
-              <a:latin typeface="微软雅黑" panose="020B0503020204020204" pitchFamily="34" charset="-122"/>
-              <a:ea typeface="微软雅黑" panose="020B0503020204020204" pitchFamily="34" charset="-122"/>
-            </a:endParaRPr>
           </a:p>
         </p:txBody>
       </p:sp>
@@ -34352,7 +32960,7 @@
           <p:nvPr/>
         </p:nvPicPr>
         <p:blipFill>
-          <a:blip r:embed="rId2">
+          <a:blip r:embed="rId3" cstate="print">
             <a:extLst>
               <a:ext uri="{28A0092B-C50C-407E-A947-70E740481C1C}">
                 <a14:useLocalDpi xmlns:a14="http://schemas.microsoft.com/office/drawing/2010/main" val="0"/>
@@ -34437,13 +33045,6 @@
                 </a:rPr>
                 <a:t>返回</a:t>
               </a:r>
-              <a:endParaRPr lang="zh-CN" altLang="en-US" sz="1400" b="1" dirty="0">
-                <a:solidFill>
-                  <a:srgbClr val="00B0F0"/>
-                </a:solidFill>
-                <a:latin typeface="微软雅黑" panose="020B0503020204020204" pitchFamily="34" charset="-122"/>
-                <a:ea typeface="微软雅黑" panose="020B0503020204020204" pitchFamily="34" charset="-122"/>
-              </a:endParaRPr>
             </a:p>
           </p:txBody>
         </p:sp>
@@ -34552,10 +33153,6 @@
               </a:rPr>
               <a:t>检视页面</a:t>
             </a:r>
-            <a:endParaRPr lang="zh-CN" altLang="en-US" b="1" dirty="0">
-              <a:latin typeface="微软雅黑" panose="020B0503020204020204" pitchFamily="34" charset="-122"/>
-              <a:ea typeface="微软雅黑" panose="020B0503020204020204" pitchFamily="34" charset="-122"/>
-            </a:endParaRPr>
           </a:p>
         </p:txBody>
       </p:sp>
@@ -34708,15 +33305,6 @@
               </a:rPr>
               <a:t>账号管理</a:t>
             </a:r>
-            <a:endParaRPr lang="zh-CN" altLang="en-US" dirty="0">
-              <a:solidFill>
-                <a:schemeClr val="accent6">
-                  <a:lumMod val="75000"/>
-                </a:schemeClr>
-              </a:solidFill>
-              <a:latin typeface="微软雅黑" panose="020B0503020204020204" pitchFamily="34" charset="-122"/>
-              <a:ea typeface="微软雅黑" panose="020B0503020204020204" pitchFamily="34" charset="-122"/>
-            </a:endParaRPr>
           </a:p>
         </p:txBody>
       </p:sp>
@@ -34780,13 +33368,6 @@
               </a:rPr>
               <a:t>编码检视</a:t>
             </a:r>
-            <a:endParaRPr lang="zh-CN" altLang="en-US" dirty="0">
-              <a:solidFill>
-                <a:schemeClr val="bg1"/>
-              </a:solidFill>
-              <a:latin typeface="微软雅黑" panose="020B0503020204020204" pitchFamily="34" charset="-122"/>
-              <a:ea typeface="微软雅黑" panose="020B0503020204020204" pitchFamily="34" charset="-122"/>
-            </a:endParaRPr>
           </a:p>
         </p:txBody>
       </p:sp>
@@ -34850,15 +33431,6 @@
               </a:rPr>
               <a:t>信息管理</a:t>
             </a:r>
-            <a:endParaRPr lang="zh-CN" altLang="en-US" dirty="0">
-              <a:solidFill>
-                <a:schemeClr val="accent6">
-                  <a:lumMod val="75000"/>
-                </a:schemeClr>
-              </a:solidFill>
-              <a:latin typeface="微软雅黑" panose="020B0503020204020204" pitchFamily="34" charset="-122"/>
-              <a:ea typeface="微软雅黑" panose="020B0503020204020204" pitchFamily="34" charset="-122"/>
-            </a:endParaRPr>
           </a:p>
         </p:txBody>
       </p:sp>
@@ -34976,16 +33548,6 @@
               </a:rPr>
               <a:t>编码拍照</a:t>
             </a:r>
-            <a:endParaRPr lang="zh-CN" altLang="en-US" sz="1600" dirty="0">
-              <a:solidFill>
-                <a:schemeClr val="accent4">
-                  <a:lumMod val="60000"/>
-                  <a:lumOff val="40000"/>
-                </a:schemeClr>
-              </a:solidFill>
-              <a:latin typeface="微软雅黑" panose="020B0503020204020204" pitchFamily="34" charset="-122"/>
-              <a:ea typeface="微软雅黑" panose="020B0503020204020204" pitchFamily="34" charset="-122"/>
-            </a:endParaRPr>
           </a:p>
         </p:txBody>
       </p:sp>
@@ -35021,13 +33583,6 @@
               </a:rPr>
               <a:t>图像识别</a:t>
             </a:r>
-            <a:endParaRPr lang="zh-CN" altLang="en-US" dirty="0">
-              <a:solidFill>
-                <a:schemeClr val="bg1"/>
-              </a:solidFill>
-              <a:latin typeface="微软雅黑" panose="020B0503020204020204" pitchFamily="34" charset="-122"/>
-              <a:ea typeface="微软雅黑" panose="020B0503020204020204" pitchFamily="34" charset="-122"/>
-            </a:endParaRPr>
           </a:p>
         </p:txBody>
       </p:sp>
@@ -35063,13 +33618,6 @@
               </a:rPr>
               <a:t>人工修正</a:t>
             </a:r>
-            <a:endParaRPr lang="zh-CN" altLang="en-US" dirty="0">
-              <a:solidFill>
-                <a:schemeClr val="bg1"/>
-              </a:solidFill>
-              <a:latin typeface="微软雅黑" panose="020B0503020204020204" pitchFamily="34" charset="-122"/>
-              <a:ea typeface="微软雅黑" panose="020B0503020204020204" pitchFamily="34" charset="-122"/>
-            </a:endParaRPr>
           </a:p>
         </p:txBody>
       </p:sp>
@@ -35227,15 +33775,6 @@
               </a:rPr>
               <a:t>保  存</a:t>
             </a:r>
-            <a:endParaRPr lang="zh-CN" altLang="en-US" sz="1400" b="1" dirty="0">
-              <a:solidFill>
-                <a:schemeClr val="accent6">
-                  <a:lumMod val="75000"/>
-                </a:schemeClr>
-              </a:solidFill>
-              <a:latin typeface="微软雅黑" panose="020B0503020204020204" pitchFamily="34" charset="-122"/>
-              <a:ea typeface="微软雅黑" panose="020B0503020204020204" pitchFamily="34" charset="-122"/>
-            </a:endParaRPr>
           </a:p>
         </p:txBody>
       </p:sp>
@@ -35295,13 +33834,6 @@
               </a:rPr>
               <a:t>修  正</a:t>
             </a:r>
-            <a:endParaRPr lang="zh-CN" altLang="en-US" sz="1400" b="1" dirty="0">
-              <a:solidFill>
-                <a:srgbClr val="FF0000"/>
-              </a:solidFill>
-              <a:latin typeface="微软雅黑" panose="020B0503020204020204" pitchFamily="34" charset="-122"/>
-              <a:ea typeface="微软雅黑" panose="020B0503020204020204" pitchFamily="34" charset="-122"/>
-            </a:endParaRPr>
           </a:p>
         </p:txBody>
       </p:sp>
@@ -35314,7 +33846,7 @@
           <p:nvPr/>
         </p:nvPicPr>
         <p:blipFill>
-          <a:blip r:embed="rId1"/>
+          <a:blip r:embed="rId2"/>
           <a:stretch>
             <a:fillRect/>
           </a:stretch>
@@ -35338,7 +33870,7 @@
           <p:nvPr/>
         </p:nvPicPr>
         <p:blipFill>
-          <a:blip r:embed="rId2">
+          <a:blip r:embed="rId3" cstate="print">
             <a:extLst>
               <a:ext uri="{28A0092B-C50C-407E-A947-70E740481C1C}">
                 <a14:useLocalDpi xmlns:a14="http://schemas.microsoft.com/office/drawing/2010/main" val="0"/>
@@ -35599,13 +34131,6 @@
               </a:rPr>
               <a:t>枪管</a:t>
             </a:r>
-            <a:endParaRPr lang="zh-CN" altLang="en-US" dirty="0">
-              <a:solidFill>
-                <a:schemeClr val="bg1"/>
-              </a:solidFill>
-              <a:latin typeface="微软雅黑" panose="020B0503020204020204" pitchFamily="34" charset="-122"/>
-              <a:ea typeface="微软雅黑" panose="020B0503020204020204" pitchFamily="34" charset="-122"/>
-            </a:endParaRPr>
           </a:p>
         </p:txBody>
       </p:sp>
@@ -35661,13 +34186,6 @@
               </a:rPr>
               <a:t>套筒</a:t>
             </a:r>
-            <a:endParaRPr lang="zh-CN" altLang="en-US" dirty="0">
-              <a:solidFill>
-                <a:schemeClr val="bg1"/>
-              </a:solidFill>
-              <a:latin typeface="微软雅黑" panose="020B0503020204020204" pitchFamily="34" charset="-122"/>
-              <a:ea typeface="微软雅黑" panose="020B0503020204020204" pitchFamily="34" charset="-122"/>
-            </a:endParaRPr>
           </a:p>
         </p:txBody>
       </p:sp>
@@ -35703,13 +34221,6 @@
               </a:rPr>
               <a:t>机枪框</a:t>
             </a:r>
-            <a:endParaRPr lang="zh-CN" altLang="en-US" dirty="0">
-              <a:solidFill>
-                <a:schemeClr val="bg1"/>
-              </a:solidFill>
-              <a:latin typeface="微软雅黑" panose="020B0503020204020204" pitchFamily="34" charset="-122"/>
-              <a:ea typeface="微软雅黑" panose="020B0503020204020204" pitchFamily="34" charset="-122"/>
-            </a:endParaRPr>
           </a:p>
         </p:txBody>
       </p:sp>
@@ -35745,13 +34256,6 @@
               </a:rPr>
               <a:t>备份枪管</a:t>
             </a:r>
-            <a:endParaRPr lang="zh-CN" altLang="en-US" dirty="0">
-              <a:solidFill>
-                <a:schemeClr val="bg1"/>
-              </a:solidFill>
-              <a:latin typeface="微软雅黑" panose="020B0503020204020204" pitchFamily="34" charset="-122"/>
-              <a:ea typeface="微软雅黑" panose="020B0503020204020204" pitchFamily="34" charset="-122"/>
-            </a:endParaRPr>
           </a:p>
         </p:txBody>
       </p:sp>
@@ -36138,11 +34642,6 @@
               </a:rPr>
               <a:t>是否保存？</a:t>
             </a:r>
-            <a:endParaRPr lang="zh-CN" altLang="en-US" dirty="0">
-              <a:solidFill>
-                <a:srgbClr val="FF0000"/>
-              </a:solidFill>
-            </a:endParaRPr>
           </a:p>
         </p:txBody>
       </p:sp>
@@ -36333,15 +34832,6 @@
               </a:rPr>
               <a:t>枪 支 信 息 智 能 管 理 系 统</a:t>
             </a:r>
-            <a:endParaRPr lang="zh-CN" altLang="en-US" sz="2400" b="1" dirty="0">
-              <a:solidFill>
-                <a:schemeClr val="accent6">
-                  <a:lumMod val="75000"/>
-                </a:schemeClr>
-              </a:solidFill>
-              <a:latin typeface="微软雅黑" panose="020B0503020204020204" pitchFamily="34" charset="-122"/>
-              <a:ea typeface="微软雅黑" panose="020B0503020204020204" pitchFamily="34" charset="-122"/>
-            </a:endParaRPr>
           </a:p>
         </p:txBody>
       </p:sp>
@@ -36407,16 +34897,6 @@
               </a:rPr>
               <a:t>整枪拍照</a:t>
             </a:r>
-            <a:endParaRPr lang="zh-CN" altLang="en-US" sz="1600" dirty="0">
-              <a:solidFill>
-                <a:schemeClr val="accent4">
-                  <a:lumMod val="60000"/>
-                  <a:lumOff val="40000"/>
-                </a:schemeClr>
-              </a:solidFill>
-              <a:latin typeface="微软雅黑" panose="020B0503020204020204" pitchFamily="34" charset="-122"/>
-              <a:ea typeface="微软雅黑" panose="020B0503020204020204" pitchFamily="34" charset="-122"/>
-            </a:endParaRPr>
           </a:p>
         </p:txBody>
       </p:sp>
@@ -36473,10 +34953,6 @@
               </a:rPr>
               <a:t>编码</a:t>
             </a:r>
-            <a:endParaRPr lang="zh-CN" altLang="en-US" sz="800" b="1" dirty="0">
-              <a:latin typeface="微软雅黑" panose="020B0503020204020204" pitchFamily="34" charset="-122"/>
-              <a:ea typeface="微软雅黑" panose="020B0503020204020204" pitchFamily="34" charset="-122"/>
-            </a:endParaRPr>
           </a:p>
         </p:txBody>
       </p:sp>
@@ -36536,15 +35012,6 @@
               </a:rPr>
               <a:t>整枪</a:t>
             </a:r>
-            <a:endParaRPr lang="zh-CN" altLang="en-US" sz="800" b="1" dirty="0">
-              <a:solidFill>
-                <a:schemeClr val="accent6">
-                  <a:lumMod val="75000"/>
-                </a:schemeClr>
-              </a:solidFill>
-              <a:latin typeface="微软雅黑" panose="020B0503020204020204" pitchFamily="34" charset="-122"/>
-              <a:ea typeface="微软雅黑" panose="020B0503020204020204" pitchFamily="34" charset="-122"/>
-            </a:endParaRPr>
           </a:p>
         </p:txBody>
       </p:sp>
@@ -36557,7 +35024,7 @@
           <p:nvPr/>
         </p:nvPicPr>
         <p:blipFill>
-          <a:blip r:embed="rId3">
+          <a:blip r:embed="rId4" cstate="print">
             <a:extLst>
               <a:ext uri="{28A0092B-C50C-407E-A947-70E740481C1C}">
                 <a14:useLocalDpi xmlns:a14="http://schemas.microsoft.com/office/drawing/2010/main" val="0"/>
@@ -36642,13 +35109,6 @@
                 </a:rPr>
                 <a:t>返回</a:t>
               </a:r>
-              <a:endParaRPr lang="zh-CN" altLang="en-US" sz="1400" b="1" dirty="0">
-                <a:solidFill>
-                  <a:srgbClr val="00B0F0"/>
-                </a:solidFill>
-                <a:latin typeface="微软雅黑" panose="020B0503020204020204" pitchFamily="34" charset="-122"/>
-                <a:ea typeface="微软雅黑" panose="020B0503020204020204" pitchFamily="34" charset="-122"/>
-              </a:endParaRPr>
             </a:p>
           </p:txBody>
         </p:sp>
@@ -36698,37 +35158,37 @@
 </file>
 
 <file path=ppt/tags/tag1.xml><?xml version="1.0" encoding="utf-8"?>
-<p:tagLst xmlns:p="http://schemas.openxmlformats.org/presentationml/2006/main">
+<p:tagLst xmlns:a="http://schemas.openxmlformats.org/drawingml/2006/main" xmlns:r="http://schemas.openxmlformats.org/officeDocument/2006/relationships" xmlns:p="http://schemas.openxmlformats.org/presentationml/2006/main">
   <p:tag name="KSO_WM_UNIT_TABLE_BEAUTIFY" val="smartTable{dd8108d9-6f33-421c-b378-359b62f75ba5}"/>
 </p:tagLst>
 </file>
 
 <file path=ppt/tags/tag2.xml><?xml version="1.0" encoding="utf-8"?>
-<p:tagLst xmlns:p="http://schemas.openxmlformats.org/presentationml/2006/main">
+<p:tagLst xmlns:a="http://schemas.openxmlformats.org/drawingml/2006/main" xmlns:r="http://schemas.openxmlformats.org/officeDocument/2006/relationships" xmlns:p="http://schemas.openxmlformats.org/presentationml/2006/main">
   <p:tag name="KSO_WM_UNIT_TABLE_BEAUTIFY" val="smartTable{1be6d635-a17e-48af-a140-ac4c98724ff2}"/>
 </p:tagLst>
 </file>
 
 <file path=ppt/tags/tag3.xml><?xml version="1.0" encoding="utf-8"?>
-<p:tagLst xmlns:p="http://schemas.openxmlformats.org/presentationml/2006/main">
+<p:tagLst xmlns:a="http://schemas.openxmlformats.org/drawingml/2006/main" xmlns:r="http://schemas.openxmlformats.org/officeDocument/2006/relationships" xmlns:p="http://schemas.openxmlformats.org/presentationml/2006/main">
   <p:tag name="KSO_WM_UNIT_TABLE_BEAUTIFY" val="smartTable{5744b056-b60b-46c1-bd2e-c672a445a84c}"/>
 </p:tagLst>
 </file>
 
 <file path=ppt/tags/tag4.xml><?xml version="1.0" encoding="utf-8"?>
-<p:tagLst xmlns:p="http://schemas.openxmlformats.org/presentationml/2006/main">
+<p:tagLst xmlns:a="http://schemas.openxmlformats.org/drawingml/2006/main" xmlns:r="http://schemas.openxmlformats.org/officeDocument/2006/relationships" xmlns:p="http://schemas.openxmlformats.org/presentationml/2006/main">
   <p:tag name="KSO_WM_UNIT_TABLE_BEAUTIFY" val="smartTable{fc26f18d-d0be-4a59-80e1-edc1fff846ac}"/>
 </p:tagLst>
 </file>
 
 <file path=ppt/tags/tag5.xml><?xml version="1.0" encoding="utf-8"?>
-<p:tagLst xmlns:p="http://schemas.openxmlformats.org/presentationml/2006/main">
+<p:tagLst xmlns:a="http://schemas.openxmlformats.org/drawingml/2006/main" xmlns:r="http://schemas.openxmlformats.org/officeDocument/2006/relationships" xmlns:p="http://schemas.openxmlformats.org/presentationml/2006/main">
   <p:tag name="KSO_WM_UNIT_TABLE_BEAUTIFY" val="smartTable{4bcdadb3-cb7c-4dd6-b802-7087cba01c2d}"/>
 </p:tagLst>
 </file>
 
 <file path=ppt/tags/tag6.xml><?xml version="1.0" encoding="utf-8"?>
-<p:tagLst xmlns:p="http://schemas.openxmlformats.org/presentationml/2006/main">
+<p:tagLst xmlns:a="http://schemas.openxmlformats.org/drawingml/2006/main" xmlns:r="http://schemas.openxmlformats.org/officeDocument/2006/relationships" xmlns:p="http://schemas.openxmlformats.org/presentationml/2006/main">
   <p:tag name="KSO_WM_UNIT_TABLE_BEAUTIFY" val="smartTable{37f1efd2-1f1d-4e40-9f5f-0b74c578e83a}"/>
 </p:tagLst>
 </file>
@@ -36984,6 +35444,8 @@
       </a:bgFillStyleLst>
     </a:fmtScheme>
   </a:themeElements>
+  <a:objectDefaults/>
+  <a:extraClrSchemeLst/>
   <a:extLst>
     <a:ext uri="{05A4C25C-085E-4340-85A3-A5531E510DB2}">
       <thm15:themeFamily xmlns:thm15="http://schemas.microsoft.com/office/thememl/2012/main" name="Office Theme" id="{62F939B6-93AF-4DB8-9C6B-D6C7DFDC589F}" vid="{4A3C46E8-61CC-4603-A589-7422A47A8E4A}"/>
@@ -37243,6 +35705,8 @@
       </a:bgFillStyleLst>
     </a:fmtScheme>
   </a:themeElements>
+  <a:objectDefaults/>
+  <a:extraClrSchemeLst/>
   <a:extLst>
     <a:ext uri="{05A4C25C-085E-4340-85A3-A5531E510DB2}">
       <thm15:themeFamily xmlns:thm15="http://schemas.microsoft.com/office/thememl/2012/main" name="Office Theme" id="{62F939B6-93AF-4DB8-9C6B-D6C7DFDC589F}" vid="{4A3C46E8-61CC-4603-A589-7422A47A8E4A}"/>

--- a/枪支信息智能管理系统_软件需求&原型设计.pptx
+++ b/枪支信息智能管理系统_软件需求&原型设计.pptx
@@ -5,23 +5,23 @@
     <p:sldMasterId id="2147483648" r:id="rId1"/>
   </p:sldMasterIdLst>
   <p:notesMasterIdLst>
-    <p:notesMasterId r:id="rId16"/>
+    <p:notesMasterId r:id="rId17"/>
   </p:notesMasterIdLst>
   <p:sldIdLst>
-    <p:sldId id="270" r:id="rId2"/>
-    <p:sldId id="267" r:id="rId3"/>
-    <p:sldId id="256" r:id="rId4"/>
-    <p:sldId id="257" r:id="rId5"/>
-    <p:sldId id="259" r:id="rId6"/>
-    <p:sldId id="260" r:id="rId7"/>
-    <p:sldId id="265" r:id="rId8"/>
-    <p:sldId id="266" r:id="rId9"/>
-    <p:sldId id="258" r:id="rId10"/>
-    <p:sldId id="261" r:id="rId11"/>
-    <p:sldId id="264" r:id="rId12"/>
-    <p:sldId id="263" r:id="rId13"/>
-    <p:sldId id="269" r:id="rId14"/>
-    <p:sldId id="268" r:id="rId15"/>
+    <p:sldId id="270" r:id="rId3"/>
+    <p:sldId id="267" r:id="rId4"/>
+    <p:sldId id="256" r:id="rId5"/>
+    <p:sldId id="257" r:id="rId6"/>
+    <p:sldId id="259" r:id="rId7"/>
+    <p:sldId id="260" r:id="rId8"/>
+    <p:sldId id="265" r:id="rId9"/>
+    <p:sldId id="266" r:id="rId10"/>
+    <p:sldId id="258" r:id="rId11"/>
+    <p:sldId id="261" r:id="rId12"/>
+    <p:sldId id="264" r:id="rId13"/>
+    <p:sldId id="263" r:id="rId14"/>
+    <p:sldId id="269" r:id="rId15"/>
+    <p:sldId id="268" r:id="rId16"/>
   </p:sldIdLst>
   <p:sldSz cx="12192000" cy="6858000"/>
   <p:notesSz cx="6858000" cy="9144000"/>
@@ -120,11 +120,6 @@
       </a:defRPr>
     </a:lvl9pPr>
   </p:defaultTextStyle>
-  <p:extLst>
-    <p:ext uri="{EFAFB233-063F-42B5-8137-9DF3F51BA10A}">
-      <p15:sldGuideLst xmlns:p15="http://schemas.microsoft.com/office/powerpoint/2012/main"/>
-    </p:ext>
-  </p:extLst>
 </p:presentation>
 </file>
 
@@ -210,7 +205,6 @@
           <a:p>
             <a:fld id="{5B25E5F7-FA05-4C17-93BF-02BB2C408BE1}" type="datetimeFigureOut">
               <a:rPr lang="zh-CN" altLang="en-US" smtClean="0"/>
-              <a:t>2021/9/8</a:t>
             </a:fld>
             <a:endParaRPr lang="zh-CN" altLang="en-US"/>
           </a:p>
@@ -277,6 +271,7 @@
               <a:rPr lang="zh-CN" altLang="en-US"/>
               <a:t>单击此处编辑母版文本样式</a:t>
             </a:r>
+            <a:endParaRPr lang="zh-CN" altLang="en-US"/>
           </a:p>
           <a:p>
             <a:pPr lvl="1"/>
@@ -284,6 +279,7 @@
               <a:rPr lang="zh-CN" altLang="en-US"/>
               <a:t>二级</a:t>
             </a:r>
+            <a:endParaRPr lang="zh-CN" altLang="en-US"/>
           </a:p>
           <a:p>
             <a:pPr lvl="2"/>
@@ -291,6 +287,7 @@
               <a:rPr lang="zh-CN" altLang="en-US"/>
               <a:t>三级</a:t>
             </a:r>
+            <a:endParaRPr lang="zh-CN" altLang="en-US"/>
           </a:p>
           <a:p>
             <a:pPr lvl="3"/>
@@ -298,6 +295,7 @@
               <a:rPr lang="zh-CN" altLang="en-US"/>
               <a:t>四级</a:t>
             </a:r>
+            <a:endParaRPr lang="zh-CN" altLang="en-US"/>
           </a:p>
           <a:p>
             <a:pPr lvl="4"/>
@@ -305,6 +303,7 @@
               <a:rPr lang="zh-CN" altLang="en-US"/>
               <a:t>五级</a:t>
             </a:r>
+            <a:endParaRPr lang="zh-CN" altLang="en-US"/>
           </a:p>
         </p:txBody>
       </p:sp>
@@ -368,7 +367,6 @@
           <a:p>
             <a:fld id="{972BFD65-08DC-48DC-B76B-5220588A235D}" type="slidenum">
               <a:rPr lang="zh-CN" altLang="en-US" smtClean="0"/>
-              <a:t>‹#›</a:t>
             </a:fld>
             <a:endParaRPr lang="zh-CN" altLang="en-US"/>
           </a:p>
@@ -517,6 +515,7 @@
               <a:rPr lang="zh-CN" altLang="en-US"/>
               <a:t>单击此处编辑母版标题样式</a:t>
             </a:r>
+            <a:endParaRPr lang="zh-CN" altLang="en-US"/>
           </a:p>
         </p:txBody>
       </p:sp>
@@ -581,6 +580,7 @@
               <a:rPr lang="zh-CN" altLang="en-US"/>
               <a:t>单击此处编辑母版副标题样式</a:t>
             </a:r>
+            <a:endParaRPr lang="zh-CN" altLang="en-US"/>
           </a:p>
         </p:txBody>
       </p:sp>
@@ -601,7 +601,6 @@
           <a:p>
             <a:fld id="{5E3D50CA-20DC-41CF-BD55-0D7EAC39982B}" type="datetimeFigureOut">
               <a:rPr lang="zh-CN" altLang="en-US" smtClean="0"/>
-              <a:t>2021/9/8</a:t>
             </a:fld>
             <a:endParaRPr lang="zh-CN" altLang="en-US"/>
           </a:p>
@@ -643,7 +642,6 @@
           <a:p>
             <a:fld id="{F9708DF7-9027-4C8C-B3BD-7B6D45AAFC74}" type="slidenum">
               <a:rPr lang="zh-CN" altLang="en-US" smtClean="0"/>
-              <a:t>‹#›</a:t>
             </a:fld>
             <a:endParaRPr lang="zh-CN" altLang="en-US"/>
           </a:p>
@@ -693,6 +691,7 @@
               <a:rPr lang="zh-CN" altLang="en-US"/>
               <a:t>单击此处编辑母版标题样式</a:t>
             </a:r>
+            <a:endParaRPr lang="zh-CN" altLang="en-US"/>
           </a:p>
         </p:txBody>
       </p:sp>
@@ -716,6 +715,7 @@
               <a:rPr lang="zh-CN" altLang="en-US"/>
               <a:t>单击此处编辑母版文本样式</a:t>
             </a:r>
+            <a:endParaRPr lang="zh-CN" altLang="en-US"/>
           </a:p>
           <a:p>
             <a:pPr lvl="1"/>
@@ -723,6 +723,7 @@
               <a:rPr lang="zh-CN" altLang="en-US"/>
               <a:t>二级</a:t>
             </a:r>
+            <a:endParaRPr lang="zh-CN" altLang="en-US"/>
           </a:p>
           <a:p>
             <a:pPr lvl="2"/>
@@ -730,6 +731,7 @@
               <a:rPr lang="zh-CN" altLang="en-US"/>
               <a:t>三级</a:t>
             </a:r>
+            <a:endParaRPr lang="zh-CN" altLang="en-US"/>
           </a:p>
           <a:p>
             <a:pPr lvl="3"/>
@@ -737,6 +739,7 @@
               <a:rPr lang="zh-CN" altLang="en-US"/>
               <a:t>四级</a:t>
             </a:r>
+            <a:endParaRPr lang="zh-CN" altLang="en-US"/>
           </a:p>
           <a:p>
             <a:pPr lvl="4"/>
@@ -744,6 +747,7 @@
               <a:rPr lang="zh-CN" altLang="en-US"/>
               <a:t>五级</a:t>
             </a:r>
+            <a:endParaRPr lang="zh-CN" altLang="en-US"/>
           </a:p>
         </p:txBody>
       </p:sp>
@@ -764,7 +768,6 @@
           <a:p>
             <a:fld id="{5E3D50CA-20DC-41CF-BD55-0D7EAC39982B}" type="datetimeFigureOut">
               <a:rPr lang="zh-CN" altLang="en-US" smtClean="0"/>
-              <a:t>2021/9/8</a:t>
             </a:fld>
             <a:endParaRPr lang="zh-CN" altLang="en-US"/>
           </a:p>
@@ -806,7 +809,6 @@
           <a:p>
             <a:fld id="{F9708DF7-9027-4C8C-B3BD-7B6D45AAFC74}" type="slidenum">
               <a:rPr lang="zh-CN" altLang="en-US" smtClean="0"/>
-              <a:t>‹#›</a:t>
             </a:fld>
             <a:endParaRPr lang="zh-CN" altLang="en-US"/>
           </a:p>
@@ -861,6 +863,7 @@
               <a:rPr lang="zh-CN" altLang="en-US"/>
               <a:t>单击此处编辑母版标题样式</a:t>
             </a:r>
+            <a:endParaRPr lang="zh-CN" altLang="en-US"/>
           </a:p>
         </p:txBody>
       </p:sp>
@@ -889,6 +892,7 @@
               <a:rPr lang="zh-CN" altLang="en-US"/>
               <a:t>单击此处编辑母版文本样式</a:t>
             </a:r>
+            <a:endParaRPr lang="zh-CN" altLang="en-US"/>
           </a:p>
           <a:p>
             <a:pPr lvl="1"/>
@@ -896,6 +900,7 @@
               <a:rPr lang="zh-CN" altLang="en-US"/>
               <a:t>二级</a:t>
             </a:r>
+            <a:endParaRPr lang="zh-CN" altLang="en-US"/>
           </a:p>
           <a:p>
             <a:pPr lvl="2"/>
@@ -903,6 +908,7 @@
               <a:rPr lang="zh-CN" altLang="en-US"/>
               <a:t>三级</a:t>
             </a:r>
+            <a:endParaRPr lang="zh-CN" altLang="en-US"/>
           </a:p>
           <a:p>
             <a:pPr lvl="3"/>
@@ -910,6 +916,7 @@
               <a:rPr lang="zh-CN" altLang="en-US"/>
               <a:t>四级</a:t>
             </a:r>
+            <a:endParaRPr lang="zh-CN" altLang="en-US"/>
           </a:p>
           <a:p>
             <a:pPr lvl="4"/>
@@ -917,6 +924,7 @@
               <a:rPr lang="zh-CN" altLang="en-US"/>
               <a:t>五级</a:t>
             </a:r>
+            <a:endParaRPr lang="zh-CN" altLang="en-US"/>
           </a:p>
         </p:txBody>
       </p:sp>
@@ -937,7 +945,6 @@
           <a:p>
             <a:fld id="{5E3D50CA-20DC-41CF-BD55-0D7EAC39982B}" type="datetimeFigureOut">
               <a:rPr lang="zh-CN" altLang="en-US" smtClean="0"/>
-              <a:t>2021/9/8</a:t>
             </a:fld>
             <a:endParaRPr lang="zh-CN" altLang="en-US"/>
           </a:p>
@@ -979,7 +986,6 @@
           <a:p>
             <a:fld id="{F9708DF7-9027-4C8C-B3BD-7B6D45AAFC74}" type="slidenum">
               <a:rPr lang="zh-CN" altLang="en-US" smtClean="0"/>
-              <a:t>‹#›</a:t>
             </a:fld>
             <a:endParaRPr lang="zh-CN" altLang="en-US"/>
           </a:p>
@@ -1029,6 +1035,7 @@
               <a:rPr lang="zh-CN" altLang="en-US"/>
               <a:t>单击此处编辑母版标题样式</a:t>
             </a:r>
+            <a:endParaRPr lang="zh-CN" altLang="en-US"/>
           </a:p>
         </p:txBody>
       </p:sp>
@@ -1052,6 +1059,7 @@
               <a:rPr lang="zh-CN" altLang="en-US"/>
               <a:t>单击此处编辑母版文本样式</a:t>
             </a:r>
+            <a:endParaRPr lang="zh-CN" altLang="en-US"/>
           </a:p>
           <a:p>
             <a:pPr lvl="1"/>
@@ -1059,6 +1067,7 @@
               <a:rPr lang="zh-CN" altLang="en-US"/>
               <a:t>二级</a:t>
             </a:r>
+            <a:endParaRPr lang="zh-CN" altLang="en-US"/>
           </a:p>
           <a:p>
             <a:pPr lvl="2"/>
@@ -1066,6 +1075,7 @@
               <a:rPr lang="zh-CN" altLang="en-US"/>
               <a:t>三级</a:t>
             </a:r>
+            <a:endParaRPr lang="zh-CN" altLang="en-US"/>
           </a:p>
           <a:p>
             <a:pPr lvl="3"/>
@@ -1073,6 +1083,7 @@
               <a:rPr lang="zh-CN" altLang="en-US"/>
               <a:t>四级</a:t>
             </a:r>
+            <a:endParaRPr lang="zh-CN" altLang="en-US"/>
           </a:p>
           <a:p>
             <a:pPr lvl="4"/>
@@ -1080,6 +1091,7 @@
               <a:rPr lang="zh-CN" altLang="en-US"/>
               <a:t>五级</a:t>
             </a:r>
+            <a:endParaRPr lang="zh-CN" altLang="en-US"/>
           </a:p>
         </p:txBody>
       </p:sp>
@@ -1100,7 +1112,6 @@
           <a:p>
             <a:fld id="{5E3D50CA-20DC-41CF-BD55-0D7EAC39982B}" type="datetimeFigureOut">
               <a:rPr lang="zh-CN" altLang="en-US" smtClean="0"/>
-              <a:t>2021/9/8</a:t>
             </a:fld>
             <a:endParaRPr lang="zh-CN" altLang="en-US"/>
           </a:p>
@@ -1142,7 +1153,6 @@
           <a:p>
             <a:fld id="{F9708DF7-9027-4C8C-B3BD-7B6D45AAFC74}" type="slidenum">
               <a:rPr lang="zh-CN" altLang="en-US" smtClean="0"/>
-              <a:t>‹#›</a:t>
             </a:fld>
             <a:endParaRPr lang="zh-CN" altLang="en-US"/>
           </a:p>
@@ -1201,6 +1211,7 @@
               <a:rPr lang="zh-CN" altLang="en-US"/>
               <a:t>单击此处编辑母版标题样式</a:t>
             </a:r>
+            <a:endParaRPr lang="zh-CN" altLang="en-US"/>
           </a:p>
         </p:txBody>
       </p:sp>
@@ -1320,6 +1331,7 @@
               <a:rPr lang="zh-CN" altLang="en-US"/>
               <a:t>单击此处编辑母版文本样式</a:t>
             </a:r>
+            <a:endParaRPr lang="zh-CN" altLang="en-US"/>
           </a:p>
         </p:txBody>
       </p:sp>
@@ -1340,7 +1352,6 @@
           <a:p>
             <a:fld id="{5E3D50CA-20DC-41CF-BD55-0D7EAC39982B}" type="datetimeFigureOut">
               <a:rPr lang="zh-CN" altLang="en-US" smtClean="0"/>
-              <a:t>2021/9/8</a:t>
             </a:fld>
             <a:endParaRPr lang="zh-CN" altLang="en-US"/>
           </a:p>
@@ -1382,7 +1393,6 @@
           <a:p>
             <a:fld id="{F9708DF7-9027-4C8C-B3BD-7B6D45AAFC74}" type="slidenum">
               <a:rPr lang="zh-CN" altLang="en-US" smtClean="0"/>
-              <a:t>‹#›</a:t>
             </a:fld>
             <a:endParaRPr lang="zh-CN" altLang="en-US"/>
           </a:p>
@@ -1432,6 +1442,7 @@
               <a:rPr lang="zh-CN" altLang="en-US"/>
               <a:t>单击此处编辑母版标题样式</a:t>
             </a:r>
+            <a:endParaRPr lang="zh-CN" altLang="en-US"/>
           </a:p>
         </p:txBody>
       </p:sp>
@@ -1460,6 +1471,7 @@
               <a:rPr lang="zh-CN" altLang="en-US"/>
               <a:t>单击此处编辑母版文本样式</a:t>
             </a:r>
+            <a:endParaRPr lang="zh-CN" altLang="en-US"/>
           </a:p>
           <a:p>
             <a:pPr lvl="1"/>
@@ -1467,6 +1479,7 @@
               <a:rPr lang="zh-CN" altLang="en-US"/>
               <a:t>二级</a:t>
             </a:r>
+            <a:endParaRPr lang="zh-CN" altLang="en-US"/>
           </a:p>
           <a:p>
             <a:pPr lvl="2"/>
@@ -1474,6 +1487,7 @@
               <a:rPr lang="zh-CN" altLang="en-US"/>
               <a:t>三级</a:t>
             </a:r>
+            <a:endParaRPr lang="zh-CN" altLang="en-US"/>
           </a:p>
           <a:p>
             <a:pPr lvl="3"/>
@@ -1481,6 +1495,7 @@
               <a:rPr lang="zh-CN" altLang="en-US"/>
               <a:t>四级</a:t>
             </a:r>
+            <a:endParaRPr lang="zh-CN" altLang="en-US"/>
           </a:p>
           <a:p>
             <a:pPr lvl="4"/>
@@ -1488,6 +1503,7 @@
               <a:rPr lang="zh-CN" altLang="en-US"/>
               <a:t>五级</a:t>
             </a:r>
+            <a:endParaRPr lang="zh-CN" altLang="en-US"/>
           </a:p>
         </p:txBody>
       </p:sp>
@@ -1516,6 +1532,7 @@
               <a:rPr lang="zh-CN" altLang="en-US"/>
               <a:t>单击此处编辑母版文本样式</a:t>
             </a:r>
+            <a:endParaRPr lang="zh-CN" altLang="en-US"/>
           </a:p>
           <a:p>
             <a:pPr lvl="1"/>
@@ -1523,6 +1540,7 @@
               <a:rPr lang="zh-CN" altLang="en-US"/>
               <a:t>二级</a:t>
             </a:r>
+            <a:endParaRPr lang="zh-CN" altLang="en-US"/>
           </a:p>
           <a:p>
             <a:pPr lvl="2"/>
@@ -1530,6 +1548,7 @@
               <a:rPr lang="zh-CN" altLang="en-US"/>
               <a:t>三级</a:t>
             </a:r>
+            <a:endParaRPr lang="zh-CN" altLang="en-US"/>
           </a:p>
           <a:p>
             <a:pPr lvl="3"/>
@@ -1537,6 +1556,7 @@
               <a:rPr lang="zh-CN" altLang="en-US"/>
               <a:t>四级</a:t>
             </a:r>
+            <a:endParaRPr lang="zh-CN" altLang="en-US"/>
           </a:p>
           <a:p>
             <a:pPr lvl="4"/>
@@ -1544,6 +1564,7 @@
               <a:rPr lang="zh-CN" altLang="en-US"/>
               <a:t>五级</a:t>
             </a:r>
+            <a:endParaRPr lang="zh-CN" altLang="en-US"/>
           </a:p>
         </p:txBody>
       </p:sp>
@@ -1564,7 +1585,6 @@
           <a:p>
             <a:fld id="{5E3D50CA-20DC-41CF-BD55-0D7EAC39982B}" type="datetimeFigureOut">
               <a:rPr lang="zh-CN" altLang="en-US" smtClean="0"/>
-              <a:t>2021/9/8</a:t>
             </a:fld>
             <a:endParaRPr lang="zh-CN" altLang="en-US"/>
           </a:p>
@@ -1606,7 +1626,6 @@
           <a:p>
             <a:fld id="{F9708DF7-9027-4C8C-B3BD-7B6D45AAFC74}" type="slidenum">
               <a:rPr lang="zh-CN" altLang="en-US" smtClean="0"/>
-              <a:t>‹#›</a:t>
             </a:fld>
             <a:endParaRPr lang="zh-CN" altLang="en-US"/>
           </a:p>
@@ -1661,6 +1680,7 @@
               <a:rPr lang="zh-CN" altLang="en-US"/>
               <a:t>单击此处编辑母版标题样式</a:t>
             </a:r>
+            <a:endParaRPr lang="zh-CN" altLang="en-US"/>
           </a:p>
         </p:txBody>
       </p:sp>
@@ -1726,6 +1746,7 @@
               <a:rPr lang="zh-CN" altLang="en-US"/>
               <a:t>单击此处编辑母版文本样式</a:t>
             </a:r>
+            <a:endParaRPr lang="zh-CN" altLang="en-US"/>
           </a:p>
         </p:txBody>
       </p:sp>
@@ -1754,6 +1775,7 @@
               <a:rPr lang="zh-CN" altLang="en-US"/>
               <a:t>单击此处编辑母版文本样式</a:t>
             </a:r>
+            <a:endParaRPr lang="zh-CN" altLang="en-US"/>
           </a:p>
           <a:p>
             <a:pPr lvl="1"/>
@@ -1761,6 +1783,7 @@
               <a:rPr lang="zh-CN" altLang="en-US"/>
               <a:t>二级</a:t>
             </a:r>
+            <a:endParaRPr lang="zh-CN" altLang="en-US"/>
           </a:p>
           <a:p>
             <a:pPr lvl="2"/>
@@ -1768,6 +1791,7 @@
               <a:rPr lang="zh-CN" altLang="en-US"/>
               <a:t>三级</a:t>
             </a:r>
+            <a:endParaRPr lang="zh-CN" altLang="en-US"/>
           </a:p>
           <a:p>
             <a:pPr lvl="3"/>
@@ -1775,6 +1799,7 @@
               <a:rPr lang="zh-CN" altLang="en-US"/>
               <a:t>四级</a:t>
             </a:r>
+            <a:endParaRPr lang="zh-CN" altLang="en-US"/>
           </a:p>
           <a:p>
             <a:pPr lvl="4"/>
@@ -1782,6 +1807,7 @@
               <a:rPr lang="zh-CN" altLang="en-US"/>
               <a:t>五级</a:t>
             </a:r>
+            <a:endParaRPr lang="zh-CN" altLang="en-US"/>
           </a:p>
         </p:txBody>
       </p:sp>
@@ -1847,6 +1873,7 @@
               <a:rPr lang="zh-CN" altLang="en-US"/>
               <a:t>单击此处编辑母版文本样式</a:t>
             </a:r>
+            <a:endParaRPr lang="zh-CN" altLang="en-US"/>
           </a:p>
         </p:txBody>
       </p:sp>
@@ -1875,6 +1902,7 @@
               <a:rPr lang="zh-CN" altLang="en-US"/>
               <a:t>单击此处编辑母版文本样式</a:t>
             </a:r>
+            <a:endParaRPr lang="zh-CN" altLang="en-US"/>
           </a:p>
           <a:p>
             <a:pPr lvl="1"/>
@@ -1882,6 +1910,7 @@
               <a:rPr lang="zh-CN" altLang="en-US"/>
               <a:t>二级</a:t>
             </a:r>
+            <a:endParaRPr lang="zh-CN" altLang="en-US"/>
           </a:p>
           <a:p>
             <a:pPr lvl="2"/>
@@ -1889,6 +1918,7 @@
               <a:rPr lang="zh-CN" altLang="en-US"/>
               <a:t>三级</a:t>
             </a:r>
+            <a:endParaRPr lang="zh-CN" altLang="en-US"/>
           </a:p>
           <a:p>
             <a:pPr lvl="3"/>
@@ -1896,6 +1926,7 @@
               <a:rPr lang="zh-CN" altLang="en-US"/>
               <a:t>四级</a:t>
             </a:r>
+            <a:endParaRPr lang="zh-CN" altLang="en-US"/>
           </a:p>
           <a:p>
             <a:pPr lvl="4"/>
@@ -1903,6 +1934,7 @@
               <a:rPr lang="zh-CN" altLang="en-US"/>
               <a:t>五级</a:t>
             </a:r>
+            <a:endParaRPr lang="zh-CN" altLang="en-US"/>
           </a:p>
         </p:txBody>
       </p:sp>
@@ -1923,7 +1955,6 @@
           <a:p>
             <a:fld id="{5E3D50CA-20DC-41CF-BD55-0D7EAC39982B}" type="datetimeFigureOut">
               <a:rPr lang="zh-CN" altLang="en-US" smtClean="0"/>
-              <a:t>2021/9/8</a:t>
             </a:fld>
             <a:endParaRPr lang="zh-CN" altLang="en-US"/>
           </a:p>
@@ -1965,7 +1996,6 @@
           <a:p>
             <a:fld id="{F9708DF7-9027-4C8C-B3BD-7B6D45AAFC74}" type="slidenum">
               <a:rPr lang="zh-CN" altLang="en-US" smtClean="0"/>
-              <a:t>‹#›</a:t>
             </a:fld>
             <a:endParaRPr lang="zh-CN" altLang="en-US"/>
           </a:p>
@@ -2015,6 +2045,7 @@
               <a:rPr lang="zh-CN" altLang="en-US"/>
               <a:t>单击此处编辑母版标题样式</a:t>
             </a:r>
+            <a:endParaRPr lang="zh-CN" altLang="en-US"/>
           </a:p>
         </p:txBody>
       </p:sp>
@@ -2035,7 +2066,6 @@
           <a:p>
             <a:fld id="{5E3D50CA-20DC-41CF-BD55-0D7EAC39982B}" type="datetimeFigureOut">
               <a:rPr lang="zh-CN" altLang="en-US" smtClean="0"/>
-              <a:t>2021/9/8</a:t>
             </a:fld>
             <a:endParaRPr lang="zh-CN" altLang="en-US"/>
           </a:p>
@@ -2077,7 +2107,6 @@
           <a:p>
             <a:fld id="{F9708DF7-9027-4C8C-B3BD-7B6D45AAFC74}" type="slidenum">
               <a:rPr lang="zh-CN" altLang="en-US" smtClean="0"/>
-              <a:t>‹#›</a:t>
             </a:fld>
             <a:endParaRPr lang="zh-CN" altLang="en-US"/>
           </a:p>
@@ -2125,7 +2154,6 @@
           <a:p>
             <a:fld id="{5E3D50CA-20DC-41CF-BD55-0D7EAC39982B}" type="datetimeFigureOut">
               <a:rPr lang="zh-CN" altLang="en-US" smtClean="0"/>
-              <a:t>2021/9/8</a:t>
             </a:fld>
             <a:endParaRPr lang="zh-CN" altLang="en-US"/>
           </a:p>
@@ -2167,7 +2195,6 @@
           <a:p>
             <a:fld id="{F9708DF7-9027-4C8C-B3BD-7B6D45AAFC74}" type="slidenum">
               <a:rPr lang="zh-CN" altLang="en-US" smtClean="0"/>
-              <a:t>‹#›</a:t>
             </a:fld>
             <a:endParaRPr lang="zh-CN" altLang="en-US"/>
           </a:p>
@@ -2226,6 +2253,7 @@
               <a:rPr lang="zh-CN" altLang="en-US"/>
               <a:t>单击此处编辑母版标题样式</a:t>
             </a:r>
+            <a:endParaRPr lang="zh-CN" altLang="en-US"/>
           </a:p>
         </p:txBody>
       </p:sp>
@@ -2282,6 +2310,7 @@
               <a:rPr lang="zh-CN" altLang="en-US"/>
               <a:t>单击此处编辑母版文本样式</a:t>
             </a:r>
+            <a:endParaRPr lang="zh-CN" altLang="en-US"/>
           </a:p>
           <a:p>
             <a:pPr lvl="1"/>
@@ -2289,6 +2318,7 @@
               <a:rPr lang="zh-CN" altLang="en-US"/>
               <a:t>二级</a:t>
             </a:r>
+            <a:endParaRPr lang="zh-CN" altLang="en-US"/>
           </a:p>
           <a:p>
             <a:pPr lvl="2"/>
@@ -2296,6 +2326,7 @@
               <a:rPr lang="zh-CN" altLang="en-US"/>
               <a:t>三级</a:t>
             </a:r>
+            <a:endParaRPr lang="zh-CN" altLang="en-US"/>
           </a:p>
           <a:p>
             <a:pPr lvl="3"/>
@@ -2303,6 +2334,7 @@
               <a:rPr lang="zh-CN" altLang="en-US"/>
               <a:t>四级</a:t>
             </a:r>
+            <a:endParaRPr lang="zh-CN" altLang="en-US"/>
           </a:p>
           <a:p>
             <a:pPr lvl="4"/>
@@ -2310,6 +2342,7 @@
               <a:rPr lang="zh-CN" altLang="en-US"/>
               <a:t>五级</a:t>
             </a:r>
+            <a:endParaRPr lang="zh-CN" altLang="en-US"/>
           </a:p>
         </p:txBody>
       </p:sp>
@@ -2375,6 +2408,7 @@
               <a:rPr lang="zh-CN" altLang="en-US"/>
               <a:t>单击此处编辑母版文本样式</a:t>
             </a:r>
+            <a:endParaRPr lang="zh-CN" altLang="en-US"/>
           </a:p>
         </p:txBody>
       </p:sp>
@@ -2395,7 +2429,6 @@
           <a:p>
             <a:fld id="{5E3D50CA-20DC-41CF-BD55-0D7EAC39982B}" type="datetimeFigureOut">
               <a:rPr lang="zh-CN" altLang="en-US" smtClean="0"/>
-              <a:t>2021/9/8</a:t>
             </a:fld>
             <a:endParaRPr lang="zh-CN" altLang="en-US"/>
           </a:p>
@@ -2437,7 +2470,6 @@
           <a:p>
             <a:fld id="{F9708DF7-9027-4C8C-B3BD-7B6D45AAFC74}" type="slidenum">
               <a:rPr lang="zh-CN" altLang="en-US" smtClean="0"/>
-              <a:t>‹#›</a:t>
             </a:fld>
             <a:endParaRPr lang="zh-CN" altLang="en-US"/>
           </a:p>
@@ -2496,6 +2528,7 @@
               <a:rPr lang="zh-CN" altLang="en-US"/>
               <a:t>单击此处编辑母版标题样式</a:t>
             </a:r>
+            <a:endParaRPr lang="zh-CN" altLang="en-US"/>
           </a:p>
         </p:txBody>
       </p:sp>
@@ -2622,6 +2655,7 @@
               <a:rPr lang="zh-CN" altLang="en-US"/>
               <a:t>单击此处编辑母版文本样式</a:t>
             </a:r>
+            <a:endParaRPr lang="zh-CN" altLang="en-US"/>
           </a:p>
         </p:txBody>
       </p:sp>
@@ -2642,7 +2676,6 @@
           <a:p>
             <a:fld id="{5E3D50CA-20DC-41CF-BD55-0D7EAC39982B}" type="datetimeFigureOut">
               <a:rPr lang="zh-CN" altLang="en-US" smtClean="0"/>
-              <a:t>2021/9/8</a:t>
             </a:fld>
             <a:endParaRPr lang="zh-CN" altLang="en-US"/>
           </a:p>
@@ -2684,7 +2717,6 @@
           <a:p>
             <a:fld id="{F9708DF7-9027-4C8C-B3BD-7B6D45AAFC74}" type="slidenum">
               <a:rPr lang="zh-CN" altLang="en-US" smtClean="0"/>
-              <a:t>‹#›</a:t>
             </a:fld>
             <a:endParaRPr lang="zh-CN" altLang="en-US"/>
           </a:p>
@@ -2749,6 +2781,7 @@
               <a:rPr lang="zh-CN" altLang="en-US"/>
               <a:t>单击此处编辑母版标题样式</a:t>
             </a:r>
+            <a:endParaRPr lang="zh-CN" altLang="en-US"/>
           </a:p>
         </p:txBody>
       </p:sp>
@@ -2782,6 +2815,7 @@
               <a:rPr lang="zh-CN" altLang="en-US"/>
               <a:t>单击此处编辑母版文本样式</a:t>
             </a:r>
+            <a:endParaRPr lang="zh-CN" altLang="en-US"/>
           </a:p>
           <a:p>
             <a:pPr lvl="1"/>
@@ -2789,6 +2823,7 @@
               <a:rPr lang="zh-CN" altLang="en-US"/>
               <a:t>二级</a:t>
             </a:r>
+            <a:endParaRPr lang="zh-CN" altLang="en-US"/>
           </a:p>
           <a:p>
             <a:pPr lvl="2"/>
@@ -2796,6 +2831,7 @@
               <a:rPr lang="zh-CN" altLang="en-US"/>
               <a:t>三级</a:t>
             </a:r>
+            <a:endParaRPr lang="zh-CN" altLang="en-US"/>
           </a:p>
           <a:p>
             <a:pPr lvl="3"/>
@@ -2803,6 +2839,7 @@
               <a:rPr lang="zh-CN" altLang="en-US"/>
               <a:t>四级</a:t>
             </a:r>
+            <a:endParaRPr lang="zh-CN" altLang="en-US"/>
           </a:p>
           <a:p>
             <a:pPr lvl="4"/>
@@ -2810,6 +2847,7 @@
               <a:rPr lang="zh-CN" altLang="en-US"/>
               <a:t>五级</a:t>
             </a:r>
+            <a:endParaRPr lang="zh-CN" altLang="en-US"/>
           </a:p>
         </p:txBody>
       </p:sp>
@@ -2848,7 +2886,6 @@
           <a:p>
             <a:fld id="{5E3D50CA-20DC-41CF-BD55-0D7EAC39982B}" type="datetimeFigureOut">
               <a:rPr lang="zh-CN" altLang="en-US" smtClean="0"/>
-              <a:t>2021/9/8</a:t>
             </a:fld>
             <a:endParaRPr lang="zh-CN" altLang="en-US"/>
           </a:p>
@@ -2926,7 +2963,6 @@
           <a:p>
             <a:fld id="{F9708DF7-9027-4C8C-B3BD-7B6D45AAFC74}" type="slidenum">
               <a:rPr lang="zh-CN" altLang="en-US" smtClean="0"/>
-              <a:t>‹#›</a:t>
             </a:fld>
             <a:endParaRPr lang="zh-CN" altLang="en-US"/>
           </a:p>
@@ -3292,6 +3328,10 @@
               </a:rPr>
               <a:t>&amp;</a:t>
             </a:r>
+            <a:endParaRPr lang="en-US" altLang="zh-CN" sz="2400" b="1" dirty="0">
+              <a:latin typeface="微软雅黑" panose="020B0503020204020204" pitchFamily="34" charset="-122"/>
+              <a:ea typeface="微软雅黑" panose="020B0503020204020204" pitchFamily="34" charset="-122"/>
+            </a:endParaRPr>
           </a:p>
           <a:p>
             <a:pPr algn="ctr"/>
@@ -3302,6 +3342,10 @@
               </a:rPr>
               <a:t>原型设计</a:t>
             </a:r>
+            <a:endParaRPr lang="zh-CN" altLang="en-US" sz="2400" b="1" dirty="0">
+              <a:latin typeface="微软雅黑" panose="020B0503020204020204" pitchFamily="34" charset="-122"/>
+              <a:ea typeface="微软雅黑" panose="020B0503020204020204" pitchFamily="34" charset="-122"/>
+            </a:endParaRPr>
           </a:p>
         </p:txBody>
       </p:sp>
@@ -3314,7 +3358,7 @@
           <p:nvPr/>
         </p:nvPicPr>
         <p:blipFill>
-          <a:blip r:embed="rId2" cstate="print">
+          <a:blip r:embed="rId1" cstate="print">
             <a:extLst>
               <a:ext uri="{28A0092B-C50C-407E-A947-70E740481C1C}">
                 <a14:useLocalDpi xmlns:a14="http://schemas.microsoft.com/office/drawing/2010/main" val="0"/>
@@ -3532,6 +3576,10 @@
               </a:rPr>
               <a:t>查询登录页面</a:t>
             </a:r>
+            <a:endParaRPr lang="zh-CN" altLang="en-US" b="1" dirty="0">
+              <a:latin typeface="微软雅黑" panose="020B0503020204020204" pitchFamily="34" charset="-122"/>
+              <a:ea typeface="微软雅黑" panose="020B0503020204020204" pitchFamily="34" charset="-122"/>
+            </a:endParaRPr>
           </a:p>
         </p:txBody>
       </p:sp>
@@ -3671,6 +3719,13 @@
               </a:rPr>
               <a:t>操作员</a:t>
             </a:r>
+            <a:endParaRPr lang="zh-CN" altLang="en-US" dirty="0">
+              <a:solidFill>
+                <a:schemeClr val="bg1"/>
+              </a:solidFill>
+              <a:latin typeface="微软雅黑" panose="020B0503020204020204" pitchFamily="34" charset="-122"/>
+              <a:ea typeface="微软雅黑" panose="020B0503020204020204" pitchFamily="34" charset="-122"/>
+            </a:endParaRPr>
           </a:p>
         </p:txBody>
       </p:sp>
@@ -3706,6 +3761,13 @@
               </a:rPr>
               <a:t>密 码</a:t>
             </a:r>
+            <a:endParaRPr lang="zh-CN" altLang="en-US" dirty="0">
+              <a:solidFill>
+                <a:schemeClr val="bg1"/>
+              </a:solidFill>
+              <a:latin typeface="微软雅黑" panose="020B0503020204020204" pitchFamily="34" charset="-122"/>
+              <a:ea typeface="微软雅黑" panose="020B0503020204020204" pitchFamily="34" charset="-122"/>
+            </a:endParaRPr>
           </a:p>
         </p:txBody>
       </p:sp>
@@ -3718,7 +3780,7 @@
           <p:nvPr/>
         </p:nvPicPr>
         <p:blipFill>
-          <a:blip r:embed="rId2" cstate="print">
+          <a:blip r:embed="rId1" cstate="print">
             <a:extLst>
               <a:ext uri="{28A0092B-C50C-407E-A947-70E740481C1C}">
                 <a14:useLocalDpi xmlns:a14="http://schemas.microsoft.com/office/drawing/2010/main" val="0"/>
@@ -3812,6 +3874,16 @@
               </a:rPr>
               <a:t>登 录</a:t>
             </a:r>
+            <a:endParaRPr lang="zh-CN" altLang="en-US" dirty="0">
+              <a:solidFill>
+                <a:schemeClr val="accent4">
+                  <a:lumMod val="60000"/>
+                  <a:lumOff val="40000"/>
+                </a:schemeClr>
+              </a:solidFill>
+              <a:latin typeface="微软雅黑" panose="020B0503020204020204" pitchFamily="34" charset="-122"/>
+              <a:ea typeface="微软雅黑" panose="020B0503020204020204" pitchFamily="34" charset="-122"/>
+            </a:endParaRPr>
           </a:p>
         </p:txBody>
       </p:sp>
@@ -4008,6 +4080,15 @@
               </a:rPr>
               <a:t>账号管理</a:t>
             </a:r>
+            <a:endParaRPr lang="zh-CN" altLang="en-US" dirty="0">
+              <a:solidFill>
+                <a:schemeClr val="accent6">
+                  <a:lumMod val="75000"/>
+                </a:schemeClr>
+              </a:solidFill>
+              <a:latin typeface="微软雅黑" panose="020B0503020204020204" pitchFamily="34" charset="-122"/>
+              <a:ea typeface="微软雅黑" panose="020B0503020204020204" pitchFamily="34" charset="-122"/>
+            </a:endParaRPr>
           </a:p>
         </p:txBody>
       </p:sp>
@@ -4071,6 +4152,15 @@
               </a:rPr>
               <a:t>编码检视</a:t>
             </a:r>
+            <a:endParaRPr lang="zh-CN" altLang="en-US" dirty="0">
+              <a:solidFill>
+                <a:schemeClr val="accent6">
+                  <a:lumMod val="75000"/>
+                </a:schemeClr>
+              </a:solidFill>
+              <a:latin typeface="微软雅黑" panose="020B0503020204020204" pitchFamily="34" charset="-122"/>
+              <a:ea typeface="微软雅黑" panose="020B0503020204020204" pitchFamily="34" charset="-122"/>
+            </a:endParaRPr>
           </a:p>
         </p:txBody>
       </p:sp>
@@ -4134,6 +4224,13 @@
               </a:rPr>
               <a:t>信息管理</a:t>
             </a:r>
+            <a:endParaRPr lang="zh-CN" altLang="en-US" dirty="0">
+              <a:solidFill>
+                <a:schemeClr val="bg1"/>
+              </a:solidFill>
+              <a:latin typeface="微软雅黑" panose="020B0503020204020204" pitchFamily="34" charset="-122"/>
+              <a:ea typeface="微软雅黑" panose="020B0503020204020204" pitchFamily="34" charset="-122"/>
+            </a:endParaRPr>
           </a:p>
         </p:txBody>
       </p:sp>
@@ -4169,6 +4266,13 @@
               </a:rPr>
               <a:t>监督员</a:t>
             </a:r>
+            <a:endParaRPr lang="zh-CN" altLang="en-US" dirty="0">
+              <a:solidFill>
+                <a:schemeClr val="bg1"/>
+              </a:solidFill>
+              <a:latin typeface="微软雅黑" panose="020B0503020204020204" pitchFamily="34" charset="-122"/>
+              <a:ea typeface="微软雅黑" panose="020B0503020204020204" pitchFamily="34" charset="-122"/>
+            </a:endParaRPr>
           </a:p>
         </p:txBody>
       </p:sp>
@@ -4204,6 +4308,13 @@
               </a:rPr>
               <a:t>密 码</a:t>
             </a:r>
+            <a:endParaRPr lang="zh-CN" altLang="en-US" dirty="0">
+              <a:solidFill>
+                <a:schemeClr val="bg1"/>
+              </a:solidFill>
+              <a:latin typeface="微软雅黑" panose="020B0503020204020204" pitchFamily="34" charset="-122"/>
+              <a:ea typeface="微软雅黑" panose="020B0503020204020204" pitchFamily="34" charset="-122"/>
+            </a:endParaRPr>
           </a:p>
         </p:txBody>
       </p:sp>
@@ -4363,6 +4474,13 @@
               </a:rPr>
               <a:t>查 询</a:t>
             </a:r>
+            <a:endParaRPr lang="zh-CN" altLang="en-US" sz="1600" dirty="0">
+              <a:solidFill>
+                <a:schemeClr val="bg1"/>
+              </a:solidFill>
+              <a:latin typeface="微软雅黑" panose="020B0503020204020204" pitchFamily="34" charset="-122"/>
+              <a:ea typeface="微软雅黑" panose="020B0503020204020204" pitchFamily="34" charset="-122"/>
+            </a:endParaRPr>
           </a:p>
         </p:txBody>
       </p:sp>
@@ -4426,6 +4544,15 @@
               </a:rPr>
               <a:t>出 库</a:t>
             </a:r>
+            <a:endParaRPr lang="zh-CN" altLang="en-US" sz="1600" dirty="0">
+              <a:solidFill>
+                <a:schemeClr val="accent6">
+                  <a:lumMod val="75000"/>
+                </a:schemeClr>
+              </a:solidFill>
+              <a:latin typeface="微软雅黑" panose="020B0503020204020204" pitchFamily="34" charset="-122"/>
+              <a:ea typeface="微软雅黑" panose="020B0503020204020204" pitchFamily="34" charset="-122"/>
+            </a:endParaRPr>
           </a:p>
         </p:txBody>
       </p:sp>
@@ -4482,6 +4609,7 @@
               <a:rPr lang="zh-CN" altLang="en-US" dirty="0"/>
               <a:t>查询模块</a:t>
             </a:r>
+            <a:endParaRPr lang="zh-CN" altLang="en-US" dirty="0"/>
           </a:p>
         </p:txBody>
       </p:sp>
@@ -4519,6 +4647,15 @@
               </a:rPr>
               <a:t>枪 支 信 息 智 能 管 理 系 统</a:t>
             </a:r>
+            <a:endParaRPr lang="zh-CN" altLang="en-US" sz="2400" b="1" dirty="0">
+              <a:solidFill>
+                <a:schemeClr val="accent6">
+                  <a:lumMod val="75000"/>
+                </a:schemeClr>
+              </a:solidFill>
+              <a:latin typeface="微软雅黑" panose="020B0503020204020204" pitchFamily="34" charset="-122"/>
+              <a:ea typeface="微软雅黑" panose="020B0503020204020204" pitchFamily="34" charset="-122"/>
+            </a:endParaRPr>
           </a:p>
         </p:txBody>
       </p:sp>
@@ -4531,7 +4668,7 @@
           <p:nvPr/>
         </p:nvPicPr>
         <p:blipFill>
-          <a:blip r:embed="rId3" cstate="print">
+          <a:blip r:embed="rId2" cstate="print">
             <a:extLst>
               <a:ext uri="{28A0092B-C50C-407E-A947-70E740481C1C}">
                 <a14:useLocalDpi xmlns:a14="http://schemas.microsoft.com/office/drawing/2010/main" val="0"/>
@@ -4616,6 +4753,13 @@
                 </a:rPr>
                 <a:t>返回</a:t>
               </a:r>
+              <a:endParaRPr lang="zh-CN" altLang="en-US" sz="1400" b="1" dirty="0">
+                <a:solidFill>
+                  <a:srgbClr val="00B0F0"/>
+                </a:solidFill>
+                <a:latin typeface="微软雅黑" panose="020B0503020204020204" pitchFamily="34" charset="-122"/>
+                <a:ea typeface="微软雅黑" panose="020B0503020204020204" pitchFamily="34" charset="-122"/>
+              </a:endParaRPr>
             </a:p>
           </p:txBody>
         </p:sp>
@@ -4724,6 +4868,10 @@
               </a:rPr>
               <a:t>信息查询页面</a:t>
             </a:r>
+            <a:endParaRPr lang="zh-CN" altLang="en-US" b="1" dirty="0">
+              <a:latin typeface="微软雅黑" panose="020B0503020204020204" pitchFamily="34" charset="-122"/>
+              <a:ea typeface="微软雅黑" panose="020B0503020204020204" pitchFamily="34" charset="-122"/>
+            </a:endParaRPr>
           </a:p>
         </p:txBody>
       </p:sp>
@@ -4876,6 +5024,15 @@
               </a:rPr>
               <a:t>账号管理</a:t>
             </a:r>
+            <a:endParaRPr lang="zh-CN" altLang="en-US" dirty="0">
+              <a:solidFill>
+                <a:schemeClr val="accent6">
+                  <a:lumMod val="75000"/>
+                </a:schemeClr>
+              </a:solidFill>
+              <a:latin typeface="微软雅黑" panose="020B0503020204020204" pitchFamily="34" charset="-122"/>
+              <a:ea typeface="微软雅黑" panose="020B0503020204020204" pitchFamily="34" charset="-122"/>
+            </a:endParaRPr>
           </a:p>
         </p:txBody>
       </p:sp>
@@ -4939,6 +5096,15 @@
               </a:rPr>
               <a:t>编码检视</a:t>
             </a:r>
+            <a:endParaRPr lang="zh-CN" altLang="en-US" dirty="0">
+              <a:solidFill>
+                <a:schemeClr val="accent6">
+                  <a:lumMod val="75000"/>
+                </a:schemeClr>
+              </a:solidFill>
+              <a:latin typeface="微软雅黑" panose="020B0503020204020204" pitchFamily="34" charset="-122"/>
+              <a:ea typeface="微软雅黑" panose="020B0503020204020204" pitchFamily="34" charset="-122"/>
+            </a:endParaRPr>
           </a:p>
         </p:txBody>
       </p:sp>
@@ -5002,6 +5168,13 @@
               </a:rPr>
               <a:t>信息管理</a:t>
             </a:r>
+            <a:endParaRPr lang="zh-CN" altLang="en-US" dirty="0">
+              <a:solidFill>
+                <a:schemeClr val="bg1"/>
+              </a:solidFill>
+              <a:latin typeface="微软雅黑" panose="020B0503020204020204" pitchFamily="34" charset="-122"/>
+              <a:ea typeface="微软雅黑" panose="020B0503020204020204" pitchFamily="34" charset="-122"/>
+            </a:endParaRPr>
           </a:p>
         </p:txBody>
       </p:sp>
@@ -5141,6 +5314,15 @@
               </a:rPr>
               <a:t>查询条件：</a:t>
             </a:r>
+            <a:endParaRPr lang="zh-CN" altLang="en-US" sz="1400" dirty="0">
+              <a:solidFill>
+                <a:schemeClr val="accent6">
+                  <a:lumMod val="75000"/>
+                </a:schemeClr>
+              </a:solidFill>
+              <a:latin typeface="微软雅黑" panose="020B0503020204020204" pitchFamily="34" charset="-122"/>
+              <a:ea typeface="微软雅黑" panose="020B0503020204020204" pitchFamily="34" charset="-122"/>
+            </a:endParaRPr>
           </a:p>
         </p:txBody>
       </p:sp>
@@ -5354,90 +5536,18 @@
                 <a:tableStyleId>{93296810-A885-4BE3-A3E7-6D5BEEA58F35}</a:tableStyleId>
               </a:tblPr>
               <a:tblGrid>
-                <a:gridCol w="459341">
-                  <a:extLst>
-                    <a:ext uri="{9D8B030D-6E8A-4147-A177-3AD203B41FA5}">
-                      <a16:colId xmlns:a16="http://schemas.microsoft.com/office/drawing/2014/main" val="20000"/>
-                    </a:ext>
-                  </a:extLst>
-                </a:gridCol>
-                <a:gridCol w="1105728">
-                  <a:extLst>
-                    <a:ext uri="{9D8B030D-6E8A-4147-A177-3AD203B41FA5}">
-                      <a16:colId xmlns:a16="http://schemas.microsoft.com/office/drawing/2014/main" val="20001"/>
-                    </a:ext>
-                  </a:extLst>
-                </a:gridCol>
-                <a:gridCol w="1116697">
-                  <a:extLst>
-                    <a:ext uri="{9D8B030D-6E8A-4147-A177-3AD203B41FA5}">
-                      <a16:colId xmlns:a16="http://schemas.microsoft.com/office/drawing/2014/main" val="20002"/>
-                    </a:ext>
-                  </a:extLst>
-                </a:gridCol>
-                <a:gridCol w="1218216">
-                  <a:extLst>
-                    <a:ext uri="{9D8B030D-6E8A-4147-A177-3AD203B41FA5}">
-                      <a16:colId xmlns:a16="http://schemas.microsoft.com/office/drawing/2014/main" val="20003"/>
-                    </a:ext>
-                  </a:extLst>
-                </a:gridCol>
-                <a:gridCol w="939041">
-                  <a:extLst>
-                    <a:ext uri="{9D8B030D-6E8A-4147-A177-3AD203B41FA5}">
-                      <a16:colId xmlns:a16="http://schemas.microsoft.com/office/drawing/2014/main" val="20004"/>
-                    </a:ext>
-                  </a:extLst>
-                </a:gridCol>
-                <a:gridCol w="913662">
-                  <a:extLst>
-                    <a:ext uri="{9D8B030D-6E8A-4147-A177-3AD203B41FA5}">
-                      <a16:colId xmlns:a16="http://schemas.microsoft.com/office/drawing/2014/main" val="20005"/>
-                    </a:ext>
-                  </a:extLst>
-                </a:gridCol>
-                <a:gridCol w="1319733">
-                  <a:extLst>
-                    <a:ext uri="{9D8B030D-6E8A-4147-A177-3AD203B41FA5}">
-                      <a16:colId xmlns:a16="http://schemas.microsoft.com/office/drawing/2014/main" val="20006"/>
-                    </a:ext>
-                  </a:extLst>
-                </a:gridCol>
-                <a:gridCol w="829063">
-                  <a:extLst>
-                    <a:ext uri="{9D8B030D-6E8A-4147-A177-3AD203B41FA5}">
-                      <a16:colId xmlns:a16="http://schemas.microsoft.com/office/drawing/2014/main" val="20007"/>
-                    </a:ext>
-                  </a:extLst>
-                </a:gridCol>
-                <a:gridCol w="778304">
-                  <a:extLst>
-                    <a:ext uri="{9D8B030D-6E8A-4147-A177-3AD203B41FA5}">
-                      <a16:colId xmlns:a16="http://schemas.microsoft.com/office/drawing/2014/main" val="20008"/>
-                    </a:ext>
-                  </a:extLst>
-                </a:gridCol>
-                <a:gridCol w="676787">
-                  <a:extLst>
-                    <a:ext uri="{9D8B030D-6E8A-4147-A177-3AD203B41FA5}">
-                      <a16:colId xmlns:a16="http://schemas.microsoft.com/office/drawing/2014/main" val="20009"/>
-                    </a:ext>
-                  </a:extLst>
-                </a:gridCol>
-                <a:gridCol w="820604">
-                  <a:extLst>
-                    <a:ext uri="{9D8B030D-6E8A-4147-A177-3AD203B41FA5}">
-                      <a16:colId xmlns:a16="http://schemas.microsoft.com/office/drawing/2014/main" val="20010"/>
-                    </a:ext>
-                  </a:extLst>
-                </a:gridCol>
-                <a:gridCol w="296092">
-                  <a:extLst>
-                    <a:ext uri="{9D8B030D-6E8A-4147-A177-3AD203B41FA5}">
-                      <a16:colId xmlns:a16="http://schemas.microsoft.com/office/drawing/2014/main" val="20011"/>
-                    </a:ext>
-                  </a:extLst>
-                </a:gridCol>
+                <a:gridCol w="459341"/>
+                <a:gridCol w="1105728"/>
+                <a:gridCol w="1116697"/>
+                <a:gridCol w="1218216"/>
+                <a:gridCol w="939041"/>
+                <a:gridCol w="913662"/>
+                <a:gridCol w="1319733"/>
+                <a:gridCol w="829063"/>
+                <a:gridCol w="778304"/>
+                <a:gridCol w="676787"/>
+                <a:gridCol w="820604"/>
+                <a:gridCol w="296092"/>
               </a:tblGrid>
               <a:tr h="457780">
                 <a:tc>
@@ -5453,6 +5563,10 @@
                         </a:rPr>
                         <a:t>序号</a:t>
                       </a:r>
+                      <a:endParaRPr lang="zh-CN" altLang="en-US" sz="900" b="1" dirty="0">
+                        <a:latin typeface="微软雅黑" panose="020B0503020204020204" pitchFamily="34" charset="-122"/>
+                        <a:ea typeface="微软雅黑" panose="020B0503020204020204" pitchFamily="34" charset="-122"/>
+                      </a:endParaRPr>
                     </a:p>
                   </a:txBody>
                   <a:tcPr anchor="ctr"/>
@@ -5470,6 +5584,10 @@
                         </a:rPr>
                         <a:t>退役报废文件号</a:t>
                       </a:r>
+                      <a:endParaRPr lang="zh-CN" altLang="en-US" sz="900" b="1" dirty="0">
+                        <a:latin typeface="微软雅黑" panose="020B0503020204020204" pitchFamily="34" charset="-122"/>
+                        <a:ea typeface="微软雅黑" panose="020B0503020204020204" pitchFamily="34" charset="-122"/>
+                      </a:endParaRPr>
                     </a:p>
                   </a:txBody>
                   <a:tcPr anchor="ctr"/>
@@ -5487,6 +5605,10 @@
                         </a:rPr>
                         <a:t>退役报废装备处理调拨凭证号</a:t>
                       </a:r>
+                      <a:endParaRPr lang="zh-CN" altLang="en-US" sz="900" b="1" dirty="0">
+                        <a:latin typeface="微软雅黑" panose="020B0503020204020204" pitchFamily="34" charset="-122"/>
+                        <a:ea typeface="微软雅黑" panose="020B0503020204020204" pitchFamily="34" charset="-122"/>
+                      </a:endParaRPr>
                     </a:p>
                   </a:txBody>
                   <a:tcPr anchor="ctr"/>
@@ -5504,6 +5626,10 @@
                         </a:rPr>
                         <a:t>装箱单号</a:t>
                       </a:r>
+                      <a:endParaRPr lang="zh-CN" altLang="en-US" sz="900" b="1" dirty="0">
+                        <a:latin typeface="微软雅黑" panose="020B0503020204020204" pitchFamily="34" charset="-122"/>
+                        <a:ea typeface="微软雅黑" panose="020B0503020204020204" pitchFamily="34" charset="-122"/>
+                      </a:endParaRPr>
                     </a:p>
                   </a:txBody>
                   <a:tcPr anchor="ctr"/>
@@ -5521,6 +5647,10 @@
                         </a:rPr>
                         <a:t>装备代码</a:t>
                       </a:r>
+                      <a:endParaRPr lang="zh-CN" altLang="en-US" sz="900" b="1" dirty="0">
+                        <a:latin typeface="微软雅黑" panose="020B0503020204020204" pitchFamily="34" charset="-122"/>
+                        <a:ea typeface="微软雅黑" panose="020B0503020204020204" pitchFamily="34" charset="-122"/>
+                      </a:endParaRPr>
                     </a:p>
                   </a:txBody>
                   <a:tcPr anchor="ctr"/>
@@ -5538,6 +5668,10 @@
                         </a:rPr>
                         <a:t>装备（部件）名称</a:t>
                       </a:r>
+                      <a:endParaRPr lang="zh-CN" altLang="en-US" sz="900" b="1" dirty="0">
+                        <a:latin typeface="微软雅黑" panose="020B0503020204020204" pitchFamily="34" charset="-122"/>
+                        <a:ea typeface="微软雅黑" panose="020B0503020204020204" pitchFamily="34" charset="-122"/>
+                      </a:endParaRPr>
                     </a:p>
                   </a:txBody>
                   <a:tcPr anchor="ctr"/>
@@ -5555,6 +5689,10 @@
                         </a:rPr>
                         <a:t>单装编号</a:t>
                       </a:r>
+                      <a:endParaRPr lang="zh-CN" altLang="en-US" sz="900" b="1" dirty="0">
+                        <a:latin typeface="微软雅黑" panose="020B0503020204020204" pitchFamily="34" charset="-122"/>
+                        <a:ea typeface="微软雅黑" panose="020B0503020204020204" pitchFamily="34" charset="-122"/>
+                      </a:endParaRPr>
                     </a:p>
                   </a:txBody>
                   <a:tcPr anchor="ctr"/>
@@ -5572,6 +5710,10 @@
                         </a:rPr>
                         <a:t>出厂时间</a:t>
                       </a:r>
+                      <a:endParaRPr lang="zh-CN" altLang="en-US" sz="900" b="1" dirty="0">
+                        <a:latin typeface="微软雅黑" panose="020B0503020204020204" pitchFamily="34" charset="-122"/>
+                        <a:ea typeface="微软雅黑" panose="020B0503020204020204" pitchFamily="34" charset="-122"/>
+                      </a:endParaRPr>
                     </a:p>
                   </a:txBody>
                   <a:tcPr anchor="ctr"/>
@@ -5589,6 +5731,10 @@
                         </a:rPr>
                         <a:t>装备时间</a:t>
                       </a:r>
+                      <a:endParaRPr lang="zh-CN" altLang="en-US" sz="900" b="1" dirty="0">
+                        <a:latin typeface="微软雅黑" panose="020B0503020204020204" pitchFamily="34" charset="-122"/>
+                        <a:ea typeface="微软雅黑" panose="020B0503020204020204" pitchFamily="34" charset="-122"/>
+                      </a:endParaRPr>
                     </a:p>
                   </a:txBody>
                   <a:tcPr anchor="ctr"/>
@@ -5606,6 +5752,10 @@
                         </a:rPr>
                         <a:t>状态</a:t>
                       </a:r>
+                      <a:endParaRPr lang="zh-CN" altLang="en-US" sz="900" b="1" dirty="0">
+                        <a:latin typeface="微软雅黑" panose="020B0503020204020204" pitchFamily="34" charset="-122"/>
+                        <a:ea typeface="微软雅黑" panose="020B0503020204020204" pitchFamily="34" charset="-122"/>
+                      </a:endParaRPr>
                     </a:p>
                   </a:txBody>
                   <a:tcPr anchor="ctr"/>
@@ -5623,6 +5773,10 @@
                         </a:rPr>
                         <a:t>记录时间</a:t>
                       </a:r>
+                      <a:endParaRPr lang="zh-CN" altLang="en-US" sz="900" b="1" dirty="0">
+                        <a:latin typeface="微软雅黑" panose="020B0503020204020204" pitchFamily="34" charset="-122"/>
+                        <a:ea typeface="微软雅黑" panose="020B0503020204020204" pitchFamily="34" charset="-122"/>
+                      </a:endParaRPr>
                     </a:p>
                   </a:txBody>
                   <a:tcPr anchor="ctr"/>
@@ -5640,15 +5794,14 @@
                         </a:rPr>
                         <a:t>选择</a:t>
                       </a:r>
-                    </a:p>
-                  </a:txBody>
-                  <a:tcPr anchor="ctr"/>
-                </a:tc>
-                <a:extLst>
-                  <a:ext uri="{0D108BD9-81ED-4DB2-BD59-A6C34878D82A}">
-                    <a16:rowId xmlns:a16="http://schemas.microsoft.com/office/drawing/2014/main" val="10000"/>
-                  </a:ext>
-                </a:extLst>
+                      <a:endParaRPr lang="zh-CN" altLang="en-US" sz="900" b="1" dirty="0">
+                        <a:latin typeface="微软雅黑" panose="020B0503020204020204" pitchFamily="34" charset="-122"/>
+                        <a:ea typeface="微软雅黑" panose="020B0503020204020204" pitchFamily="34" charset="-122"/>
+                      </a:endParaRPr>
+                    </a:p>
+                  </a:txBody>
+                  <a:tcPr anchor="ctr"/>
+                </a:tc>
               </a:tr>
               <a:tr h="335915">
                 <a:tc>
@@ -5786,6 +5939,14 @@
                         </a:rPr>
                         <a:t>式手枪</a:t>
                       </a:r>
+                      <a:endParaRPr lang="zh-CN" altLang="en-US" sz="800" kern="1200" dirty="0">
+                        <a:solidFill>
+                          <a:schemeClr val="dk1"/>
+                        </a:solidFill>
+                        <a:latin typeface="微软雅黑" panose="020B0503020204020204" pitchFamily="34" charset="-122"/>
+                        <a:ea typeface="微软雅黑" panose="020B0503020204020204" pitchFamily="34" charset="-122"/>
+                        <a:cs typeface="+mn-cs"/>
+                      </a:endParaRPr>
                     </a:p>
                   </a:txBody>
                   <a:tcPr anchor="ctr"/>
@@ -5894,6 +6055,14 @@
                         </a:rPr>
                         <a:t>已检视</a:t>
                       </a:r>
+                      <a:endParaRPr lang="zh-CN" altLang="en-US" sz="800" kern="1200" dirty="0">
+                        <a:solidFill>
+                          <a:schemeClr val="dk1"/>
+                        </a:solidFill>
+                        <a:latin typeface="微软雅黑" panose="020B0503020204020204" pitchFamily="34" charset="-122"/>
+                        <a:ea typeface="微软雅黑" panose="020B0503020204020204" pitchFamily="34" charset="-122"/>
+                        <a:cs typeface="+mn-cs"/>
+                      </a:endParaRPr>
                     </a:p>
                   </a:txBody>
                   <a:tcPr anchor="ctr"/>
@@ -5941,11 +6110,6 @@
                   </a:txBody>
                   <a:tcPr anchor="ctr"/>
                 </a:tc>
-                <a:extLst>
-                  <a:ext uri="{0D108BD9-81ED-4DB2-BD59-A6C34878D82A}">
-                    <a16:rowId xmlns:a16="http://schemas.microsoft.com/office/drawing/2014/main" val="10001"/>
-                  </a:ext>
-                </a:extLst>
               </a:tr>
               <a:tr h="347134">
                 <a:tc>
@@ -6113,6 +6277,14 @@
                         </a:rPr>
                         <a:t>式手枪</a:t>
                       </a:r>
+                      <a:endParaRPr lang="zh-CN" altLang="en-US" sz="800" kern="1200" dirty="0">
+                        <a:solidFill>
+                          <a:schemeClr val="dk1"/>
+                        </a:solidFill>
+                        <a:latin typeface="微软雅黑" panose="020B0503020204020204" pitchFamily="34" charset="-122"/>
+                        <a:ea typeface="微软雅黑" panose="020B0503020204020204" pitchFamily="34" charset="-122"/>
+                        <a:cs typeface="+mn-cs"/>
+                      </a:endParaRPr>
                     </a:p>
                   </a:txBody>
                   <a:tcPr anchor="ctr"/>
@@ -6281,6 +6453,14 @@
                         </a:rPr>
                         <a:t>已检视</a:t>
                       </a:r>
+                      <a:endParaRPr lang="zh-CN" altLang="en-US" sz="800" kern="1200" dirty="0">
+                        <a:solidFill>
+                          <a:schemeClr val="dk1"/>
+                        </a:solidFill>
+                        <a:latin typeface="微软雅黑" panose="020B0503020204020204" pitchFamily="34" charset="-122"/>
+                        <a:ea typeface="微软雅黑" panose="020B0503020204020204" pitchFamily="34" charset="-122"/>
+                        <a:cs typeface="+mn-cs"/>
+                      </a:endParaRPr>
                     </a:p>
                   </a:txBody>
                   <a:tcPr anchor="ctr"/>
@@ -6363,11 +6543,6 @@
                   </a:txBody>
                   <a:tcPr anchor="ctr"/>
                 </a:tc>
-                <a:extLst>
-                  <a:ext uri="{0D108BD9-81ED-4DB2-BD59-A6C34878D82A}">
-                    <a16:rowId xmlns:a16="http://schemas.microsoft.com/office/drawing/2014/main" val="10002"/>
-                  </a:ext>
-                </a:extLst>
               </a:tr>
               <a:tr h="364056">
                 <a:tc>
@@ -6505,6 +6680,14 @@
                         </a:rPr>
                         <a:t>式手枪</a:t>
                       </a:r>
+                      <a:endParaRPr lang="zh-CN" altLang="en-US" sz="800" kern="1200" dirty="0">
+                        <a:solidFill>
+                          <a:schemeClr val="dk1"/>
+                        </a:solidFill>
+                        <a:latin typeface="微软雅黑" panose="020B0503020204020204" pitchFamily="34" charset="-122"/>
+                        <a:ea typeface="微软雅黑" panose="020B0503020204020204" pitchFamily="34" charset="-122"/>
+                        <a:cs typeface="+mn-cs"/>
+                      </a:endParaRPr>
                     </a:p>
                   </a:txBody>
                   <a:tcPr anchor="ctr"/>
@@ -6613,6 +6796,14 @@
                         </a:rPr>
                         <a:t>未检视</a:t>
                       </a:r>
+                      <a:endParaRPr lang="zh-CN" altLang="en-US" sz="800" kern="1200" dirty="0">
+                        <a:solidFill>
+                          <a:schemeClr val="dk1"/>
+                        </a:solidFill>
+                        <a:latin typeface="微软雅黑" panose="020B0503020204020204" pitchFamily="34" charset="-122"/>
+                        <a:ea typeface="微软雅黑" panose="020B0503020204020204" pitchFamily="34" charset="-122"/>
+                        <a:cs typeface="+mn-cs"/>
+                      </a:endParaRPr>
                     </a:p>
                   </a:txBody>
                   <a:tcPr anchor="ctr"/>
@@ -6675,11 +6866,6 @@
                   </a:txBody>
                   <a:tcPr anchor="ctr"/>
                 </a:tc>
-                <a:extLst>
-                  <a:ext uri="{0D108BD9-81ED-4DB2-BD59-A6C34878D82A}">
-                    <a16:rowId xmlns:a16="http://schemas.microsoft.com/office/drawing/2014/main" val="10003"/>
-                  </a:ext>
-                </a:extLst>
               </a:tr>
               <a:tr h="338667">
                 <a:tc>
@@ -6817,6 +7003,14 @@
                         </a:rPr>
                         <a:t>式手枪</a:t>
                       </a:r>
+                      <a:endParaRPr lang="zh-CN" altLang="en-US" sz="800" kern="1200" dirty="0">
+                        <a:solidFill>
+                          <a:schemeClr val="dk1"/>
+                        </a:solidFill>
+                        <a:latin typeface="微软雅黑" panose="020B0503020204020204" pitchFamily="34" charset="-122"/>
+                        <a:ea typeface="微软雅黑" panose="020B0503020204020204" pitchFamily="34" charset="-122"/>
+                        <a:cs typeface="+mn-cs"/>
+                      </a:endParaRPr>
                     </a:p>
                   </a:txBody>
                   <a:tcPr anchor="ctr"/>
@@ -6925,6 +7119,14 @@
                         </a:rPr>
                         <a:t>未检视</a:t>
                       </a:r>
+                      <a:endParaRPr lang="zh-CN" altLang="en-US" sz="800" kern="1200" dirty="0">
+                        <a:solidFill>
+                          <a:schemeClr val="dk1"/>
+                        </a:solidFill>
+                        <a:latin typeface="微软雅黑" panose="020B0503020204020204" pitchFamily="34" charset="-122"/>
+                        <a:ea typeface="微软雅黑" panose="020B0503020204020204" pitchFamily="34" charset="-122"/>
+                        <a:cs typeface="+mn-cs"/>
+                      </a:endParaRPr>
                     </a:p>
                   </a:txBody>
                   <a:tcPr anchor="ctr"/>
@@ -6987,11 +7189,6 @@
                   </a:txBody>
                   <a:tcPr anchor="ctr"/>
                 </a:tc>
-                <a:extLst>
-                  <a:ext uri="{0D108BD9-81ED-4DB2-BD59-A6C34878D82A}">
-                    <a16:rowId xmlns:a16="http://schemas.microsoft.com/office/drawing/2014/main" val="10004"/>
-                  </a:ext>
-                </a:extLst>
               </a:tr>
               <a:tr h="338667">
                 <a:tc>
@@ -7129,6 +7326,14 @@
                         </a:rPr>
                         <a:t>式手枪</a:t>
                       </a:r>
+                      <a:endParaRPr lang="zh-CN" altLang="en-US" sz="800" kern="1200" dirty="0">
+                        <a:solidFill>
+                          <a:schemeClr val="dk1"/>
+                        </a:solidFill>
+                        <a:latin typeface="微软雅黑" panose="020B0503020204020204" pitchFamily="34" charset="-122"/>
+                        <a:ea typeface="微软雅黑" panose="020B0503020204020204" pitchFamily="34" charset="-122"/>
+                        <a:cs typeface="+mn-cs"/>
+                      </a:endParaRPr>
                     </a:p>
                   </a:txBody>
                   <a:tcPr anchor="ctr"/>
@@ -7237,6 +7442,14 @@
                         </a:rPr>
                         <a:t>未检视</a:t>
                       </a:r>
+                      <a:endParaRPr lang="zh-CN" altLang="en-US" sz="800" kern="1200" dirty="0">
+                        <a:solidFill>
+                          <a:schemeClr val="dk1"/>
+                        </a:solidFill>
+                        <a:latin typeface="微软雅黑" panose="020B0503020204020204" pitchFamily="34" charset="-122"/>
+                        <a:ea typeface="微软雅黑" panose="020B0503020204020204" pitchFamily="34" charset="-122"/>
+                        <a:cs typeface="+mn-cs"/>
+                      </a:endParaRPr>
                     </a:p>
                   </a:txBody>
                   <a:tcPr anchor="ctr"/>
@@ -7299,11 +7512,6 @@
                   </a:txBody>
                   <a:tcPr anchor="ctr"/>
                 </a:tc>
-                <a:extLst>
-                  <a:ext uri="{0D108BD9-81ED-4DB2-BD59-A6C34878D82A}">
-                    <a16:rowId xmlns:a16="http://schemas.microsoft.com/office/drawing/2014/main" val="10005"/>
-                  </a:ext>
-                </a:extLst>
               </a:tr>
               <a:tr h="296333">
                 <a:tc>
@@ -7441,6 +7649,14 @@
                         </a:rPr>
                         <a:t>式手枪</a:t>
                       </a:r>
+                      <a:endParaRPr lang="zh-CN" altLang="en-US" sz="800" kern="1200" dirty="0">
+                        <a:solidFill>
+                          <a:schemeClr val="dk1"/>
+                        </a:solidFill>
+                        <a:latin typeface="微软雅黑" panose="020B0503020204020204" pitchFamily="34" charset="-122"/>
+                        <a:ea typeface="微软雅黑" panose="020B0503020204020204" pitchFamily="34" charset="-122"/>
+                        <a:cs typeface="+mn-cs"/>
+                      </a:endParaRPr>
                     </a:p>
                   </a:txBody>
                   <a:tcPr anchor="ctr"/>
@@ -7549,6 +7765,14 @@
                         </a:rPr>
                         <a:t>未检视</a:t>
                       </a:r>
+                      <a:endParaRPr lang="zh-CN" altLang="en-US" sz="800" kern="1200" dirty="0">
+                        <a:solidFill>
+                          <a:schemeClr val="dk1"/>
+                        </a:solidFill>
+                        <a:latin typeface="微软雅黑" panose="020B0503020204020204" pitchFamily="34" charset="-122"/>
+                        <a:ea typeface="微软雅黑" panose="020B0503020204020204" pitchFamily="34" charset="-122"/>
+                        <a:cs typeface="+mn-cs"/>
+                      </a:endParaRPr>
                     </a:p>
                   </a:txBody>
                   <a:tcPr anchor="ctr"/>
@@ -7611,11 +7835,6 @@
                   </a:txBody>
                   <a:tcPr anchor="ctr"/>
                 </a:tc>
-                <a:extLst>
-                  <a:ext uri="{0D108BD9-81ED-4DB2-BD59-A6C34878D82A}">
-                    <a16:rowId xmlns:a16="http://schemas.microsoft.com/office/drawing/2014/main" val="10006"/>
-                  </a:ext>
-                </a:extLst>
               </a:tr>
               <a:tr h="344053">
                 <a:tc>
@@ -7783,6 +8002,14 @@
                         </a:rPr>
                         <a:t>机枪</a:t>
                       </a:r>
+                      <a:endParaRPr lang="zh-CN" altLang="en-US" sz="800" kern="1200" dirty="0">
+                        <a:solidFill>
+                          <a:schemeClr val="dk1"/>
+                        </a:solidFill>
+                        <a:latin typeface="微软雅黑" panose="020B0503020204020204" pitchFamily="34" charset="-122"/>
+                        <a:ea typeface="微软雅黑" panose="020B0503020204020204" pitchFamily="34" charset="-122"/>
+                        <a:cs typeface="+mn-cs"/>
+                      </a:endParaRPr>
                     </a:p>
                   </a:txBody>
                   <a:tcPr anchor="ctr"/>
@@ -7951,6 +8178,14 @@
                         </a:rPr>
                         <a:t>未检视</a:t>
                       </a:r>
+                      <a:endParaRPr lang="zh-CN" altLang="en-US" sz="800" kern="1200" dirty="0">
+                        <a:solidFill>
+                          <a:schemeClr val="dk1"/>
+                        </a:solidFill>
+                        <a:latin typeface="微软雅黑" panose="020B0503020204020204" pitchFamily="34" charset="-122"/>
+                        <a:ea typeface="微软雅黑" panose="020B0503020204020204" pitchFamily="34" charset="-122"/>
+                        <a:cs typeface="+mn-cs"/>
+                      </a:endParaRPr>
                     </a:p>
                   </a:txBody>
                   <a:tcPr anchor="ctr"/>
@@ -8033,11 +8268,6 @@
                   </a:txBody>
                   <a:tcPr anchor="ctr"/>
                 </a:tc>
-                <a:extLst>
-                  <a:ext uri="{0D108BD9-81ED-4DB2-BD59-A6C34878D82A}">
-                    <a16:rowId xmlns:a16="http://schemas.microsoft.com/office/drawing/2014/main" val="10007"/>
-                  </a:ext>
-                </a:extLst>
               </a:tr>
               <a:tr h="301720">
                 <a:tc>
@@ -8205,6 +8435,14 @@
                         </a:rPr>
                         <a:t>机枪</a:t>
                       </a:r>
+                      <a:endParaRPr lang="zh-CN" altLang="en-US" sz="800" kern="1200" dirty="0">
+                        <a:solidFill>
+                          <a:schemeClr val="dk1"/>
+                        </a:solidFill>
+                        <a:latin typeface="微软雅黑" panose="020B0503020204020204" pitchFamily="34" charset="-122"/>
+                        <a:ea typeface="微软雅黑" panose="020B0503020204020204" pitchFamily="34" charset="-122"/>
+                        <a:cs typeface="+mn-cs"/>
+                      </a:endParaRPr>
                     </a:p>
                   </a:txBody>
                   <a:tcPr anchor="ctr"/>
@@ -8373,6 +8611,14 @@
                         </a:rPr>
                         <a:t>已出库</a:t>
                       </a:r>
+                      <a:endParaRPr lang="zh-CN" altLang="en-US" sz="800" kern="1200" dirty="0">
+                        <a:solidFill>
+                          <a:schemeClr val="dk1"/>
+                        </a:solidFill>
+                        <a:latin typeface="微软雅黑" panose="020B0503020204020204" pitchFamily="34" charset="-122"/>
+                        <a:ea typeface="微软雅黑" panose="020B0503020204020204" pitchFamily="34" charset="-122"/>
+                        <a:cs typeface="+mn-cs"/>
+                      </a:endParaRPr>
                     </a:p>
                   </a:txBody>
                   <a:tcPr anchor="ctr"/>
@@ -8455,11 +8701,6 @@
                   </a:txBody>
                   <a:tcPr anchor="ctr"/>
                 </a:tc>
-                <a:extLst>
-                  <a:ext uri="{0D108BD9-81ED-4DB2-BD59-A6C34878D82A}">
-                    <a16:rowId xmlns:a16="http://schemas.microsoft.com/office/drawing/2014/main" val="10008"/>
-                  </a:ext>
-                </a:extLst>
               </a:tr>
             </a:tbl>
           </a:graphicData>
@@ -8609,6 +8850,16 @@
               </a:rPr>
               <a:t>字段选择</a:t>
             </a:r>
+            <a:endParaRPr lang="zh-CN" altLang="en-US" sz="1600" dirty="0">
+              <a:solidFill>
+                <a:schemeClr val="accent4">
+                  <a:lumMod val="60000"/>
+                  <a:lumOff val="40000"/>
+                </a:schemeClr>
+              </a:solidFill>
+              <a:latin typeface="微软雅黑" panose="020B0503020204020204" pitchFamily="34" charset="-122"/>
+              <a:ea typeface="微软雅黑" panose="020B0503020204020204" pitchFamily="34" charset="-122"/>
+            </a:endParaRPr>
           </a:p>
         </p:txBody>
       </p:sp>
@@ -9050,6 +9301,7 @@
               <a:rPr lang="zh-CN" altLang="en-US" sz="1400" dirty="0"/>
               <a:t>查  询</a:t>
             </a:r>
+            <a:endParaRPr lang="zh-CN" altLang="en-US" sz="1400" dirty="0"/>
           </a:p>
         </p:txBody>
       </p:sp>
@@ -9111,6 +9363,13 @@
               </a:rPr>
               <a:t>出  库</a:t>
             </a:r>
+            <a:endParaRPr lang="zh-CN" altLang="en-US" sz="1400" dirty="0">
+              <a:solidFill>
+                <a:schemeClr val="accent6">
+                  <a:lumMod val="75000"/>
+                </a:schemeClr>
+              </a:solidFill>
+            </a:endParaRPr>
           </a:p>
         </p:txBody>
       </p:sp>
@@ -9185,6 +9444,15 @@
               </a:rPr>
               <a:t>枪 支 信 息 智 能 管 理 系 统</a:t>
             </a:r>
+            <a:endParaRPr lang="zh-CN" altLang="en-US" sz="2400" b="1" dirty="0">
+              <a:solidFill>
+                <a:schemeClr val="accent6">
+                  <a:lumMod val="75000"/>
+                </a:schemeClr>
+              </a:solidFill>
+              <a:latin typeface="微软雅黑" panose="020B0503020204020204" pitchFamily="34" charset="-122"/>
+              <a:ea typeface="微软雅黑" panose="020B0503020204020204" pitchFamily="34" charset="-122"/>
+            </a:endParaRPr>
           </a:p>
         </p:txBody>
       </p:sp>
@@ -9197,7 +9465,7 @@
           <p:nvPr/>
         </p:nvPicPr>
         <p:blipFill>
-          <a:blip r:embed="rId3" cstate="print">
+          <a:blip r:embed="rId2" cstate="print">
             <a:extLst>
               <a:ext uri="{28A0092B-C50C-407E-A947-70E740481C1C}">
                 <a14:useLocalDpi xmlns:a14="http://schemas.microsoft.com/office/drawing/2010/main" val="0"/>
@@ -9282,6 +9550,13 @@
                 </a:rPr>
                 <a:t>返回</a:t>
               </a:r>
+              <a:endParaRPr lang="zh-CN" altLang="en-US" sz="1400" b="1" dirty="0">
+                <a:solidFill>
+                  <a:srgbClr val="00B0F0"/>
+                </a:solidFill>
+                <a:latin typeface="微软雅黑" panose="020B0503020204020204" pitchFamily="34" charset="-122"/>
+                <a:ea typeface="微软雅黑" panose="020B0503020204020204" pitchFamily="34" charset="-122"/>
+              </a:endParaRPr>
             </a:p>
           </p:txBody>
         </p:sp>
@@ -9390,6 +9665,10 @@
               </a:rPr>
               <a:t>出库登录页面</a:t>
             </a:r>
+            <a:endParaRPr lang="zh-CN" altLang="en-US" b="1" dirty="0">
+              <a:latin typeface="微软雅黑" panose="020B0503020204020204" pitchFamily="34" charset="-122"/>
+              <a:ea typeface="微软雅黑" panose="020B0503020204020204" pitchFamily="34" charset="-122"/>
+            </a:endParaRPr>
           </a:p>
         </p:txBody>
       </p:sp>
@@ -9505,6 +9784,15 @@
               </a:rPr>
               <a:t>查 询</a:t>
             </a:r>
+            <a:endParaRPr lang="zh-CN" altLang="en-US" sz="1600" dirty="0">
+              <a:solidFill>
+                <a:schemeClr val="accent6">
+                  <a:lumMod val="75000"/>
+                </a:schemeClr>
+              </a:solidFill>
+              <a:latin typeface="微软雅黑" panose="020B0503020204020204" pitchFamily="34" charset="-122"/>
+              <a:ea typeface="微软雅黑" panose="020B0503020204020204" pitchFamily="34" charset="-122"/>
+            </a:endParaRPr>
           </a:p>
         </p:txBody>
       </p:sp>
@@ -9568,6 +9856,13 @@
               </a:rPr>
               <a:t>出 库</a:t>
             </a:r>
+            <a:endParaRPr lang="zh-CN" altLang="en-US" sz="1600" dirty="0">
+              <a:solidFill>
+                <a:schemeClr val="bg1"/>
+              </a:solidFill>
+              <a:latin typeface="微软雅黑" panose="020B0503020204020204" pitchFamily="34" charset="-122"/>
+              <a:ea typeface="微软雅黑" panose="020B0503020204020204" pitchFamily="34" charset="-122"/>
+            </a:endParaRPr>
           </a:p>
         </p:txBody>
       </p:sp>
@@ -9655,6 +9950,13 @@
               </a:rPr>
               <a:t>操作员</a:t>
             </a:r>
+            <a:endParaRPr lang="zh-CN" altLang="en-US" dirty="0">
+              <a:solidFill>
+                <a:schemeClr val="bg1"/>
+              </a:solidFill>
+              <a:latin typeface="微软雅黑" panose="020B0503020204020204" pitchFamily="34" charset="-122"/>
+              <a:ea typeface="微软雅黑" panose="020B0503020204020204" pitchFamily="34" charset="-122"/>
+            </a:endParaRPr>
           </a:p>
         </p:txBody>
       </p:sp>
@@ -9690,6 +9992,13 @@
               </a:rPr>
               <a:t>密 码</a:t>
             </a:r>
+            <a:endParaRPr lang="zh-CN" altLang="en-US" dirty="0">
+              <a:solidFill>
+                <a:schemeClr val="bg1"/>
+              </a:solidFill>
+              <a:latin typeface="微软雅黑" panose="020B0503020204020204" pitchFamily="34" charset="-122"/>
+              <a:ea typeface="微软雅黑" panose="020B0503020204020204" pitchFamily="34" charset="-122"/>
+            </a:endParaRPr>
           </a:p>
         </p:txBody>
       </p:sp>
@@ -9702,7 +10011,7 @@
           <p:nvPr/>
         </p:nvPicPr>
         <p:blipFill>
-          <a:blip r:embed="rId2" cstate="print">
+          <a:blip r:embed="rId1" cstate="print">
             <a:extLst>
               <a:ext uri="{28A0092B-C50C-407E-A947-70E740481C1C}">
                 <a14:useLocalDpi xmlns:a14="http://schemas.microsoft.com/office/drawing/2010/main" val="0"/>
@@ -9796,6 +10105,16 @@
               </a:rPr>
               <a:t>登 录</a:t>
             </a:r>
+            <a:endParaRPr lang="zh-CN" altLang="en-US" dirty="0">
+              <a:solidFill>
+                <a:schemeClr val="accent4">
+                  <a:lumMod val="60000"/>
+                  <a:lumOff val="40000"/>
+                </a:schemeClr>
+              </a:solidFill>
+              <a:latin typeface="微软雅黑" panose="020B0503020204020204" pitchFamily="34" charset="-122"/>
+              <a:ea typeface="微软雅黑" panose="020B0503020204020204" pitchFamily="34" charset="-122"/>
+            </a:endParaRPr>
           </a:p>
         </p:txBody>
       </p:sp>
@@ -9992,6 +10311,15 @@
               </a:rPr>
               <a:t>账号管理</a:t>
             </a:r>
+            <a:endParaRPr lang="zh-CN" altLang="en-US" dirty="0">
+              <a:solidFill>
+                <a:schemeClr val="accent6">
+                  <a:lumMod val="75000"/>
+                </a:schemeClr>
+              </a:solidFill>
+              <a:latin typeface="微软雅黑" panose="020B0503020204020204" pitchFamily="34" charset="-122"/>
+              <a:ea typeface="微软雅黑" panose="020B0503020204020204" pitchFamily="34" charset="-122"/>
+            </a:endParaRPr>
           </a:p>
         </p:txBody>
       </p:sp>
@@ -10055,6 +10383,15 @@
               </a:rPr>
               <a:t>编码检视</a:t>
             </a:r>
+            <a:endParaRPr lang="zh-CN" altLang="en-US" dirty="0">
+              <a:solidFill>
+                <a:schemeClr val="accent6">
+                  <a:lumMod val="75000"/>
+                </a:schemeClr>
+              </a:solidFill>
+              <a:latin typeface="微软雅黑" panose="020B0503020204020204" pitchFamily="34" charset="-122"/>
+              <a:ea typeface="微软雅黑" panose="020B0503020204020204" pitchFamily="34" charset="-122"/>
+            </a:endParaRPr>
           </a:p>
         </p:txBody>
       </p:sp>
@@ -10118,6 +10455,13 @@
               </a:rPr>
               <a:t>信息管理</a:t>
             </a:r>
+            <a:endParaRPr lang="zh-CN" altLang="en-US" dirty="0">
+              <a:solidFill>
+                <a:schemeClr val="bg1"/>
+              </a:solidFill>
+              <a:latin typeface="微软雅黑" panose="020B0503020204020204" pitchFamily="34" charset="-122"/>
+              <a:ea typeface="微软雅黑" panose="020B0503020204020204" pitchFamily="34" charset="-122"/>
+            </a:endParaRPr>
           </a:p>
         </p:txBody>
       </p:sp>
@@ -10153,6 +10497,13 @@
               </a:rPr>
               <a:t>监督员</a:t>
             </a:r>
+            <a:endParaRPr lang="zh-CN" altLang="en-US" dirty="0">
+              <a:solidFill>
+                <a:schemeClr val="bg1"/>
+              </a:solidFill>
+              <a:latin typeface="微软雅黑" panose="020B0503020204020204" pitchFamily="34" charset="-122"/>
+              <a:ea typeface="微软雅黑" panose="020B0503020204020204" pitchFamily="34" charset="-122"/>
+            </a:endParaRPr>
           </a:p>
         </p:txBody>
       </p:sp>
@@ -10188,6 +10539,13 @@
               </a:rPr>
               <a:t>密 码</a:t>
             </a:r>
+            <a:endParaRPr lang="zh-CN" altLang="en-US" dirty="0">
+              <a:solidFill>
+                <a:schemeClr val="bg1"/>
+              </a:solidFill>
+              <a:latin typeface="微软雅黑" panose="020B0503020204020204" pitchFamily="34" charset="-122"/>
+              <a:ea typeface="微软雅黑" panose="020B0503020204020204" pitchFamily="34" charset="-122"/>
+            </a:endParaRPr>
           </a:p>
         </p:txBody>
       </p:sp>
@@ -10340,6 +10698,7 @@
               <a:rPr lang="zh-CN" altLang="en-US" dirty="0"/>
               <a:t>出库模块</a:t>
             </a:r>
+            <a:endParaRPr lang="zh-CN" altLang="en-US" dirty="0"/>
           </a:p>
         </p:txBody>
       </p:sp>
@@ -10377,6 +10736,15 @@
               </a:rPr>
               <a:t>枪 支 信 息 智 能 管 理 系 统</a:t>
             </a:r>
+            <a:endParaRPr lang="zh-CN" altLang="en-US" sz="2400" b="1" dirty="0">
+              <a:solidFill>
+                <a:schemeClr val="accent6">
+                  <a:lumMod val="75000"/>
+                </a:schemeClr>
+              </a:solidFill>
+              <a:latin typeface="微软雅黑" panose="020B0503020204020204" pitchFamily="34" charset="-122"/>
+              <a:ea typeface="微软雅黑" panose="020B0503020204020204" pitchFamily="34" charset="-122"/>
+            </a:endParaRPr>
           </a:p>
         </p:txBody>
       </p:sp>
@@ -10389,7 +10757,7 @@
           <p:nvPr/>
         </p:nvPicPr>
         <p:blipFill>
-          <a:blip r:embed="rId3" cstate="print">
+          <a:blip r:embed="rId2" cstate="print">
             <a:extLst>
               <a:ext uri="{28A0092B-C50C-407E-A947-70E740481C1C}">
                 <a14:useLocalDpi xmlns:a14="http://schemas.microsoft.com/office/drawing/2010/main" val="0"/>
@@ -10474,6 +10842,13 @@
                 </a:rPr>
                 <a:t>返回</a:t>
               </a:r>
+              <a:endParaRPr lang="zh-CN" altLang="en-US" sz="1400" b="1" dirty="0">
+                <a:solidFill>
+                  <a:srgbClr val="00B0F0"/>
+                </a:solidFill>
+                <a:latin typeface="微软雅黑" panose="020B0503020204020204" pitchFamily="34" charset="-122"/>
+                <a:ea typeface="微软雅黑" panose="020B0503020204020204" pitchFamily="34" charset="-122"/>
+              </a:endParaRPr>
             </a:p>
           </p:txBody>
         </p:sp>
@@ -10582,6 +10957,10 @@
               </a:rPr>
               <a:t>出库管理页面</a:t>
             </a:r>
+            <a:endParaRPr lang="zh-CN" altLang="en-US" b="1" dirty="0">
+              <a:latin typeface="微软雅黑" panose="020B0503020204020204" pitchFamily="34" charset="-122"/>
+              <a:ea typeface="微软雅黑" panose="020B0503020204020204" pitchFamily="34" charset="-122"/>
+            </a:endParaRPr>
           </a:p>
         </p:txBody>
       </p:sp>
@@ -10734,6 +11113,15 @@
               </a:rPr>
               <a:t>账号管理</a:t>
             </a:r>
+            <a:endParaRPr lang="zh-CN" altLang="en-US" dirty="0">
+              <a:solidFill>
+                <a:schemeClr val="accent6">
+                  <a:lumMod val="75000"/>
+                </a:schemeClr>
+              </a:solidFill>
+              <a:latin typeface="微软雅黑" panose="020B0503020204020204" pitchFamily="34" charset="-122"/>
+              <a:ea typeface="微软雅黑" panose="020B0503020204020204" pitchFamily="34" charset="-122"/>
+            </a:endParaRPr>
           </a:p>
         </p:txBody>
       </p:sp>
@@ -10797,6 +11185,15 @@
               </a:rPr>
               <a:t>编码检视</a:t>
             </a:r>
+            <a:endParaRPr lang="zh-CN" altLang="en-US" dirty="0">
+              <a:solidFill>
+                <a:schemeClr val="accent6">
+                  <a:lumMod val="75000"/>
+                </a:schemeClr>
+              </a:solidFill>
+              <a:latin typeface="微软雅黑" panose="020B0503020204020204" pitchFamily="34" charset="-122"/>
+              <a:ea typeface="微软雅黑" panose="020B0503020204020204" pitchFamily="34" charset="-122"/>
+            </a:endParaRPr>
           </a:p>
         </p:txBody>
       </p:sp>
@@ -10860,6 +11257,13 @@
               </a:rPr>
               <a:t>信息管理</a:t>
             </a:r>
+            <a:endParaRPr lang="zh-CN" altLang="en-US" dirty="0">
+              <a:solidFill>
+                <a:schemeClr val="bg1"/>
+              </a:solidFill>
+              <a:latin typeface="微软雅黑" panose="020B0503020204020204" pitchFamily="34" charset="-122"/>
+              <a:ea typeface="微软雅黑" panose="020B0503020204020204" pitchFamily="34" charset="-122"/>
+            </a:endParaRPr>
           </a:p>
         </p:txBody>
       </p:sp>
@@ -10999,6 +11403,15 @@
               </a:rPr>
               <a:t>查询条件：</a:t>
             </a:r>
+            <a:endParaRPr lang="zh-CN" altLang="en-US" sz="1400" dirty="0">
+              <a:solidFill>
+                <a:schemeClr val="accent6">
+                  <a:lumMod val="75000"/>
+                </a:schemeClr>
+              </a:solidFill>
+              <a:latin typeface="微软雅黑" panose="020B0503020204020204" pitchFamily="34" charset="-122"/>
+              <a:ea typeface="微软雅黑" panose="020B0503020204020204" pitchFamily="34" charset="-122"/>
+            </a:endParaRPr>
           </a:p>
         </p:txBody>
       </p:sp>
@@ -11253,6 +11666,13 @@
                 </a:rPr>
                 <a:t>返回</a:t>
               </a:r>
+              <a:endParaRPr lang="zh-CN" altLang="en-US" sz="1400" b="1" dirty="0">
+                <a:solidFill>
+                  <a:srgbClr val="00B0F0"/>
+                </a:solidFill>
+                <a:latin typeface="微软雅黑" panose="020B0503020204020204" pitchFamily="34" charset="-122"/>
+                <a:ea typeface="微软雅黑" panose="020B0503020204020204" pitchFamily="34" charset="-122"/>
+              </a:endParaRPr>
             </a:p>
           </p:txBody>
         </p:sp>
@@ -11316,90 +11736,18 @@
                 <a:tableStyleId>{93296810-A885-4BE3-A3E7-6D5BEEA58F35}</a:tableStyleId>
               </a:tblPr>
               <a:tblGrid>
-                <a:gridCol w="459341">
-                  <a:extLst>
-                    <a:ext uri="{9D8B030D-6E8A-4147-A177-3AD203B41FA5}">
-                      <a16:colId xmlns:a16="http://schemas.microsoft.com/office/drawing/2014/main" val="20000"/>
-                    </a:ext>
-                  </a:extLst>
-                </a:gridCol>
-                <a:gridCol w="1105728">
-                  <a:extLst>
-                    <a:ext uri="{9D8B030D-6E8A-4147-A177-3AD203B41FA5}">
-                      <a16:colId xmlns:a16="http://schemas.microsoft.com/office/drawing/2014/main" val="20001"/>
-                    </a:ext>
-                  </a:extLst>
-                </a:gridCol>
-                <a:gridCol w="1116697">
-                  <a:extLst>
-                    <a:ext uri="{9D8B030D-6E8A-4147-A177-3AD203B41FA5}">
-                      <a16:colId xmlns:a16="http://schemas.microsoft.com/office/drawing/2014/main" val="20002"/>
-                    </a:ext>
-                  </a:extLst>
-                </a:gridCol>
-                <a:gridCol w="1218216">
-                  <a:extLst>
-                    <a:ext uri="{9D8B030D-6E8A-4147-A177-3AD203B41FA5}">
-                      <a16:colId xmlns:a16="http://schemas.microsoft.com/office/drawing/2014/main" val="20003"/>
-                    </a:ext>
-                  </a:extLst>
-                </a:gridCol>
-                <a:gridCol w="939041">
-                  <a:extLst>
-                    <a:ext uri="{9D8B030D-6E8A-4147-A177-3AD203B41FA5}">
-                      <a16:colId xmlns:a16="http://schemas.microsoft.com/office/drawing/2014/main" val="20004"/>
-                    </a:ext>
-                  </a:extLst>
-                </a:gridCol>
-                <a:gridCol w="913662">
-                  <a:extLst>
-                    <a:ext uri="{9D8B030D-6E8A-4147-A177-3AD203B41FA5}">
-                      <a16:colId xmlns:a16="http://schemas.microsoft.com/office/drawing/2014/main" val="20005"/>
-                    </a:ext>
-                  </a:extLst>
-                </a:gridCol>
-                <a:gridCol w="1319733">
-                  <a:extLst>
-                    <a:ext uri="{9D8B030D-6E8A-4147-A177-3AD203B41FA5}">
-                      <a16:colId xmlns:a16="http://schemas.microsoft.com/office/drawing/2014/main" val="20006"/>
-                    </a:ext>
-                  </a:extLst>
-                </a:gridCol>
-                <a:gridCol w="829063">
-                  <a:extLst>
-                    <a:ext uri="{9D8B030D-6E8A-4147-A177-3AD203B41FA5}">
-                      <a16:colId xmlns:a16="http://schemas.microsoft.com/office/drawing/2014/main" val="20007"/>
-                    </a:ext>
-                  </a:extLst>
-                </a:gridCol>
-                <a:gridCol w="778304">
-                  <a:extLst>
-                    <a:ext uri="{9D8B030D-6E8A-4147-A177-3AD203B41FA5}">
-                      <a16:colId xmlns:a16="http://schemas.microsoft.com/office/drawing/2014/main" val="20008"/>
-                    </a:ext>
-                  </a:extLst>
-                </a:gridCol>
-                <a:gridCol w="676787">
-                  <a:extLst>
-                    <a:ext uri="{9D8B030D-6E8A-4147-A177-3AD203B41FA5}">
-                      <a16:colId xmlns:a16="http://schemas.microsoft.com/office/drawing/2014/main" val="20009"/>
-                    </a:ext>
-                  </a:extLst>
-                </a:gridCol>
-                <a:gridCol w="820604">
-                  <a:extLst>
-                    <a:ext uri="{9D8B030D-6E8A-4147-A177-3AD203B41FA5}">
-                      <a16:colId xmlns:a16="http://schemas.microsoft.com/office/drawing/2014/main" val="20010"/>
-                    </a:ext>
-                  </a:extLst>
-                </a:gridCol>
-                <a:gridCol w="296092">
-                  <a:extLst>
-                    <a:ext uri="{9D8B030D-6E8A-4147-A177-3AD203B41FA5}">
-                      <a16:colId xmlns:a16="http://schemas.microsoft.com/office/drawing/2014/main" val="20011"/>
-                    </a:ext>
-                  </a:extLst>
-                </a:gridCol>
+                <a:gridCol w="459341"/>
+                <a:gridCol w="1105728"/>
+                <a:gridCol w="1116697"/>
+                <a:gridCol w="1218216"/>
+                <a:gridCol w="939041"/>
+                <a:gridCol w="913662"/>
+                <a:gridCol w="1319733"/>
+                <a:gridCol w="829063"/>
+                <a:gridCol w="778304"/>
+                <a:gridCol w="676787"/>
+                <a:gridCol w="820604"/>
+                <a:gridCol w="296092"/>
               </a:tblGrid>
               <a:tr h="457780">
                 <a:tc>
@@ -11415,6 +11763,10 @@
                         </a:rPr>
                         <a:t>序号</a:t>
                       </a:r>
+                      <a:endParaRPr lang="zh-CN" altLang="en-US" sz="900" b="1" dirty="0">
+                        <a:latin typeface="微软雅黑" panose="020B0503020204020204" pitchFamily="34" charset="-122"/>
+                        <a:ea typeface="微软雅黑" panose="020B0503020204020204" pitchFamily="34" charset="-122"/>
+                      </a:endParaRPr>
                     </a:p>
                   </a:txBody>
                   <a:tcPr anchor="ctr"/>
@@ -11432,6 +11784,10 @@
                         </a:rPr>
                         <a:t>退役报废文件号</a:t>
                       </a:r>
+                      <a:endParaRPr lang="zh-CN" altLang="en-US" sz="900" b="1" dirty="0">
+                        <a:latin typeface="微软雅黑" panose="020B0503020204020204" pitchFamily="34" charset="-122"/>
+                        <a:ea typeface="微软雅黑" panose="020B0503020204020204" pitchFamily="34" charset="-122"/>
+                      </a:endParaRPr>
                     </a:p>
                   </a:txBody>
                   <a:tcPr anchor="ctr"/>
@@ -11449,6 +11805,10 @@
                         </a:rPr>
                         <a:t>退役报废装备处理调拨凭证号</a:t>
                       </a:r>
+                      <a:endParaRPr lang="zh-CN" altLang="en-US" sz="900" b="1" dirty="0">
+                        <a:latin typeface="微软雅黑" panose="020B0503020204020204" pitchFamily="34" charset="-122"/>
+                        <a:ea typeface="微软雅黑" panose="020B0503020204020204" pitchFamily="34" charset="-122"/>
+                      </a:endParaRPr>
                     </a:p>
                   </a:txBody>
                   <a:tcPr anchor="ctr"/>
@@ -11466,6 +11826,10 @@
                         </a:rPr>
                         <a:t>装箱单号</a:t>
                       </a:r>
+                      <a:endParaRPr lang="zh-CN" altLang="en-US" sz="900" b="1" dirty="0">
+                        <a:latin typeface="微软雅黑" panose="020B0503020204020204" pitchFamily="34" charset="-122"/>
+                        <a:ea typeface="微软雅黑" panose="020B0503020204020204" pitchFamily="34" charset="-122"/>
+                      </a:endParaRPr>
                     </a:p>
                   </a:txBody>
                   <a:tcPr anchor="ctr"/>
@@ -11483,6 +11847,10 @@
                         </a:rPr>
                         <a:t>装备代码</a:t>
                       </a:r>
+                      <a:endParaRPr lang="zh-CN" altLang="en-US" sz="900" b="1" dirty="0">
+                        <a:latin typeface="微软雅黑" panose="020B0503020204020204" pitchFamily="34" charset="-122"/>
+                        <a:ea typeface="微软雅黑" panose="020B0503020204020204" pitchFamily="34" charset="-122"/>
+                      </a:endParaRPr>
                     </a:p>
                   </a:txBody>
                   <a:tcPr anchor="ctr"/>
@@ -11500,6 +11868,10 @@
                         </a:rPr>
                         <a:t>装备（部件）名称</a:t>
                       </a:r>
+                      <a:endParaRPr lang="zh-CN" altLang="en-US" sz="900" b="1" dirty="0">
+                        <a:latin typeface="微软雅黑" panose="020B0503020204020204" pitchFamily="34" charset="-122"/>
+                        <a:ea typeface="微软雅黑" panose="020B0503020204020204" pitchFamily="34" charset="-122"/>
+                      </a:endParaRPr>
                     </a:p>
                   </a:txBody>
                   <a:tcPr anchor="ctr"/>
@@ -11517,6 +11889,10 @@
                         </a:rPr>
                         <a:t>单装编号</a:t>
                       </a:r>
+                      <a:endParaRPr lang="zh-CN" altLang="en-US" sz="900" b="1" dirty="0">
+                        <a:latin typeface="微软雅黑" panose="020B0503020204020204" pitchFamily="34" charset="-122"/>
+                        <a:ea typeface="微软雅黑" panose="020B0503020204020204" pitchFamily="34" charset="-122"/>
+                      </a:endParaRPr>
                     </a:p>
                   </a:txBody>
                   <a:tcPr anchor="ctr"/>
@@ -11534,6 +11910,10 @@
                         </a:rPr>
                         <a:t>出厂时间</a:t>
                       </a:r>
+                      <a:endParaRPr lang="zh-CN" altLang="en-US" sz="900" b="1" dirty="0">
+                        <a:latin typeface="微软雅黑" panose="020B0503020204020204" pitchFamily="34" charset="-122"/>
+                        <a:ea typeface="微软雅黑" panose="020B0503020204020204" pitchFamily="34" charset="-122"/>
+                      </a:endParaRPr>
                     </a:p>
                   </a:txBody>
                   <a:tcPr anchor="ctr"/>
@@ -11551,6 +11931,10 @@
                         </a:rPr>
                         <a:t>装备时间</a:t>
                       </a:r>
+                      <a:endParaRPr lang="zh-CN" altLang="en-US" sz="900" b="1" dirty="0">
+                        <a:latin typeface="微软雅黑" panose="020B0503020204020204" pitchFamily="34" charset="-122"/>
+                        <a:ea typeface="微软雅黑" panose="020B0503020204020204" pitchFamily="34" charset="-122"/>
+                      </a:endParaRPr>
                     </a:p>
                   </a:txBody>
                   <a:tcPr anchor="ctr"/>
@@ -11568,6 +11952,10 @@
                         </a:rPr>
                         <a:t>装箱数量</a:t>
                       </a:r>
+                      <a:endParaRPr lang="zh-CN" altLang="en-US" sz="900" b="1" dirty="0">
+                        <a:latin typeface="微软雅黑" panose="020B0503020204020204" pitchFamily="34" charset="-122"/>
+                        <a:ea typeface="微软雅黑" panose="020B0503020204020204" pitchFamily="34" charset="-122"/>
+                      </a:endParaRPr>
                     </a:p>
                   </a:txBody>
                   <a:tcPr anchor="ctr"/>
@@ -11585,6 +11973,10 @@
                         </a:rPr>
                         <a:t>记录时间</a:t>
                       </a:r>
+                      <a:endParaRPr lang="zh-CN" altLang="en-US" sz="900" b="1" dirty="0">
+                        <a:latin typeface="微软雅黑" panose="020B0503020204020204" pitchFamily="34" charset="-122"/>
+                        <a:ea typeface="微软雅黑" panose="020B0503020204020204" pitchFamily="34" charset="-122"/>
+                      </a:endParaRPr>
                     </a:p>
                   </a:txBody>
                   <a:tcPr anchor="ctr"/>
@@ -11602,15 +11994,14 @@
                         </a:rPr>
                         <a:t>选择</a:t>
                       </a:r>
-                    </a:p>
-                  </a:txBody>
-                  <a:tcPr anchor="ctr"/>
-                </a:tc>
-                <a:extLst>
-                  <a:ext uri="{0D108BD9-81ED-4DB2-BD59-A6C34878D82A}">
-                    <a16:rowId xmlns:a16="http://schemas.microsoft.com/office/drawing/2014/main" val="10000"/>
-                  </a:ext>
-                </a:extLst>
+                      <a:endParaRPr lang="zh-CN" altLang="en-US" sz="900" b="1" dirty="0">
+                        <a:latin typeface="微软雅黑" panose="020B0503020204020204" pitchFamily="34" charset="-122"/>
+                        <a:ea typeface="微软雅黑" panose="020B0503020204020204" pitchFamily="34" charset="-122"/>
+                      </a:endParaRPr>
+                    </a:p>
+                  </a:txBody>
+                  <a:tcPr anchor="ctr"/>
+                </a:tc>
               </a:tr>
               <a:tr h="336179">
                 <a:tc>
@@ -11748,6 +12139,14 @@
                         </a:rPr>
                         <a:t>式手枪</a:t>
                       </a:r>
+                      <a:endParaRPr lang="zh-CN" altLang="en-US" sz="800" kern="1200" dirty="0">
+                        <a:solidFill>
+                          <a:schemeClr val="dk1"/>
+                        </a:solidFill>
+                        <a:latin typeface="微软雅黑" panose="020B0503020204020204" pitchFamily="34" charset="-122"/>
+                        <a:ea typeface="微软雅黑" panose="020B0503020204020204" pitchFamily="34" charset="-122"/>
+                        <a:cs typeface="+mn-cs"/>
+                      </a:endParaRPr>
                     </a:p>
                   </a:txBody>
                   <a:tcPr anchor="ctr"/>
@@ -11911,11 +12310,6 @@
                   </a:txBody>
                   <a:tcPr anchor="ctr"/>
                 </a:tc>
-                <a:extLst>
-                  <a:ext uri="{0D108BD9-81ED-4DB2-BD59-A6C34878D82A}">
-                    <a16:rowId xmlns:a16="http://schemas.microsoft.com/office/drawing/2014/main" val="10001"/>
-                  </a:ext>
-                </a:extLst>
               </a:tr>
               <a:tr h="347134">
                 <a:tc>
@@ -12083,6 +12477,14 @@
                         </a:rPr>
                         <a:t>式手枪</a:t>
                       </a:r>
+                      <a:endParaRPr lang="zh-CN" altLang="en-US" sz="800" kern="1200" dirty="0">
+                        <a:solidFill>
+                          <a:schemeClr val="dk1"/>
+                        </a:solidFill>
+                        <a:latin typeface="微软雅黑" panose="020B0503020204020204" pitchFamily="34" charset="-122"/>
+                        <a:ea typeface="微软雅黑" panose="020B0503020204020204" pitchFamily="34" charset="-122"/>
+                        <a:cs typeface="+mn-cs"/>
+                      </a:endParaRPr>
                     </a:p>
                   </a:txBody>
                   <a:tcPr anchor="ctr"/>
@@ -12341,11 +12743,6 @@
                   </a:txBody>
                   <a:tcPr anchor="ctr"/>
                 </a:tc>
-                <a:extLst>
-                  <a:ext uri="{0D108BD9-81ED-4DB2-BD59-A6C34878D82A}">
-                    <a16:rowId xmlns:a16="http://schemas.microsoft.com/office/drawing/2014/main" val="10002"/>
-                  </a:ext>
-                </a:extLst>
               </a:tr>
               <a:tr h="364056">
                 <a:tc>
@@ -12483,6 +12880,14 @@
                         </a:rPr>
                         <a:t>式手枪</a:t>
                       </a:r>
+                      <a:endParaRPr lang="zh-CN" altLang="en-US" sz="800" kern="1200" dirty="0">
+                        <a:solidFill>
+                          <a:schemeClr val="dk1"/>
+                        </a:solidFill>
+                        <a:latin typeface="微软雅黑" panose="020B0503020204020204" pitchFamily="34" charset="-122"/>
+                        <a:ea typeface="微软雅黑" panose="020B0503020204020204" pitchFamily="34" charset="-122"/>
+                        <a:cs typeface="+mn-cs"/>
+                      </a:endParaRPr>
                     </a:p>
                   </a:txBody>
                   <a:tcPr anchor="ctr"/>
@@ -12661,11 +13066,6 @@
                   </a:txBody>
                   <a:tcPr anchor="ctr"/>
                 </a:tc>
-                <a:extLst>
-                  <a:ext uri="{0D108BD9-81ED-4DB2-BD59-A6C34878D82A}">
-                    <a16:rowId xmlns:a16="http://schemas.microsoft.com/office/drawing/2014/main" val="10003"/>
-                  </a:ext>
-                </a:extLst>
               </a:tr>
               <a:tr h="338667">
                 <a:tc>
@@ -12803,6 +13203,14 @@
                         </a:rPr>
                         <a:t>式手枪</a:t>
                       </a:r>
+                      <a:endParaRPr lang="zh-CN" altLang="en-US" sz="800" kern="1200" dirty="0">
+                        <a:solidFill>
+                          <a:schemeClr val="dk1"/>
+                        </a:solidFill>
+                        <a:latin typeface="微软雅黑" panose="020B0503020204020204" pitchFamily="34" charset="-122"/>
+                        <a:ea typeface="微软雅黑" panose="020B0503020204020204" pitchFamily="34" charset="-122"/>
+                        <a:cs typeface="+mn-cs"/>
+                      </a:endParaRPr>
                     </a:p>
                   </a:txBody>
                   <a:tcPr anchor="ctr"/>
@@ -12981,11 +13389,6 @@
                   </a:txBody>
                   <a:tcPr anchor="ctr"/>
                 </a:tc>
-                <a:extLst>
-                  <a:ext uri="{0D108BD9-81ED-4DB2-BD59-A6C34878D82A}">
-                    <a16:rowId xmlns:a16="http://schemas.microsoft.com/office/drawing/2014/main" val="10004"/>
-                  </a:ext>
-                </a:extLst>
               </a:tr>
               <a:tr h="338667">
                 <a:tc>
@@ -13123,6 +13526,14 @@
                         </a:rPr>
                         <a:t>式手枪</a:t>
                       </a:r>
+                      <a:endParaRPr lang="zh-CN" altLang="en-US" sz="800" kern="1200" dirty="0">
+                        <a:solidFill>
+                          <a:schemeClr val="dk1"/>
+                        </a:solidFill>
+                        <a:latin typeface="微软雅黑" panose="020B0503020204020204" pitchFamily="34" charset="-122"/>
+                        <a:ea typeface="微软雅黑" panose="020B0503020204020204" pitchFamily="34" charset="-122"/>
+                        <a:cs typeface="+mn-cs"/>
+                      </a:endParaRPr>
                     </a:p>
                   </a:txBody>
                   <a:tcPr anchor="ctr"/>
@@ -13301,11 +13712,6 @@
                   </a:txBody>
                   <a:tcPr anchor="ctr"/>
                 </a:tc>
-                <a:extLst>
-                  <a:ext uri="{0D108BD9-81ED-4DB2-BD59-A6C34878D82A}">
-                    <a16:rowId xmlns:a16="http://schemas.microsoft.com/office/drawing/2014/main" val="10005"/>
-                  </a:ext>
-                </a:extLst>
               </a:tr>
               <a:tr h="296333">
                 <a:tc>
@@ -13443,6 +13849,14 @@
                         </a:rPr>
                         <a:t>式手枪</a:t>
                       </a:r>
+                      <a:endParaRPr lang="zh-CN" altLang="en-US" sz="800" kern="1200" dirty="0">
+                        <a:solidFill>
+                          <a:schemeClr val="dk1"/>
+                        </a:solidFill>
+                        <a:latin typeface="微软雅黑" panose="020B0503020204020204" pitchFamily="34" charset="-122"/>
+                        <a:ea typeface="微软雅黑" panose="020B0503020204020204" pitchFamily="34" charset="-122"/>
+                        <a:cs typeface="+mn-cs"/>
+                      </a:endParaRPr>
                     </a:p>
                   </a:txBody>
                   <a:tcPr anchor="ctr"/>
@@ -13621,11 +14035,6 @@
                   </a:txBody>
                   <a:tcPr anchor="ctr"/>
                 </a:tc>
-                <a:extLst>
-                  <a:ext uri="{0D108BD9-81ED-4DB2-BD59-A6C34878D82A}">
-                    <a16:rowId xmlns:a16="http://schemas.microsoft.com/office/drawing/2014/main" val="10006"/>
-                  </a:ext>
-                </a:extLst>
               </a:tr>
               <a:tr h="344053">
                 <a:tc>
@@ -13793,6 +14202,14 @@
                         </a:rPr>
                         <a:t>机枪</a:t>
                       </a:r>
+                      <a:endParaRPr lang="zh-CN" altLang="en-US" sz="800" kern="1200" dirty="0">
+                        <a:solidFill>
+                          <a:schemeClr val="dk1"/>
+                        </a:solidFill>
+                        <a:latin typeface="微软雅黑" panose="020B0503020204020204" pitchFamily="34" charset="-122"/>
+                        <a:ea typeface="微软雅黑" panose="020B0503020204020204" pitchFamily="34" charset="-122"/>
+                        <a:cs typeface="+mn-cs"/>
+                      </a:endParaRPr>
                     </a:p>
                   </a:txBody>
                   <a:tcPr anchor="ctr"/>
@@ -14051,11 +14468,6 @@
                   </a:txBody>
                   <a:tcPr anchor="ctr"/>
                 </a:tc>
-                <a:extLst>
-                  <a:ext uri="{0D108BD9-81ED-4DB2-BD59-A6C34878D82A}">
-                    <a16:rowId xmlns:a16="http://schemas.microsoft.com/office/drawing/2014/main" val="10007"/>
-                  </a:ext>
-                </a:extLst>
               </a:tr>
             </a:tbl>
           </a:graphicData>
@@ -14453,6 +14865,13 @@
               </a:rPr>
               <a:t>查  询</a:t>
             </a:r>
+            <a:endParaRPr lang="zh-CN" altLang="en-US" sz="1400" dirty="0">
+              <a:solidFill>
+                <a:schemeClr val="accent6">
+                  <a:lumMod val="75000"/>
+                </a:schemeClr>
+              </a:solidFill>
+            </a:endParaRPr>
           </a:p>
         </p:txBody>
       </p:sp>
@@ -14514,6 +14933,11 @@
               </a:rPr>
               <a:t>出  库</a:t>
             </a:r>
+            <a:endParaRPr lang="zh-CN" altLang="en-US" sz="1400" dirty="0">
+              <a:solidFill>
+                <a:schemeClr val="bg1"/>
+              </a:solidFill>
+            </a:endParaRPr>
           </a:p>
         </p:txBody>
       </p:sp>
@@ -14599,6 +15023,7 @@
               <a:rPr lang="zh-CN" altLang="en-US" dirty="0"/>
               <a:t>出库页面只显示已检视未出库装备</a:t>
             </a:r>
+            <a:endParaRPr lang="zh-CN" altLang="en-US" dirty="0"/>
           </a:p>
         </p:txBody>
       </p:sp>
@@ -14664,6 +15089,16 @@
               </a:rPr>
               <a:t>出 库</a:t>
             </a:r>
+            <a:endParaRPr lang="zh-CN" altLang="en-US" sz="1600" dirty="0">
+              <a:solidFill>
+                <a:schemeClr val="accent4">
+                  <a:lumMod val="60000"/>
+                  <a:lumOff val="40000"/>
+                </a:schemeClr>
+              </a:solidFill>
+              <a:latin typeface="微软雅黑" panose="020B0503020204020204" pitchFamily="34" charset="-122"/>
+              <a:ea typeface="微软雅黑" panose="020B0503020204020204" pitchFamily="34" charset="-122"/>
+            </a:endParaRPr>
           </a:p>
         </p:txBody>
       </p:sp>
@@ -14752,6 +15187,7 @@
               <a:rPr lang="zh-CN" altLang="en-US" dirty="0"/>
               <a:t>退役报废枪械销毁处理情况全过程登记表”</a:t>
             </a:r>
+            <a:endParaRPr lang="zh-CN" altLang="en-US" dirty="0"/>
           </a:p>
         </p:txBody>
       </p:sp>
@@ -14789,6 +15225,15 @@
               </a:rPr>
               <a:t>枪 支 信 息 智 能 管 理 系 统</a:t>
             </a:r>
+            <a:endParaRPr lang="zh-CN" altLang="en-US" sz="2400" b="1" dirty="0">
+              <a:solidFill>
+                <a:schemeClr val="accent6">
+                  <a:lumMod val="75000"/>
+                </a:schemeClr>
+              </a:solidFill>
+              <a:latin typeface="微软雅黑" panose="020B0503020204020204" pitchFamily="34" charset="-122"/>
+              <a:ea typeface="微软雅黑" panose="020B0503020204020204" pitchFamily="34" charset="-122"/>
+            </a:endParaRPr>
           </a:p>
         </p:txBody>
       </p:sp>
@@ -14801,7 +15246,7 @@
           <p:nvPr/>
         </p:nvPicPr>
         <p:blipFill>
-          <a:blip r:embed="rId3" cstate="print">
+          <a:blip r:embed="rId2" cstate="print">
             <a:extLst>
               <a:ext uri="{28A0092B-C50C-407E-A947-70E740481C1C}">
                 <a14:useLocalDpi xmlns:a14="http://schemas.microsoft.com/office/drawing/2010/main" val="0"/>
@@ -14876,6 +15321,10 @@
               </a:rPr>
               <a:t>五、其他说明</a:t>
             </a:r>
+            <a:endParaRPr lang="zh-CN" altLang="en-US" b="1" dirty="0">
+              <a:latin typeface="微软雅黑" panose="020B0503020204020204" pitchFamily="34" charset="-122"/>
+              <a:ea typeface="微软雅黑" panose="020B0503020204020204" pitchFamily="34" charset="-122"/>
+            </a:endParaRPr>
           </a:p>
         </p:txBody>
       </p:sp>
@@ -15232,6 +15681,10 @@
               </a:rPr>
               <a:t>主页</a:t>
             </a:r>
+            <a:endParaRPr lang="zh-CN" altLang="en-US" b="1" dirty="0">
+              <a:latin typeface="微软雅黑" panose="020B0503020204020204" pitchFamily="34" charset="-122"/>
+              <a:ea typeface="微软雅黑" panose="020B0503020204020204" pitchFamily="34" charset="-122"/>
+            </a:endParaRPr>
           </a:p>
         </p:txBody>
       </p:sp>
@@ -15321,6 +15774,15 @@
               </a:rPr>
               <a:t>枪 支 信 息 智 能 管 理 系 统</a:t>
             </a:r>
+            <a:endParaRPr lang="zh-CN" altLang="en-US" sz="2400" b="1" dirty="0">
+              <a:solidFill>
+                <a:schemeClr val="accent6">
+                  <a:lumMod val="75000"/>
+                </a:schemeClr>
+              </a:solidFill>
+              <a:latin typeface="微软雅黑" panose="020B0503020204020204" pitchFamily="34" charset="-122"/>
+              <a:ea typeface="微软雅黑" panose="020B0503020204020204" pitchFamily="34" charset="-122"/>
+            </a:endParaRPr>
           </a:p>
         </p:txBody>
       </p:sp>
@@ -15384,6 +15846,13 @@
               </a:rPr>
               <a:t>账号管理</a:t>
             </a:r>
+            <a:endParaRPr lang="zh-CN" altLang="en-US" sz="2800" dirty="0">
+              <a:solidFill>
+                <a:schemeClr val="bg1"/>
+              </a:solidFill>
+              <a:latin typeface="微软雅黑" panose="020B0503020204020204" pitchFamily="34" charset="-122"/>
+              <a:ea typeface="微软雅黑" panose="020B0503020204020204" pitchFamily="34" charset="-122"/>
+            </a:endParaRPr>
           </a:p>
         </p:txBody>
       </p:sp>
@@ -15447,6 +15916,15 @@
               </a:rPr>
               <a:t>编码检视</a:t>
             </a:r>
+            <a:endParaRPr lang="zh-CN" altLang="en-US" sz="2800" dirty="0">
+              <a:solidFill>
+                <a:schemeClr val="accent6">
+                  <a:lumMod val="75000"/>
+                </a:schemeClr>
+              </a:solidFill>
+              <a:latin typeface="微软雅黑" panose="020B0503020204020204" pitchFamily="34" charset="-122"/>
+              <a:ea typeface="微软雅黑" panose="020B0503020204020204" pitchFamily="34" charset="-122"/>
+            </a:endParaRPr>
           </a:p>
         </p:txBody>
       </p:sp>
@@ -15522,6 +16000,15 @@
               </a:rPr>
               <a:t>信息管理</a:t>
             </a:r>
+            <a:endParaRPr lang="zh-CN" altLang="en-US" sz="2800" dirty="0">
+              <a:solidFill>
+                <a:schemeClr val="accent6">
+                  <a:lumMod val="75000"/>
+                </a:schemeClr>
+              </a:solidFill>
+              <a:latin typeface="微软雅黑" panose="020B0503020204020204" pitchFamily="34" charset="-122"/>
+              <a:ea typeface="微软雅黑" panose="020B0503020204020204" pitchFamily="34" charset="-122"/>
+            </a:endParaRPr>
           </a:p>
         </p:txBody>
       </p:sp>
@@ -15534,7 +16021,7 @@
           <p:nvPr/>
         </p:nvPicPr>
         <p:blipFill>
-          <a:blip r:embed="rId2" cstate="print">
+          <a:blip r:embed="rId1" cstate="print">
             <a:extLst>
               <a:ext uri="{28A0092B-C50C-407E-A947-70E740481C1C}">
                 <a14:useLocalDpi xmlns:a14="http://schemas.microsoft.com/office/drawing/2010/main" val="0"/>
@@ -15604,6 +16091,13 @@
               </a:rPr>
               <a:t>任何时候切换模块都需要重新登陆</a:t>
             </a:r>
+            <a:endParaRPr lang="zh-CN" altLang="en-US" sz="1400" b="1" dirty="0">
+              <a:solidFill>
+                <a:srgbClr val="7030A0"/>
+              </a:solidFill>
+              <a:latin typeface="微软雅黑" panose="020B0503020204020204" pitchFamily="34" charset="-122"/>
+              <a:ea typeface="微软雅黑" panose="020B0503020204020204" pitchFamily="34" charset="-122"/>
+            </a:endParaRPr>
           </a:p>
         </p:txBody>
       </p:sp>
@@ -15675,6 +16169,10 @@
               </a:rPr>
               <a:t>登录页面</a:t>
             </a:r>
+            <a:endParaRPr lang="zh-CN" altLang="en-US" b="1" dirty="0">
+              <a:latin typeface="微软雅黑" panose="020B0503020204020204" pitchFamily="34" charset="-122"/>
+              <a:ea typeface="微软雅黑" panose="020B0503020204020204" pitchFamily="34" charset="-122"/>
+            </a:endParaRPr>
           </a:p>
         </p:txBody>
       </p:sp>
@@ -15764,6 +16262,15 @@
               </a:rPr>
               <a:t>枪 支 信 息 智 能 管 理 系 统</a:t>
             </a:r>
+            <a:endParaRPr lang="zh-CN" altLang="en-US" sz="2400" b="1" dirty="0">
+              <a:solidFill>
+                <a:schemeClr val="accent6">
+                  <a:lumMod val="75000"/>
+                </a:schemeClr>
+              </a:solidFill>
+              <a:latin typeface="微软雅黑" panose="020B0503020204020204" pitchFamily="34" charset="-122"/>
+              <a:ea typeface="微软雅黑" panose="020B0503020204020204" pitchFamily="34" charset="-122"/>
+            </a:endParaRPr>
           </a:p>
         </p:txBody>
       </p:sp>
@@ -15864,6 +16371,13 @@
               </a:rPr>
               <a:t>账号管理</a:t>
             </a:r>
+            <a:endParaRPr lang="zh-CN" altLang="en-US" dirty="0">
+              <a:solidFill>
+                <a:schemeClr val="bg1"/>
+              </a:solidFill>
+              <a:latin typeface="微软雅黑" panose="020B0503020204020204" pitchFamily="34" charset="-122"/>
+              <a:ea typeface="微软雅黑" panose="020B0503020204020204" pitchFamily="34" charset="-122"/>
+            </a:endParaRPr>
           </a:p>
         </p:txBody>
       </p:sp>
@@ -15927,6 +16441,15 @@
               </a:rPr>
               <a:t>编码检视</a:t>
             </a:r>
+            <a:endParaRPr lang="zh-CN" altLang="en-US" dirty="0">
+              <a:solidFill>
+                <a:schemeClr val="accent6">
+                  <a:lumMod val="75000"/>
+                </a:schemeClr>
+              </a:solidFill>
+              <a:latin typeface="微软雅黑" panose="020B0503020204020204" pitchFamily="34" charset="-122"/>
+              <a:ea typeface="微软雅黑" panose="020B0503020204020204" pitchFamily="34" charset="-122"/>
+            </a:endParaRPr>
           </a:p>
         </p:txBody>
       </p:sp>
@@ -15990,6 +16513,15 @@
               </a:rPr>
               <a:t>信息管理</a:t>
             </a:r>
+            <a:endParaRPr lang="zh-CN" altLang="en-US" dirty="0">
+              <a:solidFill>
+                <a:schemeClr val="accent6">
+                  <a:lumMod val="75000"/>
+                </a:schemeClr>
+              </a:solidFill>
+              <a:latin typeface="微软雅黑" panose="020B0503020204020204" pitchFamily="34" charset="-122"/>
+              <a:ea typeface="微软雅黑" panose="020B0503020204020204" pitchFamily="34" charset="-122"/>
+            </a:endParaRPr>
           </a:p>
         </p:txBody>
       </p:sp>
@@ -16077,6 +16609,13 @@
               </a:rPr>
               <a:t>管理员</a:t>
             </a:r>
+            <a:endParaRPr lang="zh-CN" altLang="en-US" dirty="0">
+              <a:solidFill>
+                <a:schemeClr val="bg1"/>
+              </a:solidFill>
+              <a:latin typeface="微软雅黑" panose="020B0503020204020204" pitchFamily="34" charset="-122"/>
+              <a:ea typeface="微软雅黑" panose="020B0503020204020204" pitchFamily="34" charset="-122"/>
+            </a:endParaRPr>
           </a:p>
         </p:txBody>
       </p:sp>
@@ -16112,6 +16651,13 @@
               </a:rPr>
               <a:t>密 码</a:t>
             </a:r>
+            <a:endParaRPr lang="zh-CN" altLang="en-US" dirty="0">
+              <a:solidFill>
+                <a:schemeClr val="bg1"/>
+              </a:solidFill>
+              <a:latin typeface="微软雅黑" panose="020B0503020204020204" pitchFamily="34" charset="-122"/>
+              <a:ea typeface="微软雅黑" panose="020B0503020204020204" pitchFamily="34" charset="-122"/>
+            </a:endParaRPr>
           </a:p>
         </p:txBody>
       </p:sp>
@@ -16124,7 +16670,7 @@
           <p:nvPr/>
         </p:nvPicPr>
         <p:blipFill>
-          <a:blip r:embed="rId2" cstate="print">
+          <a:blip r:embed="rId1" cstate="print">
             <a:extLst>
               <a:ext uri="{28A0092B-C50C-407E-A947-70E740481C1C}">
                 <a14:useLocalDpi xmlns:a14="http://schemas.microsoft.com/office/drawing/2010/main" val="0"/>
@@ -16218,6 +16764,16 @@
               </a:rPr>
               <a:t>登 录</a:t>
             </a:r>
+            <a:endParaRPr lang="zh-CN" altLang="en-US" dirty="0">
+              <a:solidFill>
+                <a:schemeClr val="accent4">
+                  <a:lumMod val="60000"/>
+                  <a:lumOff val="40000"/>
+                </a:schemeClr>
+              </a:solidFill>
+              <a:latin typeface="微软雅黑" panose="020B0503020204020204" pitchFamily="34" charset="-122"/>
+              <a:ea typeface="微软雅黑" panose="020B0503020204020204" pitchFamily="34" charset="-122"/>
+            </a:endParaRPr>
           </a:p>
         </p:txBody>
       </p:sp>
@@ -16355,6 +16911,13 @@
               </a:rPr>
               <a:t>由系统管理员登录账号管理页面</a:t>
             </a:r>
+            <a:endParaRPr lang="zh-CN" altLang="en-US" sz="1400" b="1" dirty="0">
+              <a:solidFill>
+                <a:srgbClr val="7030A0"/>
+              </a:solidFill>
+              <a:latin typeface="微软雅黑" panose="020B0503020204020204" pitchFamily="34" charset="-122"/>
+              <a:ea typeface="微软雅黑" panose="020B0503020204020204" pitchFamily="34" charset="-122"/>
+            </a:endParaRPr>
           </a:p>
         </p:txBody>
       </p:sp>
@@ -16367,7 +16930,7 @@
           <p:nvPr/>
         </p:nvPicPr>
         <p:blipFill>
-          <a:blip r:embed="rId3" cstate="print">
+          <a:blip r:embed="rId2" cstate="print">
             <a:extLst>
               <a:ext uri="{28A0092B-C50C-407E-A947-70E740481C1C}">
                 <a14:useLocalDpi xmlns:a14="http://schemas.microsoft.com/office/drawing/2010/main" val="0"/>
@@ -16452,6 +17015,13 @@
                 </a:rPr>
                 <a:t>返回</a:t>
               </a:r>
+              <a:endParaRPr lang="zh-CN" altLang="en-US" sz="1400" b="1" dirty="0">
+                <a:solidFill>
+                  <a:srgbClr val="00B0F0"/>
+                </a:solidFill>
+                <a:latin typeface="微软雅黑" panose="020B0503020204020204" pitchFamily="34" charset="-122"/>
+                <a:ea typeface="微软雅黑" panose="020B0503020204020204" pitchFamily="34" charset="-122"/>
+              </a:endParaRPr>
             </a:p>
           </p:txBody>
         </p:sp>
@@ -16546,6 +17116,10 @@
               </a:rPr>
               <a:t>二、账号管理页面</a:t>
             </a:r>
+            <a:endParaRPr lang="zh-CN" altLang="en-US" b="1" dirty="0">
+              <a:latin typeface="微软雅黑" panose="020B0503020204020204" pitchFamily="34" charset="-122"/>
+              <a:ea typeface="微软雅黑" panose="020B0503020204020204" pitchFamily="34" charset="-122"/>
+            </a:endParaRPr>
           </a:p>
         </p:txBody>
       </p:sp>
@@ -16698,6 +17272,13 @@
               </a:rPr>
               <a:t>账号管理</a:t>
             </a:r>
+            <a:endParaRPr lang="zh-CN" altLang="en-US" dirty="0">
+              <a:solidFill>
+                <a:schemeClr val="bg1"/>
+              </a:solidFill>
+              <a:latin typeface="微软雅黑" panose="020B0503020204020204" pitchFamily="34" charset="-122"/>
+              <a:ea typeface="微软雅黑" panose="020B0503020204020204" pitchFamily="34" charset="-122"/>
+            </a:endParaRPr>
           </a:p>
         </p:txBody>
       </p:sp>
@@ -16761,6 +17342,15 @@
               </a:rPr>
               <a:t>编码检视</a:t>
             </a:r>
+            <a:endParaRPr lang="zh-CN" altLang="en-US" dirty="0">
+              <a:solidFill>
+                <a:schemeClr val="accent6">
+                  <a:lumMod val="75000"/>
+                </a:schemeClr>
+              </a:solidFill>
+              <a:latin typeface="微软雅黑" panose="020B0503020204020204" pitchFamily="34" charset="-122"/>
+              <a:ea typeface="微软雅黑" panose="020B0503020204020204" pitchFamily="34" charset="-122"/>
+            </a:endParaRPr>
           </a:p>
         </p:txBody>
       </p:sp>
@@ -16824,6 +17414,15 @@
               </a:rPr>
               <a:t>信息管理</a:t>
             </a:r>
+            <a:endParaRPr lang="zh-CN" altLang="en-US" dirty="0">
+              <a:solidFill>
+                <a:schemeClr val="accent6">
+                  <a:lumMod val="75000"/>
+                </a:schemeClr>
+              </a:solidFill>
+              <a:latin typeface="微软雅黑" panose="020B0503020204020204" pitchFamily="34" charset="-122"/>
+              <a:ea typeface="微软雅黑" panose="020B0503020204020204" pitchFamily="34" charset="-122"/>
+            </a:endParaRPr>
           </a:p>
         </p:txBody>
       </p:sp>
@@ -16850,69 +17449,15 @@
                 <a:tableStyleId>{93296810-A885-4BE3-A3E7-6D5BEEA58F35}</a:tableStyleId>
               </a:tblPr>
               <a:tblGrid>
-                <a:gridCol w="1004519">
-                  <a:extLst>
-                    <a:ext uri="{9D8B030D-6E8A-4147-A177-3AD203B41FA5}">
-                      <a16:colId xmlns:a16="http://schemas.microsoft.com/office/drawing/2014/main" val="20000"/>
-                    </a:ext>
-                  </a:extLst>
-                </a:gridCol>
-                <a:gridCol w="1290890">
-                  <a:extLst>
-                    <a:ext uri="{9D8B030D-6E8A-4147-A177-3AD203B41FA5}">
-                      <a16:colId xmlns:a16="http://schemas.microsoft.com/office/drawing/2014/main" val="20001"/>
-                    </a:ext>
-                  </a:extLst>
-                </a:gridCol>
-                <a:gridCol w="1089144">
-                  <a:extLst>
-                    <a:ext uri="{9D8B030D-6E8A-4147-A177-3AD203B41FA5}">
-                      <a16:colId xmlns:a16="http://schemas.microsoft.com/office/drawing/2014/main" val="20002"/>
-                    </a:ext>
-                  </a:extLst>
-                </a:gridCol>
-                <a:gridCol w="1143000">
-                  <a:extLst>
-                    <a:ext uri="{9D8B030D-6E8A-4147-A177-3AD203B41FA5}">
-                      <a16:colId xmlns:a16="http://schemas.microsoft.com/office/drawing/2014/main" val="20003"/>
-                    </a:ext>
-                  </a:extLst>
-                </a:gridCol>
-                <a:gridCol w="1126067">
-                  <a:extLst>
-                    <a:ext uri="{9D8B030D-6E8A-4147-A177-3AD203B41FA5}">
-                      <a16:colId xmlns:a16="http://schemas.microsoft.com/office/drawing/2014/main" val="20004"/>
-                    </a:ext>
-                  </a:extLst>
-                </a:gridCol>
-                <a:gridCol w="1083733">
-                  <a:extLst>
-                    <a:ext uri="{9D8B030D-6E8A-4147-A177-3AD203B41FA5}">
-                      <a16:colId xmlns:a16="http://schemas.microsoft.com/office/drawing/2014/main" val="20005"/>
-                    </a:ext>
-                  </a:extLst>
-                </a:gridCol>
-                <a:gridCol w="1100667">
-                  <a:extLst>
-                    <a:ext uri="{9D8B030D-6E8A-4147-A177-3AD203B41FA5}">
-                      <a16:colId xmlns:a16="http://schemas.microsoft.com/office/drawing/2014/main" val="20006"/>
-                    </a:ext>
-                  </a:extLst>
-                </a:gridCol>
-                <a:gridCol w="1093150">
-                  <a:extLst>
-                    <a:ext uri="{9D8B030D-6E8A-4147-A177-3AD203B41FA5}">
-                      <a16:colId xmlns:a16="http://schemas.microsoft.com/office/drawing/2014/main" val="20007"/>
-                    </a:ext>
-                  </a:extLst>
-                </a:gridCol>
-                <a:gridCol w="1398171">
-                  <a:extLst>
-                    <a:ext uri="{9D8B030D-6E8A-4147-A177-3AD203B41FA5}">
-                      <a16:colId xmlns:a16="http://schemas.microsoft.com/office/drawing/2014/main" val="20008"/>
-                    </a:ext>
-                  </a:extLst>
-                </a:gridCol>
+                <a:gridCol w="1004519"/>
+                <a:gridCol w="1290890"/>
+                <a:gridCol w="1089144"/>
+                <a:gridCol w="1143000"/>
+                <a:gridCol w="1126067"/>
+                <a:gridCol w="1083733"/>
+                <a:gridCol w="1100667"/>
+                <a:gridCol w="1093150"/>
+                <a:gridCol w="1398171"/>
               </a:tblGrid>
               <a:tr h="457780">
                 <a:tc>
@@ -16928,6 +17473,10 @@
                         </a:rPr>
                         <a:t>姓名</a:t>
                       </a:r>
+                      <a:endParaRPr lang="zh-CN" altLang="en-US" sz="1400" b="1" dirty="0">
+                        <a:latin typeface="微软雅黑" panose="020B0503020204020204" pitchFamily="34" charset="-122"/>
+                        <a:ea typeface="微软雅黑" panose="020B0503020204020204" pitchFamily="34" charset="-122"/>
+                      </a:endParaRPr>
                     </a:p>
                   </a:txBody>
                   <a:tcPr anchor="ctr"/>
@@ -16945,6 +17494,10 @@
                         </a:rPr>
                         <a:t>军官证号</a:t>
                       </a:r>
+                      <a:endParaRPr lang="zh-CN" altLang="en-US" sz="1400" b="1" dirty="0">
+                        <a:latin typeface="微软雅黑" panose="020B0503020204020204" pitchFamily="34" charset="-122"/>
+                        <a:ea typeface="微软雅黑" panose="020B0503020204020204" pitchFamily="34" charset="-122"/>
+                      </a:endParaRPr>
                     </a:p>
                   </a:txBody>
                   <a:tcPr anchor="ctr"/>
@@ -16962,6 +17515,10 @@
                         </a:rPr>
                         <a:t>识别操作</a:t>
                       </a:r>
+                      <a:endParaRPr lang="zh-CN" altLang="en-US" sz="1400" b="1" dirty="0">
+                        <a:latin typeface="微软雅黑" panose="020B0503020204020204" pitchFamily="34" charset="-122"/>
+                        <a:ea typeface="微软雅黑" panose="020B0503020204020204" pitchFamily="34" charset="-122"/>
+                      </a:endParaRPr>
                     </a:p>
                   </a:txBody>
                   <a:tcPr anchor="ctr"/>
@@ -16979,6 +17536,10 @@
                         </a:rPr>
                         <a:t>识别监督</a:t>
                       </a:r>
+                      <a:endParaRPr lang="zh-CN" altLang="en-US" sz="1400" b="1" dirty="0">
+                        <a:latin typeface="微软雅黑" panose="020B0503020204020204" pitchFamily="34" charset="-122"/>
+                        <a:ea typeface="微软雅黑" panose="020B0503020204020204" pitchFamily="34" charset="-122"/>
+                      </a:endParaRPr>
                     </a:p>
                   </a:txBody>
                   <a:tcPr anchor="ctr"/>
@@ -16996,6 +17557,10 @@
                         </a:rPr>
                         <a:t>入库操作</a:t>
                       </a:r>
+                      <a:endParaRPr lang="zh-CN" altLang="en-US" sz="1400" b="1" dirty="0">
+                        <a:latin typeface="微软雅黑" panose="020B0503020204020204" pitchFamily="34" charset="-122"/>
+                        <a:ea typeface="微软雅黑" panose="020B0503020204020204" pitchFamily="34" charset="-122"/>
+                      </a:endParaRPr>
                     </a:p>
                   </a:txBody>
                   <a:tcPr anchor="ctr"/>
@@ -17013,6 +17578,10 @@
                         </a:rPr>
                         <a:t>入库监督</a:t>
                       </a:r>
+                      <a:endParaRPr lang="zh-CN" altLang="en-US" sz="1400" b="1" dirty="0">
+                        <a:latin typeface="微软雅黑" panose="020B0503020204020204" pitchFamily="34" charset="-122"/>
+                        <a:ea typeface="微软雅黑" panose="020B0503020204020204" pitchFamily="34" charset="-122"/>
+                      </a:endParaRPr>
                     </a:p>
                   </a:txBody>
                   <a:tcPr anchor="ctr"/>
@@ -17030,6 +17599,10 @@
                         </a:rPr>
                         <a:t>出库操作</a:t>
                       </a:r>
+                      <a:endParaRPr lang="zh-CN" altLang="en-US" sz="1400" b="1" dirty="0">
+                        <a:latin typeface="微软雅黑" panose="020B0503020204020204" pitchFamily="34" charset="-122"/>
+                        <a:ea typeface="微软雅黑" panose="020B0503020204020204" pitchFamily="34" charset="-122"/>
+                      </a:endParaRPr>
                     </a:p>
                   </a:txBody>
                   <a:tcPr anchor="ctr"/>
@@ -17047,6 +17620,10 @@
                         </a:rPr>
                         <a:t>出库监督</a:t>
                       </a:r>
+                      <a:endParaRPr lang="zh-CN" altLang="en-US" sz="1400" b="1" dirty="0">
+                        <a:latin typeface="微软雅黑" panose="020B0503020204020204" pitchFamily="34" charset="-122"/>
+                        <a:ea typeface="微软雅黑" panose="020B0503020204020204" pitchFamily="34" charset="-122"/>
+                      </a:endParaRPr>
                     </a:p>
                   </a:txBody>
                   <a:tcPr anchor="ctr"/>
@@ -17064,15 +17641,14 @@
                         </a:rPr>
                         <a:t>操作</a:t>
                       </a:r>
-                    </a:p>
-                  </a:txBody>
-                  <a:tcPr anchor="ctr"/>
-                </a:tc>
-                <a:extLst>
-                  <a:ext uri="{0D108BD9-81ED-4DB2-BD59-A6C34878D82A}">
-                    <a16:rowId xmlns:a16="http://schemas.microsoft.com/office/drawing/2014/main" val="10000"/>
-                  </a:ext>
-                </a:extLst>
+                      <a:endParaRPr lang="zh-CN" altLang="en-US" sz="1400" b="1" dirty="0">
+                        <a:latin typeface="微软雅黑" panose="020B0503020204020204" pitchFamily="34" charset="-122"/>
+                        <a:ea typeface="微软雅黑" panose="020B0503020204020204" pitchFamily="34" charset="-122"/>
+                      </a:endParaRPr>
+                    </a:p>
+                  </a:txBody>
+                  <a:tcPr anchor="ctr"/>
+                </a:tc>
               </a:tr>
               <a:tr h="457780">
                 <a:tc>
@@ -17088,6 +17664,10 @@
                         </a:rPr>
                         <a:t>陈一</a:t>
                       </a:r>
+                      <a:endParaRPr lang="zh-CN" altLang="en-US" sz="1200" dirty="0">
+                        <a:latin typeface="微软雅黑" panose="020B0503020204020204" pitchFamily="34" charset="-122"/>
+                        <a:ea typeface="微软雅黑" panose="020B0503020204020204" pitchFamily="34" charset="-122"/>
+                      </a:endParaRPr>
                     </a:p>
                   </a:txBody>
                   <a:tcPr anchor="ctr"/>
@@ -17263,11 +17843,6 @@
                   </a:txBody>
                   <a:tcPr anchor="ctr"/>
                 </a:tc>
-                <a:extLst>
-                  <a:ext uri="{0D108BD9-81ED-4DB2-BD59-A6C34878D82A}">
-                    <a16:rowId xmlns:a16="http://schemas.microsoft.com/office/drawing/2014/main" val="10001"/>
-                  </a:ext>
-                </a:extLst>
               </a:tr>
               <a:tr h="457780">
                 <a:tc>
@@ -17283,6 +17858,10 @@
                         </a:rPr>
                         <a:t>吴二</a:t>
                       </a:r>
+                      <a:endParaRPr lang="zh-CN" altLang="en-US" sz="1200" dirty="0">
+                        <a:latin typeface="微软雅黑" panose="020B0503020204020204" pitchFamily="34" charset="-122"/>
+                        <a:ea typeface="微软雅黑" panose="020B0503020204020204" pitchFamily="34" charset="-122"/>
+                      </a:endParaRPr>
                     </a:p>
                   </a:txBody>
                   <a:tcPr anchor="ctr"/>
@@ -17483,11 +18062,6 @@
                   </a:txBody>
                   <a:tcPr anchor="ctr"/>
                 </a:tc>
-                <a:extLst>
-                  <a:ext uri="{0D108BD9-81ED-4DB2-BD59-A6C34878D82A}">
-                    <a16:rowId xmlns:a16="http://schemas.microsoft.com/office/drawing/2014/main" val="10002"/>
-                  </a:ext>
-                </a:extLst>
               </a:tr>
               <a:tr h="457780">
                 <a:tc>
@@ -17503,6 +18077,10 @@
                         </a:rPr>
                         <a:t>张三</a:t>
                       </a:r>
+                      <a:endParaRPr lang="zh-CN" altLang="en-US" sz="1200" dirty="0">
+                        <a:latin typeface="微软雅黑" panose="020B0503020204020204" pitchFamily="34" charset="-122"/>
+                        <a:ea typeface="微软雅黑" panose="020B0503020204020204" pitchFamily="34" charset="-122"/>
+                      </a:endParaRPr>
                     </a:p>
                   </a:txBody>
                   <a:tcPr anchor="ctr"/>
@@ -17703,11 +18281,6 @@
                   </a:txBody>
                   <a:tcPr anchor="ctr"/>
                 </a:tc>
-                <a:extLst>
-                  <a:ext uri="{0D108BD9-81ED-4DB2-BD59-A6C34878D82A}">
-                    <a16:rowId xmlns:a16="http://schemas.microsoft.com/office/drawing/2014/main" val="10003"/>
-                  </a:ext>
-                </a:extLst>
               </a:tr>
               <a:tr h="457780">
                 <a:tc>
@@ -17723,6 +18296,10 @@
                         </a:rPr>
                         <a:t>李三</a:t>
                       </a:r>
+                      <a:endParaRPr lang="zh-CN" altLang="en-US" sz="1200" dirty="0">
+                        <a:latin typeface="微软雅黑" panose="020B0503020204020204" pitchFamily="34" charset="-122"/>
+                        <a:ea typeface="微软雅黑" panose="020B0503020204020204" pitchFamily="34" charset="-122"/>
+                      </a:endParaRPr>
                     </a:p>
                   </a:txBody>
                   <a:tcPr anchor="ctr"/>
@@ -17923,11 +18500,6 @@
                   </a:txBody>
                   <a:tcPr anchor="ctr"/>
                 </a:tc>
-                <a:extLst>
-                  <a:ext uri="{0D108BD9-81ED-4DB2-BD59-A6C34878D82A}">
-                    <a16:rowId xmlns:a16="http://schemas.microsoft.com/office/drawing/2014/main" val="10004"/>
-                  </a:ext>
-                </a:extLst>
               </a:tr>
               <a:tr h="457780">
                 <a:tc>
@@ -17943,6 +18515,10 @@
                         </a:rPr>
                         <a:t>王五</a:t>
                       </a:r>
+                      <a:endParaRPr lang="zh-CN" altLang="en-US" sz="1200" dirty="0">
+                        <a:latin typeface="微软雅黑" panose="020B0503020204020204" pitchFamily="34" charset="-122"/>
+                        <a:ea typeface="微软雅黑" panose="020B0503020204020204" pitchFamily="34" charset="-122"/>
+                      </a:endParaRPr>
                     </a:p>
                   </a:txBody>
                   <a:tcPr anchor="ctr"/>
@@ -18143,11 +18719,6 @@
                   </a:txBody>
                   <a:tcPr anchor="ctr"/>
                 </a:tc>
-                <a:extLst>
-                  <a:ext uri="{0D108BD9-81ED-4DB2-BD59-A6C34878D82A}">
-                    <a16:rowId xmlns:a16="http://schemas.microsoft.com/office/drawing/2014/main" val="10005"/>
-                  </a:ext>
-                </a:extLst>
               </a:tr>
               <a:tr h="457780">
                 <a:tc>
@@ -18163,6 +18734,10 @@
                         </a:rPr>
                         <a:t>赵六</a:t>
                       </a:r>
+                      <a:endParaRPr lang="zh-CN" altLang="en-US" sz="1200" dirty="0">
+                        <a:latin typeface="微软雅黑" panose="020B0503020204020204" pitchFamily="34" charset="-122"/>
+                        <a:ea typeface="微软雅黑" panose="020B0503020204020204" pitchFamily="34" charset="-122"/>
+                      </a:endParaRPr>
                     </a:p>
                   </a:txBody>
                   <a:tcPr anchor="ctr"/>
@@ -18383,11 +18958,6 @@
                   </a:txBody>
                   <a:tcPr anchor="ctr"/>
                 </a:tc>
-                <a:extLst>
-                  <a:ext uri="{0D108BD9-81ED-4DB2-BD59-A6C34878D82A}">
-                    <a16:rowId xmlns:a16="http://schemas.microsoft.com/office/drawing/2014/main" val="10006"/>
-                  </a:ext>
-                </a:extLst>
               </a:tr>
               <a:tr h="457780">
                 <a:tc>
@@ -18403,6 +18973,10 @@
                         </a:rPr>
                         <a:t>周七</a:t>
                       </a:r>
+                      <a:endParaRPr lang="zh-CN" altLang="en-US" sz="1200" dirty="0">
+                        <a:latin typeface="微软雅黑" panose="020B0503020204020204" pitchFamily="34" charset="-122"/>
+                        <a:ea typeface="微软雅黑" panose="020B0503020204020204" pitchFamily="34" charset="-122"/>
+                      </a:endParaRPr>
                     </a:p>
                   </a:txBody>
                   <a:tcPr anchor="ctr"/>
@@ -18603,11 +19177,6 @@
                   </a:txBody>
                   <a:tcPr anchor="ctr"/>
                 </a:tc>
-                <a:extLst>
-                  <a:ext uri="{0D108BD9-81ED-4DB2-BD59-A6C34878D82A}">
-                    <a16:rowId xmlns:a16="http://schemas.microsoft.com/office/drawing/2014/main" val="10007"/>
-                  </a:ext>
-                </a:extLst>
               </a:tr>
             </a:tbl>
           </a:graphicData>
@@ -18671,6 +19240,15 @@
               </a:rPr>
               <a:t>编辑</a:t>
             </a:r>
+            <a:endParaRPr lang="zh-CN" altLang="en-US" sz="1050" dirty="0">
+              <a:solidFill>
+                <a:schemeClr val="accent6">
+                  <a:lumMod val="75000"/>
+                </a:schemeClr>
+              </a:solidFill>
+              <a:latin typeface="微软雅黑" panose="020B0503020204020204" pitchFamily="34" charset="-122"/>
+              <a:ea typeface="微软雅黑" panose="020B0503020204020204" pitchFamily="34" charset="-122"/>
+            </a:endParaRPr>
           </a:p>
         </p:txBody>
       </p:sp>
@@ -18728,6 +19306,13 @@
               </a:rPr>
               <a:t>删除</a:t>
             </a:r>
+            <a:endParaRPr lang="zh-CN" altLang="en-US" sz="1050" dirty="0">
+              <a:solidFill>
+                <a:srgbClr val="FF0000"/>
+              </a:solidFill>
+              <a:latin typeface="微软雅黑" panose="020B0503020204020204" pitchFamily="34" charset="-122"/>
+              <a:ea typeface="微软雅黑" panose="020B0503020204020204" pitchFamily="34" charset="-122"/>
+            </a:endParaRPr>
           </a:p>
         </p:txBody>
       </p:sp>
@@ -18789,6 +19374,15 @@
               </a:rPr>
               <a:t>编辑</a:t>
             </a:r>
+            <a:endParaRPr lang="zh-CN" altLang="en-US" sz="1050" dirty="0">
+              <a:solidFill>
+                <a:schemeClr val="accent6">
+                  <a:lumMod val="75000"/>
+                </a:schemeClr>
+              </a:solidFill>
+              <a:latin typeface="微软雅黑" panose="020B0503020204020204" pitchFamily="34" charset="-122"/>
+              <a:ea typeface="微软雅黑" panose="020B0503020204020204" pitchFamily="34" charset="-122"/>
+            </a:endParaRPr>
           </a:p>
         </p:txBody>
       </p:sp>
@@ -18846,6 +19440,13 @@
               </a:rPr>
               <a:t>删除</a:t>
             </a:r>
+            <a:endParaRPr lang="zh-CN" altLang="en-US" sz="1050" dirty="0">
+              <a:solidFill>
+                <a:srgbClr val="FF0000"/>
+              </a:solidFill>
+              <a:latin typeface="微软雅黑" panose="020B0503020204020204" pitchFamily="34" charset="-122"/>
+              <a:ea typeface="微软雅黑" panose="020B0503020204020204" pitchFamily="34" charset="-122"/>
+            </a:endParaRPr>
           </a:p>
         </p:txBody>
       </p:sp>
@@ -18907,6 +19508,15 @@
               </a:rPr>
               <a:t>编辑</a:t>
             </a:r>
+            <a:endParaRPr lang="zh-CN" altLang="en-US" sz="1050" dirty="0">
+              <a:solidFill>
+                <a:schemeClr val="accent6">
+                  <a:lumMod val="75000"/>
+                </a:schemeClr>
+              </a:solidFill>
+              <a:latin typeface="微软雅黑" panose="020B0503020204020204" pitchFamily="34" charset="-122"/>
+              <a:ea typeface="微软雅黑" panose="020B0503020204020204" pitchFamily="34" charset="-122"/>
+            </a:endParaRPr>
           </a:p>
         </p:txBody>
       </p:sp>
@@ -18964,6 +19574,13 @@
               </a:rPr>
               <a:t>删除</a:t>
             </a:r>
+            <a:endParaRPr lang="zh-CN" altLang="en-US" sz="1050" dirty="0">
+              <a:solidFill>
+                <a:srgbClr val="FF0000"/>
+              </a:solidFill>
+              <a:latin typeface="微软雅黑" panose="020B0503020204020204" pitchFamily="34" charset="-122"/>
+              <a:ea typeface="微软雅黑" panose="020B0503020204020204" pitchFamily="34" charset="-122"/>
+            </a:endParaRPr>
           </a:p>
         </p:txBody>
       </p:sp>
@@ -19025,6 +19642,15 @@
               </a:rPr>
               <a:t>编辑</a:t>
             </a:r>
+            <a:endParaRPr lang="zh-CN" altLang="en-US" sz="1050" dirty="0">
+              <a:solidFill>
+                <a:schemeClr val="accent6">
+                  <a:lumMod val="75000"/>
+                </a:schemeClr>
+              </a:solidFill>
+              <a:latin typeface="微软雅黑" panose="020B0503020204020204" pitchFamily="34" charset="-122"/>
+              <a:ea typeface="微软雅黑" panose="020B0503020204020204" pitchFamily="34" charset="-122"/>
+            </a:endParaRPr>
           </a:p>
         </p:txBody>
       </p:sp>
@@ -19082,6 +19708,13 @@
               </a:rPr>
               <a:t>删除</a:t>
             </a:r>
+            <a:endParaRPr lang="zh-CN" altLang="en-US" sz="1050" dirty="0">
+              <a:solidFill>
+                <a:srgbClr val="FF0000"/>
+              </a:solidFill>
+              <a:latin typeface="微软雅黑" panose="020B0503020204020204" pitchFamily="34" charset="-122"/>
+              <a:ea typeface="微软雅黑" panose="020B0503020204020204" pitchFamily="34" charset="-122"/>
+            </a:endParaRPr>
           </a:p>
         </p:txBody>
       </p:sp>
@@ -19143,6 +19776,15 @@
               </a:rPr>
               <a:t>编辑</a:t>
             </a:r>
+            <a:endParaRPr lang="zh-CN" altLang="en-US" sz="1050" dirty="0">
+              <a:solidFill>
+                <a:schemeClr val="accent6">
+                  <a:lumMod val="75000"/>
+                </a:schemeClr>
+              </a:solidFill>
+              <a:latin typeface="微软雅黑" panose="020B0503020204020204" pitchFamily="34" charset="-122"/>
+              <a:ea typeface="微软雅黑" panose="020B0503020204020204" pitchFamily="34" charset="-122"/>
+            </a:endParaRPr>
           </a:p>
         </p:txBody>
       </p:sp>
@@ -19200,6 +19842,13 @@
               </a:rPr>
               <a:t>删除</a:t>
             </a:r>
+            <a:endParaRPr lang="zh-CN" altLang="en-US" sz="1050" dirty="0">
+              <a:solidFill>
+                <a:srgbClr val="FF0000"/>
+              </a:solidFill>
+              <a:latin typeface="微软雅黑" panose="020B0503020204020204" pitchFamily="34" charset="-122"/>
+              <a:ea typeface="微软雅黑" panose="020B0503020204020204" pitchFamily="34" charset="-122"/>
+            </a:endParaRPr>
           </a:p>
         </p:txBody>
       </p:sp>
@@ -19261,6 +19910,15 @@
               </a:rPr>
               <a:t>编辑</a:t>
             </a:r>
+            <a:endParaRPr lang="zh-CN" altLang="en-US" sz="1050" dirty="0">
+              <a:solidFill>
+                <a:schemeClr val="accent6">
+                  <a:lumMod val="75000"/>
+                </a:schemeClr>
+              </a:solidFill>
+              <a:latin typeface="微软雅黑" panose="020B0503020204020204" pitchFamily="34" charset="-122"/>
+              <a:ea typeface="微软雅黑" panose="020B0503020204020204" pitchFamily="34" charset="-122"/>
+            </a:endParaRPr>
           </a:p>
         </p:txBody>
       </p:sp>
@@ -19318,6 +19976,13 @@
               </a:rPr>
               <a:t>删除</a:t>
             </a:r>
+            <a:endParaRPr lang="zh-CN" altLang="en-US" sz="1050" dirty="0">
+              <a:solidFill>
+                <a:srgbClr val="FF0000"/>
+              </a:solidFill>
+              <a:latin typeface="微软雅黑" panose="020B0503020204020204" pitchFamily="34" charset="-122"/>
+              <a:ea typeface="微软雅黑" panose="020B0503020204020204" pitchFamily="34" charset="-122"/>
+            </a:endParaRPr>
           </a:p>
         </p:txBody>
       </p:sp>
@@ -19379,6 +20044,15 @@
               </a:rPr>
               <a:t>编辑</a:t>
             </a:r>
+            <a:endParaRPr lang="zh-CN" altLang="en-US" sz="1050" dirty="0">
+              <a:solidFill>
+                <a:schemeClr val="accent6">
+                  <a:lumMod val="75000"/>
+                </a:schemeClr>
+              </a:solidFill>
+              <a:latin typeface="微软雅黑" panose="020B0503020204020204" pitchFamily="34" charset="-122"/>
+              <a:ea typeface="微软雅黑" panose="020B0503020204020204" pitchFamily="34" charset="-122"/>
+            </a:endParaRPr>
           </a:p>
         </p:txBody>
       </p:sp>
@@ -19436,6 +20110,13 @@
               </a:rPr>
               <a:t>删除</a:t>
             </a:r>
+            <a:endParaRPr lang="zh-CN" altLang="en-US" sz="1050" dirty="0">
+              <a:solidFill>
+                <a:srgbClr val="FF0000"/>
+              </a:solidFill>
+              <a:latin typeface="微软雅黑" panose="020B0503020204020204" pitchFamily="34" charset="-122"/>
+              <a:ea typeface="微软雅黑" panose="020B0503020204020204" pitchFamily="34" charset="-122"/>
+            </a:endParaRPr>
           </a:p>
         </p:txBody>
       </p:sp>
@@ -19501,6 +20182,16 @@
               </a:rPr>
               <a:t>新 建</a:t>
             </a:r>
+            <a:endParaRPr lang="zh-CN" altLang="en-US" sz="1600" dirty="0">
+              <a:solidFill>
+                <a:schemeClr val="accent4">
+                  <a:lumMod val="60000"/>
+                  <a:lumOff val="40000"/>
+                </a:schemeClr>
+              </a:solidFill>
+              <a:latin typeface="微软雅黑" panose="020B0503020204020204" pitchFamily="34" charset="-122"/>
+              <a:ea typeface="微软雅黑" panose="020B0503020204020204" pitchFamily="34" charset="-122"/>
+            </a:endParaRPr>
           </a:p>
         </p:txBody>
       </p:sp>
@@ -19549,6 +20240,7 @@
               <a:rPr lang="zh-CN" altLang="en-US" dirty="0"/>
               <a:t>管理员可以对账号进行增删查改</a:t>
             </a:r>
+            <a:endParaRPr lang="zh-CN" altLang="en-US" dirty="0"/>
           </a:p>
         </p:txBody>
       </p:sp>
@@ -19773,6 +20465,15 @@
               </a:rPr>
               <a:t>枪 支 信 息 智 能 管 理 系 统</a:t>
             </a:r>
+            <a:endParaRPr lang="zh-CN" altLang="en-US" sz="2400" b="1" dirty="0">
+              <a:solidFill>
+                <a:schemeClr val="accent6">
+                  <a:lumMod val="75000"/>
+                </a:schemeClr>
+              </a:solidFill>
+              <a:latin typeface="微软雅黑" panose="020B0503020204020204" pitchFamily="34" charset="-122"/>
+              <a:ea typeface="微软雅黑" panose="020B0503020204020204" pitchFamily="34" charset="-122"/>
+            </a:endParaRPr>
           </a:p>
         </p:txBody>
       </p:sp>
@@ -19785,7 +20486,7 @@
           <p:nvPr/>
         </p:nvPicPr>
         <p:blipFill>
-          <a:blip r:embed="rId3" cstate="print">
+          <a:blip r:embed="rId2" cstate="print">
             <a:extLst>
               <a:ext uri="{28A0092B-C50C-407E-A947-70E740481C1C}">
                 <a14:useLocalDpi xmlns:a14="http://schemas.microsoft.com/office/drawing/2010/main" val="0"/>
@@ -19870,6 +20571,13 @@
                 </a:rPr>
                 <a:t>返回</a:t>
               </a:r>
+              <a:endParaRPr lang="zh-CN" altLang="en-US" sz="1400" b="1" dirty="0">
+                <a:solidFill>
+                  <a:srgbClr val="00B0F0"/>
+                </a:solidFill>
+                <a:latin typeface="微软雅黑" panose="020B0503020204020204" pitchFamily="34" charset="-122"/>
+                <a:ea typeface="微软雅黑" panose="020B0503020204020204" pitchFamily="34" charset="-122"/>
+              </a:endParaRPr>
             </a:p>
           </p:txBody>
         </p:sp>
@@ -19978,6 +20686,10 @@
               </a:rPr>
               <a:t>登录页面</a:t>
             </a:r>
+            <a:endParaRPr lang="zh-CN" altLang="en-US" b="1" dirty="0">
+              <a:latin typeface="微软雅黑" panose="020B0503020204020204" pitchFamily="34" charset="-122"/>
+              <a:ea typeface="微软雅黑" panose="020B0503020204020204" pitchFamily="34" charset="-122"/>
+            </a:endParaRPr>
           </a:p>
         </p:txBody>
       </p:sp>
@@ -20117,6 +20829,13 @@
               </a:rPr>
               <a:t>操作员</a:t>
             </a:r>
+            <a:endParaRPr lang="zh-CN" altLang="en-US" dirty="0">
+              <a:solidFill>
+                <a:schemeClr val="bg1"/>
+              </a:solidFill>
+              <a:latin typeface="微软雅黑" panose="020B0503020204020204" pitchFamily="34" charset="-122"/>
+              <a:ea typeface="微软雅黑" panose="020B0503020204020204" pitchFamily="34" charset="-122"/>
+            </a:endParaRPr>
           </a:p>
         </p:txBody>
       </p:sp>
@@ -20152,6 +20871,13 @@
               </a:rPr>
               <a:t>密 码</a:t>
             </a:r>
+            <a:endParaRPr lang="zh-CN" altLang="en-US" dirty="0">
+              <a:solidFill>
+                <a:schemeClr val="bg1"/>
+              </a:solidFill>
+              <a:latin typeface="微软雅黑" panose="020B0503020204020204" pitchFamily="34" charset="-122"/>
+              <a:ea typeface="微软雅黑" panose="020B0503020204020204" pitchFamily="34" charset="-122"/>
+            </a:endParaRPr>
           </a:p>
         </p:txBody>
       </p:sp>
@@ -20164,7 +20890,7 @@
           <p:nvPr/>
         </p:nvPicPr>
         <p:blipFill>
-          <a:blip r:embed="rId2" cstate="print">
+          <a:blip r:embed="rId1" cstate="print">
             <a:extLst>
               <a:ext uri="{28A0092B-C50C-407E-A947-70E740481C1C}">
                 <a14:useLocalDpi xmlns:a14="http://schemas.microsoft.com/office/drawing/2010/main" val="0"/>
@@ -20258,6 +20984,16 @@
               </a:rPr>
               <a:t>登 录</a:t>
             </a:r>
+            <a:endParaRPr lang="zh-CN" altLang="en-US" dirty="0">
+              <a:solidFill>
+                <a:schemeClr val="accent4">
+                  <a:lumMod val="60000"/>
+                  <a:lumOff val="40000"/>
+                </a:schemeClr>
+              </a:solidFill>
+              <a:latin typeface="微软雅黑" panose="020B0503020204020204" pitchFamily="34" charset="-122"/>
+              <a:ea typeface="微软雅黑" panose="020B0503020204020204" pitchFamily="34" charset="-122"/>
+            </a:endParaRPr>
           </a:p>
         </p:txBody>
       </p:sp>
@@ -20454,6 +21190,15 @@
               </a:rPr>
               <a:t>账号管理</a:t>
             </a:r>
+            <a:endParaRPr lang="zh-CN" altLang="en-US" dirty="0">
+              <a:solidFill>
+                <a:schemeClr val="accent6">
+                  <a:lumMod val="75000"/>
+                </a:schemeClr>
+              </a:solidFill>
+              <a:latin typeface="微软雅黑" panose="020B0503020204020204" pitchFamily="34" charset="-122"/>
+              <a:ea typeface="微软雅黑" panose="020B0503020204020204" pitchFamily="34" charset="-122"/>
+            </a:endParaRPr>
           </a:p>
         </p:txBody>
       </p:sp>
@@ -20517,6 +21262,13 @@
               </a:rPr>
               <a:t>编码检视</a:t>
             </a:r>
+            <a:endParaRPr lang="zh-CN" altLang="en-US" dirty="0">
+              <a:solidFill>
+                <a:schemeClr val="bg1"/>
+              </a:solidFill>
+              <a:latin typeface="微软雅黑" panose="020B0503020204020204" pitchFamily="34" charset="-122"/>
+              <a:ea typeface="微软雅黑" panose="020B0503020204020204" pitchFamily="34" charset="-122"/>
+            </a:endParaRPr>
           </a:p>
         </p:txBody>
       </p:sp>
@@ -20580,6 +21332,15 @@
               </a:rPr>
               <a:t>信息管理</a:t>
             </a:r>
+            <a:endParaRPr lang="zh-CN" altLang="en-US" dirty="0">
+              <a:solidFill>
+                <a:schemeClr val="accent6">
+                  <a:lumMod val="75000"/>
+                </a:schemeClr>
+              </a:solidFill>
+              <a:latin typeface="微软雅黑" panose="020B0503020204020204" pitchFamily="34" charset="-122"/>
+              <a:ea typeface="微软雅黑" panose="020B0503020204020204" pitchFamily="34" charset="-122"/>
+            </a:endParaRPr>
           </a:p>
         </p:txBody>
       </p:sp>
@@ -20615,6 +21376,13 @@
               </a:rPr>
               <a:t>监督员</a:t>
             </a:r>
+            <a:endParaRPr lang="zh-CN" altLang="en-US" dirty="0">
+              <a:solidFill>
+                <a:schemeClr val="bg1"/>
+              </a:solidFill>
+              <a:latin typeface="微软雅黑" panose="020B0503020204020204" pitchFamily="34" charset="-122"/>
+              <a:ea typeface="微软雅黑" panose="020B0503020204020204" pitchFamily="34" charset="-122"/>
+            </a:endParaRPr>
           </a:p>
         </p:txBody>
       </p:sp>
@@ -20650,6 +21418,13 @@
               </a:rPr>
               <a:t>密 码</a:t>
             </a:r>
+            <a:endParaRPr lang="zh-CN" altLang="en-US" dirty="0">
+              <a:solidFill>
+                <a:schemeClr val="bg1"/>
+              </a:solidFill>
+              <a:latin typeface="微软雅黑" panose="020B0503020204020204" pitchFamily="34" charset="-122"/>
+              <a:ea typeface="微软雅黑" panose="020B0503020204020204" pitchFamily="34" charset="-122"/>
+            </a:endParaRPr>
           </a:p>
         </p:txBody>
       </p:sp>
@@ -20793,6 +21568,7 @@
               <a:rPr lang="zh-CN" altLang="en-US" dirty="0"/>
               <a:t>需要操作员和监督员同时登录才能进入编码识别模块</a:t>
             </a:r>
+            <a:endParaRPr lang="zh-CN" altLang="en-US" dirty="0"/>
           </a:p>
         </p:txBody>
       </p:sp>
@@ -20830,6 +21606,15 @@
               </a:rPr>
               <a:t>枪 支 信 息 智 能 管 理 系 统</a:t>
             </a:r>
+            <a:endParaRPr lang="zh-CN" altLang="en-US" sz="2400" b="1" dirty="0">
+              <a:solidFill>
+                <a:schemeClr val="accent6">
+                  <a:lumMod val="75000"/>
+                </a:schemeClr>
+              </a:solidFill>
+              <a:latin typeface="微软雅黑" panose="020B0503020204020204" pitchFamily="34" charset="-122"/>
+              <a:ea typeface="微软雅黑" panose="020B0503020204020204" pitchFamily="34" charset="-122"/>
+            </a:endParaRPr>
           </a:p>
         </p:txBody>
       </p:sp>
@@ -20842,7 +21627,7 @@
           <p:nvPr/>
         </p:nvPicPr>
         <p:blipFill>
-          <a:blip r:embed="rId3" cstate="print">
+          <a:blip r:embed="rId2" cstate="print">
             <a:extLst>
               <a:ext uri="{28A0092B-C50C-407E-A947-70E740481C1C}">
                 <a14:useLocalDpi xmlns:a14="http://schemas.microsoft.com/office/drawing/2010/main" val="0"/>
@@ -20927,6 +21712,13 @@
                 </a:rPr>
                 <a:t>返回</a:t>
               </a:r>
+              <a:endParaRPr lang="zh-CN" altLang="en-US" sz="1400" b="1" dirty="0">
+                <a:solidFill>
+                  <a:srgbClr val="00B0F0"/>
+                </a:solidFill>
+                <a:latin typeface="微软雅黑" panose="020B0503020204020204" pitchFamily="34" charset="-122"/>
+                <a:ea typeface="微软雅黑" panose="020B0503020204020204" pitchFamily="34" charset="-122"/>
+              </a:endParaRPr>
             </a:p>
           </p:txBody>
         </p:sp>
@@ -21035,6 +21827,10 @@
               </a:rPr>
               <a:t>箱装入库管理页面</a:t>
             </a:r>
+            <a:endParaRPr lang="zh-CN" altLang="en-US" b="1" dirty="0">
+              <a:latin typeface="微软雅黑" panose="020B0503020204020204" pitchFamily="34" charset="-122"/>
+              <a:ea typeface="微软雅黑" panose="020B0503020204020204" pitchFamily="34" charset="-122"/>
+            </a:endParaRPr>
           </a:p>
         </p:txBody>
       </p:sp>
@@ -21187,6 +21983,15 @@
               </a:rPr>
               <a:t>账号管理</a:t>
             </a:r>
+            <a:endParaRPr lang="zh-CN" altLang="en-US" dirty="0">
+              <a:solidFill>
+                <a:schemeClr val="accent6">
+                  <a:lumMod val="75000"/>
+                </a:schemeClr>
+              </a:solidFill>
+              <a:latin typeface="微软雅黑" panose="020B0503020204020204" pitchFamily="34" charset="-122"/>
+              <a:ea typeface="微软雅黑" panose="020B0503020204020204" pitchFamily="34" charset="-122"/>
+            </a:endParaRPr>
           </a:p>
         </p:txBody>
       </p:sp>
@@ -21250,6 +22055,13 @@
               </a:rPr>
               <a:t>编码检视</a:t>
             </a:r>
+            <a:endParaRPr lang="zh-CN" altLang="en-US" dirty="0">
+              <a:solidFill>
+                <a:schemeClr val="bg1"/>
+              </a:solidFill>
+              <a:latin typeface="微软雅黑" panose="020B0503020204020204" pitchFamily="34" charset="-122"/>
+              <a:ea typeface="微软雅黑" panose="020B0503020204020204" pitchFamily="34" charset="-122"/>
+            </a:endParaRPr>
           </a:p>
         </p:txBody>
       </p:sp>
@@ -21313,6 +22125,15 @@
               </a:rPr>
               <a:t>信息管理</a:t>
             </a:r>
+            <a:endParaRPr lang="zh-CN" altLang="en-US" dirty="0">
+              <a:solidFill>
+                <a:schemeClr val="accent6">
+                  <a:lumMod val="75000"/>
+                </a:schemeClr>
+              </a:solidFill>
+              <a:latin typeface="微软雅黑" panose="020B0503020204020204" pitchFamily="34" charset="-122"/>
+              <a:ea typeface="微软雅黑" panose="020B0503020204020204" pitchFamily="34" charset="-122"/>
+            </a:endParaRPr>
           </a:p>
         </p:txBody>
       </p:sp>
@@ -21339,97 +22160,19 @@
                 <a:tableStyleId>{93296810-A885-4BE3-A3E7-6D5BEEA58F35}</a:tableStyleId>
               </a:tblPr>
               <a:tblGrid>
-                <a:gridCol w="369610">
-                  <a:extLst>
-                    <a:ext uri="{9D8B030D-6E8A-4147-A177-3AD203B41FA5}">
-                      <a16:colId xmlns:a16="http://schemas.microsoft.com/office/drawing/2014/main" val="20000"/>
-                    </a:ext>
-                  </a:extLst>
-                </a:gridCol>
-                <a:gridCol w="1192162">
-                  <a:extLst>
-                    <a:ext uri="{9D8B030D-6E8A-4147-A177-3AD203B41FA5}">
-                      <a16:colId xmlns:a16="http://schemas.microsoft.com/office/drawing/2014/main" val="20001"/>
-                    </a:ext>
-                  </a:extLst>
-                </a:gridCol>
-                <a:gridCol w="1101617">
-                  <a:extLst>
-                    <a:ext uri="{9D8B030D-6E8A-4147-A177-3AD203B41FA5}">
-                      <a16:colId xmlns:a16="http://schemas.microsoft.com/office/drawing/2014/main" val="20002"/>
-                    </a:ext>
-                  </a:extLst>
-                </a:gridCol>
-                <a:gridCol w="1304402">
-                  <a:extLst>
-                    <a:ext uri="{9D8B030D-6E8A-4147-A177-3AD203B41FA5}">
-                      <a16:colId xmlns:a16="http://schemas.microsoft.com/office/drawing/2014/main" val="20003"/>
-                    </a:ext>
-                  </a:extLst>
-                </a:gridCol>
-                <a:gridCol w="742950">
-                  <a:extLst>
-                    <a:ext uri="{9D8B030D-6E8A-4147-A177-3AD203B41FA5}">
-                      <a16:colId xmlns:a16="http://schemas.microsoft.com/office/drawing/2014/main" val="20004"/>
-                    </a:ext>
-                  </a:extLst>
-                </a:gridCol>
-                <a:gridCol w="820963">
-                  <a:extLst>
-                    <a:ext uri="{9D8B030D-6E8A-4147-A177-3AD203B41FA5}">
-                      <a16:colId xmlns:a16="http://schemas.microsoft.com/office/drawing/2014/main" val="20005"/>
-                    </a:ext>
-                  </a:extLst>
-                </a:gridCol>
-                <a:gridCol w="661655">
-                  <a:extLst>
-                    <a:ext uri="{9D8B030D-6E8A-4147-A177-3AD203B41FA5}">
-                      <a16:colId xmlns:a16="http://schemas.microsoft.com/office/drawing/2014/main" val="20006"/>
-                    </a:ext>
-                  </a:extLst>
-                </a:gridCol>
-                <a:gridCol w="670248">
-                  <a:extLst>
-                    <a:ext uri="{9D8B030D-6E8A-4147-A177-3AD203B41FA5}">
-                      <a16:colId xmlns:a16="http://schemas.microsoft.com/office/drawing/2014/main" val="20007"/>
-                    </a:ext>
-                  </a:extLst>
-                </a:gridCol>
-                <a:gridCol w="695033">
-                  <a:extLst>
-                    <a:ext uri="{9D8B030D-6E8A-4147-A177-3AD203B41FA5}">
-                      <a16:colId xmlns:a16="http://schemas.microsoft.com/office/drawing/2014/main" val="20008"/>
-                    </a:ext>
-                  </a:extLst>
-                </a:gridCol>
-                <a:gridCol w="712122">
-                  <a:extLst>
-                    <a:ext uri="{9D8B030D-6E8A-4147-A177-3AD203B41FA5}">
-                      <a16:colId xmlns:a16="http://schemas.microsoft.com/office/drawing/2014/main" val="20009"/>
-                    </a:ext>
-                  </a:extLst>
-                </a:gridCol>
-                <a:gridCol w="663740">
-                  <a:extLst>
-                    <a:ext uri="{9D8B030D-6E8A-4147-A177-3AD203B41FA5}">
-                      <a16:colId xmlns:a16="http://schemas.microsoft.com/office/drawing/2014/main" val="20010"/>
-                    </a:ext>
-                  </a:extLst>
-                </a:gridCol>
-                <a:gridCol w="565098">
-                  <a:extLst>
-                    <a:ext uri="{9D8B030D-6E8A-4147-A177-3AD203B41FA5}">
-                      <a16:colId xmlns:a16="http://schemas.microsoft.com/office/drawing/2014/main" val="20011"/>
-                    </a:ext>
-                  </a:extLst>
-                </a:gridCol>
-                <a:gridCol w="1015998">
-                  <a:extLst>
-                    <a:ext uri="{9D8B030D-6E8A-4147-A177-3AD203B41FA5}">
-                      <a16:colId xmlns:a16="http://schemas.microsoft.com/office/drawing/2014/main" val="20012"/>
-                    </a:ext>
-                  </a:extLst>
-                </a:gridCol>
+                <a:gridCol w="369610"/>
+                <a:gridCol w="1192162"/>
+                <a:gridCol w="1101617"/>
+                <a:gridCol w="1304402"/>
+                <a:gridCol w="742950"/>
+                <a:gridCol w="820963"/>
+                <a:gridCol w="661655"/>
+                <a:gridCol w="670248"/>
+                <a:gridCol w="695033"/>
+                <a:gridCol w="712122"/>
+                <a:gridCol w="663740"/>
+                <a:gridCol w="565098"/>
+                <a:gridCol w="1015998"/>
               </a:tblGrid>
               <a:tr h="457780">
                 <a:tc>
@@ -21445,6 +22188,10 @@
                         </a:rPr>
                         <a:t>序号</a:t>
                       </a:r>
+                      <a:endParaRPr lang="zh-CN" altLang="en-US" sz="900" b="1" dirty="0">
+                        <a:latin typeface="微软雅黑" panose="020B0503020204020204" pitchFamily="34" charset="-122"/>
+                        <a:ea typeface="微软雅黑" panose="020B0503020204020204" pitchFamily="34" charset="-122"/>
+                      </a:endParaRPr>
                     </a:p>
                   </a:txBody>
                   <a:tcPr anchor="ctr"/>
@@ -21462,6 +22209,10 @@
                         </a:rPr>
                         <a:t>退役报废文件号</a:t>
                       </a:r>
+                      <a:endParaRPr lang="zh-CN" altLang="en-US" sz="900" b="1" dirty="0">
+                        <a:latin typeface="微软雅黑" panose="020B0503020204020204" pitchFamily="34" charset="-122"/>
+                        <a:ea typeface="微软雅黑" panose="020B0503020204020204" pitchFamily="34" charset="-122"/>
+                      </a:endParaRPr>
                     </a:p>
                   </a:txBody>
                   <a:tcPr anchor="ctr"/>
@@ -21479,6 +22230,10 @@
                         </a:rPr>
                         <a:t>退役报废装备处理调拨凭证号</a:t>
                       </a:r>
+                      <a:endParaRPr lang="zh-CN" altLang="en-US" sz="900" b="1" dirty="0">
+                        <a:latin typeface="微软雅黑" panose="020B0503020204020204" pitchFamily="34" charset="-122"/>
+                        <a:ea typeface="微软雅黑" panose="020B0503020204020204" pitchFamily="34" charset="-122"/>
+                      </a:endParaRPr>
                     </a:p>
                   </a:txBody>
                   <a:tcPr anchor="ctr"/>
@@ -21496,6 +22251,10 @@
                         </a:rPr>
                         <a:t>装箱单号</a:t>
                       </a:r>
+                      <a:endParaRPr lang="zh-CN" altLang="en-US" sz="900" b="1" dirty="0">
+                        <a:latin typeface="微软雅黑" panose="020B0503020204020204" pitchFamily="34" charset="-122"/>
+                        <a:ea typeface="微软雅黑" panose="020B0503020204020204" pitchFamily="34" charset="-122"/>
+                      </a:endParaRPr>
                     </a:p>
                   </a:txBody>
                   <a:tcPr anchor="ctr"/>
@@ -21513,6 +22272,10 @@
                         </a:rPr>
                         <a:t>装备代码</a:t>
                       </a:r>
+                      <a:endParaRPr lang="zh-CN" altLang="en-US" sz="900" b="1" dirty="0">
+                        <a:latin typeface="微软雅黑" panose="020B0503020204020204" pitchFamily="34" charset="-122"/>
+                        <a:ea typeface="微软雅黑" panose="020B0503020204020204" pitchFamily="34" charset="-122"/>
+                      </a:endParaRPr>
                     </a:p>
                   </a:txBody>
                   <a:tcPr anchor="ctr"/>
@@ -21530,6 +22293,10 @@
                         </a:rPr>
                         <a:t>装备（部件）名称</a:t>
                       </a:r>
+                      <a:endParaRPr lang="zh-CN" altLang="en-US" sz="900" b="1" dirty="0">
+                        <a:latin typeface="微软雅黑" panose="020B0503020204020204" pitchFamily="34" charset="-122"/>
+                        <a:ea typeface="微软雅黑" panose="020B0503020204020204" pitchFamily="34" charset="-122"/>
+                      </a:endParaRPr>
                     </a:p>
                   </a:txBody>
                   <a:tcPr anchor="ctr"/>
@@ -21547,6 +22314,10 @@
                         </a:rPr>
                         <a:t>隶属单位</a:t>
                       </a:r>
+                      <a:endParaRPr lang="zh-CN" altLang="en-US" sz="900" b="1" dirty="0">
+                        <a:latin typeface="微软雅黑" panose="020B0503020204020204" pitchFamily="34" charset="-122"/>
+                        <a:ea typeface="微软雅黑" panose="020B0503020204020204" pitchFamily="34" charset="-122"/>
+                      </a:endParaRPr>
                     </a:p>
                   </a:txBody>
                   <a:tcPr anchor="ctr"/>
@@ -21564,6 +22335,10 @@
                         </a:rPr>
                         <a:t>管理单位</a:t>
                       </a:r>
+                      <a:endParaRPr lang="zh-CN" altLang="en-US" sz="900" b="1" dirty="0">
+                        <a:latin typeface="微软雅黑" panose="020B0503020204020204" pitchFamily="34" charset="-122"/>
+                        <a:ea typeface="微软雅黑" panose="020B0503020204020204" pitchFamily="34" charset="-122"/>
+                      </a:endParaRPr>
                     </a:p>
                   </a:txBody>
                   <a:tcPr anchor="ctr"/>
@@ -21581,6 +22356,10 @@
                         </a:rPr>
                         <a:t>出厂时间</a:t>
                       </a:r>
+                      <a:endParaRPr lang="zh-CN" altLang="en-US" sz="900" b="1" dirty="0">
+                        <a:latin typeface="微软雅黑" panose="020B0503020204020204" pitchFamily="34" charset="-122"/>
+                        <a:ea typeface="微软雅黑" panose="020B0503020204020204" pitchFamily="34" charset="-122"/>
+                      </a:endParaRPr>
                     </a:p>
                   </a:txBody>
                   <a:tcPr anchor="ctr"/>
@@ -21598,6 +22377,10 @@
                         </a:rPr>
                         <a:t>装备时间</a:t>
                       </a:r>
+                      <a:endParaRPr lang="zh-CN" altLang="en-US" sz="900" b="1" dirty="0">
+                        <a:latin typeface="微软雅黑" panose="020B0503020204020204" pitchFamily="34" charset="-122"/>
+                        <a:ea typeface="微软雅黑" panose="020B0503020204020204" pitchFamily="34" charset="-122"/>
+                      </a:endParaRPr>
                     </a:p>
                   </a:txBody>
                   <a:tcPr anchor="ctr"/>
@@ -21615,6 +22398,10 @@
                         </a:rPr>
                         <a:t>装箱数量</a:t>
                       </a:r>
+                      <a:endParaRPr lang="zh-CN" altLang="en-US" sz="900" b="1" dirty="0">
+                        <a:latin typeface="微软雅黑" panose="020B0503020204020204" pitchFamily="34" charset="-122"/>
+                        <a:ea typeface="微软雅黑" panose="020B0503020204020204" pitchFamily="34" charset="-122"/>
+                      </a:endParaRPr>
                     </a:p>
                   </a:txBody>
                   <a:tcPr anchor="ctr"/>
@@ -21632,6 +22419,10 @@
                         </a:rPr>
                         <a:t>已检视</a:t>
                       </a:r>
+                      <a:endParaRPr lang="zh-CN" altLang="en-US" sz="900" b="1" dirty="0">
+                        <a:latin typeface="微软雅黑" panose="020B0503020204020204" pitchFamily="34" charset="-122"/>
+                        <a:ea typeface="微软雅黑" panose="020B0503020204020204" pitchFamily="34" charset="-122"/>
+                      </a:endParaRPr>
                     </a:p>
                   </a:txBody>
                   <a:tcPr anchor="ctr"/>
@@ -21649,15 +22440,14 @@
                         </a:rPr>
                         <a:t>操作</a:t>
                       </a:r>
-                    </a:p>
-                  </a:txBody>
-                  <a:tcPr anchor="ctr"/>
-                </a:tc>
-                <a:extLst>
-                  <a:ext uri="{0D108BD9-81ED-4DB2-BD59-A6C34878D82A}">
-                    <a16:rowId xmlns:a16="http://schemas.microsoft.com/office/drawing/2014/main" val="10000"/>
-                  </a:ext>
-                </a:extLst>
+                      <a:endParaRPr lang="zh-CN" altLang="en-US" sz="900" b="1" dirty="0">
+                        <a:latin typeface="微软雅黑" panose="020B0503020204020204" pitchFamily="34" charset="-122"/>
+                        <a:ea typeface="微软雅黑" panose="020B0503020204020204" pitchFamily="34" charset="-122"/>
+                      </a:endParaRPr>
+                    </a:p>
+                  </a:txBody>
+                  <a:tcPr anchor="ctr"/>
+                </a:tc>
               </a:tr>
               <a:tr h="336179">
                 <a:tc>
@@ -21719,6 +22509,14 @@
                         </a:rPr>
                         <a:t>E3R3FDFDFDF</a:t>
                       </a:r>
+                      <a:endParaRPr lang="en-US" altLang="zh-CN" sz="800" u="sng" kern="1200" dirty="0">
+                        <a:solidFill>
+                          <a:srgbClr val="00B0F0"/>
+                        </a:solidFill>
+                        <a:latin typeface="微软雅黑" panose="020B0503020204020204" pitchFamily="34" charset="-122"/>
+                        <a:ea typeface="微软雅黑" panose="020B0503020204020204" pitchFamily="34" charset="-122"/>
+                        <a:cs typeface="+mn-cs"/>
+                      </a:endParaRPr>
                     </a:p>
                   </a:txBody>
                   <a:tcPr anchor="ctr"/>
@@ -21769,6 +22567,14 @@
                         </a:rPr>
                         <a:t> </a:t>
                       </a:r>
+                      <a:endParaRPr lang="en-US" altLang="zh-CN" sz="800" kern="1200" dirty="0">
+                        <a:solidFill>
+                          <a:schemeClr val="dk1"/>
+                        </a:solidFill>
+                        <a:latin typeface="微软雅黑" panose="020B0503020204020204" pitchFamily="34" charset="-122"/>
+                        <a:ea typeface="微软雅黑" panose="020B0503020204020204" pitchFamily="34" charset="-122"/>
+                        <a:cs typeface="+mn-cs"/>
+                      </a:endParaRPr>
                     </a:p>
                   </a:txBody>
                   <a:tcPr anchor="ctr"/>
@@ -21801,16 +22607,6 @@
                         </a:rPr>
                         <a:t>式手枪</a:t>
                       </a:r>
-                    </a:p>
-                  </a:txBody>
-                  <a:tcPr anchor="ctr"/>
-                </a:tc>
-                <a:tc>
-                  <a:txBody>
-                    <a:bodyPr/>
-                    <a:lstStyle/>
-                    <a:p>
-                      <a:pPr algn="ctr"/>
                       <a:endParaRPr lang="zh-CN" altLang="en-US" sz="800" kern="1200" dirty="0">
                         <a:solidFill>
                           <a:schemeClr val="dk1"/>
@@ -21883,6 +22679,24 @@
                     <a:lstStyle/>
                     <a:p>
                       <a:pPr algn="ctr"/>
+                      <a:endParaRPr lang="zh-CN" altLang="en-US" sz="800" kern="1200" dirty="0">
+                        <a:solidFill>
+                          <a:schemeClr val="dk1"/>
+                        </a:solidFill>
+                        <a:latin typeface="微软雅黑" panose="020B0503020204020204" pitchFamily="34" charset="-122"/>
+                        <a:ea typeface="微软雅黑" panose="020B0503020204020204" pitchFamily="34" charset="-122"/>
+                        <a:cs typeface="+mn-cs"/>
+                      </a:endParaRPr>
+                    </a:p>
+                  </a:txBody>
+                  <a:tcPr anchor="ctr"/>
+                </a:tc>
+                <a:tc>
+                  <a:txBody>
+                    <a:bodyPr/>
+                    <a:lstStyle/>
+                    <a:p>
+                      <a:pPr algn="ctr"/>
                       <a:r>
                         <a:rPr lang="en-US" altLang="zh-CN" sz="800" kern="1200" dirty="0">
                           <a:solidFill>
@@ -21949,11 +22763,6 @@
                   </a:txBody>
                   <a:tcPr anchor="ctr"/>
                 </a:tc>
-                <a:extLst>
-                  <a:ext uri="{0D108BD9-81ED-4DB2-BD59-A6C34878D82A}">
-                    <a16:rowId xmlns:a16="http://schemas.microsoft.com/office/drawing/2014/main" val="10001"/>
-                  </a:ext>
-                </a:extLst>
               </a:tr>
               <a:tr h="347134">
                 <a:tc>
@@ -22121,6 +22930,14 @@
                         </a:rPr>
                         <a:t>式手枪</a:t>
                       </a:r>
+                      <a:endParaRPr lang="zh-CN" altLang="en-US" sz="800" kern="1200" dirty="0">
+                        <a:solidFill>
+                          <a:schemeClr val="dk1"/>
+                        </a:solidFill>
+                        <a:latin typeface="微软雅黑" panose="020B0503020204020204" pitchFamily="34" charset="-122"/>
+                        <a:ea typeface="微软雅黑" panose="020B0503020204020204" pitchFamily="34" charset="-122"/>
+                        <a:cs typeface="+mn-cs"/>
+                      </a:endParaRPr>
                     </a:p>
                   </a:txBody>
                   <a:tcPr anchor="ctr"/>
@@ -22379,11 +23196,6 @@
                   </a:txBody>
                   <a:tcPr anchor="ctr"/>
                 </a:tc>
-                <a:extLst>
-                  <a:ext uri="{0D108BD9-81ED-4DB2-BD59-A6C34878D82A}">
-                    <a16:rowId xmlns:a16="http://schemas.microsoft.com/office/drawing/2014/main" val="10002"/>
-                  </a:ext>
-                </a:extLst>
               </a:tr>
               <a:tr h="389466">
                 <a:tc>
@@ -22521,16 +23333,6 @@
                         </a:rPr>
                         <a:t>式手枪</a:t>
                       </a:r>
-                    </a:p>
-                  </a:txBody>
-                  <a:tcPr anchor="ctr"/>
-                </a:tc>
-                <a:tc>
-                  <a:txBody>
-                    <a:bodyPr/>
-                    <a:lstStyle/>
-                    <a:p>
-                      <a:pPr algn="ctr"/>
                       <a:endParaRPr lang="zh-CN" altLang="en-US" sz="800" kern="1200" dirty="0">
                         <a:solidFill>
                           <a:schemeClr val="dk1"/>
@@ -22603,6 +23405,24 @@
                     <a:lstStyle/>
                     <a:p>
                       <a:pPr algn="ctr"/>
+                      <a:endParaRPr lang="zh-CN" altLang="en-US" sz="800" kern="1200" dirty="0">
+                        <a:solidFill>
+                          <a:schemeClr val="dk1"/>
+                        </a:solidFill>
+                        <a:latin typeface="微软雅黑" panose="020B0503020204020204" pitchFamily="34" charset="-122"/>
+                        <a:ea typeface="微软雅黑" panose="020B0503020204020204" pitchFamily="34" charset="-122"/>
+                        <a:cs typeface="+mn-cs"/>
+                      </a:endParaRPr>
+                    </a:p>
+                  </a:txBody>
+                  <a:tcPr anchor="ctr"/>
+                </a:tc>
+                <a:tc>
+                  <a:txBody>
+                    <a:bodyPr/>
+                    <a:lstStyle/>
+                    <a:p>
+                      <a:pPr algn="ctr"/>
                       <a:r>
                         <a:rPr lang="en-US" altLang="zh-CN" sz="800" kern="1200" dirty="0">
                           <a:solidFill>
@@ -22669,11 +23489,6 @@
                   </a:txBody>
                   <a:tcPr anchor="ctr"/>
                 </a:tc>
-                <a:extLst>
-                  <a:ext uri="{0D108BD9-81ED-4DB2-BD59-A6C34878D82A}">
-                    <a16:rowId xmlns:a16="http://schemas.microsoft.com/office/drawing/2014/main" val="10003"/>
-                  </a:ext>
-                </a:extLst>
               </a:tr>
               <a:tr h="372534">
                 <a:tc>
@@ -22811,16 +23626,6 @@
                         </a:rPr>
                         <a:t>式手枪</a:t>
                       </a:r>
-                    </a:p>
-                  </a:txBody>
-                  <a:tcPr anchor="ctr"/>
-                </a:tc>
-                <a:tc>
-                  <a:txBody>
-                    <a:bodyPr/>
-                    <a:lstStyle/>
-                    <a:p>
-                      <a:pPr algn="ctr"/>
                       <a:endParaRPr lang="zh-CN" altLang="en-US" sz="800" kern="1200" dirty="0">
                         <a:solidFill>
                           <a:schemeClr val="dk1"/>
@@ -22893,6 +23698,24 @@
                     <a:lstStyle/>
                     <a:p>
                       <a:pPr algn="ctr"/>
+                      <a:endParaRPr lang="zh-CN" altLang="en-US" sz="800" kern="1200" dirty="0">
+                        <a:solidFill>
+                          <a:schemeClr val="dk1"/>
+                        </a:solidFill>
+                        <a:latin typeface="微软雅黑" panose="020B0503020204020204" pitchFamily="34" charset="-122"/>
+                        <a:ea typeface="微软雅黑" panose="020B0503020204020204" pitchFamily="34" charset="-122"/>
+                        <a:cs typeface="+mn-cs"/>
+                      </a:endParaRPr>
+                    </a:p>
+                  </a:txBody>
+                  <a:tcPr anchor="ctr"/>
+                </a:tc>
+                <a:tc>
+                  <a:txBody>
+                    <a:bodyPr/>
+                    <a:lstStyle/>
+                    <a:p>
+                      <a:pPr algn="ctr"/>
                       <a:r>
                         <a:rPr lang="en-US" altLang="zh-CN" sz="800" kern="1200" dirty="0">
                           <a:solidFill>
@@ -22959,11 +23782,6 @@
                   </a:txBody>
                   <a:tcPr anchor="ctr"/>
                 </a:tc>
-                <a:extLst>
-                  <a:ext uri="{0D108BD9-81ED-4DB2-BD59-A6C34878D82A}">
-                    <a16:rowId xmlns:a16="http://schemas.microsoft.com/office/drawing/2014/main" val="10004"/>
-                  </a:ext>
-                </a:extLst>
               </a:tr>
               <a:tr h="389466">
                 <a:tc>
@@ -23101,16 +23919,6 @@
                         </a:rPr>
                         <a:t>式手枪</a:t>
                       </a:r>
-                    </a:p>
-                  </a:txBody>
-                  <a:tcPr anchor="ctr"/>
-                </a:tc>
-                <a:tc>
-                  <a:txBody>
-                    <a:bodyPr/>
-                    <a:lstStyle/>
-                    <a:p>
-                      <a:pPr algn="ctr"/>
                       <a:endParaRPr lang="zh-CN" altLang="en-US" sz="800" kern="1200" dirty="0">
                         <a:solidFill>
                           <a:schemeClr val="dk1"/>
@@ -23183,6 +23991,24 @@
                     <a:lstStyle/>
                     <a:p>
                       <a:pPr algn="ctr"/>
+                      <a:endParaRPr lang="zh-CN" altLang="en-US" sz="800" kern="1200" dirty="0">
+                        <a:solidFill>
+                          <a:schemeClr val="dk1"/>
+                        </a:solidFill>
+                        <a:latin typeface="微软雅黑" panose="020B0503020204020204" pitchFamily="34" charset="-122"/>
+                        <a:ea typeface="微软雅黑" panose="020B0503020204020204" pitchFamily="34" charset="-122"/>
+                        <a:cs typeface="+mn-cs"/>
+                      </a:endParaRPr>
+                    </a:p>
+                  </a:txBody>
+                  <a:tcPr anchor="ctr"/>
+                </a:tc>
+                <a:tc>
+                  <a:txBody>
+                    <a:bodyPr/>
+                    <a:lstStyle/>
+                    <a:p>
+                      <a:pPr algn="ctr"/>
                       <a:r>
                         <a:rPr lang="en-US" altLang="zh-CN" sz="800" kern="1200" dirty="0">
                           <a:solidFill>
@@ -23249,11 +24075,6 @@
                   </a:txBody>
                   <a:tcPr anchor="ctr"/>
                 </a:tc>
-                <a:extLst>
-                  <a:ext uri="{0D108BD9-81ED-4DB2-BD59-A6C34878D82A}">
-                    <a16:rowId xmlns:a16="http://schemas.microsoft.com/office/drawing/2014/main" val="10005"/>
-                  </a:ext>
-                </a:extLst>
               </a:tr>
               <a:tr h="350213">
                 <a:tc>
@@ -23391,16 +24212,6 @@
                         </a:rPr>
                         <a:t>式手枪</a:t>
                       </a:r>
-                    </a:p>
-                  </a:txBody>
-                  <a:tcPr anchor="ctr"/>
-                </a:tc>
-                <a:tc>
-                  <a:txBody>
-                    <a:bodyPr/>
-                    <a:lstStyle/>
-                    <a:p>
-                      <a:pPr algn="ctr"/>
                       <a:endParaRPr lang="zh-CN" altLang="en-US" sz="800" kern="1200" dirty="0">
                         <a:solidFill>
                           <a:schemeClr val="dk1"/>
@@ -23473,6 +24284,24 @@
                     <a:lstStyle/>
                     <a:p>
                       <a:pPr algn="ctr"/>
+                      <a:endParaRPr lang="zh-CN" altLang="en-US" sz="800" kern="1200" dirty="0">
+                        <a:solidFill>
+                          <a:schemeClr val="dk1"/>
+                        </a:solidFill>
+                        <a:latin typeface="微软雅黑" panose="020B0503020204020204" pitchFamily="34" charset="-122"/>
+                        <a:ea typeface="微软雅黑" panose="020B0503020204020204" pitchFamily="34" charset="-122"/>
+                        <a:cs typeface="+mn-cs"/>
+                      </a:endParaRPr>
+                    </a:p>
+                  </a:txBody>
+                  <a:tcPr anchor="ctr"/>
+                </a:tc>
+                <a:tc>
+                  <a:txBody>
+                    <a:bodyPr/>
+                    <a:lstStyle/>
+                    <a:p>
+                      <a:pPr algn="ctr"/>
                       <a:r>
                         <a:rPr lang="en-US" altLang="zh-CN" sz="800" kern="1200" dirty="0">
                           <a:solidFill>
@@ -23539,11 +24368,6 @@
                   </a:txBody>
                   <a:tcPr anchor="ctr"/>
                 </a:tc>
-                <a:extLst>
-                  <a:ext uri="{0D108BD9-81ED-4DB2-BD59-A6C34878D82A}">
-                    <a16:rowId xmlns:a16="http://schemas.microsoft.com/office/drawing/2014/main" val="10006"/>
-                  </a:ext>
-                </a:extLst>
               </a:tr>
               <a:tr h="381000">
                 <a:tc>
@@ -23711,6 +24535,14 @@
                         </a:rPr>
                         <a:t>式手枪</a:t>
                       </a:r>
+                      <a:endParaRPr lang="zh-CN" altLang="en-US" sz="800" kern="1200" dirty="0">
+                        <a:solidFill>
+                          <a:schemeClr val="dk1"/>
+                        </a:solidFill>
+                        <a:latin typeface="微软雅黑" panose="020B0503020204020204" pitchFamily="34" charset="-122"/>
+                        <a:ea typeface="微软雅黑" panose="020B0503020204020204" pitchFamily="34" charset="-122"/>
+                        <a:cs typeface="+mn-cs"/>
+                      </a:endParaRPr>
                     </a:p>
                   </a:txBody>
                   <a:tcPr anchor="ctr"/>
@@ -23969,11 +24801,6 @@
                   </a:txBody>
                   <a:tcPr anchor="ctr"/>
                 </a:tc>
-                <a:extLst>
-                  <a:ext uri="{0D108BD9-81ED-4DB2-BD59-A6C34878D82A}">
-                    <a16:rowId xmlns:a16="http://schemas.microsoft.com/office/drawing/2014/main" val="10007"/>
-                  </a:ext>
-                </a:extLst>
               </a:tr>
             </a:tbl>
           </a:graphicData>
@@ -24037,6 +24864,15 @@
               </a:rPr>
               <a:t>编辑</a:t>
             </a:r>
+            <a:endParaRPr lang="zh-CN" altLang="en-US" sz="900" dirty="0">
+              <a:solidFill>
+                <a:schemeClr val="accent6">
+                  <a:lumMod val="75000"/>
+                </a:schemeClr>
+              </a:solidFill>
+              <a:latin typeface="微软雅黑" panose="020B0503020204020204" pitchFamily="34" charset="-122"/>
+              <a:ea typeface="微软雅黑" panose="020B0503020204020204" pitchFamily="34" charset="-122"/>
+            </a:endParaRPr>
           </a:p>
         </p:txBody>
       </p:sp>
@@ -24094,6 +24930,13 @@
               </a:rPr>
               <a:t>删除</a:t>
             </a:r>
+            <a:endParaRPr lang="zh-CN" altLang="en-US" sz="900" dirty="0">
+              <a:solidFill>
+                <a:srgbClr val="FF0000"/>
+              </a:solidFill>
+              <a:latin typeface="微软雅黑" panose="020B0503020204020204" pitchFamily="34" charset="-122"/>
+              <a:ea typeface="微软雅黑" panose="020B0503020204020204" pitchFamily="34" charset="-122"/>
+            </a:endParaRPr>
           </a:p>
         </p:txBody>
       </p:sp>
@@ -24155,6 +24998,15 @@
               </a:rPr>
               <a:t>编辑</a:t>
             </a:r>
+            <a:endParaRPr lang="zh-CN" altLang="en-US" sz="900" dirty="0">
+              <a:solidFill>
+                <a:schemeClr val="accent6">
+                  <a:lumMod val="75000"/>
+                </a:schemeClr>
+              </a:solidFill>
+              <a:latin typeface="微软雅黑" panose="020B0503020204020204" pitchFamily="34" charset="-122"/>
+              <a:ea typeface="微软雅黑" panose="020B0503020204020204" pitchFamily="34" charset="-122"/>
+            </a:endParaRPr>
           </a:p>
         </p:txBody>
       </p:sp>
@@ -24212,6 +25064,13 @@
               </a:rPr>
               <a:t>删除</a:t>
             </a:r>
+            <a:endParaRPr lang="zh-CN" altLang="en-US" sz="900" dirty="0">
+              <a:solidFill>
+                <a:srgbClr val="FF0000"/>
+              </a:solidFill>
+              <a:latin typeface="微软雅黑" panose="020B0503020204020204" pitchFamily="34" charset="-122"/>
+              <a:ea typeface="微软雅黑" panose="020B0503020204020204" pitchFamily="34" charset="-122"/>
+            </a:endParaRPr>
           </a:p>
         </p:txBody>
       </p:sp>
@@ -24273,6 +25132,15 @@
               </a:rPr>
               <a:t>编辑</a:t>
             </a:r>
+            <a:endParaRPr lang="zh-CN" altLang="en-US" sz="900" dirty="0">
+              <a:solidFill>
+                <a:schemeClr val="accent6">
+                  <a:lumMod val="75000"/>
+                </a:schemeClr>
+              </a:solidFill>
+              <a:latin typeface="微软雅黑" panose="020B0503020204020204" pitchFamily="34" charset="-122"/>
+              <a:ea typeface="微软雅黑" panose="020B0503020204020204" pitchFamily="34" charset="-122"/>
+            </a:endParaRPr>
           </a:p>
         </p:txBody>
       </p:sp>
@@ -24330,6 +25198,13 @@
               </a:rPr>
               <a:t>删除</a:t>
             </a:r>
+            <a:endParaRPr lang="zh-CN" altLang="en-US" sz="900" dirty="0">
+              <a:solidFill>
+                <a:srgbClr val="FF0000"/>
+              </a:solidFill>
+              <a:latin typeface="微软雅黑" panose="020B0503020204020204" pitchFamily="34" charset="-122"/>
+              <a:ea typeface="微软雅黑" panose="020B0503020204020204" pitchFamily="34" charset="-122"/>
+            </a:endParaRPr>
           </a:p>
         </p:txBody>
       </p:sp>
@@ -24391,6 +25266,15 @@
               </a:rPr>
               <a:t>编辑</a:t>
             </a:r>
+            <a:endParaRPr lang="zh-CN" altLang="en-US" sz="900" dirty="0">
+              <a:solidFill>
+                <a:schemeClr val="accent6">
+                  <a:lumMod val="75000"/>
+                </a:schemeClr>
+              </a:solidFill>
+              <a:latin typeface="微软雅黑" panose="020B0503020204020204" pitchFamily="34" charset="-122"/>
+              <a:ea typeface="微软雅黑" panose="020B0503020204020204" pitchFamily="34" charset="-122"/>
+            </a:endParaRPr>
           </a:p>
         </p:txBody>
       </p:sp>
@@ -24448,6 +25332,13 @@
               </a:rPr>
               <a:t>删除</a:t>
             </a:r>
+            <a:endParaRPr lang="zh-CN" altLang="en-US" sz="900" dirty="0">
+              <a:solidFill>
+                <a:srgbClr val="FF0000"/>
+              </a:solidFill>
+              <a:latin typeface="微软雅黑" panose="020B0503020204020204" pitchFamily="34" charset="-122"/>
+              <a:ea typeface="微软雅黑" panose="020B0503020204020204" pitchFamily="34" charset="-122"/>
+            </a:endParaRPr>
           </a:p>
         </p:txBody>
       </p:sp>
@@ -24509,6 +25400,15 @@
               </a:rPr>
               <a:t>编辑</a:t>
             </a:r>
+            <a:endParaRPr lang="zh-CN" altLang="en-US" sz="900" dirty="0">
+              <a:solidFill>
+                <a:schemeClr val="accent6">
+                  <a:lumMod val="75000"/>
+                </a:schemeClr>
+              </a:solidFill>
+              <a:latin typeface="微软雅黑" panose="020B0503020204020204" pitchFamily="34" charset="-122"/>
+              <a:ea typeface="微软雅黑" panose="020B0503020204020204" pitchFamily="34" charset="-122"/>
+            </a:endParaRPr>
           </a:p>
         </p:txBody>
       </p:sp>
@@ -24566,6 +25466,13 @@
               </a:rPr>
               <a:t>删除</a:t>
             </a:r>
+            <a:endParaRPr lang="zh-CN" altLang="en-US" sz="900" dirty="0">
+              <a:solidFill>
+                <a:srgbClr val="FF0000"/>
+              </a:solidFill>
+              <a:latin typeface="微软雅黑" panose="020B0503020204020204" pitchFamily="34" charset="-122"/>
+              <a:ea typeface="微软雅黑" panose="020B0503020204020204" pitchFamily="34" charset="-122"/>
+            </a:endParaRPr>
           </a:p>
         </p:txBody>
       </p:sp>
@@ -24627,6 +25534,15 @@
               </a:rPr>
               <a:t>编辑</a:t>
             </a:r>
+            <a:endParaRPr lang="zh-CN" altLang="en-US" sz="900" dirty="0">
+              <a:solidFill>
+                <a:schemeClr val="accent6">
+                  <a:lumMod val="75000"/>
+                </a:schemeClr>
+              </a:solidFill>
+              <a:latin typeface="微软雅黑" panose="020B0503020204020204" pitchFamily="34" charset="-122"/>
+              <a:ea typeface="微软雅黑" panose="020B0503020204020204" pitchFamily="34" charset="-122"/>
+            </a:endParaRPr>
           </a:p>
         </p:txBody>
       </p:sp>
@@ -24684,6 +25600,13 @@
               </a:rPr>
               <a:t>删除</a:t>
             </a:r>
+            <a:endParaRPr lang="zh-CN" altLang="en-US" sz="900" dirty="0">
+              <a:solidFill>
+                <a:srgbClr val="FF0000"/>
+              </a:solidFill>
+              <a:latin typeface="微软雅黑" panose="020B0503020204020204" pitchFamily="34" charset="-122"/>
+              <a:ea typeface="微软雅黑" panose="020B0503020204020204" pitchFamily="34" charset="-122"/>
+            </a:endParaRPr>
           </a:p>
         </p:txBody>
       </p:sp>
@@ -24745,6 +25668,15 @@
               </a:rPr>
               <a:t>编辑</a:t>
             </a:r>
+            <a:endParaRPr lang="zh-CN" altLang="en-US" sz="900" dirty="0">
+              <a:solidFill>
+                <a:schemeClr val="accent6">
+                  <a:lumMod val="75000"/>
+                </a:schemeClr>
+              </a:solidFill>
+              <a:latin typeface="微软雅黑" panose="020B0503020204020204" pitchFamily="34" charset="-122"/>
+              <a:ea typeface="微软雅黑" panose="020B0503020204020204" pitchFamily="34" charset="-122"/>
+            </a:endParaRPr>
           </a:p>
         </p:txBody>
       </p:sp>
@@ -24802,6 +25734,13 @@
               </a:rPr>
               <a:t>删除</a:t>
             </a:r>
+            <a:endParaRPr lang="zh-CN" altLang="en-US" sz="900" dirty="0">
+              <a:solidFill>
+                <a:srgbClr val="FF0000"/>
+              </a:solidFill>
+              <a:latin typeface="微软雅黑" panose="020B0503020204020204" pitchFamily="34" charset="-122"/>
+              <a:ea typeface="微软雅黑" panose="020B0503020204020204" pitchFamily="34" charset="-122"/>
+            </a:endParaRPr>
           </a:p>
         </p:txBody>
       </p:sp>
@@ -24867,6 +25806,16 @@
               </a:rPr>
               <a:t>新 建</a:t>
             </a:r>
+            <a:endParaRPr lang="zh-CN" altLang="en-US" sz="1600" dirty="0">
+              <a:solidFill>
+                <a:schemeClr val="accent4">
+                  <a:lumMod val="60000"/>
+                  <a:lumOff val="40000"/>
+                </a:schemeClr>
+              </a:solidFill>
+              <a:latin typeface="微软雅黑" panose="020B0503020204020204" pitchFamily="34" charset="-122"/>
+              <a:ea typeface="微软雅黑" panose="020B0503020204020204" pitchFamily="34" charset="-122"/>
+            </a:endParaRPr>
           </a:p>
         </p:txBody>
       </p:sp>
@@ -24924,6 +25873,7 @@
               <a:rPr lang="zh-CN" altLang="en-US" sz="1400" dirty="0"/>
               <a:t>箱装入库</a:t>
             </a:r>
+            <a:endParaRPr lang="zh-CN" altLang="en-US" sz="1400" dirty="0"/>
           </a:p>
         </p:txBody>
       </p:sp>
@@ -24985,6 +25935,13 @@
               </a:rPr>
               <a:t>单装入库</a:t>
             </a:r>
+            <a:endParaRPr lang="zh-CN" altLang="en-US" sz="1400" dirty="0">
+              <a:solidFill>
+                <a:schemeClr val="accent6">
+                  <a:lumMod val="75000"/>
+                </a:schemeClr>
+              </a:solidFill>
+            </a:endParaRPr>
           </a:p>
         </p:txBody>
       </p:sp>
@@ -25083,6 +26040,15 @@
               </a:rPr>
               <a:t>保 存</a:t>
             </a:r>
+            <a:endParaRPr lang="zh-CN" altLang="en-US" sz="1400" b="1" dirty="0">
+              <a:solidFill>
+                <a:schemeClr val="accent6">
+                  <a:lumMod val="75000"/>
+                </a:schemeClr>
+              </a:solidFill>
+              <a:latin typeface="微软雅黑" panose="020B0503020204020204" pitchFamily="34" charset="-122"/>
+              <a:ea typeface="微软雅黑" panose="020B0503020204020204" pitchFamily="34" charset="-122"/>
+            </a:endParaRPr>
           </a:p>
         </p:txBody>
       </p:sp>
@@ -25140,6 +26106,13 @@
               </a:rPr>
               <a:t>取消</a:t>
             </a:r>
+            <a:endParaRPr lang="zh-CN" altLang="en-US" sz="1400" b="1" dirty="0">
+              <a:solidFill>
+                <a:srgbClr val="FF0000"/>
+              </a:solidFill>
+              <a:latin typeface="微软雅黑" panose="020B0503020204020204" pitchFamily="34" charset="-122"/>
+              <a:ea typeface="微软雅黑" panose="020B0503020204020204" pitchFamily="34" charset="-122"/>
+            </a:endParaRPr>
           </a:p>
         </p:txBody>
       </p:sp>
@@ -25234,6 +26207,7 @@
               <a:rPr lang="zh-CN" altLang="en-US" dirty="0"/>
               <a:t>点击装箱单号进入对应的装箱单</a:t>
             </a:r>
+            <a:endParaRPr lang="zh-CN" altLang="en-US" dirty="0"/>
           </a:p>
         </p:txBody>
       </p:sp>
@@ -25515,6 +26489,7 @@
               <a:rPr lang="zh-CN" altLang="en-US" dirty="0"/>
               <a:t>操作员可以对装箱信息进行增删查改</a:t>
             </a:r>
+            <a:endParaRPr lang="zh-CN" altLang="en-US" dirty="0"/>
           </a:p>
         </p:txBody>
       </p:sp>
@@ -25552,6 +26527,15 @@
               </a:rPr>
               <a:t>枪 支 信 息 智 能 管 理 系 统</a:t>
             </a:r>
+            <a:endParaRPr lang="zh-CN" altLang="en-US" sz="2400" b="1" dirty="0">
+              <a:solidFill>
+                <a:schemeClr val="accent6">
+                  <a:lumMod val="75000"/>
+                </a:schemeClr>
+              </a:solidFill>
+              <a:latin typeface="微软雅黑" panose="020B0503020204020204" pitchFamily="34" charset="-122"/>
+              <a:ea typeface="微软雅黑" panose="020B0503020204020204" pitchFamily="34" charset="-122"/>
+            </a:endParaRPr>
           </a:p>
         </p:txBody>
       </p:sp>
@@ -25564,7 +26548,7 @@
           <p:nvPr/>
         </p:nvPicPr>
         <p:blipFill>
-          <a:blip r:embed="rId3" cstate="print">
+          <a:blip r:embed="rId2" cstate="print">
             <a:extLst>
               <a:ext uri="{28A0092B-C50C-407E-A947-70E740481C1C}">
                 <a14:useLocalDpi xmlns:a14="http://schemas.microsoft.com/office/drawing/2010/main" val="0"/>
@@ -25649,6 +26633,13 @@
                 </a:rPr>
                 <a:t>返回</a:t>
               </a:r>
+              <a:endParaRPr lang="zh-CN" altLang="en-US" sz="1400" b="1" dirty="0">
+                <a:solidFill>
+                  <a:srgbClr val="00B0F0"/>
+                </a:solidFill>
+                <a:latin typeface="微软雅黑" panose="020B0503020204020204" pitchFamily="34" charset="-122"/>
+                <a:ea typeface="微软雅黑" panose="020B0503020204020204" pitchFamily="34" charset="-122"/>
+              </a:endParaRPr>
             </a:p>
           </p:txBody>
         </p:sp>
@@ -25757,6 +26748,10 @@
               </a:rPr>
               <a:t>箱装入库装箱信息管理页面</a:t>
             </a:r>
+            <a:endParaRPr lang="zh-CN" altLang="en-US" b="1" dirty="0">
+              <a:latin typeface="微软雅黑" panose="020B0503020204020204" pitchFamily="34" charset="-122"/>
+              <a:ea typeface="微软雅黑" panose="020B0503020204020204" pitchFamily="34" charset="-122"/>
+            </a:endParaRPr>
           </a:p>
         </p:txBody>
       </p:sp>
@@ -25909,6 +26904,15 @@
               </a:rPr>
               <a:t>账号管理</a:t>
             </a:r>
+            <a:endParaRPr lang="zh-CN" altLang="en-US" dirty="0">
+              <a:solidFill>
+                <a:schemeClr val="accent6">
+                  <a:lumMod val="75000"/>
+                </a:schemeClr>
+              </a:solidFill>
+              <a:latin typeface="微软雅黑" panose="020B0503020204020204" pitchFamily="34" charset="-122"/>
+              <a:ea typeface="微软雅黑" panose="020B0503020204020204" pitchFamily="34" charset="-122"/>
+            </a:endParaRPr>
           </a:p>
         </p:txBody>
       </p:sp>
@@ -25972,6 +26976,13 @@
               </a:rPr>
               <a:t>编码检视</a:t>
             </a:r>
+            <a:endParaRPr lang="zh-CN" altLang="en-US" dirty="0">
+              <a:solidFill>
+                <a:schemeClr val="bg1"/>
+              </a:solidFill>
+              <a:latin typeface="微软雅黑" panose="020B0503020204020204" pitchFamily="34" charset="-122"/>
+              <a:ea typeface="微软雅黑" panose="020B0503020204020204" pitchFamily="34" charset="-122"/>
+            </a:endParaRPr>
           </a:p>
         </p:txBody>
       </p:sp>
@@ -26035,6 +27046,15 @@
               </a:rPr>
               <a:t>信息管理</a:t>
             </a:r>
+            <a:endParaRPr lang="zh-CN" altLang="en-US" dirty="0">
+              <a:solidFill>
+                <a:schemeClr val="accent6">
+                  <a:lumMod val="75000"/>
+                </a:schemeClr>
+              </a:solidFill>
+              <a:latin typeface="微软雅黑" panose="020B0503020204020204" pitchFamily="34" charset="-122"/>
+              <a:ea typeface="微软雅黑" panose="020B0503020204020204" pitchFamily="34" charset="-122"/>
+            </a:endParaRPr>
           </a:p>
         </p:txBody>
       </p:sp>
@@ -26061,69 +27081,15 @@
                 <a:tableStyleId>{93296810-A885-4BE3-A3E7-6D5BEEA58F35}</a:tableStyleId>
               </a:tblPr>
               <a:tblGrid>
-                <a:gridCol w="489917">
-                  <a:extLst>
-                    <a:ext uri="{9D8B030D-6E8A-4147-A177-3AD203B41FA5}">
-                      <a16:colId xmlns:a16="http://schemas.microsoft.com/office/drawing/2014/main" val="20000"/>
-                    </a:ext>
-                  </a:extLst>
-                </a:gridCol>
-                <a:gridCol w="1895572">
-                  <a:extLst>
-                    <a:ext uri="{9D8B030D-6E8A-4147-A177-3AD203B41FA5}">
-                      <a16:colId xmlns:a16="http://schemas.microsoft.com/office/drawing/2014/main" val="20001"/>
-                    </a:ext>
-                  </a:extLst>
-                </a:gridCol>
-                <a:gridCol w="1540934">
-                  <a:extLst>
-                    <a:ext uri="{9D8B030D-6E8A-4147-A177-3AD203B41FA5}">
-                      <a16:colId xmlns:a16="http://schemas.microsoft.com/office/drawing/2014/main" val="20002"/>
-                    </a:ext>
-                  </a:extLst>
-                </a:gridCol>
-                <a:gridCol w="1430866">
-                  <a:extLst>
-                    <a:ext uri="{9D8B030D-6E8A-4147-A177-3AD203B41FA5}">
-                      <a16:colId xmlns:a16="http://schemas.microsoft.com/office/drawing/2014/main" val="20003"/>
-                    </a:ext>
-                  </a:extLst>
-                </a:gridCol>
-                <a:gridCol w="1320800">
-                  <a:extLst>
-                    <a:ext uri="{9D8B030D-6E8A-4147-A177-3AD203B41FA5}">
-                      <a16:colId xmlns:a16="http://schemas.microsoft.com/office/drawing/2014/main" val="20004"/>
-                    </a:ext>
-                  </a:extLst>
-                </a:gridCol>
-                <a:gridCol w="762000">
-                  <a:extLst>
-                    <a:ext uri="{9D8B030D-6E8A-4147-A177-3AD203B41FA5}">
-                      <a16:colId xmlns:a16="http://schemas.microsoft.com/office/drawing/2014/main" val="20005"/>
-                    </a:ext>
-                  </a:extLst>
-                </a:gridCol>
-                <a:gridCol w="592667">
-                  <a:extLst>
-                    <a:ext uri="{9D8B030D-6E8A-4147-A177-3AD203B41FA5}">
-                      <a16:colId xmlns:a16="http://schemas.microsoft.com/office/drawing/2014/main" val="20006"/>
-                    </a:ext>
-                  </a:extLst>
-                </a:gridCol>
-                <a:gridCol w="1232180">
-                  <a:extLst>
-                    <a:ext uri="{9D8B030D-6E8A-4147-A177-3AD203B41FA5}">
-                      <a16:colId xmlns:a16="http://schemas.microsoft.com/office/drawing/2014/main" val="20007"/>
-                    </a:ext>
-                  </a:extLst>
-                </a:gridCol>
-                <a:gridCol w="1087691">
-                  <a:extLst>
-                    <a:ext uri="{9D8B030D-6E8A-4147-A177-3AD203B41FA5}">
-                      <a16:colId xmlns:a16="http://schemas.microsoft.com/office/drawing/2014/main" val="20008"/>
-                    </a:ext>
-                  </a:extLst>
-                </a:gridCol>
+                <a:gridCol w="489917"/>
+                <a:gridCol w="1895572"/>
+                <a:gridCol w="1540934"/>
+                <a:gridCol w="1430866"/>
+                <a:gridCol w="1320800"/>
+                <a:gridCol w="762000"/>
+                <a:gridCol w="592667"/>
+                <a:gridCol w="1232180"/>
+                <a:gridCol w="1087691"/>
               </a:tblGrid>
               <a:tr h="457780">
                 <a:tc>
@@ -26139,6 +27105,10 @@
                         </a:rPr>
                         <a:t>序号</a:t>
                       </a:r>
+                      <a:endParaRPr lang="zh-CN" altLang="en-US" sz="900" b="1" dirty="0">
+                        <a:latin typeface="微软雅黑" panose="020B0503020204020204" pitchFamily="34" charset="-122"/>
+                        <a:ea typeface="微软雅黑" panose="020B0503020204020204" pitchFamily="34" charset="-122"/>
+                      </a:endParaRPr>
                     </a:p>
                   </a:txBody>
                   <a:tcPr anchor="ctr"/>
@@ -26156,6 +27126,10 @@
                         </a:rPr>
                         <a:t>装箱单号</a:t>
                       </a:r>
+                      <a:endParaRPr lang="zh-CN" altLang="en-US" sz="900" b="1" dirty="0">
+                        <a:latin typeface="微软雅黑" panose="020B0503020204020204" pitchFamily="34" charset="-122"/>
+                        <a:ea typeface="微软雅黑" panose="020B0503020204020204" pitchFamily="34" charset="-122"/>
+                      </a:endParaRPr>
                     </a:p>
                   </a:txBody>
                   <a:tcPr anchor="ctr"/>
@@ -26173,6 +27147,10 @@
                         </a:rPr>
                         <a:t>装备代码</a:t>
                       </a:r>
+                      <a:endParaRPr lang="zh-CN" altLang="en-US" sz="900" b="1" dirty="0">
+                        <a:latin typeface="微软雅黑" panose="020B0503020204020204" pitchFamily="34" charset="-122"/>
+                        <a:ea typeface="微软雅黑" panose="020B0503020204020204" pitchFamily="34" charset="-122"/>
+                      </a:endParaRPr>
                     </a:p>
                   </a:txBody>
                   <a:tcPr anchor="ctr"/>
@@ -26190,6 +27168,10 @@
                         </a:rPr>
                         <a:t>装备（部件）名称</a:t>
                       </a:r>
+                      <a:endParaRPr lang="zh-CN" altLang="en-US" sz="900" b="1" dirty="0">
+                        <a:latin typeface="微软雅黑" panose="020B0503020204020204" pitchFamily="34" charset="-122"/>
+                        <a:ea typeface="微软雅黑" panose="020B0503020204020204" pitchFamily="34" charset="-122"/>
+                      </a:endParaRPr>
                     </a:p>
                   </a:txBody>
                   <a:tcPr anchor="ctr"/>
@@ -26207,6 +27189,10 @@
                         </a:rPr>
                         <a:t>单装编号</a:t>
                       </a:r>
+                      <a:endParaRPr lang="zh-CN" altLang="en-US" sz="900" b="1" dirty="0">
+                        <a:latin typeface="微软雅黑" panose="020B0503020204020204" pitchFamily="34" charset="-122"/>
+                        <a:ea typeface="微软雅黑" panose="020B0503020204020204" pitchFamily="34" charset="-122"/>
+                      </a:endParaRPr>
                     </a:p>
                   </a:txBody>
                   <a:tcPr anchor="ctr"/>
@@ -26224,6 +27210,10 @@
                         </a:rPr>
                         <a:t>计量单位</a:t>
                       </a:r>
+                      <a:endParaRPr lang="zh-CN" altLang="en-US" sz="900" b="1" dirty="0">
+                        <a:latin typeface="微软雅黑" panose="020B0503020204020204" pitchFamily="34" charset="-122"/>
+                        <a:ea typeface="微软雅黑" panose="020B0503020204020204" pitchFamily="34" charset="-122"/>
+                      </a:endParaRPr>
                     </a:p>
                   </a:txBody>
                   <a:tcPr anchor="ctr"/>
@@ -26241,6 +27231,10 @@
                         </a:rPr>
                         <a:t>数量</a:t>
                       </a:r>
+                      <a:endParaRPr lang="zh-CN" altLang="en-US" sz="900" b="1" dirty="0">
+                        <a:latin typeface="微软雅黑" panose="020B0503020204020204" pitchFamily="34" charset="-122"/>
+                        <a:ea typeface="微软雅黑" panose="020B0503020204020204" pitchFamily="34" charset="-122"/>
+                      </a:endParaRPr>
                     </a:p>
                   </a:txBody>
                   <a:tcPr anchor="ctr"/>
@@ -26258,6 +27252,10 @@
                         </a:rPr>
                         <a:t>重要部件缺失情况</a:t>
                       </a:r>
+                      <a:endParaRPr lang="zh-CN" altLang="en-US" sz="900" b="1" dirty="0">
+                        <a:latin typeface="微软雅黑" panose="020B0503020204020204" pitchFamily="34" charset="-122"/>
+                        <a:ea typeface="微软雅黑" panose="020B0503020204020204" pitchFamily="34" charset="-122"/>
+                      </a:endParaRPr>
                     </a:p>
                   </a:txBody>
                   <a:tcPr anchor="ctr"/>
@@ -26275,15 +27273,14 @@
                         </a:rPr>
                         <a:t>操作</a:t>
                       </a:r>
-                    </a:p>
-                  </a:txBody>
-                  <a:tcPr anchor="ctr"/>
-                </a:tc>
-                <a:extLst>
-                  <a:ext uri="{0D108BD9-81ED-4DB2-BD59-A6C34878D82A}">
-                    <a16:rowId xmlns:a16="http://schemas.microsoft.com/office/drawing/2014/main" val="10000"/>
-                  </a:ext>
-                </a:extLst>
+                      <a:endParaRPr lang="zh-CN" altLang="en-US" sz="900" b="1" dirty="0">
+                        <a:latin typeface="微软雅黑" panose="020B0503020204020204" pitchFamily="34" charset="-122"/>
+                        <a:ea typeface="微软雅黑" panose="020B0503020204020204" pitchFamily="34" charset="-122"/>
+                      </a:endParaRPr>
+                    </a:p>
+                  </a:txBody>
+                  <a:tcPr anchor="ctr"/>
+                </a:tc>
               </a:tr>
               <a:tr h="386715">
                 <a:tc>
@@ -26320,6 +27317,10 @@
                         </a:rPr>
                         <a:t>AH-20201113-001</a:t>
                       </a:r>
+                      <a:endParaRPr lang="en-US" altLang="zh-CN" sz="800" dirty="0">
+                        <a:latin typeface="微软雅黑" panose="020B0503020204020204" pitchFamily="34" charset="-122"/>
+                        <a:ea typeface="微软雅黑" panose="020B0503020204020204" pitchFamily="34" charset="-122"/>
+                      </a:endParaRPr>
                     </a:p>
                   </a:txBody>
                   <a:tcPr anchor="ctr"/>
@@ -26373,6 +27374,14 @@
                         </a:rPr>
                         <a:t>式手枪</a:t>
                       </a:r>
+                      <a:endParaRPr lang="zh-CN" altLang="en-US" sz="800" kern="1200" dirty="0">
+                        <a:solidFill>
+                          <a:schemeClr val="dk1"/>
+                        </a:solidFill>
+                        <a:latin typeface="微软雅黑" panose="020B0503020204020204" pitchFamily="34" charset="-122"/>
+                        <a:ea typeface="微软雅黑" panose="020B0503020204020204" pitchFamily="34" charset="-122"/>
+                        <a:cs typeface="+mn-cs"/>
+                      </a:endParaRPr>
                     </a:p>
                   </a:txBody>
                   <a:tcPr anchor="ctr"/>
@@ -26438,6 +27447,14 @@
                         </a:rPr>
                         <a:t>支</a:t>
                       </a:r>
+                      <a:endParaRPr lang="zh-CN" altLang="en-US" sz="800" kern="1200" dirty="0">
+                        <a:solidFill>
+                          <a:schemeClr val="dk1"/>
+                        </a:solidFill>
+                        <a:latin typeface="微软雅黑" panose="020B0503020204020204" pitchFamily="34" charset="-122"/>
+                        <a:ea typeface="微软雅黑" panose="020B0503020204020204" pitchFamily="34" charset="-122"/>
+                        <a:cs typeface="+mn-cs"/>
+                      </a:endParaRPr>
                     </a:p>
                   </a:txBody>
                   <a:tcPr anchor="ctr"/>
@@ -26503,11 +27520,6 @@
                   </a:txBody>
                   <a:tcPr anchor="ctr"/>
                 </a:tc>
-                <a:extLst>
-                  <a:ext uri="{0D108BD9-81ED-4DB2-BD59-A6C34878D82A}">
-                    <a16:rowId xmlns:a16="http://schemas.microsoft.com/office/drawing/2014/main" val="10001"/>
-                  </a:ext>
-                </a:extLst>
               </a:tr>
               <a:tr h="376555">
                 <a:tc>
@@ -26616,6 +27628,14 @@
                         </a:rPr>
                         <a:t>式手枪</a:t>
                       </a:r>
+                      <a:endParaRPr lang="zh-CN" altLang="en-US" sz="800" kern="1200" dirty="0">
+                        <a:solidFill>
+                          <a:schemeClr val="dk1"/>
+                        </a:solidFill>
+                        <a:latin typeface="微软雅黑" panose="020B0503020204020204" pitchFamily="34" charset="-122"/>
+                        <a:ea typeface="微软雅黑" panose="020B0503020204020204" pitchFamily="34" charset="-122"/>
+                        <a:cs typeface="+mn-cs"/>
+                      </a:endParaRPr>
                     </a:p>
                   </a:txBody>
                   <a:tcPr anchor="ctr"/>
@@ -26696,6 +27716,14 @@
                         </a:rPr>
                         <a:t>支</a:t>
                       </a:r>
+                      <a:endParaRPr lang="zh-CN" altLang="en-US" sz="800" kern="1200" dirty="0">
+                        <a:solidFill>
+                          <a:schemeClr val="dk1"/>
+                        </a:solidFill>
+                        <a:latin typeface="微软雅黑" panose="020B0503020204020204" pitchFamily="34" charset="-122"/>
+                        <a:ea typeface="微软雅黑" panose="020B0503020204020204" pitchFamily="34" charset="-122"/>
+                        <a:cs typeface="+mn-cs"/>
+                      </a:endParaRPr>
                     </a:p>
                   </a:txBody>
                   <a:tcPr anchor="ctr"/>
@@ -26811,11 +27839,6 @@
                   </a:txBody>
                   <a:tcPr anchor="ctr"/>
                 </a:tc>
-                <a:extLst>
-                  <a:ext uri="{0D108BD9-81ED-4DB2-BD59-A6C34878D82A}">
-                    <a16:rowId xmlns:a16="http://schemas.microsoft.com/office/drawing/2014/main" val="10002"/>
-                  </a:ext>
-                </a:extLst>
               </a:tr>
               <a:tr h="381000">
                 <a:tc>
@@ -26909,6 +27932,14 @@
                         </a:rPr>
                         <a:t>式手枪</a:t>
                       </a:r>
+                      <a:endParaRPr lang="zh-CN" altLang="en-US" sz="800" kern="1200" dirty="0">
+                        <a:solidFill>
+                          <a:schemeClr val="dk1"/>
+                        </a:solidFill>
+                        <a:latin typeface="微软雅黑" panose="020B0503020204020204" pitchFamily="34" charset="-122"/>
+                        <a:ea typeface="微软雅黑" panose="020B0503020204020204" pitchFamily="34" charset="-122"/>
+                        <a:cs typeface="+mn-cs"/>
+                      </a:endParaRPr>
                     </a:p>
                   </a:txBody>
                   <a:tcPr anchor="ctr"/>
@@ -26963,6 +27994,14 @@
                         </a:rPr>
                         <a:t>支</a:t>
                       </a:r>
+                      <a:endParaRPr lang="zh-CN" altLang="en-US" sz="800" kern="1200" dirty="0">
+                        <a:solidFill>
+                          <a:schemeClr val="dk1"/>
+                        </a:solidFill>
+                        <a:latin typeface="微软雅黑" panose="020B0503020204020204" pitchFamily="34" charset="-122"/>
+                        <a:ea typeface="微软雅黑" panose="020B0503020204020204" pitchFamily="34" charset="-122"/>
+                        <a:cs typeface="+mn-cs"/>
+                      </a:endParaRPr>
                     </a:p>
                   </a:txBody>
                   <a:tcPr anchor="ctr"/>
@@ -27028,11 +28067,6 @@
                   </a:txBody>
                   <a:tcPr anchor="ctr"/>
                 </a:tc>
-                <a:extLst>
-                  <a:ext uri="{0D108BD9-81ED-4DB2-BD59-A6C34878D82A}">
-                    <a16:rowId xmlns:a16="http://schemas.microsoft.com/office/drawing/2014/main" val="10003"/>
-                  </a:ext>
-                </a:extLst>
               </a:tr>
               <a:tr h="347133">
                 <a:tc>
@@ -27126,6 +28160,14 @@
                         </a:rPr>
                         <a:t>式手枪</a:t>
                       </a:r>
+                      <a:endParaRPr lang="zh-CN" altLang="en-US" sz="800" kern="1200" dirty="0">
+                        <a:solidFill>
+                          <a:schemeClr val="dk1"/>
+                        </a:solidFill>
+                        <a:latin typeface="微软雅黑" panose="020B0503020204020204" pitchFamily="34" charset="-122"/>
+                        <a:ea typeface="微软雅黑" panose="020B0503020204020204" pitchFamily="34" charset="-122"/>
+                        <a:cs typeface="+mn-cs"/>
+                      </a:endParaRPr>
                     </a:p>
                   </a:txBody>
                   <a:tcPr anchor="ctr"/>
@@ -27180,6 +28222,14 @@
                         </a:rPr>
                         <a:t>支</a:t>
                       </a:r>
+                      <a:endParaRPr lang="zh-CN" altLang="en-US" sz="800" kern="1200" dirty="0">
+                        <a:solidFill>
+                          <a:schemeClr val="dk1"/>
+                        </a:solidFill>
+                        <a:latin typeface="微软雅黑" panose="020B0503020204020204" pitchFamily="34" charset="-122"/>
+                        <a:ea typeface="微软雅黑" panose="020B0503020204020204" pitchFamily="34" charset="-122"/>
+                        <a:cs typeface="+mn-cs"/>
+                      </a:endParaRPr>
                     </a:p>
                   </a:txBody>
                   <a:tcPr anchor="ctr"/>
@@ -27245,11 +28295,6 @@
                   </a:txBody>
                   <a:tcPr anchor="ctr"/>
                 </a:tc>
-                <a:extLst>
-                  <a:ext uri="{0D108BD9-81ED-4DB2-BD59-A6C34878D82A}">
-                    <a16:rowId xmlns:a16="http://schemas.microsoft.com/office/drawing/2014/main" val="10004"/>
-                  </a:ext>
-                </a:extLst>
               </a:tr>
               <a:tr h="372534">
                 <a:tc>
@@ -27343,6 +28388,14 @@
                         </a:rPr>
                         <a:t>式手枪</a:t>
                       </a:r>
+                      <a:endParaRPr lang="zh-CN" altLang="en-US" sz="800" kern="1200" dirty="0">
+                        <a:solidFill>
+                          <a:schemeClr val="dk1"/>
+                        </a:solidFill>
+                        <a:latin typeface="微软雅黑" panose="020B0503020204020204" pitchFamily="34" charset="-122"/>
+                        <a:ea typeface="微软雅黑" panose="020B0503020204020204" pitchFamily="34" charset="-122"/>
+                        <a:cs typeface="+mn-cs"/>
+                      </a:endParaRPr>
                     </a:p>
                   </a:txBody>
                   <a:tcPr anchor="ctr"/>
@@ -27397,6 +28450,14 @@
                         </a:rPr>
                         <a:t>支</a:t>
                       </a:r>
+                      <a:endParaRPr lang="zh-CN" altLang="en-US" sz="800" kern="1200" dirty="0">
+                        <a:solidFill>
+                          <a:schemeClr val="dk1"/>
+                        </a:solidFill>
+                        <a:latin typeface="微软雅黑" panose="020B0503020204020204" pitchFamily="34" charset="-122"/>
+                        <a:ea typeface="微软雅黑" panose="020B0503020204020204" pitchFamily="34" charset="-122"/>
+                        <a:cs typeface="+mn-cs"/>
+                      </a:endParaRPr>
                     </a:p>
                   </a:txBody>
                   <a:tcPr anchor="ctr"/>
@@ -27462,11 +28523,6 @@
                   </a:txBody>
                   <a:tcPr anchor="ctr"/>
                 </a:tc>
-                <a:extLst>
-                  <a:ext uri="{0D108BD9-81ED-4DB2-BD59-A6C34878D82A}">
-                    <a16:rowId xmlns:a16="http://schemas.microsoft.com/office/drawing/2014/main" val="10005"/>
-                  </a:ext>
-                </a:extLst>
               </a:tr>
             </a:tbl>
           </a:graphicData>
@@ -27534,6 +28590,16 @@
               </a:rPr>
               <a:t>添 加</a:t>
             </a:r>
+            <a:endParaRPr lang="zh-CN" altLang="en-US" sz="1600" dirty="0">
+              <a:solidFill>
+                <a:schemeClr val="accent4">
+                  <a:lumMod val="60000"/>
+                  <a:lumOff val="40000"/>
+                </a:schemeClr>
+              </a:solidFill>
+              <a:latin typeface="微软雅黑" panose="020B0503020204020204" pitchFamily="34" charset="-122"/>
+              <a:ea typeface="微软雅黑" panose="020B0503020204020204" pitchFamily="34" charset="-122"/>
+            </a:endParaRPr>
           </a:p>
         </p:txBody>
       </p:sp>
@@ -27591,6 +28657,7 @@
               <a:rPr lang="zh-CN" altLang="en-US" sz="1400" dirty="0"/>
               <a:t>箱装入库</a:t>
             </a:r>
+            <a:endParaRPr lang="zh-CN" altLang="en-US" sz="1400" dirty="0"/>
           </a:p>
         </p:txBody>
       </p:sp>
@@ -27652,6 +28719,13 @@
               </a:rPr>
               <a:t>单装入库</a:t>
             </a:r>
+            <a:endParaRPr lang="zh-CN" altLang="en-US" sz="1400" dirty="0">
+              <a:solidFill>
+                <a:schemeClr val="accent6">
+                  <a:lumMod val="75000"/>
+                </a:schemeClr>
+              </a:solidFill>
+            </a:endParaRPr>
           </a:p>
         </p:txBody>
       </p:sp>
@@ -27750,6 +28824,15 @@
               </a:rPr>
               <a:t>保 存</a:t>
             </a:r>
+            <a:endParaRPr lang="zh-CN" altLang="en-US" sz="1400" b="1" dirty="0">
+              <a:solidFill>
+                <a:schemeClr val="accent6">
+                  <a:lumMod val="75000"/>
+                </a:schemeClr>
+              </a:solidFill>
+              <a:latin typeface="微软雅黑" panose="020B0503020204020204" pitchFamily="34" charset="-122"/>
+              <a:ea typeface="微软雅黑" panose="020B0503020204020204" pitchFamily="34" charset="-122"/>
+            </a:endParaRPr>
           </a:p>
         </p:txBody>
       </p:sp>
@@ -27807,6 +28890,13 @@
               </a:rPr>
               <a:t>取消</a:t>
             </a:r>
+            <a:endParaRPr lang="zh-CN" altLang="en-US" sz="1400" b="1" dirty="0">
+              <a:solidFill>
+                <a:srgbClr val="FF0000"/>
+              </a:solidFill>
+              <a:latin typeface="微软雅黑" panose="020B0503020204020204" pitchFamily="34" charset="-122"/>
+              <a:ea typeface="微软雅黑" panose="020B0503020204020204" pitchFamily="34" charset="-122"/>
+            </a:endParaRPr>
           </a:p>
         </p:txBody>
       </p:sp>
@@ -27918,6 +29008,7 @@
               <a:rPr lang="zh-CN" altLang="en-US" dirty="0"/>
               <a:t>操作员可以对装箱信息进行增删查改</a:t>
             </a:r>
+            <a:endParaRPr lang="zh-CN" altLang="en-US" dirty="0"/>
           </a:p>
         </p:txBody>
       </p:sp>
@@ -28012,6 +29103,7 @@
               <a:rPr lang="zh-CN" altLang="en-US" dirty="0"/>
               <a:t>点击“编辑”则进入拍照识别页面</a:t>
             </a:r>
+            <a:endParaRPr lang="zh-CN" altLang="en-US" dirty="0"/>
           </a:p>
         </p:txBody>
       </p:sp>
@@ -28073,6 +29165,15 @@
               </a:rPr>
               <a:t>编辑</a:t>
             </a:r>
+            <a:endParaRPr lang="zh-CN" altLang="en-US" sz="900" dirty="0">
+              <a:solidFill>
+                <a:schemeClr val="accent6">
+                  <a:lumMod val="75000"/>
+                </a:schemeClr>
+              </a:solidFill>
+              <a:latin typeface="微软雅黑" panose="020B0503020204020204" pitchFamily="34" charset="-122"/>
+              <a:ea typeface="微软雅黑" panose="020B0503020204020204" pitchFamily="34" charset="-122"/>
+            </a:endParaRPr>
           </a:p>
         </p:txBody>
       </p:sp>
@@ -28130,6 +29231,13 @@
               </a:rPr>
               <a:t>删除</a:t>
             </a:r>
+            <a:endParaRPr lang="zh-CN" altLang="en-US" sz="900" dirty="0">
+              <a:solidFill>
+                <a:srgbClr val="FF0000"/>
+              </a:solidFill>
+              <a:latin typeface="微软雅黑" panose="020B0503020204020204" pitchFamily="34" charset="-122"/>
+              <a:ea typeface="微软雅黑" panose="020B0503020204020204" pitchFamily="34" charset="-122"/>
+            </a:endParaRPr>
           </a:p>
         </p:txBody>
       </p:sp>
@@ -28191,6 +29299,15 @@
               </a:rPr>
               <a:t>编辑</a:t>
             </a:r>
+            <a:endParaRPr lang="zh-CN" altLang="en-US" sz="900" dirty="0">
+              <a:solidFill>
+                <a:schemeClr val="accent6">
+                  <a:lumMod val="75000"/>
+                </a:schemeClr>
+              </a:solidFill>
+              <a:latin typeface="微软雅黑" panose="020B0503020204020204" pitchFamily="34" charset="-122"/>
+              <a:ea typeface="微软雅黑" panose="020B0503020204020204" pitchFamily="34" charset="-122"/>
+            </a:endParaRPr>
           </a:p>
         </p:txBody>
       </p:sp>
@@ -28248,6 +29365,13 @@
               </a:rPr>
               <a:t>删除</a:t>
             </a:r>
+            <a:endParaRPr lang="zh-CN" altLang="en-US" sz="900" dirty="0">
+              <a:solidFill>
+                <a:srgbClr val="FF0000"/>
+              </a:solidFill>
+              <a:latin typeface="微软雅黑" panose="020B0503020204020204" pitchFamily="34" charset="-122"/>
+              <a:ea typeface="微软雅黑" panose="020B0503020204020204" pitchFamily="34" charset="-122"/>
+            </a:endParaRPr>
           </a:p>
         </p:txBody>
       </p:sp>
@@ -28309,6 +29433,15 @@
               </a:rPr>
               <a:t>编辑</a:t>
             </a:r>
+            <a:endParaRPr lang="zh-CN" altLang="en-US" sz="900" dirty="0">
+              <a:solidFill>
+                <a:schemeClr val="accent6">
+                  <a:lumMod val="75000"/>
+                </a:schemeClr>
+              </a:solidFill>
+              <a:latin typeface="微软雅黑" panose="020B0503020204020204" pitchFamily="34" charset="-122"/>
+              <a:ea typeface="微软雅黑" panose="020B0503020204020204" pitchFamily="34" charset="-122"/>
+            </a:endParaRPr>
           </a:p>
         </p:txBody>
       </p:sp>
@@ -28366,6 +29499,13 @@
               </a:rPr>
               <a:t>删除</a:t>
             </a:r>
+            <a:endParaRPr lang="zh-CN" altLang="en-US" sz="900" dirty="0">
+              <a:solidFill>
+                <a:srgbClr val="FF0000"/>
+              </a:solidFill>
+              <a:latin typeface="微软雅黑" panose="020B0503020204020204" pitchFamily="34" charset="-122"/>
+              <a:ea typeface="微软雅黑" panose="020B0503020204020204" pitchFamily="34" charset="-122"/>
+            </a:endParaRPr>
           </a:p>
         </p:txBody>
       </p:sp>
@@ -28427,6 +29567,15 @@
               </a:rPr>
               <a:t>编辑</a:t>
             </a:r>
+            <a:endParaRPr lang="zh-CN" altLang="en-US" sz="900" dirty="0">
+              <a:solidFill>
+                <a:schemeClr val="accent6">
+                  <a:lumMod val="75000"/>
+                </a:schemeClr>
+              </a:solidFill>
+              <a:latin typeface="微软雅黑" panose="020B0503020204020204" pitchFamily="34" charset="-122"/>
+              <a:ea typeface="微软雅黑" panose="020B0503020204020204" pitchFamily="34" charset="-122"/>
+            </a:endParaRPr>
           </a:p>
         </p:txBody>
       </p:sp>
@@ -28484,6 +29633,13 @@
               </a:rPr>
               <a:t>删除</a:t>
             </a:r>
+            <a:endParaRPr lang="zh-CN" altLang="en-US" sz="900" dirty="0">
+              <a:solidFill>
+                <a:srgbClr val="FF0000"/>
+              </a:solidFill>
+              <a:latin typeface="微软雅黑" panose="020B0503020204020204" pitchFamily="34" charset="-122"/>
+              <a:ea typeface="微软雅黑" panose="020B0503020204020204" pitchFamily="34" charset="-122"/>
+            </a:endParaRPr>
           </a:p>
         </p:txBody>
       </p:sp>
@@ -28545,6 +29701,15 @@
               </a:rPr>
               <a:t>编辑</a:t>
             </a:r>
+            <a:endParaRPr lang="zh-CN" altLang="en-US" sz="900" dirty="0">
+              <a:solidFill>
+                <a:schemeClr val="accent6">
+                  <a:lumMod val="75000"/>
+                </a:schemeClr>
+              </a:solidFill>
+              <a:latin typeface="微软雅黑" panose="020B0503020204020204" pitchFamily="34" charset="-122"/>
+              <a:ea typeface="微软雅黑" panose="020B0503020204020204" pitchFamily="34" charset="-122"/>
+            </a:endParaRPr>
           </a:p>
         </p:txBody>
       </p:sp>
@@ -28602,6 +29767,13 @@
               </a:rPr>
               <a:t>删除</a:t>
             </a:r>
+            <a:endParaRPr lang="zh-CN" altLang="en-US" sz="900" dirty="0">
+              <a:solidFill>
+                <a:srgbClr val="FF0000"/>
+              </a:solidFill>
+              <a:latin typeface="微软雅黑" panose="020B0503020204020204" pitchFamily="34" charset="-122"/>
+              <a:ea typeface="微软雅黑" panose="020B0503020204020204" pitchFamily="34" charset="-122"/>
+            </a:endParaRPr>
           </a:p>
         </p:txBody>
       </p:sp>
@@ -28663,6 +29835,15 @@
               </a:rPr>
               <a:t>打印装箱清单</a:t>
             </a:r>
+            <a:endParaRPr lang="zh-CN" altLang="en-US" sz="1400" b="1" dirty="0">
+              <a:solidFill>
+                <a:schemeClr val="accent6">
+                  <a:lumMod val="75000"/>
+                </a:schemeClr>
+              </a:solidFill>
+              <a:latin typeface="微软雅黑" panose="020B0503020204020204" pitchFamily="34" charset="-122"/>
+              <a:ea typeface="微软雅黑" panose="020B0503020204020204" pitchFamily="34" charset="-122"/>
+            </a:endParaRPr>
           </a:p>
         </p:txBody>
       </p:sp>
@@ -28727,6 +29908,7 @@
               <a:rPr lang="zh-CN" altLang="en-US" dirty="0"/>
               <a:t>退役报废军械装备装箱清单”</a:t>
             </a:r>
+            <a:endParaRPr lang="zh-CN" altLang="en-US" dirty="0"/>
           </a:p>
         </p:txBody>
       </p:sp>
@@ -28764,6 +29946,15 @@
               </a:rPr>
               <a:t>枪 支 信 息 智 能 管 理 系 统</a:t>
             </a:r>
+            <a:endParaRPr lang="zh-CN" altLang="en-US" sz="2400" b="1" dirty="0">
+              <a:solidFill>
+                <a:schemeClr val="accent6">
+                  <a:lumMod val="75000"/>
+                </a:schemeClr>
+              </a:solidFill>
+              <a:latin typeface="微软雅黑" panose="020B0503020204020204" pitchFamily="34" charset="-122"/>
+              <a:ea typeface="微软雅黑" panose="020B0503020204020204" pitchFamily="34" charset="-122"/>
+            </a:endParaRPr>
           </a:p>
         </p:txBody>
       </p:sp>
@@ -28776,7 +29967,7 @@
           <p:nvPr/>
         </p:nvPicPr>
         <p:blipFill>
-          <a:blip r:embed="rId3" cstate="print">
+          <a:blip r:embed="rId2" cstate="print">
             <a:extLst>
               <a:ext uri="{28A0092B-C50C-407E-A947-70E740481C1C}">
                 <a14:useLocalDpi xmlns:a14="http://schemas.microsoft.com/office/drawing/2010/main" val="0"/>
@@ -28861,6 +30052,13 @@
                 </a:rPr>
                 <a:t>返回</a:t>
               </a:r>
+              <a:endParaRPr lang="zh-CN" altLang="en-US" sz="1400" b="1" dirty="0">
+                <a:solidFill>
+                  <a:srgbClr val="00B0F0"/>
+                </a:solidFill>
+                <a:latin typeface="微软雅黑" panose="020B0503020204020204" pitchFamily="34" charset="-122"/>
+                <a:ea typeface="微软雅黑" panose="020B0503020204020204" pitchFamily="34" charset="-122"/>
+              </a:endParaRPr>
             </a:p>
           </p:txBody>
         </p:sp>
@@ -28969,6 +30167,10 @@
               </a:rPr>
               <a:t>单装入库管理页面</a:t>
             </a:r>
+            <a:endParaRPr lang="zh-CN" altLang="en-US" b="1" dirty="0">
+              <a:latin typeface="微软雅黑" panose="020B0503020204020204" pitchFamily="34" charset="-122"/>
+              <a:ea typeface="微软雅黑" panose="020B0503020204020204" pitchFamily="34" charset="-122"/>
+            </a:endParaRPr>
           </a:p>
         </p:txBody>
       </p:sp>
@@ -29121,6 +30323,15 @@
               </a:rPr>
               <a:t>账号管理</a:t>
             </a:r>
+            <a:endParaRPr lang="zh-CN" altLang="en-US" dirty="0">
+              <a:solidFill>
+                <a:schemeClr val="accent6">
+                  <a:lumMod val="75000"/>
+                </a:schemeClr>
+              </a:solidFill>
+              <a:latin typeface="微软雅黑" panose="020B0503020204020204" pitchFamily="34" charset="-122"/>
+              <a:ea typeface="微软雅黑" panose="020B0503020204020204" pitchFamily="34" charset="-122"/>
+            </a:endParaRPr>
           </a:p>
         </p:txBody>
       </p:sp>
@@ -29184,6 +30395,13 @@
               </a:rPr>
               <a:t>编码检视</a:t>
             </a:r>
+            <a:endParaRPr lang="zh-CN" altLang="en-US" dirty="0">
+              <a:solidFill>
+                <a:schemeClr val="bg1"/>
+              </a:solidFill>
+              <a:latin typeface="微软雅黑" panose="020B0503020204020204" pitchFamily="34" charset="-122"/>
+              <a:ea typeface="微软雅黑" panose="020B0503020204020204" pitchFamily="34" charset="-122"/>
+            </a:endParaRPr>
           </a:p>
         </p:txBody>
       </p:sp>
@@ -29247,6 +30465,15 @@
               </a:rPr>
               <a:t>信息管理</a:t>
             </a:r>
+            <a:endParaRPr lang="zh-CN" altLang="en-US" dirty="0">
+              <a:solidFill>
+                <a:schemeClr val="accent6">
+                  <a:lumMod val="75000"/>
+                </a:schemeClr>
+              </a:solidFill>
+              <a:latin typeface="微软雅黑" panose="020B0503020204020204" pitchFamily="34" charset="-122"/>
+              <a:ea typeface="微软雅黑" panose="020B0503020204020204" pitchFamily="34" charset="-122"/>
+            </a:endParaRPr>
           </a:p>
         </p:txBody>
       </p:sp>
@@ -29312,6 +30539,16 @@
               </a:rPr>
               <a:t>新 建</a:t>
             </a:r>
+            <a:endParaRPr lang="zh-CN" altLang="en-US" sz="1600" dirty="0">
+              <a:solidFill>
+                <a:schemeClr val="accent4">
+                  <a:lumMod val="60000"/>
+                  <a:lumOff val="40000"/>
+                </a:schemeClr>
+              </a:solidFill>
+              <a:latin typeface="微软雅黑" panose="020B0503020204020204" pitchFamily="34" charset="-122"/>
+              <a:ea typeface="微软雅黑" panose="020B0503020204020204" pitchFamily="34" charset="-122"/>
+            </a:endParaRPr>
           </a:p>
         </p:txBody>
       </p:sp>
@@ -29373,6 +30610,13 @@
               </a:rPr>
               <a:t>箱装入库</a:t>
             </a:r>
+            <a:endParaRPr lang="zh-CN" altLang="en-US" sz="1400" dirty="0">
+              <a:solidFill>
+                <a:schemeClr val="accent6">
+                  <a:lumMod val="75000"/>
+                </a:schemeClr>
+              </a:solidFill>
+            </a:endParaRPr>
           </a:p>
         </p:txBody>
       </p:sp>
@@ -29434,6 +30678,11 @@
               </a:rPr>
               <a:t>单装入库</a:t>
             </a:r>
+            <a:endParaRPr lang="zh-CN" altLang="en-US" sz="1400" dirty="0">
+              <a:solidFill>
+                <a:schemeClr val="bg1"/>
+              </a:solidFill>
+            </a:endParaRPr>
           </a:p>
         </p:txBody>
       </p:sp>
@@ -29497,83 +30746,17 @@
                 <a:tableStyleId>{93296810-A885-4BE3-A3E7-6D5BEEA58F35}</a:tableStyleId>
               </a:tblPr>
               <a:tblGrid>
-                <a:gridCol w="448552">
-                  <a:extLst>
-                    <a:ext uri="{9D8B030D-6E8A-4147-A177-3AD203B41FA5}">
-                      <a16:colId xmlns:a16="http://schemas.microsoft.com/office/drawing/2014/main" val="20000"/>
-                    </a:ext>
-                  </a:extLst>
-                </a:gridCol>
-                <a:gridCol w="1126249">
-                  <a:extLst>
-                    <a:ext uri="{9D8B030D-6E8A-4147-A177-3AD203B41FA5}">
-                      <a16:colId xmlns:a16="http://schemas.microsoft.com/office/drawing/2014/main" val="20001"/>
-                    </a:ext>
-                  </a:extLst>
-                </a:gridCol>
-                <a:gridCol w="1193800">
-                  <a:extLst>
-                    <a:ext uri="{9D8B030D-6E8A-4147-A177-3AD203B41FA5}">
-                      <a16:colId xmlns:a16="http://schemas.microsoft.com/office/drawing/2014/main" val="20002"/>
-                    </a:ext>
-                  </a:extLst>
-                </a:gridCol>
-                <a:gridCol w="914400">
-                  <a:extLst>
-                    <a:ext uri="{9D8B030D-6E8A-4147-A177-3AD203B41FA5}">
-                      <a16:colId xmlns:a16="http://schemas.microsoft.com/office/drawing/2014/main" val="20003"/>
-                    </a:ext>
-                  </a:extLst>
-                </a:gridCol>
-                <a:gridCol w="948267">
-                  <a:extLst>
-                    <a:ext uri="{9D8B030D-6E8A-4147-A177-3AD203B41FA5}">
-                      <a16:colId xmlns:a16="http://schemas.microsoft.com/office/drawing/2014/main" val="20004"/>
-                    </a:ext>
-                  </a:extLst>
-                </a:gridCol>
-                <a:gridCol w="1303867">
-                  <a:extLst>
-                    <a:ext uri="{9D8B030D-6E8A-4147-A177-3AD203B41FA5}">
-                      <a16:colId xmlns:a16="http://schemas.microsoft.com/office/drawing/2014/main" val="20005"/>
-                    </a:ext>
-                  </a:extLst>
-                </a:gridCol>
-                <a:gridCol w="846666">
-                  <a:extLst>
-                    <a:ext uri="{9D8B030D-6E8A-4147-A177-3AD203B41FA5}">
-                      <a16:colId xmlns:a16="http://schemas.microsoft.com/office/drawing/2014/main" val="20006"/>
-                    </a:ext>
-                  </a:extLst>
-                </a:gridCol>
-                <a:gridCol w="846667">
-                  <a:extLst>
-                    <a:ext uri="{9D8B030D-6E8A-4147-A177-3AD203B41FA5}">
-                      <a16:colId xmlns:a16="http://schemas.microsoft.com/office/drawing/2014/main" val="20007"/>
-                    </a:ext>
-                  </a:extLst>
-                </a:gridCol>
-                <a:gridCol w="897467">
-                  <a:extLst>
-                    <a:ext uri="{9D8B030D-6E8A-4147-A177-3AD203B41FA5}">
-                      <a16:colId xmlns:a16="http://schemas.microsoft.com/office/drawing/2014/main" val="20008"/>
-                    </a:ext>
-                  </a:extLst>
-                </a:gridCol>
-                <a:gridCol w="914400">
-                  <a:extLst>
-                    <a:ext uri="{9D8B030D-6E8A-4147-A177-3AD203B41FA5}">
-                      <a16:colId xmlns:a16="http://schemas.microsoft.com/office/drawing/2014/main" val="20009"/>
-                    </a:ext>
-                  </a:extLst>
-                </a:gridCol>
-                <a:gridCol w="1049863">
-                  <a:extLst>
-                    <a:ext uri="{9D8B030D-6E8A-4147-A177-3AD203B41FA5}">
-                      <a16:colId xmlns:a16="http://schemas.microsoft.com/office/drawing/2014/main" val="20010"/>
-                    </a:ext>
-                  </a:extLst>
-                </a:gridCol>
+                <a:gridCol w="448552"/>
+                <a:gridCol w="1126249"/>
+                <a:gridCol w="1193800"/>
+                <a:gridCol w="914400"/>
+                <a:gridCol w="948267"/>
+                <a:gridCol w="1303867"/>
+                <a:gridCol w="846666"/>
+                <a:gridCol w="846667"/>
+                <a:gridCol w="897467"/>
+                <a:gridCol w="914400"/>
+                <a:gridCol w="1049863"/>
               </a:tblGrid>
               <a:tr h="457780">
                 <a:tc>
@@ -29589,6 +30772,10 @@
                         </a:rPr>
                         <a:t>序号</a:t>
                       </a:r>
+                      <a:endParaRPr lang="zh-CN" altLang="en-US" sz="900" b="1" dirty="0">
+                        <a:latin typeface="微软雅黑" panose="020B0503020204020204" pitchFamily="34" charset="-122"/>
+                        <a:ea typeface="微软雅黑" panose="020B0503020204020204" pitchFamily="34" charset="-122"/>
+                      </a:endParaRPr>
                     </a:p>
                   </a:txBody>
                   <a:tcPr anchor="ctr"/>
@@ -29606,6 +30793,10 @@
                         </a:rPr>
                         <a:t>退役报废文件号</a:t>
                       </a:r>
+                      <a:endParaRPr lang="zh-CN" altLang="en-US" sz="900" b="1" dirty="0">
+                        <a:latin typeface="微软雅黑" panose="020B0503020204020204" pitchFamily="34" charset="-122"/>
+                        <a:ea typeface="微软雅黑" panose="020B0503020204020204" pitchFamily="34" charset="-122"/>
+                      </a:endParaRPr>
                     </a:p>
                   </a:txBody>
                   <a:tcPr anchor="ctr"/>
@@ -29623,6 +30814,10 @@
                         </a:rPr>
                         <a:t>退役报废装备处理调拨凭证号</a:t>
                       </a:r>
+                      <a:endParaRPr lang="zh-CN" altLang="en-US" sz="900" b="1" dirty="0">
+                        <a:latin typeface="微软雅黑" panose="020B0503020204020204" pitchFamily="34" charset="-122"/>
+                        <a:ea typeface="微软雅黑" panose="020B0503020204020204" pitchFamily="34" charset="-122"/>
+                      </a:endParaRPr>
                     </a:p>
                   </a:txBody>
                   <a:tcPr anchor="ctr"/>
@@ -29640,6 +30835,10 @@
                         </a:rPr>
                         <a:t>装备代码</a:t>
                       </a:r>
+                      <a:endParaRPr lang="zh-CN" altLang="en-US" sz="900" b="1" dirty="0">
+                        <a:latin typeface="微软雅黑" panose="020B0503020204020204" pitchFamily="34" charset="-122"/>
+                        <a:ea typeface="微软雅黑" panose="020B0503020204020204" pitchFamily="34" charset="-122"/>
+                      </a:endParaRPr>
                     </a:p>
                   </a:txBody>
                   <a:tcPr anchor="ctr"/>
@@ -29657,6 +30856,10 @@
                         </a:rPr>
                         <a:t>装备（部件）名称</a:t>
                       </a:r>
+                      <a:endParaRPr lang="zh-CN" altLang="en-US" sz="900" b="1" dirty="0">
+                        <a:latin typeface="微软雅黑" panose="020B0503020204020204" pitchFamily="34" charset="-122"/>
+                        <a:ea typeface="微软雅黑" panose="020B0503020204020204" pitchFamily="34" charset="-122"/>
+                      </a:endParaRPr>
                     </a:p>
                   </a:txBody>
                   <a:tcPr anchor="ctr"/>
@@ -29674,6 +30877,10 @@
                         </a:rPr>
                         <a:t>单装编号</a:t>
                       </a:r>
+                      <a:endParaRPr lang="zh-CN" altLang="en-US" sz="900" b="1" dirty="0">
+                        <a:latin typeface="微软雅黑" panose="020B0503020204020204" pitchFamily="34" charset="-122"/>
+                        <a:ea typeface="微软雅黑" panose="020B0503020204020204" pitchFamily="34" charset="-122"/>
+                      </a:endParaRPr>
                     </a:p>
                   </a:txBody>
                   <a:tcPr anchor="ctr"/>
@@ -29691,6 +30898,10 @@
                         </a:rPr>
                         <a:t>隶属单位</a:t>
                       </a:r>
+                      <a:endParaRPr lang="zh-CN" altLang="en-US" sz="900" b="1" dirty="0">
+                        <a:latin typeface="微软雅黑" panose="020B0503020204020204" pitchFamily="34" charset="-122"/>
+                        <a:ea typeface="微软雅黑" panose="020B0503020204020204" pitchFamily="34" charset="-122"/>
+                      </a:endParaRPr>
                     </a:p>
                   </a:txBody>
                   <a:tcPr anchor="ctr"/>
@@ -29708,6 +30919,10 @@
                         </a:rPr>
                         <a:t>管理单位</a:t>
                       </a:r>
+                      <a:endParaRPr lang="zh-CN" altLang="en-US" sz="900" b="1" dirty="0">
+                        <a:latin typeface="微软雅黑" panose="020B0503020204020204" pitchFamily="34" charset="-122"/>
+                        <a:ea typeface="微软雅黑" panose="020B0503020204020204" pitchFamily="34" charset="-122"/>
+                      </a:endParaRPr>
                     </a:p>
                   </a:txBody>
                   <a:tcPr anchor="ctr"/>
@@ -29725,6 +30940,10 @@
                         </a:rPr>
                         <a:t>出厂时间</a:t>
                       </a:r>
+                      <a:endParaRPr lang="zh-CN" altLang="en-US" sz="900" b="1" dirty="0">
+                        <a:latin typeface="微软雅黑" panose="020B0503020204020204" pitchFamily="34" charset="-122"/>
+                        <a:ea typeface="微软雅黑" panose="020B0503020204020204" pitchFamily="34" charset="-122"/>
+                      </a:endParaRPr>
                     </a:p>
                   </a:txBody>
                   <a:tcPr anchor="ctr"/>
@@ -29742,6 +30961,10 @@
                         </a:rPr>
                         <a:t>装备时间</a:t>
                       </a:r>
+                      <a:endParaRPr lang="zh-CN" altLang="en-US" sz="900" b="1" dirty="0">
+                        <a:latin typeface="微软雅黑" panose="020B0503020204020204" pitchFamily="34" charset="-122"/>
+                        <a:ea typeface="微软雅黑" panose="020B0503020204020204" pitchFamily="34" charset="-122"/>
+                      </a:endParaRPr>
                     </a:p>
                   </a:txBody>
                   <a:tcPr anchor="ctr"/>
@@ -29759,15 +30982,14 @@
                         </a:rPr>
                         <a:t>操作</a:t>
                       </a:r>
-                    </a:p>
-                  </a:txBody>
-                  <a:tcPr anchor="ctr"/>
-                </a:tc>
-                <a:extLst>
-                  <a:ext uri="{0D108BD9-81ED-4DB2-BD59-A6C34878D82A}">
-                    <a16:rowId xmlns:a16="http://schemas.microsoft.com/office/drawing/2014/main" val="10000"/>
-                  </a:ext>
-                </a:extLst>
+                      <a:endParaRPr lang="zh-CN" altLang="en-US" sz="900" b="1" dirty="0">
+                        <a:latin typeface="微软雅黑" panose="020B0503020204020204" pitchFamily="34" charset="-122"/>
+                        <a:ea typeface="微软雅黑" panose="020B0503020204020204" pitchFamily="34" charset="-122"/>
+                      </a:endParaRPr>
+                    </a:p>
+                  </a:txBody>
+                  <a:tcPr anchor="ctr"/>
+                </a:tc>
               </a:tr>
               <a:tr h="336179">
                 <a:tc>
@@ -29876,16 +31098,6 @@
                         </a:rPr>
                         <a:t>机枪</a:t>
                       </a:r>
-                    </a:p>
-                  </a:txBody>
-                  <a:tcPr anchor="ctr"/>
-                </a:tc>
-                <a:tc>
-                  <a:txBody>
-                    <a:bodyPr/>
-                    <a:lstStyle/>
-                    <a:p>
-                      <a:pPr algn="ctr"/>
                       <a:endParaRPr lang="zh-CN" altLang="en-US" sz="800" kern="1200" dirty="0">
                         <a:solidFill>
                           <a:schemeClr val="dk1"/>
@@ -29976,6 +31188,24 @@
                     <a:lstStyle/>
                     <a:p>
                       <a:pPr algn="ctr"/>
+                      <a:endParaRPr lang="zh-CN" altLang="en-US" sz="800" kern="1200" dirty="0">
+                        <a:solidFill>
+                          <a:schemeClr val="dk1"/>
+                        </a:solidFill>
+                        <a:latin typeface="微软雅黑" panose="020B0503020204020204" pitchFamily="34" charset="-122"/>
+                        <a:ea typeface="微软雅黑" panose="020B0503020204020204" pitchFamily="34" charset="-122"/>
+                        <a:cs typeface="+mn-cs"/>
+                      </a:endParaRPr>
+                    </a:p>
+                  </a:txBody>
+                  <a:tcPr anchor="ctr"/>
+                </a:tc>
+                <a:tc>
+                  <a:txBody>
+                    <a:bodyPr/>
+                    <a:lstStyle/>
+                    <a:p>
+                      <a:pPr algn="ctr"/>
                       <a:endParaRPr lang="zh-CN" altLang="en-US" sz="900" dirty="0">
                         <a:latin typeface="微软雅黑" panose="020B0503020204020204" pitchFamily="34" charset="-122"/>
                         <a:ea typeface="微软雅黑" panose="020B0503020204020204" pitchFamily="34" charset="-122"/>
@@ -29984,11 +31214,6 @@
                   </a:txBody>
                   <a:tcPr anchor="ctr"/>
                 </a:tc>
-                <a:extLst>
-                  <a:ext uri="{0D108BD9-81ED-4DB2-BD59-A6C34878D82A}">
-                    <a16:rowId xmlns:a16="http://schemas.microsoft.com/office/drawing/2014/main" val="10001"/>
-                  </a:ext>
-                </a:extLst>
               </a:tr>
               <a:tr h="347134">
                 <a:tc>
@@ -30127,6 +31352,14 @@
                         </a:rPr>
                         <a:t>机枪</a:t>
                       </a:r>
+                      <a:endParaRPr lang="zh-CN" altLang="en-US" sz="800" kern="1200" dirty="0">
+                        <a:solidFill>
+                          <a:schemeClr val="dk1"/>
+                        </a:solidFill>
+                        <a:latin typeface="微软雅黑" panose="020B0503020204020204" pitchFamily="34" charset="-122"/>
+                        <a:ea typeface="微软雅黑" panose="020B0503020204020204" pitchFamily="34" charset="-122"/>
+                        <a:cs typeface="+mn-cs"/>
+                      </a:endParaRPr>
                     </a:p>
                   </a:txBody>
                   <a:tcPr anchor="ctr"/>
@@ -30330,11 +31563,6 @@
                   </a:txBody>
                   <a:tcPr anchor="ctr"/>
                 </a:tc>
-                <a:extLst>
-                  <a:ext uri="{0D108BD9-81ED-4DB2-BD59-A6C34878D82A}">
-                    <a16:rowId xmlns:a16="http://schemas.microsoft.com/office/drawing/2014/main" val="10002"/>
-                  </a:ext>
-                </a:extLst>
               </a:tr>
               <a:tr h="389255">
                 <a:tc>
@@ -30443,16 +31671,6 @@
                         </a:rPr>
                         <a:t>机枪</a:t>
                       </a:r>
-                    </a:p>
-                  </a:txBody>
-                  <a:tcPr anchor="ctr"/>
-                </a:tc>
-                <a:tc>
-                  <a:txBody>
-                    <a:bodyPr/>
-                    <a:lstStyle/>
-                    <a:p>
-                      <a:pPr algn="ctr"/>
                       <a:endParaRPr lang="zh-CN" altLang="en-US" sz="800" kern="1200" dirty="0">
                         <a:solidFill>
                           <a:schemeClr val="dk1"/>
@@ -30543,6 +31761,24 @@
                     <a:lstStyle/>
                     <a:p>
                       <a:pPr algn="ctr"/>
+                      <a:endParaRPr lang="zh-CN" altLang="en-US" sz="800" kern="1200" dirty="0">
+                        <a:solidFill>
+                          <a:schemeClr val="dk1"/>
+                        </a:solidFill>
+                        <a:latin typeface="微软雅黑" panose="020B0503020204020204" pitchFamily="34" charset="-122"/>
+                        <a:ea typeface="微软雅黑" panose="020B0503020204020204" pitchFamily="34" charset="-122"/>
+                        <a:cs typeface="+mn-cs"/>
+                      </a:endParaRPr>
+                    </a:p>
+                  </a:txBody>
+                  <a:tcPr anchor="ctr"/>
+                </a:tc>
+                <a:tc>
+                  <a:txBody>
+                    <a:bodyPr/>
+                    <a:lstStyle/>
+                    <a:p>
+                      <a:pPr algn="ctr"/>
                       <a:endParaRPr lang="zh-CN" altLang="en-US" sz="900" dirty="0">
                         <a:latin typeface="微软雅黑" panose="020B0503020204020204" pitchFamily="34" charset="-122"/>
                         <a:ea typeface="微软雅黑" panose="020B0503020204020204" pitchFamily="34" charset="-122"/>
@@ -30551,11 +31787,6 @@
                   </a:txBody>
                   <a:tcPr anchor="ctr"/>
                 </a:tc>
-                <a:extLst>
-                  <a:ext uri="{0D108BD9-81ED-4DB2-BD59-A6C34878D82A}">
-                    <a16:rowId xmlns:a16="http://schemas.microsoft.com/office/drawing/2014/main" val="10003"/>
-                  </a:ext>
-                </a:extLst>
               </a:tr>
               <a:tr h="372534">
                 <a:tc>
@@ -30664,16 +31895,6 @@
                         </a:rPr>
                         <a:t>机枪</a:t>
                       </a:r>
-                    </a:p>
-                  </a:txBody>
-                  <a:tcPr anchor="ctr"/>
-                </a:tc>
-                <a:tc>
-                  <a:txBody>
-                    <a:bodyPr/>
-                    <a:lstStyle/>
-                    <a:p>
-                      <a:pPr algn="ctr"/>
                       <a:endParaRPr lang="zh-CN" altLang="en-US" sz="800" kern="1200" dirty="0">
                         <a:solidFill>
                           <a:schemeClr val="dk1"/>
@@ -30764,6 +31985,24 @@
                     <a:lstStyle/>
                     <a:p>
                       <a:pPr algn="ctr"/>
+                      <a:endParaRPr lang="zh-CN" altLang="en-US" sz="800" kern="1200" dirty="0">
+                        <a:solidFill>
+                          <a:schemeClr val="dk1"/>
+                        </a:solidFill>
+                        <a:latin typeface="微软雅黑" panose="020B0503020204020204" pitchFamily="34" charset="-122"/>
+                        <a:ea typeface="微软雅黑" panose="020B0503020204020204" pitchFamily="34" charset="-122"/>
+                        <a:cs typeface="+mn-cs"/>
+                      </a:endParaRPr>
+                    </a:p>
+                  </a:txBody>
+                  <a:tcPr anchor="ctr"/>
+                </a:tc>
+                <a:tc>
+                  <a:txBody>
+                    <a:bodyPr/>
+                    <a:lstStyle/>
+                    <a:p>
+                      <a:pPr algn="ctr"/>
                       <a:endParaRPr lang="zh-CN" altLang="en-US" sz="900" dirty="0">
                         <a:latin typeface="微软雅黑" panose="020B0503020204020204" pitchFamily="34" charset="-122"/>
                         <a:ea typeface="微软雅黑" panose="020B0503020204020204" pitchFamily="34" charset="-122"/>
@@ -30772,11 +32011,6 @@
                   </a:txBody>
                   <a:tcPr anchor="ctr"/>
                 </a:tc>
-                <a:extLst>
-                  <a:ext uri="{0D108BD9-81ED-4DB2-BD59-A6C34878D82A}">
-                    <a16:rowId xmlns:a16="http://schemas.microsoft.com/office/drawing/2014/main" val="10004"/>
-                  </a:ext>
-                </a:extLst>
               </a:tr>
               <a:tr h="389466">
                 <a:tc>
@@ -30885,16 +32119,6 @@
                         </a:rPr>
                         <a:t>机枪</a:t>
                       </a:r>
-                    </a:p>
-                  </a:txBody>
-                  <a:tcPr anchor="ctr"/>
-                </a:tc>
-                <a:tc>
-                  <a:txBody>
-                    <a:bodyPr/>
-                    <a:lstStyle/>
-                    <a:p>
-                      <a:pPr algn="ctr"/>
                       <a:endParaRPr lang="zh-CN" altLang="en-US" sz="800" kern="1200" dirty="0">
                         <a:solidFill>
                           <a:schemeClr val="dk1"/>
@@ -30985,6 +32209,24 @@
                     <a:lstStyle/>
                     <a:p>
                       <a:pPr algn="ctr"/>
+                      <a:endParaRPr lang="zh-CN" altLang="en-US" sz="800" kern="1200" dirty="0">
+                        <a:solidFill>
+                          <a:schemeClr val="dk1"/>
+                        </a:solidFill>
+                        <a:latin typeface="微软雅黑" panose="020B0503020204020204" pitchFamily="34" charset="-122"/>
+                        <a:ea typeface="微软雅黑" panose="020B0503020204020204" pitchFamily="34" charset="-122"/>
+                        <a:cs typeface="+mn-cs"/>
+                      </a:endParaRPr>
+                    </a:p>
+                  </a:txBody>
+                  <a:tcPr anchor="ctr"/>
+                </a:tc>
+                <a:tc>
+                  <a:txBody>
+                    <a:bodyPr/>
+                    <a:lstStyle/>
+                    <a:p>
+                      <a:pPr algn="ctr"/>
                       <a:endParaRPr lang="zh-CN" altLang="en-US" sz="900" dirty="0">
                         <a:latin typeface="微软雅黑" panose="020B0503020204020204" pitchFamily="34" charset="-122"/>
                         <a:ea typeface="微软雅黑" panose="020B0503020204020204" pitchFamily="34" charset="-122"/>
@@ -30993,11 +32235,6 @@
                   </a:txBody>
                   <a:tcPr anchor="ctr"/>
                 </a:tc>
-                <a:extLst>
-                  <a:ext uri="{0D108BD9-81ED-4DB2-BD59-A6C34878D82A}">
-                    <a16:rowId xmlns:a16="http://schemas.microsoft.com/office/drawing/2014/main" val="10005"/>
-                  </a:ext>
-                </a:extLst>
               </a:tr>
               <a:tr h="350213">
                 <a:tc>
@@ -31106,16 +32343,6 @@
                         </a:rPr>
                         <a:t>机枪</a:t>
                       </a:r>
-                    </a:p>
-                  </a:txBody>
-                  <a:tcPr anchor="ctr"/>
-                </a:tc>
-                <a:tc>
-                  <a:txBody>
-                    <a:bodyPr/>
-                    <a:lstStyle/>
-                    <a:p>
-                      <a:pPr algn="ctr"/>
                       <a:endParaRPr lang="zh-CN" altLang="en-US" sz="800" kern="1200" dirty="0">
                         <a:solidFill>
                           <a:schemeClr val="dk1"/>
@@ -31206,6 +32433,24 @@
                     <a:lstStyle/>
                     <a:p>
                       <a:pPr algn="ctr"/>
+                      <a:endParaRPr lang="zh-CN" altLang="en-US" sz="800" kern="1200" dirty="0">
+                        <a:solidFill>
+                          <a:schemeClr val="dk1"/>
+                        </a:solidFill>
+                        <a:latin typeface="微软雅黑" panose="020B0503020204020204" pitchFamily="34" charset="-122"/>
+                        <a:ea typeface="微软雅黑" panose="020B0503020204020204" pitchFamily="34" charset="-122"/>
+                        <a:cs typeface="+mn-cs"/>
+                      </a:endParaRPr>
+                    </a:p>
+                  </a:txBody>
+                  <a:tcPr anchor="ctr"/>
+                </a:tc>
+                <a:tc>
+                  <a:txBody>
+                    <a:bodyPr/>
+                    <a:lstStyle/>
+                    <a:p>
+                      <a:pPr algn="ctr"/>
                       <a:endParaRPr lang="zh-CN" altLang="en-US" sz="900" dirty="0">
                         <a:latin typeface="微软雅黑" panose="020B0503020204020204" pitchFamily="34" charset="-122"/>
                         <a:ea typeface="微软雅黑" panose="020B0503020204020204" pitchFamily="34" charset="-122"/>
@@ -31214,11 +32459,6 @@
                   </a:txBody>
                   <a:tcPr anchor="ctr"/>
                 </a:tc>
-                <a:extLst>
-                  <a:ext uri="{0D108BD9-81ED-4DB2-BD59-A6C34878D82A}">
-                    <a16:rowId xmlns:a16="http://schemas.microsoft.com/office/drawing/2014/main" val="10006"/>
-                  </a:ext>
-                </a:extLst>
               </a:tr>
               <a:tr h="381000">
                 <a:tc>
@@ -31357,6 +32597,14 @@
                         </a:rPr>
                         <a:t>机枪</a:t>
                       </a:r>
+                      <a:endParaRPr lang="zh-CN" altLang="en-US" sz="800" kern="1200" dirty="0">
+                        <a:solidFill>
+                          <a:schemeClr val="dk1"/>
+                        </a:solidFill>
+                        <a:latin typeface="微软雅黑" panose="020B0503020204020204" pitchFamily="34" charset="-122"/>
+                        <a:ea typeface="微软雅黑" panose="020B0503020204020204" pitchFamily="34" charset="-122"/>
+                        <a:cs typeface="+mn-cs"/>
+                      </a:endParaRPr>
                     </a:p>
                   </a:txBody>
                   <a:tcPr anchor="ctr"/>
@@ -31560,11 +32808,6 @@
                   </a:txBody>
                   <a:tcPr anchor="ctr"/>
                 </a:tc>
-                <a:extLst>
-                  <a:ext uri="{0D108BD9-81ED-4DB2-BD59-A6C34878D82A}">
-                    <a16:rowId xmlns:a16="http://schemas.microsoft.com/office/drawing/2014/main" val="10007"/>
-                  </a:ext>
-                </a:extLst>
               </a:tr>
             </a:tbl>
           </a:graphicData>
@@ -31628,6 +32871,15 @@
               </a:rPr>
               <a:t>编辑</a:t>
             </a:r>
+            <a:endParaRPr lang="zh-CN" altLang="en-US" sz="900" dirty="0">
+              <a:solidFill>
+                <a:schemeClr val="accent6">
+                  <a:lumMod val="75000"/>
+                </a:schemeClr>
+              </a:solidFill>
+              <a:latin typeface="微软雅黑" panose="020B0503020204020204" pitchFamily="34" charset="-122"/>
+              <a:ea typeface="微软雅黑" panose="020B0503020204020204" pitchFamily="34" charset="-122"/>
+            </a:endParaRPr>
           </a:p>
         </p:txBody>
       </p:sp>
@@ -31685,6 +32937,13 @@
               </a:rPr>
               <a:t>删除</a:t>
             </a:r>
+            <a:endParaRPr lang="zh-CN" altLang="en-US" sz="900" dirty="0">
+              <a:solidFill>
+                <a:srgbClr val="FF0000"/>
+              </a:solidFill>
+              <a:latin typeface="微软雅黑" panose="020B0503020204020204" pitchFamily="34" charset="-122"/>
+              <a:ea typeface="微软雅黑" panose="020B0503020204020204" pitchFamily="34" charset="-122"/>
+            </a:endParaRPr>
           </a:p>
         </p:txBody>
       </p:sp>
@@ -31746,6 +33005,15 @@
               </a:rPr>
               <a:t>编辑</a:t>
             </a:r>
+            <a:endParaRPr lang="zh-CN" altLang="en-US" sz="900" dirty="0">
+              <a:solidFill>
+                <a:schemeClr val="accent6">
+                  <a:lumMod val="75000"/>
+                </a:schemeClr>
+              </a:solidFill>
+              <a:latin typeface="微软雅黑" panose="020B0503020204020204" pitchFamily="34" charset="-122"/>
+              <a:ea typeface="微软雅黑" panose="020B0503020204020204" pitchFamily="34" charset="-122"/>
+            </a:endParaRPr>
           </a:p>
         </p:txBody>
       </p:sp>
@@ -31803,6 +33071,13 @@
               </a:rPr>
               <a:t>删除</a:t>
             </a:r>
+            <a:endParaRPr lang="zh-CN" altLang="en-US" sz="900" dirty="0">
+              <a:solidFill>
+                <a:srgbClr val="FF0000"/>
+              </a:solidFill>
+              <a:latin typeface="微软雅黑" panose="020B0503020204020204" pitchFamily="34" charset="-122"/>
+              <a:ea typeface="微软雅黑" panose="020B0503020204020204" pitchFamily="34" charset="-122"/>
+            </a:endParaRPr>
           </a:p>
         </p:txBody>
       </p:sp>
@@ -31864,6 +33139,15 @@
               </a:rPr>
               <a:t>编辑</a:t>
             </a:r>
+            <a:endParaRPr lang="zh-CN" altLang="en-US" sz="900" dirty="0">
+              <a:solidFill>
+                <a:schemeClr val="accent6">
+                  <a:lumMod val="75000"/>
+                </a:schemeClr>
+              </a:solidFill>
+              <a:latin typeface="微软雅黑" panose="020B0503020204020204" pitchFamily="34" charset="-122"/>
+              <a:ea typeface="微软雅黑" panose="020B0503020204020204" pitchFamily="34" charset="-122"/>
+            </a:endParaRPr>
           </a:p>
         </p:txBody>
       </p:sp>
@@ -31921,6 +33205,13 @@
               </a:rPr>
               <a:t>删除</a:t>
             </a:r>
+            <a:endParaRPr lang="zh-CN" altLang="en-US" sz="900" dirty="0">
+              <a:solidFill>
+                <a:srgbClr val="FF0000"/>
+              </a:solidFill>
+              <a:latin typeface="微软雅黑" panose="020B0503020204020204" pitchFamily="34" charset="-122"/>
+              <a:ea typeface="微软雅黑" panose="020B0503020204020204" pitchFamily="34" charset="-122"/>
+            </a:endParaRPr>
           </a:p>
         </p:txBody>
       </p:sp>
@@ -31982,6 +33273,15 @@
               </a:rPr>
               <a:t>编辑</a:t>
             </a:r>
+            <a:endParaRPr lang="zh-CN" altLang="en-US" sz="900" dirty="0">
+              <a:solidFill>
+                <a:schemeClr val="accent6">
+                  <a:lumMod val="75000"/>
+                </a:schemeClr>
+              </a:solidFill>
+              <a:latin typeface="微软雅黑" panose="020B0503020204020204" pitchFamily="34" charset="-122"/>
+              <a:ea typeface="微软雅黑" panose="020B0503020204020204" pitchFamily="34" charset="-122"/>
+            </a:endParaRPr>
           </a:p>
         </p:txBody>
       </p:sp>
@@ -32039,6 +33339,13 @@
               </a:rPr>
               <a:t>删除</a:t>
             </a:r>
+            <a:endParaRPr lang="zh-CN" altLang="en-US" sz="900" dirty="0">
+              <a:solidFill>
+                <a:srgbClr val="FF0000"/>
+              </a:solidFill>
+              <a:latin typeface="微软雅黑" panose="020B0503020204020204" pitchFamily="34" charset="-122"/>
+              <a:ea typeface="微软雅黑" panose="020B0503020204020204" pitchFamily="34" charset="-122"/>
+            </a:endParaRPr>
           </a:p>
         </p:txBody>
       </p:sp>
@@ -32100,6 +33407,15 @@
               </a:rPr>
               <a:t>编辑</a:t>
             </a:r>
+            <a:endParaRPr lang="zh-CN" altLang="en-US" sz="900" dirty="0">
+              <a:solidFill>
+                <a:schemeClr val="accent6">
+                  <a:lumMod val="75000"/>
+                </a:schemeClr>
+              </a:solidFill>
+              <a:latin typeface="微软雅黑" panose="020B0503020204020204" pitchFamily="34" charset="-122"/>
+              <a:ea typeface="微软雅黑" panose="020B0503020204020204" pitchFamily="34" charset="-122"/>
+            </a:endParaRPr>
           </a:p>
         </p:txBody>
       </p:sp>
@@ -32157,6 +33473,13 @@
               </a:rPr>
               <a:t>删除</a:t>
             </a:r>
+            <a:endParaRPr lang="zh-CN" altLang="en-US" sz="900" dirty="0">
+              <a:solidFill>
+                <a:srgbClr val="FF0000"/>
+              </a:solidFill>
+              <a:latin typeface="微软雅黑" panose="020B0503020204020204" pitchFamily="34" charset="-122"/>
+              <a:ea typeface="微软雅黑" panose="020B0503020204020204" pitchFamily="34" charset="-122"/>
+            </a:endParaRPr>
           </a:p>
         </p:txBody>
       </p:sp>
@@ -32218,6 +33541,15 @@
               </a:rPr>
               <a:t>编辑</a:t>
             </a:r>
+            <a:endParaRPr lang="zh-CN" altLang="en-US" sz="900" dirty="0">
+              <a:solidFill>
+                <a:schemeClr val="accent6">
+                  <a:lumMod val="75000"/>
+                </a:schemeClr>
+              </a:solidFill>
+              <a:latin typeface="微软雅黑" panose="020B0503020204020204" pitchFamily="34" charset="-122"/>
+              <a:ea typeface="微软雅黑" panose="020B0503020204020204" pitchFamily="34" charset="-122"/>
+            </a:endParaRPr>
           </a:p>
         </p:txBody>
       </p:sp>
@@ -32275,6 +33607,13 @@
               </a:rPr>
               <a:t>删除</a:t>
             </a:r>
+            <a:endParaRPr lang="zh-CN" altLang="en-US" sz="900" dirty="0">
+              <a:solidFill>
+                <a:srgbClr val="FF0000"/>
+              </a:solidFill>
+              <a:latin typeface="微软雅黑" panose="020B0503020204020204" pitchFamily="34" charset="-122"/>
+              <a:ea typeface="微软雅黑" panose="020B0503020204020204" pitchFamily="34" charset="-122"/>
+            </a:endParaRPr>
           </a:p>
         </p:txBody>
       </p:sp>
@@ -32336,6 +33675,15 @@
               </a:rPr>
               <a:t>编辑</a:t>
             </a:r>
+            <a:endParaRPr lang="zh-CN" altLang="en-US" sz="900" dirty="0">
+              <a:solidFill>
+                <a:schemeClr val="accent6">
+                  <a:lumMod val="75000"/>
+                </a:schemeClr>
+              </a:solidFill>
+              <a:latin typeface="微软雅黑" panose="020B0503020204020204" pitchFamily="34" charset="-122"/>
+              <a:ea typeface="微软雅黑" panose="020B0503020204020204" pitchFamily="34" charset="-122"/>
+            </a:endParaRPr>
           </a:p>
         </p:txBody>
       </p:sp>
@@ -32393,6 +33741,13 @@
               </a:rPr>
               <a:t>删除</a:t>
             </a:r>
+            <a:endParaRPr lang="zh-CN" altLang="en-US" sz="900" dirty="0">
+              <a:solidFill>
+                <a:srgbClr val="FF0000"/>
+              </a:solidFill>
+              <a:latin typeface="微软雅黑" panose="020B0503020204020204" pitchFamily="34" charset="-122"/>
+              <a:ea typeface="微软雅黑" panose="020B0503020204020204" pitchFamily="34" charset="-122"/>
+            </a:endParaRPr>
           </a:p>
         </p:txBody>
       </p:sp>
@@ -32454,6 +33809,15 @@
               </a:rPr>
               <a:t>保 存</a:t>
             </a:r>
+            <a:endParaRPr lang="zh-CN" altLang="en-US" sz="1400" b="1" dirty="0">
+              <a:solidFill>
+                <a:schemeClr val="accent6">
+                  <a:lumMod val="75000"/>
+                </a:schemeClr>
+              </a:solidFill>
+              <a:latin typeface="微软雅黑" panose="020B0503020204020204" pitchFamily="34" charset="-122"/>
+              <a:ea typeface="微软雅黑" panose="020B0503020204020204" pitchFamily="34" charset="-122"/>
+            </a:endParaRPr>
           </a:p>
         </p:txBody>
       </p:sp>
@@ -32511,6 +33875,13 @@
               </a:rPr>
               <a:t>取消</a:t>
             </a:r>
+            <a:endParaRPr lang="zh-CN" altLang="en-US" sz="1400" b="1" dirty="0">
+              <a:solidFill>
+                <a:srgbClr val="FF0000"/>
+              </a:solidFill>
+              <a:latin typeface="微软雅黑" panose="020B0503020204020204" pitchFamily="34" charset="-122"/>
+              <a:ea typeface="微软雅黑" panose="020B0503020204020204" pitchFamily="34" charset="-122"/>
+            </a:endParaRPr>
           </a:p>
         </p:txBody>
       </p:sp>
@@ -32746,6 +34117,7 @@
               <a:rPr lang="zh-CN" altLang="en-US" dirty="0"/>
               <a:t>点击“编辑”则进入拍照识别页面</a:t>
             </a:r>
+            <a:endParaRPr lang="zh-CN" altLang="en-US" dirty="0"/>
           </a:p>
         </p:txBody>
       </p:sp>
@@ -32807,6 +34179,15 @@
               </a:rPr>
               <a:t>打印单装卡片</a:t>
             </a:r>
+            <a:endParaRPr lang="zh-CN" altLang="en-US" sz="1400" b="1" dirty="0">
+              <a:solidFill>
+                <a:schemeClr val="accent6">
+                  <a:lumMod val="75000"/>
+                </a:schemeClr>
+              </a:solidFill>
+              <a:latin typeface="微软雅黑" panose="020B0503020204020204" pitchFamily="34" charset="-122"/>
+              <a:ea typeface="微软雅黑" panose="020B0503020204020204" pitchFamily="34" charset="-122"/>
+            </a:endParaRPr>
           </a:p>
         </p:txBody>
       </p:sp>
@@ -32863,6 +34244,7 @@
               <a:rPr lang="zh-CN" altLang="en-US" dirty="0"/>
               <a:t>退役报废军械装备单装卡片”</a:t>
             </a:r>
+            <a:endParaRPr lang="zh-CN" altLang="en-US" dirty="0"/>
           </a:p>
         </p:txBody>
       </p:sp>
@@ -32911,6 +34293,7 @@
               <a:rPr lang="zh-CN" altLang="en-US" dirty="0"/>
               <a:t>操作员可以对单装信息进行增删查改</a:t>
             </a:r>
+            <a:endParaRPr lang="zh-CN" altLang="en-US" dirty="0"/>
           </a:p>
         </p:txBody>
       </p:sp>
@@ -32948,6 +34331,15 @@
               </a:rPr>
               <a:t>枪 支 信 息 智 能 管 理 系 统</a:t>
             </a:r>
+            <a:endParaRPr lang="zh-CN" altLang="en-US" sz="2400" b="1" dirty="0">
+              <a:solidFill>
+                <a:schemeClr val="accent6">
+                  <a:lumMod val="75000"/>
+                </a:schemeClr>
+              </a:solidFill>
+              <a:latin typeface="微软雅黑" panose="020B0503020204020204" pitchFamily="34" charset="-122"/>
+              <a:ea typeface="微软雅黑" panose="020B0503020204020204" pitchFamily="34" charset="-122"/>
+            </a:endParaRPr>
           </a:p>
         </p:txBody>
       </p:sp>
@@ -32960,7 +34352,7 @@
           <p:nvPr/>
         </p:nvPicPr>
         <p:blipFill>
-          <a:blip r:embed="rId3" cstate="print">
+          <a:blip r:embed="rId2" cstate="print">
             <a:extLst>
               <a:ext uri="{28A0092B-C50C-407E-A947-70E740481C1C}">
                 <a14:useLocalDpi xmlns:a14="http://schemas.microsoft.com/office/drawing/2010/main" val="0"/>
@@ -33045,6 +34437,13 @@
                 </a:rPr>
                 <a:t>返回</a:t>
               </a:r>
+              <a:endParaRPr lang="zh-CN" altLang="en-US" sz="1400" b="1" dirty="0">
+                <a:solidFill>
+                  <a:srgbClr val="00B0F0"/>
+                </a:solidFill>
+                <a:latin typeface="微软雅黑" panose="020B0503020204020204" pitchFamily="34" charset="-122"/>
+                <a:ea typeface="微软雅黑" panose="020B0503020204020204" pitchFamily="34" charset="-122"/>
+              </a:endParaRPr>
             </a:p>
           </p:txBody>
         </p:sp>
@@ -33153,6 +34552,10 @@
               </a:rPr>
               <a:t>检视页面</a:t>
             </a:r>
+            <a:endParaRPr lang="zh-CN" altLang="en-US" b="1" dirty="0">
+              <a:latin typeface="微软雅黑" panose="020B0503020204020204" pitchFamily="34" charset="-122"/>
+              <a:ea typeface="微软雅黑" panose="020B0503020204020204" pitchFamily="34" charset="-122"/>
+            </a:endParaRPr>
           </a:p>
         </p:txBody>
       </p:sp>
@@ -33305,6 +34708,15 @@
               </a:rPr>
               <a:t>账号管理</a:t>
             </a:r>
+            <a:endParaRPr lang="zh-CN" altLang="en-US" dirty="0">
+              <a:solidFill>
+                <a:schemeClr val="accent6">
+                  <a:lumMod val="75000"/>
+                </a:schemeClr>
+              </a:solidFill>
+              <a:latin typeface="微软雅黑" panose="020B0503020204020204" pitchFamily="34" charset="-122"/>
+              <a:ea typeface="微软雅黑" panose="020B0503020204020204" pitchFamily="34" charset="-122"/>
+            </a:endParaRPr>
           </a:p>
         </p:txBody>
       </p:sp>
@@ -33368,6 +34780,13 @@
               </a:rPr>
               <a:t>编码检视</a:t>
             </a:r>
+            <a:endParaRPr lang="zh-CN" altLang="en-US" dirty="0">
+              <a:solidFill>
+                <a:schemeClr val="bg1"/>
+              </a:solidFill>
+              <a:latin typeface="微软雅黑" panose="020B0503020204020204" pitchFamily="34" charset="-122"/>
+              <a:ea typeface="微软雅黑" panose="020B0503020204020204" pitchFamily="34" charset="-122"/>
+            </a:endParaRPr>
           </a:p>
         </p:txBody>
       </p:sp>
@@ -33431,6 +34850,15 @@
               </a:rPr>
               <a:t>信息管理</a:t>
             </a:r>
+            <a:endParaRPr lang="zh-CN" altLang="en-US" dirty="0">
+              <a:solidFill>
+                <a:schemeClr val="accent6">
+                  <a:lumMod val="75000"/>
+                </a:schemeClr>
+              </a:solidFill>
+              <a:latin typeface="微软雅黑" panose="020B0503020204020204" pitchFamily="34" charset="-122"/>
+              <a:ea typeface="微软雅黑" panose="020B0503020204020204" pitchFamily="34" charset="-122"/>
+            </a:endParaRPr>
           </a:p>
         </p:txBody>
       </p:sp>
@@ -33548,6 +34976,16 @@
               </a:rPr>
               <a:t>编码拍照</a:t>
             </a:r>
+            <a:endParaRPr lang="zh-CN" altLang="en-US" sz="1600" dirty="0">
+              <a:solidFill>
+                <a:schemeClr val="accent4">
+                  <a:lumMod val="60000"/>
+                  <a:lumOff val="40000"/>
+                </a:schemeClr>
+              </a:solidFill>
+              <a:latin typeface="微软雅黑" panose="020B0503020204020204" pitchFamily="34" charset="-122"/>
+              <a:ea typeface="微软雅黑" panose="020B0503020204020204" pitchFamily="34" charset="-122"/>
+            </a:endParaRPr>
           </a:p>
         </p:txBody>
       </p:sp>
@@ -33583,6 +35021,13 @@
               </a:rPr>
               <a:t>图像识别</a:t>
             </a:r>
+            <a:endParaRPr lang="zh-CN" altLang="en-US" dirty="0">
+              <a:solidFill>
+                <a:schemeClr val="bg1"/>
+              </a:solidFill>
+              <a:latin typeface="微软雅黑" panose="020B0503020204020204" pitchFamily="34" charset="-122"/>
+              <a:ea typeface="微软雅黑" panose="020B0503020204020204" pitchFamily="34" charset="-122"/>
+            </a:endParaRPr>
           </a:p>
         </p:txBody>
       </p:sp>
@@ -33618,6 +35063,13 @@
               </a:rPr>
               <a:t>人工修正</a:t>
             </a:r>
+            <a:endParaRPr lang="zh-CN" altLang="en-US" dirty="0">
+              <a:solidFill>
+                <a:schemeClr val="bg1"/>
+              </a:solidFill>
+              <a:latin typeface="微软雅黑" panose="020B0503020204020204" pitchFamily="34" charset="-122"/>
+              <a:ea typeface="微软雅黑" panose="020B0503020204020204" pitchFamily="34" charset="-122"/>
+            </a:endParaRPr>
           </a:p>
         </p:txBody>
       </p:sp>
@@ -33775,6 +35227,15 @@
               </a:rPr>
               <a:t>保  存</a:t>
             </a:r>
+            <a:endParaRPr lang="zh-CN" altLang="en-US" sz="1400" b="1" dirty="0">
+              <a:solidFill>
+                <a:schemeClr val="accent6">
+                  <a:lumMod val="75000"/>
+                </a:schemeClr>
+              </a:solidFill>
+              <a:latin typeface="微软雅黑" panose="020B0503020204020204" pitchFamily="34" charset="-122"/>
+              <a:ea typeface="微软雅黑" panose="020B0503020204020204" pitchFamily="34" charset="-122"/>
+            </a:endParaRPr>
           </a:p>
         </p:txBody>
       </p:sp>
@@ -33834,6 +35295,13 @@
               </a:rPr>
               <a:t>修  正</a:t>
             </a:r>
+            <a:endParaRPr lang="zh-CN" altLang="en-US" sz="1400" b="1" dirty="0">
+              <a:solidFill>
+                <a:srgbClr val="FF0000"/>
+              </a:solidFill>
+              <a:latin typeface="微软雅黑" panose="020B0503020204020204" pitchFamily="34" charset="-122"/>
+              <a:ea typeface="微软雅黑" panose="020B0503020204020204" pitchFamily="34" charset="-122"/>
+            </a:endParaRPr>
           </a:p>
         </p:txBody>
       </p:sp>
@@ -33846,7 +35314,7 @@
           <p:nvPr/>
         </p:nvPicPr>
         <p:blipFill>
-          <a:blip r:embed="rId2"/>
+          <a:blip r:embed="rId1"/>
           <a:stretch>
             <a:fillRect/>
           </a:stretch>
@@ -33870,7 +35338,7 @@
           <p:nvPr/>
         </p:nvPicPr>
         <p:blipFill>
-          <a:blip r:embed="rId3" cstate="print">
+          <a:blip r:embed="rId2" cstate="print">
             <a:extLst>
               <a:ext uri="{28A0092B-C50C-407E-A947-70E740481C1C}">
                 <a14:useLocalDpi xmlns:a14="http://schemas.microsoft.com/office/drawing/2010/main" val="0"/>
@@ -34131,6 +35599,13 @@
               </a:rPr>
               <a:t>枪管</a:t>
             </a:r>
+            <a:endParaRPr lang="zh-CN" altLang="en-US" dirty="0">
+              <a:solidFill>
+                <a:schemeClr val="bg1"/>
+              </a:solidFill>
+              <a:latin typeface="微软雅黑" panose="020B0503020204020204" pitchFamily="34" charset="-122"/>
+              <a:ea typeface="微软雅黑" panose="020B0503020204020204" pitchFamily="34" charset="-122"/>
+            </a:endParaRPr>
           </a:p>
         </p:txBody>
       </p:sp>
@@ -34186,6 +35661,13 @@
               </a:rPr>
               <a:t>套筒</a:t>
             </a:r>
+            <a:endParaRPr lang="zh-CN" altLang="en-US" dirty="0">
+              <a:solidFill>
+                <a:schemeClr val="bg1"/>
+              </a:solidFill>
+              <a:latin typeface="微软雅黑" panose="020B0503020204020204" pitchFamily="34" charset="-122"/>
+              <a:ea typeface="微软雅黑" panose="020B0503020204020204" pitchFamily="34" charset="-122"/>
+            </a:endParaRPr>
           </a:p>
         </p:txBody>
       </p:sp>
@@ -34221,6 +35703,13 @@
               </a:rPr>
               <a:t>机枪框</a:t>
             </a:r>
+            <a:endParaRPr lang="zh-CN" altLang="en-US" dirty="0">
+              <a:solidFill>
+                <a:schemeClr val="bg1"/>
+              </a:solidFill>
+              <a:latin typeface="微软雅黑" panose="020B0503020204020204" pitchFamily="34" charset="-122"/>
+              <a:ea typeface="微软雅黑" panose="020B0503020204020204" pitchFamily="34" charset="-122"/>
+            </a:endParaRPr>
           </a:p>
         </p:txBody>
       </p:sp>
@@ -34256,6 +35745,13 @@
               </a:rPr>
               <a:t>备份枪管</a:t>
             </a:r>
+            <a:endParaRPr lang="zh-CN" altLang="en-US" dirty="0">
+              <a:solidFill>
+                <a:schemeClr val="bg1"/>
+              </a:solidFill>
+              <a:latin typeface="微软雅黑" panose="020B0503020204020204" pitchFamily="34" charset="-122"/>
+              <a:ea typeface="微软雅黑" panose="020B0503020204020204" pitchFamily="34" charset="-122"/>
+            </a:endParaRPr>
           </a:p>
         </p:txBody>
       </p:sp>
@@ -34642,6 +36138,11 @@
               </a:rPr>
               <a:t>是否保存？</a:t>
             </a:r>
+            <a:endParaRPr lang="zh-CN" altLang="en-US" dirty="0">
+              <a:solidFill>
+                <a:srgbClr val="FF0000"/>
+              </a:solidFill>
+            </a:endParaRPr>
           </a:p>
         </p:txBody>
       </p:sp>
@@ -34832,6 +36333,15 @@
               </a:rPr>
               <a:t>枪 支 信 息 智 能 管 理 系 统</a:t>
             </a:r>
+            <a:endParaRPr lang="zh-CN" altLang="en-US" sz="2400" b="1" dirty="0">
+              <a:solidFill>
+                <a:schemeClr val="accent6">
+                  <a:lumMod val="75000"/>
+                </a:schemeClr>
+              </a:solidFill>
+              <a:latin typeface="微软雅黑" panose="020B0503020204020204" pitchFamily="34" charset="-122"/>
+              <a:ea typeface="微软雅黑" panose="020B0503020204020204" pitchFamily="34" charset="-122"/>
+            </a:endParaRPr>
           </a:p>
         </p:txBody>
       </p:sp>
@@ -34897,6 +36407,16 @@
               </a:rPr>
               <a:t>整枪拍照</a:t>
             </a:r>
+            <a:endParaRPr lang="zh-CN" altLang="en-US" sz="1600" dirty="0">
+              <a:solidFill>
+                <a:schemeClr val="accent4">
+                  <a:lumMod val="60000"/>
+                  <a:lumOff val="40000"/>
+                </a:schemeClr>
+              </a:solidFill>
+              <a:latin typeface="微软雅黑" panose="020B0503020204020204" pitchFamily="34" charset="-122"/>
+              <a:ea typeface="微软雅黑" panose="020B0503020204020204" pitchFamily="34" charset="-122"/>
+            </a:endParaRPr>
           </a:p>
         </p:txBody>
       </p:sp>
@@ -34953,6 +36473,10 @@
               </a:rPr>
               <a:t>编码</a:t>
             </a:r>
+            <a:endParaRPr lang="zh-CN" altLang="en-US" sz="800" b="1" dirty="0">
+              <a:latin typeface="微软雅黑" panose="020B0503020204020204" pitchFamily="34" charset="-122"/>
+              <a:ea typeface="微软雅黑" panose="020B0503020204020204" pitchFamily="34" charset="-122"/>
+            </a:endParaRPr>
           </a:p>
         </p:txBody>
       </p:sp>
@@ -35012,6 +36536,15 @@
               </a:rPr>
               <a:t>整枪</a:t>
             </a:r>
+            <a:endParaRPr lang="zh-CN" altLang="en-US" sz="800" b="1" dirty="0">
+              <a:solidFill>
+                <a:schemeClr val="accent6">
+                  <a:lumMod val="75000"/>
+                </a:schemeClr>
+              </a:solidFill>
+              <a:latin typeface="微软雅黑" panose="020B0503020204020204" pitchFamily="34" charset="-122"/>
+              <a:ea typeface="微软雅黑" panose="020B0503020204020204" pitchFamily="34" charset="-122"/>
+            </a:endParaRPr>
           </a:p>
         </p:txBody>
       </p:sp>
@@ -35024,7 +36557,7 @@
           <p:nvPr/>
         </p:nvPicPr>
         <p:blipFill>
-          <a:blip r:embed="rId4" cstate="print">
+          <a:blip r:embed="rId3" cstate="print">
             <a:extLst>
               <a:ext uri="{28A0092B-C50C-407E-A947-70E740481C1C}">
                 <a14:useLocalDpi xmlns:a14="http://schemas.microsoft.com/office/drawing/2010/main" val="0"/>
@@ -35109,6 +36642,13 @@
                 </a:rPr>
                 <a:t>返回</a:t>
               </a:r>
+              <a:endParaRPr lang="zh-CN" altLang="en-US" sz="1400" b="1" dirty="0">
+                <a:solidFill>
+                  <a:srgbClr val="00B0F0"/>
+                </a:solidFill>
+                <a:latin typeface="微软雅黑" panose="020B0503020204020204" pitchFamily="34" charset="-122"/>
+                <a:ea typeface="微软雅黑" panose="020B0503020204020204" pitchFamily="34" charset="-122"/>
+              </a:endParaRPr>
             </a:p>
           </p:txBody>
         </p:sp>
@@ -35158,37 +36698,37 @@
 </file>
 
 <file path=ppt/tags/tag1.xml><?xml version="1.0" encoding="utf-8"?>
-<p:tagLst xmlns:a="http://schemas.openxmlformats.org/drawingml/2006/main" xmlns:r="http://schemas.openxmlformats.org/officeDocument/2006/relationships" xmlns:p="http://schemas.openxmlformats.org/presentationml/2006/main">
+<p:tagLst xmlns:p="http://schemas.openxmlformats.org/presentationml/2006/main">
   <p:tag name="KSO_WM_UNIT_TABLE_BEAUTIFY" val="smartTable{dd8108d9-6f33-421c-b378-359b62f75ba5}"/>
 </p:tagLst>
 </file>
 
 <file path=ppt/tags/tag2.xml><?xml version="1.0" encoding="utf-8"?>
-<p:tagLst xmlns:a="http://schemas.openxmlformats.org/drawingml/2006/main" xmlns:r="http://schemas.openxmlformats.org/officeDocument/2006/relationships" xmlns:p="http://schemas.openxmlformats.org/presentationml/2006/main">
+<p:tagLst xmlns:p="http://schemas.openxmlformats.org/presentationml/2006/main">
   <p:tag name="KSO_WM_UNIT_TABLE_BEAUTIFY" val="smartTable{1be6d635-a17e-48af-a140-ac4c98724ff2}"/>
 </p:tagLst>
 </file>
 
 <file path=ppt/tags/tag3.xml><?xml version="1.0" encoding="utf-8"?>
-<p:tagLst xmlns:a="http://schemas.openxmlformats.org/drawingml/2006/main" xmlns:r="http://schemas.openxmlformats.org/officeDocument/2006/relationships" xmlns:p="http://schemas.openxmlformats.org/presentationml/2006/main">
+<p:tagLst xmlns:p="http://schemas.openxmlformats.org/presentationml/2006/main">
   <p:tag name="KSO_WM_UNIT_TABLE_BEAUTIFY" val="smartTable{5744b056-b60b-46c1-bd2e-c672a445a84c}"/>
 </p:tagLst>
 </file>
 
 <file path=ppt/tags/tag4.xml><?xml version="1.0" encoding="utf-8"?>
-<p:tagLst xmlns:a="http://schemas.openxmlformats.org/drawingml/2006/main" xmlns:r="http://schemas.openxmlformats.org/officeDocument/2006/relationships" xmlns:p="http://schemas.openxmlformats.org/presentationml/2006/main">
+<p:tagLst xmlns:p="http://schemas.openxmlformats.org/presentationml/2006/main">
   <p:tag name="KSO_WM_UNIT_TABLE_BEAUTIFY" val="smartTable{fc26f18d-d0be-4a59-80e1-edc1fff846ac}"/>
 </p:tagLst>
 </file>
 
 <file path=ppt/tags/tag5.xml><?xml version="1.0" encoding="utf-8"?>
-<p:tagLst xmlns:a="http://schemas.openxmlformats.org/drawingml/2006/main" xmlns:r="http://schemas.openxmlformats.org/officeDocument/2006/relationships" xmlns:p="http://schemas.openxmlformats.org/presentationml/2006/main">
+<p:tagLst xmlns:p="http://schemas.openxmlformats.org/presentationml/2006/main">
   <p:tag name="KSO_WM_UNIT_TABLE_BEAUTIFY" val="smartTable{4bcdadb3-cb7c-4dd6-b802-7087cba01c2d}"/>
 </p:tagLst>
 </file>
 
 <file path=ppt/tags/tag6.xml><?xml version="1.0" encoding="utf-8"?>
-<p:tagLst xmlns:a="http://schemas.openxmlformats.org/drawingml/2006/main" xmlns:r="http://schemas.openxmlformats.org/officeDocument/2006/relationships" xmlns:p="http://schemas.openxmlformats.org/presentationml/2006/main">
+<p:tagLst xmlns:p="http://schemas.openxmlformats.org/presentationml/2006/main">
   <p:tag name="KSO_WM_UNIT_TABLE_BEAUTIFY" val="smartTable{37f1efd2-1f1d-4e40-9f5f-0b74c578e83a}"/>
 </p:tagLst>
 </file>
@@ -35444,8 +36984,6 @@
       </a:bgFillStyleLst>
     </a:fmtScheme>
   </a:themeElements>
-  <a:objectDefaults/>
-  <a:extraClrSchemeLst/>
   <a:extLst>
     <a:ext uri="{05A4C25C-085E-4340-85A3-A5531E510DB2}">
       <thm15:themeFamily xmlns:thm15="http://schemas.microsoft.com/office/thememl/2012/main" name="Office Theme" id="{62F939B6-93AF-4DB8-9C6B-D6C7DFDC589F}" vid="{4A3C46E8-61CC-4603-A589-7422A47A8E4A}"/>
@@ -35705,8 +37243,6 @@
       </a:bgFillStyleLst>
     </a:fmtScheme>
   </a:themeElements>
-  <a:objectDefaults/>
-  <a:extraClrSchemeLst/>
   <a:extLst>
     <a:ext uri="{05A4C25C-085E-4340-85A3-A5531E510DB2}">
       <thm15:themeFamily xmlns:thm15="http://schemas.microsoft.com/office/thememl/2012/main" name="Office Theme" id="{62F939B6-93AF-4DB8-9C6B-D6C7DFDC589F}" vid="{4A3C46E8-61CC-4603-A589-7422A47A8E4A}"/>
